--- a/_includes/slides/bacterial-transformation_II.pptx
+++ b/_includes/slides/bacterial-transformation_II.pptx
@@ -12,28 +12,32 @@
     <p:sldId id="298" r:id="rId6"/>
     <p:sldId id="300" r:id="rId7"/>
     <p:sldId id="288" r:id="rId8"/>
-    <p:sldId id="317" r:id="rId9"/>
-    <p:sldId id="301" r:id="rId10"/>
-    <p:sldId id="289" r:id="rId11"/>
-    <p:sldId id="302" r:id="rId12"/>
-    <p:sldId id="303" r:id="rId13"/>
-    <p:sldId id="304" r:id="rId14"/>
-    <p:sldId id="305" r:id="rId15"/>
-    <p:sldId id="306" r:id="rId16"/>
-    <p:sldId id="307" r:id="rId17"/>
-    <p:sldId id="283" r:id="rId18"/>
-    <p:sldId id="310" r:id="rId19"/>
-    <p:sldId id="311" r:id="rId20"/>
-    <p:sldId id="314" r:id="rId21"/>
-    <p:sldId id="315" r:id="rId22"/>
-    <p:sldId id="316" r:id="rId23"/>
-    <p:sldId id="285" r:id="rId24"/>
-    <p:sldId id="290" r:id="rId25"/>
-    <p:sldId id="291" r:id="rId26"/>
-    <p:sldId id="292" r:id="rId27"/>
-    <p:sldId id="293" r:id="rId28"/>
-    <p:sldId id="294" r:id="rId29"/>
-    <p:sldId id="296" r:id="rId30"/>
+    <p:sldId id="296" r:id="rId9"/>
+    <p:sldId id="317" r:id="rId10"/>
+    <p:sldId id="301" r:id="rId11"/>
+    <p:sldId id="289" r:id="rId12"/>
+    <p:sldId id="302" r:id="rId13"/>
+    <p:sldId id="303" r:id="rId14"/>
+    <p:sldId id="304" r:id="rId15"/>
+    <p:sldId id="305" r:id="rId16"/>
+    <p:sldId id="306" r:id="rId17"/>
+    <p:sldId id="307" r:id="rId18"/>
+    <p:sldId id="283" r:id="rId19"/>
+    <p:sldId id="310" r:id="rId20"/>
+    <p:sldId id="311" r:id="rId21"/>
+    <p:sldId id="314" r:id="rId22"/>
+    <p:sldId id="315" r:id="rId23"/>
+    <p:sldId id="316" r:id="rId24"/>
+    <p:sldId id="285" r:id="rId25"/>
+    <p:sldId id="318" r:id="rId26"/>
+    <p:sldId id="319" r:id="rId27"/>
+    <p:sldId id="320" r:id="rId28"/>
+    <p:sldId id="321" r:id="rId29"/>
+    <p:sldId id="322" r:id="rId30"/>
+    <p:sldId id="323" r:id="rId31"/>
+    <p:sldId id="324" r:id="rId32"/>
+    <p:sldId id="325" r:id="rId33"/>
+    <p:sldId id="326" r:id="rId34"/>
   </p:sldIdLst>
   <p:sldSz cx="12192000" cy="6858000"/>
   <p:notesSz cx="6858000" cy="9144000"/>
@@ -3454,7 +3458,7 @@
         </p:nvSpPr>
         <p:spPr>
           <a:xfrm>
-            <a:off x="0" y="2782669"/>
+            <a:off x="0" y="123939"/>
             <a:ext cx="12192000" cy="646331"/>
           </a:xfrm>
           <a:prstGeom prst="rect">
@@ -3471,15 +3475,45 @@
             <a:pPr algn="ctr"/>
             <a:r>
               <a:rPr lang="en-US" sz="3600" dirty="0"/>
-              <a:t>Results</a:t>
+              <a:t>During heat shock – (some) bacteria take up plasmid</a:t>
             </a:r>
           </a:p>
         </p:txBody>
       </p:sp>
+      <p:pic>
+        <p:nvPicPr>
+          <p:cNvPr id="3" name="Picture 2">
+            <a:extLst>
+              <a:ext uri="{FF2B5EF4-FFF2-40B4-BE49-F238E27FC236}">
+                <a16:creationId xmlns:a16="http://schemas.microsoft.com/office/drawing/2014/main" id="{6293A882-6D72-CF48-A62B-0A8FB9A58A9D}"/>
+              </a:ext>
+            </a:extLst>
+          </p:cNvPr>
+          <p:cNvPicPr>
+            <a:picLocks noChangeAspect="1"/>
+          </p:cNvPicPr>
+          <p:nvPr/>
+        </p:nvPicPr>
+        <p:blipFill>
+          <a:blip r:embed="rId2"/>
+          <a:stretch>
+            <a:fillRect/>
+          </a:stretch>
+        </p:blipFill>
+        <p:spPr>
+          <a:xfrm>
+            <a:off x="2391644" y="1765977"/>
+            <a:ext cx="7408712" cy="4261843"/>
+          </a:xfrm>
+          <a:prstGeom prst="rect">
+            <a:avLst/>
+          </a:prstGeom>
+        </p:spPr>
+      </p:pic>
     </p:spTree>
     <p:extLst>
       <p:ext uri="{BB962C8B-B14F-4D97-AF65-F5344CB8AC3E}">
-        <p14:creationId xmlns:p14="http://schemas.microsoft.com/office/powerpoint/2010/main" val="3102125145"/>
+        <p14:creationId xmlns:p14="http://schemas.microsoft.com/office/powerpoint/2010/main" val="298829115"/>
       </p:ext>
     </p:extLst>
   </p:cSld>
@@ -3520,7 +3554,7 @@
         </p:nvSpPr>
         <p:spPr>
           <a:xfrm>
-            <a:off x="0" y="123939"/>
+            <a:off x="0" y="2782669"/>
             <a:ext cx="12192000" cy="646331"/>
           </a:xfrm>
           <a:prstGeom prst="rect">
@@ -3537,79 +3571,7 @@
             <a:pPr algn="ctr"/>
             <a:r>
               <a:rPr lang="en-US" sz="3600" dirty="0"/>
-              <a:t>Controls </a:t>
-            </a:r>
-          </a:p>
-        </p:txBody>
-      </p:sp>
-      <p:sp>
-        <p:nvSpPr>
-          <p:cNvPr id="5" name="TextBox 4">
-            <a:extLst>
-              <a:ext uri="{FF2B5EF4-FFF2-40B4-BE49-F238E27FC236}">
-                <a16:creationId xmlns:a16="http://schemas.microsoft.com/office/drawing/2014/main" id="{2B806F03-6A52-D148-A247-CDEA14D44BC0}"/>
-              </a:ext>
-            </a:extLst>
-          </p:cNvPr>
-          <p:cNvSpPr txBox="1"/>
-          <p:nvPr/>
-        </p:nvSpPr>
-        <p:spPr>
-          <a:xfrm>
-            <a:off x="67159" y="1536174"/>
-            <a:ext cx="12057681" cy="3785652"/>
-          </a:xfrm>
-          <a:prstGeom prst="rect">
-            <a:avLst/>
-          </a:prstGeom>
-          <a:noFill/>
-        </p:spPr>
-        <p:txBody>
-          <a:bodyPr wrap="square" rtlCol="0">
-            <a:spAutoFit/>
-          </a:bodyPr>
-          <a:lstStyle/>
-          <a:p>
-            <a:pPr algn="ctr"/>
-            <a:r>
-              <a:rPr lang="en-US" sz="4800" dirty="0"/>
-              <a:t>Experiment:</a:t>
-            </a:r>
-          </a:p>
-          <a:p>
-            <a:pPr algn="ctr"/>
-            <a:r>
-              <a:rPr lang="en-US" sz="4800" dirty="0"/>
-              <a:t> </a:t>
-            </a:r>
-          </a:p>
-          <a:p>
-            <a:pPr algn="ctr"/>
-            <a:r>
-              <a:rPr lang="en-US" sz="4800" dirty="0"/>
-              <a:t>At what temperature does </a:t>
-            </a:r>
-          </a:p>
-          <a:p>
-            <a:pPr algn="ctr"/>
-            <a:r>
-              <a:rPr lang="en-US" sz="4800" dirty="0"/>
-              <a:t>ice (H</a:t>
-            </a:r>
-            <a:r>
-              <a:rPr lang="en-US" sz="4800" baseline="-25000" dirty="0"/>
-              <a:t>2</a:t>
-            </a:r>
-            <a:r>
-              <a:rPr lang="en-US" sz="4800" dirty="0"/>
-              <a:t>O) + Chemical “X” </a:t>
-            </a:r>
-          </a:p>
-          <a:p>
-            <a:pPr algn="ctr"/>
-            <a:r>
-              <a:rPr lang="en-US" sz="4800" dirty="0"/>
-              <a:t>melt? </a:t>
+              <a:t>Results</a:t>
             </a:r>
           </a:p>
         </p:txBody>
@@ -3617,7 +3579,7 @@
     </p:spTree>
     <p:extLst>
       <p:ext uri="{BB962C8B-B14F-4D97-AF65-F5344CB8AC3E}">
-        <p14:creationId xmlns:p14="http://schemas.microsoft.com/office/powerpoint/2010/main" val="2777600220"/>
+        <p14:creationId xmlns:p14="http://schemas.microsoft.com/office/powerpoint/2010/main" val="3102125145"/>
       </p:ext>
     </p:extLst>
   </p:cSld>
@@ -3682,10 +3644,10 @@
       </p:sp>
       <p:sp>
         <p:nvSpPr>
-          <p:cNvPr id="4" name="TextBox 3">
-            <a:extLst>
-              <a:ext uri="{FF2B5EF4-FFF2-40B4-BE49-F238E27FC236}">
-                <a16:creationId xmlns:a16="http://schemas.microsoft.com/office/drawing/2014/main" id="{69C36FBD-F5D6-294D-BE26-89A8BC983ED3}"/>
+          <p:cNvPr id="5" name="TextBox 4">
+            <a:extLst>
+              <a:ext uri="{FF2B5EF4-FFF2-40B4-BE49-F238E27FC236}">
+                <a16:creationId xmlns:a16="http://schemas.microsoft.com/office/drawing/2014/main" id="{2B806F03-6A52-D148-A247-CDEA14D44BC0}"/>
               </a:ext>
             </a:extLst>
           </p:cNvPr>
@@ -3694,8 +3656,8 @@
         </p:nvSpPr>
         <p:spPr>
           <a:xfrm>
-            <a:off x="145574" y="1926499"/>
-            <a:ext cx="11900852" cy="1200329"/>
+            <a:off x="67159" y="1536174"/>
+            <a:ext cx="12057681" cy="3785652"/>
           </a:xfrm>
           <a:prstGeom prst="rect">
             <a:avLst/>
@@ -3708,26 +3670,54 @@
           </a:bodyPr>
           <a:lstStyle/>
           <a:p>
-            <a:pPr algn="just"/>
-            <a:r>
-              <a:rPr lang="en-US" sz="3600" b="1" dirty="0"/>
-              <a:t>Positive control: </a:t>
-            </a:r>
-            <a:r>
-              <a:rPr lang="en-US" sz="3600" dirty="0"/>
-              <a:t>What does the effect look like if present?</a:t>
-            </a:r>
-          </a:p>
-          <a:p>
-            <a:pPr algn="just"/>
-            <a:endParaRPr lang="en-US" sz="3600" b="1" dirty="0"/>
+            <a:pPr algn="ctr"/>
+            <a:r>
+              <a:rPr lang="en-US" sz="4800" dirty="0"/>
+              <a:t>Experiment:</a:t>
+            </a:r>
+          </a:p>
+          <a:p>
+            <a:pPr algn="ctr"/>
+            <a:r>
+              <a:rPr lang="en-US" sz="4800" dirty="0"/>
+              <a:t> </a:t>
+            </a:r>
+          </a:p>
+          <a:p>
+            <a:pPr algn="ctr"/>
+            <a:r>
+              <a:rPr lang="en-US" sz="4800" dirty="0"/>
+              <a:t>At what temperature does </a:t>
+            </a:r>
+          </a:p>
+          <a:p>
+            <a:pPr algn="ctr"/>
+            <a:r>
+              <a:rPr lang="en-US" sz="4800" dirty="0"/>
+              <a:t>ice (H</a:t>
+            </a:r>
+            <a:r>
+              <a:rPr lang="en-US" sz="4800" baseline="-25000" dirty="0"/>
+              <a:t>2</a:t>
+            </a:r>
+            <a:r>
+              <a:rPr lang="en-US" sz="4800" dirty="0"/>
+              <a:t>O) + Chemical “X” </a:t>
+            </a:r>
+          </a:p>
+          <a:p>
+            <a:pPr algn="ctr"/>
+            <a:r>
+              <a:rPr lang="en-US" sz="4800" dirty="0"/>
+              <a:t>melt? </a:t>
+            </a:r>
           </a:p>
         </p:txBody>
       </p:sp>
     </p:spTree>
     <p:extLst>
       <p:ext uri="{BB962C8B-B14F-4D97-AF65-F5344CB8AC3E}">
-        <p14:creationId xmlns:p14="http://schemas.microsoft.com/office/powerpoint/2010/main" val="2416343316"/>
+        <p14:creationId xmlns:p14="http://schemas.microsoft.com/office/powerpoint/2010/main" val="2777600220"/>
       </p:ext>
     </p:extLst>
   </p:cSld>
@@ -3792,10 +3782,10 @@
       </p:sp>
       <p:sp>
         <p:nvSpPr>
-          <p:cNvPr id="5" name="TextBox 4">
-            <a:extLst>
-              <a:ext uri="{FF2B5EF4-FFF2-40B4-BE49-F238E27FC236}">
-                <a16:creationId xmlns:a16="http://schemas.microsoft.com/office/drawing/2014/main" id="{4AA3980B-5EA7-0247-B6BE-A21A5E950B6D}"/>
+          <p:cNvPr id="4" name="TextBox 3">
+            <a:extLst>
+              <a:ext uri="{FF2B5EF4-FFF2-40B4-BE49-F238E27FC236}">
+                <a16:creationId xmlns:a16="http://schemas.microsoft.com/office/drawing/2014/main" id="{69C36FBD-F5D6-294D-BE26-89A8BC983ED3}"/>
               </a:ext>
             </a:extLst>
           </p:cNvPr>
@@ -3805,7 +3795,7 @@
         <p:spPr>
           <a:xfrm>
             <a:off x="145574" y="1926499"/>
-            <a:ext cx="11900852" cy="2862322"/>
+            <a:ext cx="11900852" cy="1200329"/>
           </a:xfrm>
           <a:prstGeom prst="rect">
             <a:avLst/>
@@ -3832,31 +3822,12 @@
             <a:pPr algn="just"/>
             <a:endParaRPr lang="en-US" sz="3600" b="1" dirty="0"/>
           </a:p>
-          <a:p>
-            <a:pPr algn="just"/>
-            <a:r>
-              <a:rPr lang="en-US" sz="3600" b="1" dirty="0"/>
-              <a:t>Negative control: </a:t>
-            </a:r>
-            <a:r>
-              <a:rPr lang="en-US" sz="3600" dirty="0"/>
-              <a:t>What does the effect look like if absent?</a:t>
-            </a:r>
-          </a:p>
-          <a:p>
-            <a:pPr algn="just"/>
-            <a:endParaRPr lang="en-US" sz="3600" b="1" dirty="0"/>
-          </a:p>
-          <a:p>
-            <a:pPr algn="just"/>
-            <a:endParaRPr lang="en-US" sz="3600" b="1" dirty="0"/>
-          </a:p>
         </p:txBody>
       </p:sp>
     </p:spTree>
     <p:extLst>
       <p:ext uri="{BB962C8B-B14F-4D97-AF65-F5344CB8AC3E}">
-        <p14:creationId xmlns:p14="http://schemas.microsoft.com/office/powerpoint/2010/main" val="2934298974"/>
+        <p14:creationId xmlns:p14="http://schemas.microsoft.com/office/powerpoint/2010/main" val="2416343316"/>
       </p:ext>
     </p:extLst>
   </p:cSld>
@@ -3921,10 +3892,10 @@
       </p:sp>
       <p:sp>
         <p:nvSpPr>
-          <p:cNvPr id="4" name="TextBox 3">
-            <a:extLst>
-              <a:ext uri="{FF2B5EF4-FFF2-40B4-BE49-F238E27FC236}">
-                <a16:creationId xmlns:a16="http://schemas.microsoft.com/office/drawing/2014/main" id="{B474D204-CC72-6A47-87A6-BDFB03C095F3}"/>
+          <p:cNvPr id="5" name="TextBox 4">
+            <a:extLst>
+              <a:ext uri="{FF2B5EF4-FFF2-40B4-BE49-F238E27FC236}">
+                <a16:creationId xmlns:a16="http://schemas.microsoft.com/office/drawing/2014/main" id="{4AA3980B-5EA7-0247-B6BE-A21A5E950B6D}"/>
               </a:ext>
             </a:extLst>
           </p:cNvPr>
@@ -3934,7 +3905,7 @@
         <p:spPr>
           <a:xfrm>
             <a:off x="145574" y="1926499"/>
-            <a:ext cx="11900852" cy="3970318"/>
+            <a:ext cx="11900852" cy="2862322"/>
           </a:xfrm>
           <a:prstGeom prst="rect">
             <a:avLst/>
@@ -3978,18 +3949,6 @@
           </a:p>
           <a:p>
             <a:pPr algn="just"/>
-            <a:r>
-              <a:rPr lang="en-US" sz="3600" b="1" dirty="0"/>
-              <a:t>Sensitivity control: </a:t>
-            </a:r>
-            <a:r>
-              <a:rPr lang="en-US" sz="3600" dirty="0"/>
-              <a:t>Across what range of values can I measure the effect? </a:t>
-            </a:r>
-            <a:endParaRPr lang="en-US" sz="3600" b="1" dirty="0"/>
-          </a:p>
-          <a:p>
-            <a:pPr algn="just"/>
             <a:endParaRPr lang="en-US" sz="3600" b="1" dirty="0"/>
           </a:p>
         </p:txBody>
@@ -3997,7 +3956,7 @@
     </p:spTree>
     <p:extLst>
       <p:ext uri="{BB962C8B-B14F-4D97-AF65-F5344CB8AC3E}">
-        <p14:creationId xmlns:p14="http://schemas.microsoft.com/office/powerpoint/2010/main" val="2398831961"/>
+        <p14:creationId xmlns:p14="http://schemas.microsoft.com/office/powerpoint/2010/main" val="2934298974"/>
       </p:ext>
     </p:extLst>
   </p:cSld>
@@ -4062,10 +4021,10 @@
       </p:sp>
       <p:sp>
         <p:nvSpPr>
-          <p:cNvPr id="5" name="TextBox 4">
-            <a:extLst>
-              <a:ext uri="{FF2B5EF4-FFF2-40B4-BE49-F238E27FC236}">
-                <a16:creationId xmlns:a16="http://schemas.microsoft.com/office/drawing/2014/main" id="{CA8897A5-FF1C-E64B-9BCC-ED36168725FD}"/>
+          <p:cNvPr id="4" name="TextBox 3">
+            <a:extLst>
+              <a:ext uri="{FF2B5EF4-FFF2-40B4-BE49-F238E27FC236}">
+                <a16:creationId xmlns:a16="http://schemas.microsoft.com/office/drawing/2014/main" id="{B474D204-CC72-6A47-87A6-BDFB03C095F3}"/>
               </a:ext>
             </a:extLst>
           </p:cNvPr>
@@ -4074,8 +4033,8 @@
         </p:nvSpPr>
         <p:spPr>
           <a:xfrm>
-            <a:off x="362550" y="4669699"/>
-            <a:ext cx="3233057" cy="646331"/>
+            <a:off x="145574" y="1926499"/>
+            <a:ext cx="11900852" cy="3970318"/>
           </a:xfrm>
           <a:prstGeom prst="rect">
             <a:avLst/>
@@ -4091,322 +4050,54 @@
             <a:pPr algn="just"/>
             <a:r>
               <a:rPr lang="en-US" sz="3600" b="1" dirty="0"/>
-              <a:t>Positive control</a:t>
-            </a:r>
+              <a:t>Positive control: </a:t>
+            </a:r>
+            <a:r>
+              <a:rPr lang="en-US" sz="3600" dirty="0"/>
+              <a:t>What does the effect look like if present?</a:t>
+            </a:r>
+          </a:p>
+          <a:p>
+            <a:pPr algn="just"/>
+            <a:endParaRPr lang="en-US" sz="3600" b="1" dirty="0"/>
+          </a:p>
+          <a:p>
+            <a:pPr algn="just"/>
+            <a:r>
+              <a:rPr lang="en-US" sz="3600" b="1" dirty="0"/>
+              <a:t>Negative control: </a:t>
+            </a:r>
+            <a:r>
+              <a:rPr lang="en-US" sz="3600" dirty="0"/>
+              <a:t>What does the effect look like if absent?</a:t>
+            </a:r>
+          </a:p>
+          <a:p>
+            <a:pPr algn="just"/>
+            <a:endParaRPr lang="en-US" sz="3600" b="1" dirty="0"/>
+          </a:p>
+          <a:p>
+            <a:pPr algn="just"/>
+            <a:r>
+              <a:rPr lang="en-US" sz="3600" b="1" dirty="0"/>
+              <a:t>Sensitivity control: </a:t>
+            </a:r>
+            <a:r>
+              <a:rPr lang="en-US" sz="3600" dirty="0"/>
+              <a:t>Across what range of values can I measure the effect? </a:t>
+            </a:r>
+            <a:endParaRPr lang="en-US" sz="3600" b="1" dirty="0"/>
+          </a:p>
+          <a:p>
+            <a:pPr algn="just"/>
+            <a:endParaRPr lang="en-US" sz="3600" b="1" dirty="0"/>
           </a:p>
         </p:txBody>
       </p:sp>
-      <p:pic>
-        <p:nvPicPr>
-          <p:cNvPr id="6" name="Picture 2" descr="Image result for water in beaker">
-            <a:extLst>
-              <a:ext uri="{FF2B5EF4-FFF2-40B4-BE49-F238E27FC236}">
-                <a16:creationId xmlns:a16="http://schemas.microsoft.com/office/drawing/2014/main" id="{A7003E46-4FFA-6248-9C1B-3EA708824DC3}"/>
-              </a:ext>
-            </a:extLst>
-          </p:cNvPr>
-          <p:cNvPicPr>
-            <a:picLocks noChangeAspect="1" noChangeArrowheads="1"/>
-          </p:cNvPicPr>
-          <p:nvPr/>
-        </p:nvPicPr>
-        <p:blipFill>
-          <a:blip r:embed="rId2">
-            <a:extLst>
-              <a:ext uri="{28A0092B-C50C-407E-A947-70E740481C1C}">
-                <a14:useLocalDpi xmlns:a14="http://schemas.microsoft.com/office/drawing/2010/main" val="0"/>
-              </a:ext>
-            </a:extLst>
-          </a:blip>
-          <a:srcRect/>
-          <a:stretch>
-            <a:fillRect/>
-          </a:stretch>
-        </p:blipFill>
-        <p:spPr bwMode="auto">
-          <a:xfrm>
-            <a:off x="1219409" y="1972148"/>
-            <a:ext cx="1818259" cy="2466985"/>
-          </a:xfrm>
-          <a:prstGeom prst="rect">
-            <a:avLst/>
-          </a:prstGeom>
-          <a:noFill/>
-          <a:extLst>
-            <a:ext uri="{909E8E84-426E-40DD-AFC4-6F175D3DCCD1}">
-              <a14:hiddenFill xmlns:a14="http://schemas.microsoft.com/office/drawing/2010/main">
-                <a:solidFill>
-                  <a:srgbClr val="FFFFFF"/>
-                </a:solidFill>
-              </a14:hiddenFill>
-            </a:ext>
-          </a:extLst>
-        </p:spPr>
-      </p:pic>
-      <p:sp>
-        <p:nvSpPr>
-          <p:cNvPr id="7" name="TextBox 6">
-            <a:extLst>
-              <a:ext uri="{FF2B5EF4-FFF2-40B4-BE49-F238E27FC236}">
-                <a16:creationId xmlns:a16="http://schemas.microsoft.com/office/drawing/2014/main" id="{06EEF1FB-AACC-FB49-B4A2-2B5F1FB5DD2C}"/>
-              </a:ext>
-            </a:extLst>
-          </p:cNvPr>
-          <p:cNvSpPr txBox="1"/>
-          <p:nvPr/>
-        </p:nvSpPr>
-        <p:spPr>
-          <a:xfrm>
-            <a:off x="4259034" y="4669698"/>
-            <a:ext cx="3673929" cy="646331"/>
-          </a:xfrm>
-          <a:prstGeom prst="rect">
-            <a:avLst/>
-          </a:prstGeom>
-          <a:noFill/>
-        </p:spPr>
-        <p:txBody>
-          <a:bodyPr wrap="square" rtlCol="0">
-            <a:spAutoFit/>
-          </a:bodyPr>
-          <a:lstStyle/>
-          <a:p>
-            <a:pPr algn="just"/>
-            <a:r>
-              <a:rPr lang="en-US" sz="3600" b="1" dirty="0"/>
-              <a:t>Negative control</a:t>
-            </a:r>
-          </a:p>
-        </p:txBody>
-      </p:sp>
-      <p:pic>
-        <p:nvPicPr>
-          <p:cNvPr id="8" name="Picture 4">
-            <a:extLst>
-              <a:ext uri="{FF2B5EF4-FFF2-40B4-BE49-F238E27FC236}">
-                <a16:creationId xmlns:a16="http://schemas.microsoft.com/office/drawing/2014/main" id="{5C686EEE-590E-0D4B-B27A-D544D0C69C38}"/>
-              </a:ext>
-            </a:extLst>
-          </p:cNvPr>
-          <p:cNvPicPr>
-            <a:picLocks noChangeAspect="1" noChangeArrowheads="1"/>
-          </p:cNvPicPr>
-          <p:nvPr/>
-        </p:nvPicPr>
-        <p:blipFill>
-          <a:blip r:embed="rId3">
-            <a:extLst>
-              <a:ext uri="{28A0092B-C50C-407E-A947-70E740481C1C}">
-                <a14:useLocalDpi xmlns:a14="http://schemas.microsoft.com/office/drawing/2010/main" val="0"/>
-              </a:ext>
-            </a:extLst>
-          </a:blip>
-          <a:srcRect/>
-          <a:stretch>
-            <a:fillRect/>
-          </a:stretch>
-        </p:blipFill>
-        <p:spPr bwMode="auto">
-          <a:xfrm>
-            <a:off x="4936068" y="1972148"/>
-            <a:ext cx="2319863" cy="2474520"/>
-          </a:xfrm>
-          <a:prstGeom prst="rect">
-            <a:avLst/>
-          </a:prstGeom>
-          <a:noFill/>
-          <a:extLst>
-            <a:ext uri="{909E8E84-426E-40DD-AFC4-6F175D3DCCD1}">
-              <a14:hiddenFill xmlns:a14="http://schemas.microsoft.com/office/drawing/2010/main">
-                <a:solidFill>
-                  <a:srgbClr val="FFFFFF"/>
-                </a:solidFill>
-              </a14:hiddenFill>
-            </a:ext>
-          </a:extLst>
-        </p:spPr>
-      </p:pic>
-      <p:sp>
-        <p:nvSpPr>
-          <p:cNvPr id="9" name="Rectangle 8">
-            <a:extLst>
-              <a:ext uri="{FF2B5EF4-FFF2-40B4-BE49-F238E27FC236}">
-                <a16:creationId xmlns:a16="http://schemas.microsoft.com/office/drawing/2014/main" id="{08C51C8B-D2B4-DA4F-9437-26F133C73E07}"/>
-              </a:ext>
-            </a:extLst>
-          </p:cNvPr>
-          <p:cNvSpPr/>
-          <p:nvPr/>
-        </p:nvSpPr>
-        <p:spPr>
-          <a:xfrm>
-            <a:off x="362550" y="5539061"/>
-            <a:ext cx="6096000" cy="584775"/>
-          </a:xfrm>
-          <a:prstGeom prst="rect">
-            <a:avLst/>
-          </a:prstGeom>
-        </p:spPr>
-        <p:txBody>
-          <a:bodyPr>
-            <a:spAutoFit/>
-          </a:bodyPr>
-          <a:lstStyle/>
-          <a:p>
-            <a:r>
-              <a:rPr lang="en-US" sz="800" b="1" dirty="0"/>
-              <a:t>Photo credits</a:t>
-            </a:r>
-          </a:p>
-          <a:p>
-            <a:r>
-              <a:rPr lang="en-US" sz="800" dirty="0"/>
-              <a:t>https://</a:t>
-            </a:r>
-            <a:r>
-              <a:rPr lang="en-US" sz="800" dirty="0" err="1"/>
-              <a:t>commons.wikimedia.org</a:t>
-            </a:r>
-            <a:r>
-              <a:rPr lang="en-US" sz="800" dirty="0"/>
-              <a:t>/wiki/</a:t>
-            </a:r>
-            <a:r>
-              <a:rPr lang="en-US" sz="800" dirty="0" err="1"/>
-              <a:t>File:Water_in_a_beaker.JPG</a:t>
-            </a:r>
-            <a:endParaRPr lang="en-US" sz="800" dirty="0"/>
-          </a:p>
-          <a:p>
-            <a:r>
-              <a:rPr lang="en-US" sz="800" dirty="0"/>
-              <a:t>http://</a:t>
-            </a:r>
-            <a:r>
-              <a:rPr lang="en-US" sz="800" dirty="0" err="1"/>
-              <a:t>www.chem.uiuc.edu</a:t>
-            </a:r>
-            <a:r>
-              <a:rPr lang="en-US" sz="800" dirty="0"/>
-              <a:t>/</a:t>
-            </a:r>
-            <a:r>
-              <a:rPr lang="en-US" sz="800" dirty="0" err="1"/>
-              <a:t>webfunchem</a:t>
-            </a:r>
-            <a:r>
-              <a:rPr lang="en-US" sz="800" dirty="0"/>
-              <a:t>/temperature/Temp10.htm</a:t>
-            </a:r>
-          </a:p>
-          <a:p>
-            <a:r>
-              <a:rPr lang="en-US" sz="800" dirty="0"/>
-              <a:t>https://</a:t>
-            </a:r>
-            <a:r>
-              <a:rPr lang="en-US" sz="800" dirty="0" err="1"/>
-              <a:t>www.dreamstime.com</a:t>
-            </a:r>
-            <a:r>
-              <a:rPr lang="en-US" sz="800" dirty="0"/>
-              <a:t>/photos-images/alcohol-</a:t>
-            </a:r>
-            <a:r>
-              <a:rPr lang="en-US" sz="800" dirty="0" err="1"/>
-              <a:t>thermometer.html</a:t>
-            </a:r>
-            <a:endParaRPr lang="en-US" sz="800" dirty="0"/>
-          </a:p>
-        </p:txBody>
-      </p:sp>
-      <p:sp>
-        <p:nvSpPr>
-          <p:cNvPr id="10" name="TextBox 9">
-            <a:extLst>
-              <a:ext uri="{FF2B5EF4-FFF2-40B4-BE49-F238E27FC236}">
-                <a16:creationId xmlns:a16="http://schemas.microsoft.com/office/drawing/2014/main" id="{2C9E7E20-5831-0A45-AFF6-20F092201505}"/>
-              </a:ext>
-            </a:extLst>
-          </p:cNvPr>
-          <p:cNvSpPr txBox="1"/>
-          <p:nvPr/>
-        </p:nvSpPr>
-        <p:spPr>
-          <a:xfrm>
-            <a:off x="8155521" y="4669697"/>
-            <a:ext cx="3673929" cy="646331"/>
-          </a:xfrm>
-          <a:prstGeom prst="rect">
-            <a:avLst/>
-          </a:prstGeom>
-          <a:noFill/>
-        </p:spPr>
-        <p:txBody>
-          <a:bodyPr wrap="square" rtlCol="0">
-            <a:spAutoFit/>
-          </a:bodyPr>
-          <a:lstStyle/>
-          <a:p>
-            <a:pPr algn="just"/>
-            <a:r>
-              <a:rPr lang="en-US" sz="3600" b="1" dirty="0"/>
-              <a:t>Sensitivity control</a:t>
-            </a:r>
-          </a:p>
-        </p:txBody>
-      </p:sp>
-      <p:pic>
-        <p:nvPicPr>
-          <p:cNvPr id="11" name="Picture 8" descr="Image result for thermometer stock image">
-            <a:extLst>
-              <a:ext uri="{FF2B5EF4-FFF2-40B4-BE49-F238E27FC236}">
-                <a16:creationId xmlns:a16="http://schemas.microsoft.com/office/drawing/2014/main" id="{1DC7521C-A2C4-E642-AB13-C8D4D1054F8B}"/>
-              </a:ext>
-            </a:extLst>
-          </p:cNvPr>
-          <p:cNvPicPr>
-            <a:picLocks noChangeAspect="1" noChangeArrowheads="1"/>
-          </p:cNvPicPr>
-          <p:nvPr/>
-        </p:nvPicPr>
-        <p:blipFill>
-          <a:blip r:embed="rId4">
-            <a:extLst>
-              <a:ext uri="{28A0092B-C50C-407E-A947-70E740481C1C}">
-                <a14:useLocalDpi xmlns:a14="http://schemas.microsoft.com/office/drawing/2010/main" val="0"/>
-              </a:ext>
-            </a:extLst>
-          </a:blip>
-          <a:srcRect/>
-          <a:stretch>
-            <a:fillRect/>
-          </a:stretch>
-        </p:blipFill>
-        <p:spPr bwMode="auto">
-          <a:xfrm>
-            <a:off x="8213522" y="1998913"/>
-            <a:ext cx="3673929" cy="2447755"/>
-          </a:xfrm>
-          <a:prstGeom prst="rect">
-            <a:avLst/>
-          </a:prstGeom>
-          <a:noFill/>
-          <a:extLst>
-            <a:ext uri="{909E8E84-426E-40DD-AFC4-6F175D3DCCD1}">
-              <a14:hiddenFill xmlns:a14="http://schemas.microsoft.com/office/drawing/2010/main">
-                <a:solidFill>
-                  <a:srgbClr val="FFFFFF"/>
-                </a:solidFill>
-              </a14:hiddenFill>
-            </a:ext>
-          </a:extLst>
-        </p:spPr>
-      </p:pic>
     </p:spTree>
     <p:extLst>
       <p:ext uri="{BB962C8B-B14F-4D97-AF65-F5344CB8AC3E}">
-        <p14:creationId xmlns:p14="http://schemas.microsoft.com/office/powerpoint/2010/main" val="3034383781"/>
+        <p14:creationId xmlns:p14="http://schemas.microsoft.com/office/powerpoint/2010/main" val="2398831961"/>
       </p:ext>
     </p:extLst>
   </p:cSld>
@@ -4471,10 +4162,10 @@
       </p:sp>
       <p:sp>
         <p:nvSpPr>
-          <p:cNvPr id="12" name="TextBox 11">
-            <a:extLst>
-              <a:ext uri="{FF2B5EF4-FFF2-40B4-BE49-F238E27FC236}">
-                <a16:creationId xmlns:a16="http://schemas.microsoft.com/office/drawing/2014/main" id="{34BA6F69-E6DB-4F46-89E4-A7E848EDAA2B}"/>
+          <p:cNvPr id="5" name="TextBox 4">
+            <a:extLst>
+              <a:ext uri="{FF2B5EF4-FFF2-40B4-BE49-F238E27FC236}">
+                <a16:creationId xmlns:a16="http://schemas.microsoft.com/office/drawing/2014/main" id="{CA8897A5-FF1C-E64B-9BCC-ED36168725FD}"/>
               </a:ext>
             </a:extLst>
           </p:cNvPr>
@@ -4507,10 +4198,10 @@
       </p:sp>
       <p:pic>
         <p:nvPicPr>
-          <p:cNvPr id="13" name="Picture 2" descr="Image result for water in beaker">
-            <a:extLst>
-              <a:ext uri="{FF2B5EF4-FFF2-40B4-BE49-F238E27FC236}">
-                <a16:creationId xmlns:a16="http://schemas.microsoft.com/office/drawing/2014/main" id="{7102B479-6B95-3A4C-B220-ACC25CEB79B0}"/>
+          <p:cNvPr id="6" name="Picture 2" descr="Image result for water in beaker">
+            <a:extLst>
+              <a:ext uri="{FF2B5EF4-FFF2-40B4-BE49-F238E27FC236}">
+                <a16:creationId xmlns:a16="http://schemas.microsoft.com/office/drawing/2014/main" id="{A7003E46-4FFA-6248-9C1B-3EA708824DC3}"/>
               </a:ext>
             </a:extLst>
           </p:cNvPr>
@@ -4554,10 +4245,10 @@
       </p:pic>
       <p:sp>
         <p:nvSpPr>
-          <p:cNvPr id="14" name="TextBox 13">
-            <a:extLst>
-              <a:ext uri="{FF2B5EF4-FFF2-40B4-BE49-F238E27FC236}">
-                <a16:creationId xmlns:a16="http://schemas.microsoft.com/office/drawing/2014/main" id="{85AE0C42-0A5D-484D-898D-CB87F22B62DC}"/>
+          <p:cNvPr id="7" name="TextBox 6">
+            <a:extLst>
+              <a:ext uri="{FF2B5EF4-FFF2-40B4-BE49-F238E27FC236}">
+                <a16:creationId xmlns:a16="http://schemas.microsoft.com/office/drawing/2014/main" id="{06EEF1FB-AACC-FB49-B4A2-2B5F1FB5DD2C}"/>
               </a:ext>
             </a:extLst>
           </p:cNvPr>
@@ -4590,10 +4281,10 @@
       </p:sp>
       <p:pic>
         <p:nvPicPr>
-          <p:cNvPr id="15" name="Picture 4">
-            <a:extLst>
-              <a:ext uri="{FF2B5EF4-FFF2-40B4-BE49-F238E27FC236}">
-                <a16:creationId xmlns:a16="http://schemas.microsoft.com/office/drawing/2014/main" id="{86A6B401-7A65-8148-988A-8CA49FC69411}"/>
+          <p:cNvPr id="8" name="Picture 4">
+            <a:extLst>
+              <a:ext uri="{FF2B5EF4-FFF2-40B4-BE49-F238E27FC236}">
+                <a16:creationId xmlns:a16="http://schemas.microsoft.com/office/drawing/2014/main" id="{5C686EEE-590E-0D4B-B27A-D544D0C69C38}"/>
               </a:ext>
             </a:extLst>
           </p:cNvPr>
@@ -4637,10 +4328,10 @@
       </p:pic>
       <p:sp>
         <p:nvSpPr>
-          <p:cNvPr id="16" name="Rectangle 15">
-            <a:extLst>
-              <a:ext uri="{FF2B5EF4-FFF2-40B4-BE49-F238E27FC236}">
-                <a16:creationId xmlns:a16="http://schemas.microsoft.com/office/drawing/2014/main" id="{AC72E111-E20E-0849-8D10-6AF5E5C10151}"/>
+          <p:cNvPr id="9" name="Rectangle 8">
+            <a:extLst>
+              <a:ext uri="{FF2B5EF4-FFF2-40B4-BE49-F238E27FC236}">
+                <a16:creationId xmlns:a16="http://schemas.microsoft.com/office/drawing/2014/main" id="{08C51C8B-D2B4-DA4F-9437-26F133C73E07}"/>
               </a:ext>
             </a:extLst>
           </p:cNvPr>
@@ -4715,68 +4406,26 @@
             </a:r>
             <a:r>
               <a:rPr lang="en-US" sz="800" dirty="0" err="1"/>
-              <a:t>en.clipdealer.com</a:t>
+              <a:t>www.dreamstime.com</a:t>
             </a:r>
             <a:r>
               <a:rPr lang="en-US" sz="800" dirty="0"/>
-              <a:t>/vector/media/A:17494508?</a:t>
-            </a:r>
+              <a:t>/photos-images/alcohol-</a:t>
+            </a:r>
+            <a:r>
+              <a:rPr lang="en-US" sz="800" dirty="0" err="1"/>
+              <a:t>thermometer.html</a:t>
+            </a:r>
+            <a:endParaRPr lang="en-US" sz="800" dirty="0"/>
           </a:p>
         </p:txBody>
       </p:sp>
-      <p:pic>
-        <p:nvPicPr>
-          <p:cNvPr id="17" name="Picture 6" descr="Image result for thermometers royalty free image">
-            <a:extLst>
-              <a:ext uri="{FF2B5EF4-FFF2-40B4-BE49-F238E27FC236}">
-                <a16:creationId xmlns:a16="http://schemas.microsoft.com/office/drawing/2014/main" id="{3E36C2E4-AD5C-264B-8B02-5A15E4164F9A}"/>
-              </a:ext>
-            </a:extLst>
-          </p:cNvPr>
-          <p:cNvPicPr>
-            <a:picLocks noChangeAspect="1" noChangeArrowheads="1"/>
-          </p:cNvPicPr>
-          <p:nvPr/>
-        </p:nvPicPr>
-        <p:blipFill>
-          <a:blip r:embed="rId4">
-            <a:extLst>
-              <a:ext uri="{28A0092B-C50C-407E-A947-70E740481C1C}">
-                <a14:useLocalDpi xmlns:a14="http://schemas.microsoft.com/office/drawing/2010/main" val="0"/>
-              </a:ext>
-            </a:extLst>
-          </a:blip>
-          <a:srcRect/>
-          <a:stretch>
-            <a:fillRect/>
-          </a:stretch>
-        </p:blipFill>
-        <p:spPr bwMode="auto">
-          <a:xfrm>
-            <a:off x="8488736" y="1857232"/>
-            <a:ext cx="2696816" cy="2696816"/>
-          </a:xfrm>
-          <a:prstGeom prst="rect">
-            <a:avLst/>
-          </a:prstGeom>
-          <a:noFill/>
-          <a:extLst>
-            <a:ext uri="{909E8E84-426E-40DD-AFC4-6F175D3DCCD1}">
-              <a14:hiddenFill xmlns:a14="http://schemas.microsoft.com/office/drawing/2010/main">
-                <a:solidFill>
-                  <a:srgbClr val="FFFFFF"/>
-                </a:solidFill>
-              </a14:hiddenFill>
-            </a:ext>
-          </a:extLst>
-        </p:spPr>
-      </p:pic>
       <p:sp>
         <p:nvSpPr>
-          <p:cNvPr id="18" name="TextBox 17">
-            <a:extLst>
-              <a:ext uri="{FF2B5EF4-FFF2-40B4-BE49-F238E27FC236}">
-                <a16:creationId xmlns:a16="http://schemas.microsoft.com/office/drawing/2014/main" id="{238B93D7-079F-A746-B044-41049166C606}"/>
+          <p:cNvPr id="10" name="TextBox 9">
+            <a:extLst>
+              <a:ext uri="{FF2B5EF4-FFF2-40B4-BE49-F238E27FC236}">
+                <a16:creationId xmlns:a16="http://schemas.microsoft.com/office/drawing/2014/main" id="{2C9E7E20-5831-0A45-AFF6-20F092201505}"/>
               </a:ext>
             </a:extLst>
           </p:cNvPr>
@@ -4807,10 +4456,57 @@
           </a:p>
         </p:txBody>
       </p:sp>
+      <p:pic>
+        <p:nvPicPr>
+          <p:cNvPr id="11" name="Picture 8" descr="Image result for thermometer stock image">
+            <a:extLst>
+              <a:ext uri="{FF2B5EF4-FFF2-40B4-BE49-F238E27FC236}">
+                <a16:creationId xmlns:a16="http://schemas.microsoft.com/office/drawing/2014/main" id="{1DC7521C-A2C4-E642-AB13-C8D4D1054F8B}"/>
+              </a:ext>
+            </a:extLst>
+          </p:cNvPr>
+          <p:cNvPicPr>
+            <a:picLocks noChangeAspect="1" noChangeArrowheads="1"/>
+          </p:cNvPicPr>
+          <p:nvPr/>
+        </p:nvPicPr>
+        <p:blipFill>
+          <a:blip r:embed="rId4">
+            <a:extLst>
+              <a:ext uri="{28A0092B-C50C-407E-A947-70E740481C1C}">
+                <a14:useLocalDpi xmlns:a14="http://schemas.microsoft.com/office/drawing/2010/main" val="0"/>
+              </a:ext>
+            </a:extLst>
+          </a:blip>
+          <a:srcRect/>
+          <a:stretch>
+            <a:fillRect/>
+          </a:stretch>
+        </p:blipFill>
+        <p:spPr bwMode="auto">
+          <a:xfrm>
+            <a:off x="8213522" y="1998913"/>
+            <a:ext cx="3673929" cy="2447755"/>
+          </a:xfrm>
+          <a:prstGeom prst="rect">
+            <a:avLst/>
+          </a:prstGeom>
+          <a:noFill/>
+          <a:extLst>
+            <a:ext uri="{909E8E84-426E-40DD-AFC4-6F175D3DCCD1}">
+              <a14:hiddenFill xmlns:a14="http://schemas.microsoft.com/office/drawing/2010/main">
+                <a:solidFill>
+                  <a:srgbClr val="FFFFFF"/>
+                </a:solidFill>
+              </a14:hiddenFill>
+            </a:ext>
+          </a:extLst>
+        </p:spPr>
+      </p:pic>
     </p:spTree>
     <p:extLst>
       <p:ext uri="{BB962C8B-B14F-4D97-AF65-F5344CB8AC3E}">
-        <p14:creationId xmlns:p14="http://schemas.microsoft.com/office/powerpoint/2010/main" val="2339637297"/>
+        <p14:creationId xmlns:p14="http://schemas.microsoft.com/office/powerpoint/2010/main" val="3034383781"/>
       </p:ext>
     </p:extLst>
   </p:cSld>
@@ -4851,6 +4547,410 @@
         </p:nvSpPr>
         <p:spPr>
           <a:xfrm>
+            <a:off x="0" y="123939"/>
+            <a:ext cx="12192000" cy="646331"/>
+          </a:xfrm>
+          <a:prstGeom prst="rect">
+            <a:avLst/>
+          </a:prstGeom>
+          <a:noFill/>
+        </p:spPr>
+        <p:txBody>
+          <a:bodyPr wrap="square" rtlCol="0">
+            <a:spAutoFit/>
+          </a:bodyPr>
+          <a:lstStyle/>
+          <a:p>
+            <a:pPr algn="ctr"/>
+            <a:r>
+              <a:rPr lang="en-US" sz="3600" dirty="0"/>
+              <a:t>Controls </a:t>
+            </a:r>
+          </a:p>
+        </p:txBody>
+      </p:sp>
+      <p:sp>
+        <p:nvSpPr>
+          <p:cNvPr id="12" name="TextBox 11">
+            <a:extLst>
+              <a:ext uri="{FF2B5EF4-FFF2-40B4-BE49-F238E27FC236}">
+                <a16:creationId xmlns:a16="http://schemas.microsoft.com/office/drawing/2014/main" id="{34BA6F69-E6DB-4F46-89E4-A7E848EDAA2B}"/>
+              </a:ext>
+            </a:extLst>
+          </p:cNvPr>
+          <p:cNvSpPr txBox="1"/>
+          <p:nvPr/>
+        </p:nvSpPr>
+        <p:spPr>
+          <a:xfrm>
+            <a:off x="362550" y="4669699"/>
+            <a:ext cx="3233057" cy="646331"/>
+          </a:xfrm>
+          <a:prstGeom prst="rect">
+            <a:avLst/>
+          </a:prstGeom>
+          <a:noFill/>
+        </p:spPr>
+        <p:txBody>
+          <a:bodyPr wrap="square" rtlCol="0">
+            <a:spAutoFit/>
+          </a:bodyPr>
+          <a:lstStyle/>
+          <a:p>
+            <a:pPr algn="just"/>
+            <a:r>
+              <a:rPr lang="en-US" sz="3600" b="1" dirty="0"/>
+              <a:t>Positive control</a:t>
+            </a:r>
+          </a:p>
+        </p:txBody>
+      </p:sp>
+      <p:pic>
+        <p:nvPicPr>
+          <p:cNvPr id="13" name="Picture 2" descr="Image result for water in beaker">
+            <a:extLst>
+              <a:ext uri="{FF2B5EF4-FFF2-40B4-BE49-F238E27FC236}">
+                <a16:creationId xmlns:a16="http://schemas.microsoft.com/office/drawing/2014/main" id="{7102B479-6B95-3A4C-B220-ACC25CEB79B0}"/>
+              </a:ext>
+            </a:extLst>
+          </p:cNvPr>
+          <p:cNvPicPr>
+            <a:picLocks noChangeAspect="1" noChangeArrowheads="1"/>
+          </p:cNvPicPr>
+          <p:nvPr/>
+        </p:nvPicPr>
+        <p:blipFill>
+          <a:blip r:embed="rId2">
+            <a:extLst>
+              <a:ext uri="{28A0092B-C50C-407E-A947-70E740481C1C}">
+                <a14:useLocalDpi xmlns:a14="http://schemas.microsoft.com/office/drawing/2010/main" val="0"/>
+              </a:ext>
+            </a:extLst>
+          </a:blip>
+          <a:srcRect/>
+          <a:stretch>
+            <a:fillRect/>
+          </a:stretch>
+        </p:blipFill>
+        <p:spPr bwMode="auto">
+          <a:xfrm>
+            <a:off x="1219409" y="1972148"/>
+            <a:ext cx="1818259" cy="2466985"/>
+          </a:xfrm>
+          <a:prstGeom prst="rect">
+            <a:avLst/>
+          </a:prstGeom>
+          <a:noFill/>
+          <a:extLst>
+            <a:ext uri="{909E8E84-426E-40DD-AFC4-6F175D3DCCD1}">
+              <a14:hiddenFill xmlns:a14="http://schemas.microsoft.com/office/drawing/2010/main">
+                <a:solidFill>
+                  <a:srgbClr val="FFFFFF"/>
+                </a:solidFill>
+              </a14:hiddenFill>
+            </a:ext>
+          </a:extLst>
+        </p:spPr>
+      </p:pic>
+      <p:sp>
+        <p:nvSpPr>
+          <p:cNvPr id="14" name="TextBox 13">
+            <a:extLst>
+              <a:ext uri="{FF2B5EF4-FFF2-40B4-BE49-F238E27FC236}">
+                <a16:creationId xmlns:a16="http://schemas.microsoft.com/office/drawing/2014/main" id="{85AE0C42-0A5D-484D-898D-CB87F22B62DC}"/>
+              </a:ext>
+            </a:extLst>
+          </p:cNvPr>
+          <p:cNvSpPr txBox="1"/>
+          <p:nvPr/>
+        </p:nvSpPr>
+        <p:spPr>
+          <a:xfrm>
+            <a:off x="4259034" y="4669698"/>
+            <a:ext cx="3673929" cy="646331"/>
+          </a:xfrm>
+          <a:prstGeom prst="rect">
+            <a:avLst/>
+          </a:prstGeom>
+          <a:noFill/>
+        </p:spPr>
+        <p:txBody>
+          <a:bodyPr wrap="square" rtlCol="0">
+            <a:spAutoFit/>
+          </a:bodyPr>
+          <a:lstStyle/>
+          <a:p>
+            <a:pPr algn="just"/>
+            <a:r>
+              <a:rPr lang="en-US" sz="3600" b="1" dirty="0"/>
+              <a:t>Negative control</a:t>
+            </a:r>
+          </a:p>
+        </p:txBody>
+      </p:sp>
+      <p:pic>
+        <p:nvPicPr>
+          <p:cNvPr id="15" name="Picture 4">
+            <a:extLst>
+              <a:ext uri="{FF2B5EF4-FFF2-40B4-BE49-F238E27FC236}">
+                <a16:creationId xmlns:a16="http://schemas.microsoft.com/office/drawing/2014/main" id="{86A6B401-7A65-8148-988A-8CA49FC69411}"/>
+              </a:ext>
+            </a:extLst>
+          </p:cNvPr>
+          <p:cNvPicPr>
+            <a:picLocks noChangeAspect="1" noChangeArrowheads="1"/>
+          </p:cNvPicPr>
+          <p:nvPr/>
+        </p:nvPicPr>
+        <p:blipFill>
+          <a:blip r:embed="rId3">
+            <a:extLst>
+              <a:ext uri="{28A0092B-C50C-407E-A947-70E740481C1C}">
+                <a14:useLocalDpi xmlns:a14="http://schemas.microsoft.com/office/drawing/2010/main" val="0"/>
+              </a:ext>
+            </a:extLst>
+          </a:blip>
+          <a:srcRect/>
+          <a:stretch>
+            <a:fillRect/>
+          </a:stretch>
+        </p:blipFill>
+        <p:spPr bwMode="auto">
+          <a:xfrm>
+            <a:off x="4936068" y="1972148"/>
+            <a:ext cx="2319863" cy="2474520"/>
+          </a:xfrm>
+          <a:prstGeom prst="rect">
+            <a:avLst/>
+          </a:prstGeom>
+          <a:noFill/>
+          <a:extLst>
+            <a:ext uri="{909E8E84-426E-40DD-AFC4-6F175D3DCCD1}">
+              <a14:hiddenFill xmlns:a14="http://schemas.microsoft.com/office/drawing/2010/main">
+                <a:solidFill>
+                  <a:srgbClr val="FFFFFF"/>
+                </a:solidFill>
+              </a14:hiddenFill>
+            </a:ext>
+          </a:extLst>
+        </p:spPr>
+      </p:pic>
+      <p:sp>
+        <p:nvSpPr>
+          <p:cNvPr id="16" name="Rectangle 15">
+            <a:extLst>
+              <a:ext uri="{FF2B5EF4-FFF2-40B4-BE49-F238E27FC236}">
+                <a16:creationId xmlns:a16="http://schemas.microsoft.com/office/drawing/2014/main" id="{AC72E111-E20E-0849-8D10-6AF5E5C10151}"/>
+              </a:ext>
+            </a:extLst>
+          </p:cNvPr>
+          <p:cNvSpPr/>
+          <p:nvPr/>
+        </p:nvSpPr>
+        <p:spPr>
+          <a:xfrm>
+            <a:off x="362550" y="5539061"/>
+            <a:ext cx="6096000" cy="584775"/>
+          </a:xfrm>
+          <a:prstGeom prst="rect">
+            <a:avLst/>
+          </a:prstGeom>
+        </p:spPr>
+        <p:txBody>
+          <a:bodyPr>
+            <a:spAutoFit/>
+          </a:bodyPr>
+          <a:lstStyle/>
+          <a:p>
+            <a:r>
+              <a:rPr lang="en-US" sz="800" b="1" dirty="0"/>
+              <a:t>Photo credits</a:t>
+            </a:r>
+          </a:p>
+          <a:p>
+            <a:r>
+              <a:rPr lang="en-US" sz="800" dirty="0"/>
+              <a:t>https://</a:t>
+            </a:r>
+            <a:r>
+              <a:rPr lang="en-US" sz="800" dirty="0" err="1"/>
+              <a:t>commons.wikimedia.org</a:t>
+            </a:r>
+            <a:r>
+              <a:rPr lang="en-US" sz="800" dirty="0"/>
+              <a:t>/wiki/</a:t>
+            </a:r>
+            <a:r>
+              <a:rPr lang="en-US" sz="800" dirty="0" err="1"/>
+              <a:t>File:Water_in_a_beaker.JPG</a:t>
+            </a:r>
+            <a:endParaRPr lang="en-US" sz="800" dirty="0"/>
+          </a:p>
+          <a:p>
+            <a:r>
+              <a:rPr lang="en-US" sz="800" dirty="0"/>
+              <a:t>http://</a:t>
+            </a:r>
+            <a:r>
+              <a:rPr lang="en-US" sz="800" dirty="0" err="1"/>
+              <a:t>www.chem.uiuc.edu</a:t>
+            </a:r>
+            <a:r>
+              <a:rPr lang="en-US" sz="800" dirty="0"/>
+              <a:t>/</a:t>
+            </a:r>
+            <a:r>
+              <a:rPr lang="en-US" sz="800" dirty="0" err="1"/>
+              <a:t>webfunchem</a:t>
+            </a:r>
+            <a:r>
+              <a:rPr lang="en-US" sz="800" dirty="0"/>
+              <a:t>/temperature/Temp10.htm</a:t>
+            </a:r>
+          </a:p>
+          <a:p>
+            <a:r>
+              <a:rPr lang="en-US" sz="800" dirty="0"/>
+              <a:t>https://</a:t>
+            </a:r>
+            <a:r>
+              <a:rPr lang="en-US" sz="800" dirty="0" err="1"/>
+              <a:t>en.clipdealer.com</a:t>
+            </a:r>
+            <a:r>
+              <a:rPr lang="en-US" sz="800" dirty="0"/>
+              <a:t>/vector/media/A:17494508?</a:t>
+            </a:r>
+          </a:p>
+        </p:txBody>
+      </p:sp>
+      <p:pic>
+        <p:nvPicPr>
+          <p:cNvPr id="17" name="Picture 6" descr="Image result for thermometers royalty free image">
+            <a:extLst>
+              <a:ext uri="{FF2B5EF4-FFF2-40B4-BE49-F238E27FC236}">
+                <a16:creationId xmlns:a16="http://schemas.microsoft.com/office/drawing/2014/main" id="{3E36C2E4-AD5C-264B-8B02-5A15E4164F9A}"/>
+              </a:ext>
+            </a:extLst>
+          </p:cNvPr>
+          <p:cNvPicPr>
+            <a:picLocks noChangeAspect="1" noChangeArrowheads="1"/>
+          </p:cNvPicPr>
+          <p:nvPr/>
+        </p:nvPicPr>
+        <p:blipFill>
+          <a:blip r:embed="rId4">
+            <a:extLst>
+              <a:ext uri="{28A0092B-C50C-407E-A947-70E740481C1C}">
+                <a14:useLocalDpi xmlns:a14="http://schemas.microsoft.com/office/drawing/2010/main" val="0"/>
+              </a:ext>
+            </a:extLst>
+          </a:blip>
+          <a:srcRect/>
+          <a:stretch>
+            <a:fillRect/>
+          </a:stretch>
+        </p:blipFill>
+        <p:spPr bwMode="auto">
+          <a:xfrm>
+            <a:off x="8488736" y="1857232"/>
+            <a:ext cx="2696816" cy="2696816"/>
+          </a:xfrm>
+          <a:prstGeom prst="rect">
+            <a:avLst/>
+          </a:prstGeom>
+          <a:noFill/>
+          <a:extLst>
+            <a:ext uri="{909E8E84-426E-40DD-AFC4-6F175D3DCCD1}">
+              <a14:hiddenFill xmlns:a14="http://schemas.microsoft.com/office/drawing/2010/main">
+                <a:solidFill>
+                  <a:srgbClr val="FFFFFF"/>
+                </a:solidFill>
+              </a14:hiddenFill>
+            </a:ext>
+          </a:extLst>
+        </p:spPr>
+      </p:pic>
+      <p:sp>
+        <p:nvSpPr>
+          <p:cNvPr id="18" name="TextBox 17">
+            <a:extLst>
+              <a:ext uri="{FF2B5EF4-FFF2-40B4-BE49-F238E27FC236}">
+                <a16:creationId xmlns:a16="http://schemas.microsoft.com/office/drawing/2014/main" id="{238B93D7-079F-A746-B044-41049166C606}"/>
+              </a:ext>
+            </a:extLst>
+          </p:cNvPr>
+          <p:cNvSpPr txBox="1"/>
+          <p:nvPr/>
+        </p:nvSpPr>
+        <p:spPr>
+          <a:xfrm>
+            <a:off x="8155521" y="4669697"/>
+            <a:ext cx="3673929" cy="646331"/>
+          </a:xfrm>
+          <a:prstGeom prst="rect">
+            <a:avLst/>
+          </a:prstGeom>
+          <a:noFill/>
+        </p:spPr>
+        <p:txBody>
+          <a:bodyPr wrap="square" rtlCol="0">
+            <a:spAutoFit/>
+          </a:bodyPr>
+          <a:lstStyle/>
+          <a:p>
+            <a:pPr algn="just"/>
+            <a:r>
+              <a:rPr lang="en-US" sz="3600" b="1" dirty="0"/>
+              <a:t>Sensitivity control</a:t>
+            </a:r>
+          </a:p>
+        </p:txBody>
+      </p:sp>
+    </p:spTree>
+    <p:extLst>
+      <p:ext uri="{BB962C8B-B14F-4D97-AF65-F5344CB8AC3E}">
+        <p14:creationId xmlns:p14="http://schemas.microsoft.com/office/powerpoint/2010/main" val="2339637297"/>
+      </p:ext>
+    </p:extLst>
+  </p:cSld>
+  <p:clrMapOvr>
+    <a:masterClrMapping/>
+  </p:clrMapOvr>
+</p:sld>
+</file>
+
+<file path=ppt/slides/slide18.xml><?xml version="1.0" encoding="utf-8"?>
+<p:sld xmlns:a="http://schemas.openxmlformats.org/drawingml/2006/main" xmlns:r="http://schemas.openxmlformats.org/officeDocument/2006/relationships" xmlns:p="http://schemas.openxmlformats.org/presentationml/2006/main">
+  <p:cSld>
+    <p:spTree>
+      <p:nvGrpSpPr>
+        <p:cNvPr id="1" name=""/>
+        <p:cNvGrpSpPr/>
+        <p:nvPr/>
+      </p:nvGrpSpPr>
+      <p:grpSpPr>
+        <a:xfrm>
+          <a:off x="0" y="0"/>
+          <a:ext cx="0" cy="0"/>
+          <a:chOff x="0" y="0"/>
+          <a:chExt cx="0" cy="0"/>
+        </a:xfrm>
+      </p:grpSpPr>
+      <p:sp>
+        <p:nvSpPr>
+          <p:cNvPr id="2" name="TextBox 1">
+            <a:extLst>
+              <a:ext uri="{FF2B5EF4-FFF2-40B4-BE49-F238E27FC236}">
+                <a16:creationId xmlns:a16="http://schemas.microsoft.com/office/drawing/2014/main" id="{5775A600-02E9-6F45-A8B3-F2BB2C49C847}"/>
+              </a:ext>
+            </a:extLst>
+          </p:cNvPr>
+          <p:cNvSpPr txBox="1"/>
+          <p:nvPr/>
+        </p:nvSpPr>
+        <p:spPr>
+          <a:xfrm>
             <a:off x="0" y="2782669"/>
             <a:ext cx="12192000" cy="646331"/>
           </a:xfrm>
@@ -4886,7 +4986,7 @@
 </p:sld>
 </file>
 
-<file path=ppt/slides/slide18.xml><?xml version="1.0" encoding="utf-8"?>
+<file path=ppt/slides/slide19.xml><?xml version="1.0" encoding="utf-8"?>
 <p:sld xmlns:a="http://schemas.openxmlformats.org/drawingml/2006/main" xmlns:r="http://schemas.openxmlformats.org/officeDocument/2006/relationships" xmlns:p="http://schemas.openxmlformats.org/presentationml/2006/main">
   <p:cSld>
     <p:spTree>
@@ -6293,7 +6393,179 @@
 </p:sld>
 </file>
 
-<file path=ppt/slides/slide19.xml><?xml version="1.0" encoding="utf-8"?>
+<file path=ppt/slides/slide2.xml><?xml version="1.0" encoding="utf-8"?>
+<p:sld xmlns:a="http://schemas.openxmlformats.org/drawingml/2006/main" xmlns:r="http://schemas.openxmlformats.org/officeDocument/2006/relationships" xmlns:p="http://schemas.openxmlformats.org/presentationml/2006/main">
+  <p:cSld>
+    <p:spTree>
+      <p:nvGrpSpPr>
+        <p:cNvPr id="1" name=""/>
+        <p:cNvGrpSpPr/>
+        <p:nvPr/>
+      </p:nvGrpSpPr>
+      <p:grpSpPr>
+        <a:xfrm>
+          <a:off x="0" y="0"/>
+          <a:ext cx="0" cy="0"/>
+          <a:chOff x="0" y="0"/>
+          <a:chExt cx="0" cy="0"/>
+        </a:xfrm>
+      </p:grpSpPr>
+      <p:sp>
+        <p:nvSpPr>
+          <p:cNvPr id="2" name="TextBox 1">
+            <a:extLst>
+              <a:ext uri="{FF2B5EF4-FFF2-40B4-BE49-F238E27FC236}">
+                <a16:creationId xmlns:a16="http://schemas.microsoft.com/office/drawing/2014/main" id="{5775A600-02E9-6F45-A8B3-F2BB2C49C847}"/>
+              </a:ext>
+            </a:extLst>
+          </p:cNvPr>
+          <p:cNvSpPr txBox="1"/>
+          <p:nvPr/>
+        </p:nvSpPr>
+        <p:spPr>
+          <a:xfrm>
+            <a:off x="0" y="123939"/>
+            <a:ext cx="12192000" cy="646331"/>
+          </a:xfrm>
+          <a:prstGeom prst="rect">
+            <a:avLst/>
+          </a:prstGeom>
+          <a:noFill/>
+        </p:spPr>
+        <p:txBody>
+          <a:bodyPr wrap="square" rtlCol="0">
+            <a:spAutoFit/>
+          </a:bodyPr>
+          <a:lstStyle/>
+          <a:p>
+            <a:pPr algn="ctr"/>
+            <a:r>
+              <a:rPr lang="en-US" sz="3600" dirty="0"/>
+              <a:t>Bacterial Transformation</a:t>
+            </a:r>
+          </a:p>
+        </p:txBody>
+      </p:sp>
+      <p:pic>
+        <p:nvPicPr>
+          <p:cNvPr id="14338" name="Picture 2" descr="1.&#9;Specially prepared bacteria are mixed with DNA (e.g., from a ligation).&#10;&#10;2.&#9;The bacteria are given a heat shock, which &quot;encourages&quot; them to take up a plasmid. Most bacteria do not take up a plasmid, but some do.&#10;&#10;3.&#9;Plasmids used in cloning contain an antibiotic resistance gene. Thus, all of the bacteria are placed on an antibiotic plate to select for ones that took up a plasmid.&#10;&#10;4.&#9;Bacteria without a plasmid die. Each bacterium _with_  a plasmid gives  rise to a cluster of identical, plasmid-containing bacteria called a **colony**. A typical colony looks like a small, whitish dot the size of a pinhead.&#10;&#10;5.&#9;Several colonies are checked to identify one with the right plasmid.&#10;&#10;6.&#9;A colony containing the right plasmid is grown in bulk and used for plasmid or protein production.">
+            <a:extLst>
+              <a:ext uri="{FF2B5EF4-FFF2-40B4-BE49-F238E27FC236}">
+                <a16:creationId xmlns:a16="http://schemas.microsoft.com/office/drawing/2014/main" id="{42026611-D387-2A42-A19D-C2A17A725F88}"/>
+              </a:ext>
+            </a:extLst>
+          </p:cNvPr>
+          <p:cNvPicPr>
+            <a:picLocks noChangeAspect="1" noChangeArrowheads="1"/>
+          </p:cNvPicPr>
+          <p:nvPr/>
+        </p:nvPicPr>
+        <p:blipFill>
+          <a:blip r:embed="rId2">
+            <a:extLst>
+              <a:ext uri="{28A0092B-C50C-407E-A947-70E740481C1C}">
+                <a14:useLocalDpi xmlns:a14="http://schemas.microsoft.com/office/drawing/2010/main" val="0"/>
+              </a:ext>
+            </a:extLst>
+          </a:blip>
+          <a:srcRect/>
+          <a:stretch>
+            <a:fillRect/>
+          </a:stretch>
+        </p:blipFill>
+        <p:spPr bwMode="auto">
+          <a:xfrm>
+            <a:off x="2194176" y="1110637"/>
+            <a:ext cx="7539371" cy="5101031"/>
+          </a:xfrm>
+          <a:prstGeom prst="rect">
+            <a:avLst/>
+          </a:prstGeom>
+          <a:noFill/>
+          <a:extLst>
+            <a:ext uri="{909E8E84-426E-40DD-AFC4-6F175D3DCCD1}">
+              <a14:hiddenFill xmlns:a14="http://schemas.microsoft.com/office/drawing/2010/main">
+                <a:solidFill>
+                  <a:srgbClr val="FFFFFF"/>
+                </a:solidFill>
+              </a14:hiddenFill>
+            </a:ext>
+          </a:extLst>
+        </p:spPr>
+      </p:pic>
+      <p:sp>
+        <p:nvSpPr>
+          <p:cNvPr id="4" name="TextBox 3">
+            <a:extLst>
+              <a:ext uri="{FF2B5EF4-FFF2-40B4-BE49-F238E27FC236}">
+                <a16:creationId xmlns:a16="http://schemas.microsoft.com/office/drawing/2014/main" id="{9B88F14C-FCA4-F549-9E29-058843EC8257}"/>
+              </a:ext>
+            </a:extLst>
+          </p:cNvPr>
+          <p:cNvSpPr txBox="1"/>
+          <p:nvPr/>
+        </p:nvSpPr>
+        <p:spPr>
+          <a:xfrm>
+            <a:off x="3750265" y="6552035"/>
+            <a:ext cx="8441735" cy="261610"/>
+          </a:xfrm>
+          <a:prstGeom prst="rect">
+            <a:avLst/>
+          </a:prstGeom>
+          <a:noFill/>
+        </p:spPr>
+        <p:txBody>
+          <a:bodyPr wrap="none" rtlCol="0">
+            <a:spAutoFit/>
+          </a:bodyPr>
+          <a:lstStyle/>
+          <a:p>
+            <a:r>
+              <a:rPr lang="en-US" sz="1100" dirty="0"/>
+              <a:t>Image Credit: https://</a:t>
+            </a:r>
+            <a:r>
+              <a:rPr lang="en-US" sz="1100" dirty="0" err="1"/>
+              <a:t>www.khanacademy.org</a:t>
+            </a:r>
+            <a:r>
+              <a:rPr lang="en-US" sz="1100" dirty="0"/>
+              <a:t>/science/biology/biotech-</a:t>
+            </a:r>
+            <a:r>
+              <a:rPr lang="en-US" sz="1100" dirty="0" err="1"/>
+              <a:t>dna</a:t>
+            </a:r>
+            <a:r>
+              <a:rPr lang="en-US" sz="1100" dirty="0"/>
+              <a:t>-technology/</a:t>
+            </a:r>
+            <a:r>
+              <a:rPr lang="en-US" sz="1100" dirty="0" err="1"/>
+              <a:t>dna</a:t>
+            </a:r>
+            <a:r>
+              <a:rPr lang="en-US" sz="1100" dirty="0"/>
+              <a:t>-cloning-tutorial/a/bacterial-transformation-selection</a:t>
+            </a:r>
+          </a:p>
+        </p:txBody>
+      </p:sp>
+    </p:spTree>
+    <p:extLst>
+      <p:ext uri="{BB962C8B-B14F-4D97-AF65-F5344CB8AC3E}">
+        <p14:creationId xmlns:p14="http://schemas.microsoft.com/office/powerpoint/2010/main" val="3377769158"/>
+      </p:ext>
+    </p:extLst>
+  </p:cSld>
+  <p:clrMapOvr>
+    <a:masterClrMapping/>
+  </p:clrMapOvr>
+</p:sld>
+</file>
+
+<file path=ppt/slides/slide20.xml><?xml version="1.0" encoding="utf-8"?>
 <p:sld xmlns:a="http://schemas.openxmlformats.org/drawingml/2006/main" xmlns:r="http://schemas.openxmlformats.org/officeDocument/2006/relationships" xmlns:p="http://schemas.openxmlformats.org/presentationml/2006/main">
   <p:cSld>
     <p:spTree>
@@ -7847,179 +8119,7 @@
 </p:sld>
 </file>
 
-<file path=ppt/slides/slide2.xml><?xml version="1.0" encoding="utf-8"?>
-<p:sld xmlns:a="http://schemas.openxmlformats.org/drawingml/2006/main" xmlns:r="http://schemas.openxmlformats.org/officeDocument/2006/relationships" xmlns:p="http://schemas.openxmlformats.org/presentationml/2006/main">
-  <p:cSld>
-    <p:spTree>
-      <p:nvGrpSpPr>
-        <p:cNvPr id="1" name=""/>
-        <p:cNvGrpSpPr/>
-        <p:nvPr/>
-      </p:nvGrpSpPr>
-      <p:grpSpPr>
-        <a:xfrm>
-          <a:off x="0" y="0"/>
-          <a:ext cx="0" cy="0"/>
-          <a:chOff x="0" y="0"/>
-          <a:chExt cx="0" cy="0"/>
-        </a:xfrm>
-      </p:grpSpPr>
-      <p:sp>
-        <p:nvSpPr>
-          <p:cNvPr id="2" name="TextBox 1">
-            <a:extLst>
-              <a:ext uri="{FF2B5EF4-FFF2-40B4-BE49-F238E27FC236}">
-                <a16:creationId xmlns:a16="http://schemas.microsoft.com/office/drawing/2014/main" id="{5775A600-02E9-6F45-A8B3-F2BB2C49C847}"/>
-              </a:ext>
-            </a:extLst>
-          </p:cNvPr>
-          <p:cNvSpPr txBox="1"/>
-          <p:nvPr/>
-        </p:nvSpPr>
-        <p:spPr>
-          <a:xfrm>
-            <a:off x="0" y="123939"/>
-            <a:ext cx="12192000" cy="646331"/>
-          </a:xfrm>
-          <a:prstGeom prst="rect">
-            <a:avLst/>
-          </a:prstGeom>
-          <a:noFill/>
-        </p:spPr>
-        <p:txBody>
-          <a:bodyPr wrap="square" rtlCol="0">
-            <a:spAutoFit/>
-          </a:bodyPr>
-          <a:lstStyle/>
-          <a:p>
-            <a:pPr algn="ctr"/>
-            <a:r>
-              <a:rPr lang="en-US" sz="3600" dirty="0"/>
-              <a:t>Bacterial Transformation</a:t>
-            </a:r>
-          </a:p>
-        </p:txBody>
-      </p:sp>
-      <p:pic>
-        <p:nvPicPr>
-          <p:cNvPr id="14338" name="Picture 2" descr="1.&#9;Specially prepared bacteria are mixed with DNA (e.g., from a ligation).&#10;&#10;2.&#9;The bacteria are given a heat shock, which &quot;encourages&quot; them to take up a plasmid. Most bacteria do not take up a plasmid, but some do.&#10;&#10;3.&#9;Plasmids used in cloning contain an antibiotic resistance gene. Thus, all of the bacteria are placed on an antibiotic plate to select for ones that took up a plasmid.&#10;&#10;4.&#9;Bacteria without a plasmid die. Each bacterium _with_  a plasmid gives  rise to a cluster of identical, plasmid-containing bacteria called a **colony**. A typical colony looks like a small, whitish dot the size of a pinhead.&#10;&#10;5.&#9;Several colonies are checked to identify one with the right plasmid.&#10;&#10;6.&#9;A colony containing the right plasmid is grown in bulk and used for plasmid or protein production.">
-            <a:extLst>
-              <a:ext uri="{FF2B5EF4-FFF2-40B4-BE49-F238E27FC236}">
-                <a16:creationId xmlns:a16="http://schemas.microsoft.com/office/drawing/2014/main" id="{42026611-D387-2A42-A19D-C2A17A725F88}"/>
-              </a:ext>
-            </a:extLst>
-          </p:cNvPr>
-          <p:cNvPicPr>
-            <a:picLocks noChangeAspect="1" noChangeArrowheads="1"/>
-          </p:cNvPicPr>
-          <p:nvPr/>
-        </p:nvPicPr>
-        <p:blipFill>
-          <a:blip r:embed="rId2">
-            <a:extLst>
-              <a:ext uri="{28A0092B-C50C-407E-A947-70E740481C1C}">
-                <a14:useLocalDpi xmlns:a14="http://schemas.microsoft.com/office/drawing/2010/main" val="0"/>
-              </a:ext>
-            </a:extLst>
-          </a:blip>
-          <a:srcRect/>
-          <a:stretch>
-            <a:fillRect/>
-          </a:stretch>
-        </p:blipFill>
-        <p:spPr bwMode="auto">
-          <a:xfrm>
-            <a:off x="2194176" y="1110637"/>
-            <a:ext cx="7539371" cy="5101031"/>
-          </a:xfrm>
-          <a:prstGeom prst="rect">
-            <a:avLst/>
-          </a:prstGeom>
-          <a:noFill/>
-          <a:extLst>
-            <a:ext uri="{909E8E84-426E-40DD-AFC4-6F175D3DCCD1}">
-              <a14:hiddenFill xmlns:a14="http://schemas.microsoft.com/office/drawing/2010/main">
-                <a:solidFill>
-                  <a:srgbClr val="FFFFFF"/>
-                </a:solidFill>
-              </a14:hiddenFill>
-            </a:ext>
-          </a:extLst>
-        </p:spPr>
-      </p:pic>
-      <p:sp>
-        <p:nvSpPr>
-          <p:cNvPr id="4" name="TextBox 3">
-            <a:extLst>
-              <a:ext uri="{FF2B5EF4-FFF2-40B4-BE49-F238E27FC236}">
-                <a16:creationId xmlns:a16="http://schemas.microsoft.com/office/drawing/2014/main" id="{9B88F14C-FCA4-F549-9E29-058843EC8257}"/>
-              </a:ext>
-            </a:extLst>
-          </p:cNvPr>
-          <p:cNvSpPr txBox="1"/>
-          <p:nvPr/>
-        </p:nvSpPr>
-        <p:spPr>
-          <a:xfrm>
-            <a:off x="3750265" y="6552035"/>
-            <a:ext cx="8441735" cy="261610"/>
-          </a:xfrm>
-          <a:prstGeom prst="rect">
-            <a:avLst/>
-          </a:prstGeom>
-          <a:noFill/>
-        </p:spPr>
-        <p:txBody>
-          <a:bodyPr wrap="none" rtlCol="0">
-            <a:spAutoFit/>
-          </a:bodyPr>
-          <a:lstStyle/>
-          <a:p>
-            <a:r>
-              <a:rPr lang="en-US" sz="1100" dirty="0"/>
-              <a:t>Image Credit: https://</a:t>
-            </a:r>
-            <a:r>
-              <a:rPr lang="en-US" sz="1100" dirty="0" err="1"/>
-              <a:t>www.khanacademy.org</a:t>
-            </a:r>
-            <a:r>
-              <a:rPr lang="en-US" sz="1100" dirty="0"/>
-              <a:t>/science/biology/biotech-</a:t>
-            </a:r>
-            <a:r>
-              <a:rPr lang="en-US" sz="1100" dirty="0" err="1"/>
-              <a:t>dna</a:t>
-            </a:r>
-            <a:r>
-              <a:rPr lang="en-US" sz="1100" dirty="0"/>
-              <a:t>-technology/</a:t>
-            </a:r>
-            <a:r>
-              <a:rPr lang="en-US" sz="1100" dirty="0" err="1"/>
-              <a:t>dna</a:t>
-            </a:r>
-            <a:r>
-              <a:rPr lang="en-US" sz="1100" dirty="0"/>
-              <a:t>-cloning-tutorial/a/bacterial-transformation-selection</a:t>
-            </a:r>
-          </a:p>
-        </p:txBody>
-      </p:sp>
-    </p:spTree>
-    <p:extLst>
-      <p:ext uri="{BB962C8B-B14F-4D97-AF65-F5344CB8AC3E}">
-        <p14:creationId xmlns:p14="http://schemas.microsoft.com/office/powerpoint/2010/main" val="3377769158"/>
-      </p:ext>
-    </p:extLst>
-  </p:cSld>
-  <p:clrMapOvr>
-    <a:masterClrMapping/>
-  </p:clrMapOvr>
-</p:sld>
-</file>
-
-<file path=ppt/slides/slide20.xml><?xml version="1.0" encoding="utf-8"?>
+<file path=ppt/slides/slide21.xml><?xml version="1.0" encoding="utf-8"?>
 <p:sld xmlns:a="http://schemas.openxmlformats.org/drawingml/2006/main" xmlns:r="http://schemas.openxmlformats.org/officeDocument/2006/relationships" xmlns:p="http://schemas.openxmlformats.org/presentationml/2006/main">
   <p:cSld>
     <p:spTree>
@@ -9688,7 +9788,7 @@
 </p:sld>
 </file>
 
-<file path=ppt/slides/slide21.xml><?xml version="1.0" encoding="utf-8"?>
+<file path=ppt/slides/slide22.xml><?xml version="1.0" encoding="utf-8"?>
 <p:sld xmlns:a="http://schemas.openxmlformats.org/drawingml/2006/main" xmlns:r="http://schemas.openxmlformats.org/officeDocument/2006/relationships" xmlns:p="http://schemas.openxmlformats.org/presentationml/2006/main">
   <p:cSld>
     <p:spTree>
@@ -11357,7 +11457,7 @@
 </p:sld>
 </file>
 
-<file path=ppt/slides/slide22.xml><?xml version="1.0" encoding="utf-8"?>
+<file path=ppt/slides/slide23.xml><?xml version="1.0" encoding="utf-8"?>
 <p:sld xmlns:a="http://schemas.openxmlformats.org/drawingml/2006/main" xmlns:r="http://schemas.openxmlformats.org/officeDocument/2006/relationships" xmlns:p="http://schemas.openxmlformats.org/presentationml/2006/main">
   <p:cSld>
     <p:spTree>
@@ -16908,161 +17008,6 @@
 </p:sld>
 </file>
 
-<file path=ppt/slides/slide23.xml><?xml version="1.0" encoding="utf-8"?>
-<p:sld xmlns:a="http://schemas.openxmlformats.org/drawingml/2006/main" xmlns:r="http://schemas.openxmlformats.org/officeDocument/2006/relationships" xmlns:p="http://schemas.openxmlformats.org/presentationml/2006/main">
-  <p:cSld>
-    <p:spTree>
-      <p:nvGrpSpPr>
-        <p:cNvPr id="1" name=""/>
-        <p:cNvGrpSpPr/>
-        <p:nvPr/>
-      </p:nvGrpSpPr>
-      <p:grpSpPr>
-        <a:xfrm>
-          <a:off x="0" y="0"/>
-          <a:ext cx="0" cy="0"/>
-          <a:chOff x="0" y="0"/>
-          <a:chExt cx="0" cy="0"/>
-        </a:xfrm>
-      </p:grpSpPr>
-      <p:sp>
-        <p:nvSpPr>
-          <p:cNvPr id="2" name="TextBox 1">
-            <a:extLst>
-              <a:ext uri="{FF2B5EF4-FFF2-40B4-BE49-F238E27FC236}">
-                <a16:creationId xmlns:a16="http://schemas.microsoft.com/office/drawing/2014/main" id="{5775A600-02E9-6F45-A8B3-F2BB2C49C847}"/>
-              </a:ext>
-            </a:extLst>
-          </p:cNvPr>
-          <p:cNvSpPr txBox="1"/>
-          <p:nvPr/>
-        </p:nvSpPr>
-        <p:spPr>
-          <a:xfrm>
-            <a:off x="0" y="123939"/>
-            <a:ext cx="12192000" cy="646331"/>
-          </a:xfrm>
-          <a:prstGeom prst="rect">
-            <a:avLst/>
-          </a:prstGeom>
-          <a:noFill/>
-        </p:spPr>
-        <p:txBody>
-          <a:bodyPr wrap="square" rtlCol="0">
-            <a:spAutoFit/>
-          </a:bodyPr>
-          <a:lstStyle/>
-          <a:p>
-            <a:pPr algn="ctr"/>
-            <a:r>
-              <a:rPr lang="en-US" sz="3600" dirty="0"/>
-              <a:t>Some MO characteristics and key players</a:t>
-            </a:r>
-          </a:p>
-        </p:txBody>
-      </p:sp>
-      <p:pic>
-        <p:nvPicPr>
-          <p:cNvPr id="4098" name="Picture 2" descr="Can I use an antibody targeting a human protein in another model organism?">
-            <a:extLst>
-              <a:ext uri="{FF2B5EF4-FFF2-40B4-BE49-F238E27FC236}">
-                <a16:creationId xmlns:a16="http://schemas.microsoft.com/office/drawing/2014/main" id="{950BE9A1-BA2E-E54F-968A-26CF1AE06E56}"/>
-              </a:ext>
-            </a:extLst>
-          </p:cNvPr>
-          <p:cNvPicPr>
-            <a:picLocks noChangeAspect="1" noChangeArrowheads="1"/>
-          </p:cNvPicPr>
-          <p:nvPr/>
-        </p:nvPicPr>
-        <p:blipFill>
-          <a:blip r:embed="rId2">
-            <a:extLst>
-              <a:ext uri="{28A0092B-C50C-407E-A947-70E740481C1C}">
-                <a14:useLocalDpi xmlns:a14="http://schemas.microsoft.com/office/drawing/2010/main" val="0"/>
-              </a:ext>
-            </a:extLst>
-          </a:blip>
-          <a:srcRect/>
-          <a:stretch>
-            <a:fillRect/>
-          </a:stretch>
-        </p:blipFill>
-        <p:spPr bwMode="auto">
-          <a:xfrm>
-            <a:off x="1783807" y="917458"/>
-            <a:ext cx="8624386" cy="5723974"/>
-          </a:xfrm>
-          <a:prstGeom prst="rect">
-            <a:avLst/>
-          </a:prstGeom>
-          <a:noFill/>
-          <a:extLst>
-            <a:ext uri="{909E8E84-426E-40DD-AFC4-6F175D3DCCD1}">
-              <a14:hiddenFill xmlns:a14="http://schemas.microsoft.com/office/drawing/2010/main">
-                <a:solidFill>
-                  <a:srgbClr val="FFFFFF"/>
-                </a:solidFill>
-              </a14:hiddenFill>
-            </a:ext>
-          </a:extLst>
-        </p:spPr>
-      </p:pic>
-      <p:sp>
-        <p:nvSpPr>
-          <p:cNvPr id="3" name="Rectangle 2">
-            <a:extLst>
-              <a:ext uri="{FF2B5EF4-FFF2-40B4-BE49-F238E27FC236}">
-                <a16:creationId xmlns:a16="http://schemas.microsoft.com/office/drawing/2014/main" id="{4F2D7050-0166-C64A-A17B-9803F0A42A11}"/>
-              </a:ext>
-            </a:extLst>
-          </p:cNvPr>
-          <p:cNvSpPr/>
-          <p:nvPr/>
-        </p:nvSpPr>
-        <p:spPr>
-          <a:xfrm>
-            <a:off x="7174832" y="6641432"/>
-            <a:ext cx="6096000" cy="261610"/>
-          </a:xfrm>
-          <a:prstGeom prst="rect">
-            <a:avLst/>
-          </a:prstGeom>
-        </p:spPr>
-        <p:txBody>
-          <a:bodyPr>
-            <a:spAutoFit/>
-          </a:bodyPr>
-          <a:lstStyle/>
-          <a:p>
-            <a:r>
-              <a:rPr lang="en-US" sz="1050" dirty="0"/>
-              <a:t>https://</a:t>
-            </a:r>
-            <a:r>
-              <a:rPr lang="en-US" sz="1050" dirty="0" err="1"/>
-              <a:t>blog.atlasantibodies.com</a:t>
-            </a:r>
-            <a:r>
-              <a:rPr lang="en-US" sz="1050" dirty="0"/>
-              <a:t>/using-antibody-for-human-protein-in-model-organism</a:t>
-            </a:r>
-          </a:p>
-        </p:txBody>
-      </p:sp>
-    </p:spTree>
-    <p:extLst>
-      <p:ext uri="{BB962C8B-B14F-4D97-AF65-F5344CB8AC3E}">
-        <p14:creationId xmlns:p14="http://schemas.microsoft.com/office/powerpoint/2010/main" val="3485763795"/>
-      </p:ext>
-    </p:extLst>
-  </p:cSld>
-  <p:clrMapOvr>
-    <a:masterClrMapping/>
-  </p:clrMapOvr>
-</p:sld>
-</file>
-
 <file path=ppt/slides/slide24.xml><?xml version="1.0" encoding="utf-8"?>
 <p:sld xmlns:a="http://schemas.openxmlformats.org/drawingml/2006/main" xmlns:r="http://schemas.openxmlformats.org/officeDocument/2006/relationships" xmlns:p="http://schemas.openxmlformats.org/presentationml/2006/main">
   <p:cSld>
@@ -17094,8 +17039,8 @@
         </p:nvSpPr>
         <p:spPr>
           <a:xfrm>
-            <a:off x="0" y="2782669"/>
-            <a:ext cx="12192000" cy="1200329"/>
+            <a:off x="0" y="123939"/>
+            <a:ext cx="12192000" cy="646331"/>
           </a:xfrm>
           <a:prstGeom prst="rect">
             <a:avLst/>
@@ -17111,28 +17056,1098 @@
             <a:pPr algn="ctr"/>
             <a:r>
               <a:rPr lang="en-US" sz="3600" dirty="0"/>
-              <a:t>Through manipulation and study of model organisms</a:t>
-            </a:r>
-          </a:p>
-          <a:p>
-            <a:pPr algn="ctr"/>
-            <a:r>
-              <a:rPr lang="en-US" sz="3600" dirty="0"/>
-              <a:t>we work to understand life </a:t>
+              <a:t>Uses of GFP</a:t>
             </a:r>
           </a:p>
         </p:txBody>
       </p:sp>
+      <p:sp>
+        <p:nvSpPr>
+          <p:cNvPr id="3" name="Rectangle 2">
+            <a:extLst>
+              <a:ext uri="{FF2B5EF4-FFF2-40B4-BE49-F238E27FC236}">
+                <a16:creationId xmlns:a16="http://schemas.microsoft.com/office/drawing/2014/main" id="{4F2D7050-0166-C64A-A17B-9803F0A42A11}"/>
+              </a:ext>
+            </a:extLst>
+          </p:cNvPr>
+          <p:cNvSpPr/>
+          <p:nvPr/>
+        </p:nvSpPr>
+        <p:spPr>
+          <a:xfrm>
+            <a:off x="7174832" y="6641432"/>
+            <a:ext cx="6096000" cy="261610"/>
+          </a:xfrm>
+          <a:prstGeom prst="rect">
+            <a:avLst/>
+          </a:prstGeom>
+        </p:spPr>
+        <p:txBody>
+          <a:bodyPr>
+            <a:spAutoFit/>
+          </a:bodyPr>
+          <a:lstStyle/>
+          <a:p>
+            <a:r>
+              <a:rPr lang="en-US" sz="1050" dirty="0"/>
+              <a:t>https://</a:t>
+            </a:r>
+            <a:r>
+              <a:rPr lang="en-US" sz="1050" dirty="0" err="1"/>
+              <a:t>blog.atlasantibodies.com</a:t>
+            </a:r>
+            <a:r>
+              <a:rPr lang="en-US" sz="1050" dirty="0"/>
+              <a:t>/using-antibody-for-human-protein-in-model-organism</a:t>
+            </a:r>
+          </a:p>
+        </p:txBody>
+      </p:sp>
+      <p:pic>
+        <p:nvPicPr>
+          <p:cNvPr id="5" name="Picture 13">
+            <a:extLst>
+              <a:ext uri="{FF2B5EF4-FFF2-40B4-BE49-F238E27FC236}">
+                <a16:creationId xmlns:a16="http://schemas.microsoft.com/office/drawing/2014/main" id="{88C7B5AE-97D6-2149-94AD-1A1D07D12A4D}"/>
+              </a:ext>
+            </a:extLst>
+          </p:cNvPr>
+          <p:cNvPicPr>
+            <a:picLocks noChangeAspect="1" noChangeArrowheads="1"/>
+          </p:cNvPicPr>
+          <p:nvPr/>
+        </p:nvPicPr>
+        <p:blipFill>
+          <a:blip r:embed="rId2">
+            <a:extLst>
+              <a:ext uri="{28A0092B-C50C-407E-A947-70E740481C1C}">
+                <a14:useLocalDpi xmlns:a14="http://schemas.microsoft.com/office/drawing/2010/main" val="0"/>
+              </a:ext>
+            </a:extLst>
+          </a:blip>
+          <a:srcRect/>
+          <a:stretch>
+            <a:fillRect/>
+          </a:stretch>
+        </p:blipFill>
+        <p:spPr bwMode="auto">
+          <a:xfrm>
+            <a:off x="3340434" y="1143000"/>
+            <a:ext cx="1909763" cy="1524000"/>
+          </a:xfrm>
+          <a:prstGeom prst="rect">
+            <a:avLst/>
+          </a:prstGeom>
+          <a:noFill/>
+          <a:ln>
+            <a:noFill/>
+          </a:ln>
+          <a:extLst>
+            <a:ext uri="{909E8E84-426E-40DD-AFC4-6F175D3DCCD1}">
+              <a14:hiddenFill xmlns:a14="http://schemas.microsoft.com/office/drawing/2010/main">
+                <a:solidFill>
+                  <a:srgbClr val="FFFFFF"/>
+                </a:solidFill>
+              </a14:hiddenFill>
+            </a:ext>
+            <a:ext uri="{91240B29-F687-4F45-9708-019B960494DF}">
+              <a14:hiddenLine xmlns:a14="http://schemas.microsoft.com/office/drawing/2010/main" w="9525">
+                <a:solidFill>
+                  <a:srgbClr val="000000"/>
+                </a:solidFill>
+                <a:miter lim="800000"/>
+                <a:headEnd/>
+                <a:tailEnd/>
+              </a14:hiddenLine>
+            </a:ext>
+          </a:extLst>
+        </p:spPr>
+      </p:pic>
+      <p:sp>
+        <p:nvSpPr>
+          <p:cNvPr id="6" name="Right Arrow 5">
+            <a:extLst>
+              <a:ext uri="{FF2B5EF4-FFF2-40B4-BE49-F238E27FC236}">
+                <a16:creationId xmlns:a16="http://schemas.microsoft.com/office/drawing/2014/main" id="{D00CDBFB-3164-3E46-A1E4-C9C74C004CD4}"/>
+              </a:ext>
+            </a:extLst>
+          </p:cNvPr>
+          <p:cNvSpPr/>
+          <p:nvPr/>
+        </p:nvSpPr>
+        <p:spPr>
+          <a:xfrm>
+            <a:off x="5478797" y="1676400"/>
+            <a:ext cx="990600" cy="457200"/>
+          </a:xfrm>
+          <a:prstGeom prst="rightArrow">
+            <a:avLst/>
+          </a:prstGeom>
+        </p:spPr>
+        <p:style>
+          <a:lnRef idx="2">
+            <a:schemeClr val="accent1">
+              <a:shade val="50000"/>
+            </a:schemeClr>
+          </a:lnRef>
+          <a:fillRef idx="1">
+            <a:schemeClr val="accent1"/>
+          </a:fillRef>
+          <a:effectRef idx="0">
+            <a:schemeClr val="accent1"/>
+          </a:effectRef>
+          <a:fontRef idx="minor">
+            <a:schemeClr val="lt1"/>
+          </a:fontRef>
+        </p:style>
+        <p:txBody>
+          <a:bodyPr anchor="ctr"/>
+          <a:lstStyle/>
+          <a:p>
+            <a:pPr algn="ctr">
+              <a:defRPr/>
+            </a:pPr>
+            <a:endParaRPr lang="en-US" sz="1800"/>
+          </a:p>
+        </p:txBody>
+      </p:sp>
+      <p:sp>
+        <p:nvSpPr>
+          <p:cNvPr id="7" name="TextBox 6">
+            <a:extLst>
+              <a:ext uri="{FF2B5EF4-FFF2-40B4-BE49-F238E27FC236}">
+                <a16:creationId xmlns:a16="http://schemas.microsoft.com/office/drawing/2014/main" id="{4AC403BC-38A4-334B-A163-C8EFD84DEA2A}"/>
+              </a:ext>
+            </a:extLst>
+          </p:cNvPr>
+          <p:cNvSpPr txBox="1">
+            <a:spLocks noChangeArrowheads="1"/>
+          </p:cNvSpPr>
+          <p:nvPr/>
+        </p:nvSpPr>
+        <p:spPr bwMode="auto">
+          <a:xfrm>
+            <a:off x="6204284" y="3429000"/>
+            <a:ext cx="4724400" cy="2354263"/>
+          </a:xfrm>
+          <a:prstGeom prst="rect">
+            <a:avLst/>
+          </a:prstGeom>
+          <a:noFill/>
+          <a:ln>
+            <a:noFill/>
+          </a:ln>
+          <a:extLst>
+            <a:ext uri="{909E8E84-426E-40DD-AFC4-6F175D3DCCD1}">
+              <a14:hiddenFill xmlns:a14="http://schemas.microsoft.com/office/drawing/2010/main">
+                <a:solidFill>
+                  <a:srgbClr val="FFFFFF"/>
+                </a:solidFill>
+              </a14:hiddenFill>
+            </a:ext>
+            <a:ext uri="{91240B29-F687-4F45-9708-019B960494DF}">
+              <a14:hiddenLine xmlns:a14="http://schemas.microsoft.com/office/drawing/2010/main" w="9525">
+                <a:solidFill>
+                  <a:srgbClr val="000000"/>
+                </a:solidFill>
+                <a:miter lim="800000"/>
+                <a:headEnd/>
+                <a:tailEnd/>
+              </a14:hiddenLine>
+            </a:ext>
+          </a:extLst>
+        </p:spPr>
+        <p:txBody>
+          <a:bodyPr>
+            <a:spAutoFit/>
+          </a:bodyPr>
+          <a:lstStyle>
+            <a:lvl1pPr eaLnBrk="0" hangingPunct="0">
+              <a:defRPr sz="3200">
+                <a:solidFill>
+                  <a:schemeClr val="tx1"/>
+                </a:solidFill>
+                <a:latin typeface="Arial" panose="020B0604020202020204" pitchFamily="34" charset="0"/>
+                <a:cs typeface="Arial" panose="020B0604020202020204" pitchFamily="34" charset="0"/>
+              </a:defRPr>
+            </a:lvl1pPr>
+            <a:lvl2pPr marL="742950" indent="-285750" eaLnBrk="0" hangingPunct="0">
+              <a:defRPr sz="3200">
+                <a:solidFill>
+                  <a:schemeClr val="tx1"/>
+                </a:solidFill>
+                <a:latin typeface="Arial" panose="020B0604020202020204" pitchFamily="34" charset="0"/>
+                <a:cs typeface="Arial" panose="020B0604020202020204" pitchFamily="34" charset="0"/>
+              </a:defRPr>
+            </a:lvl2pPr>
+            <a:lvl3pPr marL="1143000" indent="-228600" eaLnBrk="0" hangingPunct="0">
+              <a:defRPr sz="3200">
+                <a:solidFill>
+                  <a:schemeClr val="tx1"/>
+                </a:solidFill>
+                <a:latin typeface="Arial" panose="020B0604020202020204" pitchFamily="34" charset="0"/>
+                <a:cs typeface="Arial" panose="020B0604020202020204" pitchFamily="34" charset="0"/>
+              </a:defRPr>
+            </a:lvl3pPr>
+            <a:lvl4pPr marL="1600200" indent="-228600" eaLnBrk="0" hangingPunct="0">
+              <a:defRPr sz="3200">
+                <a:solidFill>
+                  <a:schemeClr val="tx1"/>
+                </a:solidFill>
+                <a:latin typeface="Arial" panose="020B0604020202020204" pitchFamily="34" charset="0"/>
+                <a:cs typeface="Arial" panose="020B0604020202020204" pitchFamily="34" charset="0"/>
+              </a:defRPr>
+            </a:lvl4pPr>
+            <a:lvl5pPr marL="2057400" indent="-228600" eaLnBrk="0" hangingPunct="0">
+              <a:defRPr sz="3200">
+                <a:solidFill>
+                  <a:schemeClr val="tx1"/>
+                </a:solidFill>
+                <a:latin typeface="Arial" panose="020B0604020202020204" pitchFamily="34" charset="0"/>
+                <a:cs typeface="Arial" panose="020B0604020202020204" pitchFamily="34" charset="0"/>
+              </a:defRPr>
+            </a:lvl5pPr>
+            <a:lvl6pPr marL="2514600" indent="-228600" eaLnBrk="0" fontAlgn="base" hangingPunct="0">
+              <a:spcBef>
+                <a:spcPct val="0"/>
+              </a:spcBef>
+              <a:spcAft>
+                <a:spcPct val="0"/>
+              </a:spcAft>
+              <a:defRPr sz="3200">
+                <a:solidFill>
+                  <a:schemeClr val="tx1"/>
+                </a:solidFill>
+                <a:latin typeface="Arial" panose="020B0604020202020204" pitchFamily="34" charset="0"/>
+                <a:cs typeface="Arial" panose="020B0604020202020204" pitchFamily="34" charset="0"/>
+              </a:defRPr>
+            </a:lvl6pPr>
+            <a:lvl7pPr marL="2971800" indent="-228600" eaLnBrk="0" fontAlgn="base" hangingPunct="0">
+              <a:spcBef>
+                <a:spcPct val="0"/>
+              </a:spcBef>
+              <a:spcAft>
+                <a:spcPct val="0"/>
+              </a:spcAft>
+              <a:defRPr sz="3200">
+                <a:solidFill>
+                  <a:schemeClr val="tx1"/>
+                </a:solidFill>
+                <a:latin typeface="Arial" panose="020B0604020202020204" pitchFamily="34" charset="0"/>
+                <a:cs typeface="Arial" panose="020B0604020202020204" pitchFamily="34" charset="0"/>
+              </a:defRPr>
+            </a:lvl7pPr>
+            <a:lvl8pPr marL="3429000" indent="-228600" eaLnBrk="0" fontAlgn="base" hangingPunct="0">
+              <a:spcBef>
+                <a:spcPct val="0"/>
+              </a:spcBef>
+              <a:spcAft>
+                <a:spcPct val="0"/>
+              </a:spcAft>
+              <a:defRPr sz="3200">
+                <a:solidFill>
+                  <a:schemeClr val="tx1"/>
+                </a:solidFill>
+                <a:latin typeface="Arial" panose="020B0604020202020204" pitchFamily="34" charset="0"/>
+                <a:cs typeface="Arial" panose="020B0604020202020204" pitchFamily="34" charset="0"/>
+              </a:defRPr>
+            </a:lvl8pPr>
+            <a:lvl9pPr marL="3886200" indent="-228600" eaLnBrk="0" fontAlgn="base" hangingPunct="0">
+              <a:spcBef>
+                <a:spcPct val="0"/>
+              </a:spcBef>
+              <a:spcAft>
+                <a:spcPct val="0"/>
+              </a:spcAft>
+              <a:defRPr sz="3200">
+                <a:solidFill>
+                  <a:schemeClr val="tx1"/>
+                </a:solidFill>
+                <a:latin typeface="Arial" panose="020B0604020202020204" pitchFamily="34" charset="0"/>
+                <a:cs typeface="Arial" panose="020B0604020202020204" pitchFamily="34" charset="0"/>
+              </a:defRPr>
+            </a:lvl9pPr>
+          </a:lstStyle>
+          <a:p>
+            <a:pPr algn="just" eaLnBrk="1" hangingPunct="1"/>
+            <a:r>
+              <a:rPr lang="en-US" altLang="en-US" sz="700">
+                <a:latin typeface="Calibri" panose="020F0502020204030204" pitchFamily="34" charset="0"/>
+              </a:rPr>
+              <a:t>ACTCGATCGATCGATGCTACGTCGCGCCGGGCGCTGCATGCTAGCAGCATCGATCAGCAATAGTCGTCGT</a:t>
+            </a:r>
+          </a:p>
+          <a:p>
+            <a:pPr algn="just" eaLnBrk="1" hangingPunct="1"/>
+            <a:r>
+              <a:rPr lang="en-US" altLang="en-US" sz="700">
+                <a:latin typeface="Calibri" panose="020F0502020204030204" pitchFamily="34" charset="0"/>
+              </a:rPr>
+              <a:t>ACTAAATTCGTGCTAGCTTTGACGACGACGATGCAAACGTCGTCGTACGTAGCTACGACTAAATTCGTGCT</a:t>
+            </a:r>
+          </a:p>
+          <a:p>
+            <a:pPr algn="just" eaLnBrk="1" hangingPunct="1"/>
+            <a:r>
+              <a:rPr lang="en-US" altLang="en-US" sz="700">
+                <a:latin typeface="Calibri" panose="020F0502020204030204" pitchFamily="34" charset="0"/>
+              </a:rPr>
+              <a:t>AGCTTTGACGACGACGATGCAAACGTCGTCGTACGTAGCTACGTAGCATGTGGGATTGACTGACTGACTA</a:t>
+            </a:r>
+          </a:p>
+          <a:p>
+            <a:pPr algn="just" eaLnBrk="1" hangingPunct="1"/>
+            <a:r>
+              <a:rPr lang="en-US" altLang="en-US" sz="700">
+                <a:latin typeface="Calibri" panose="020F0502020204030204" pitchFamily="34" charset="0"/>
+              </a:rPr>
+              <a:t>GCAGGGGATCGTAGCTAGCTAGCTAGCAGTAGCTAGCTCGATGCATCGATCGTCAGAGTCGATCGATCGG</a:t>
+            </a:r>
+          </a:p>
+          <a:p>
+            <a:pPr algn="just" eaLnBrk="1" hangingPunct="1"/>
+            <a:r>
+              <a:rPr lang="en-US" altLang="en-US" sz="700">
+                <a:solidFill>
+                  <a:srgbClr val="00B050"/>
+                </a:solidFill>
+                <a:latin typeface="Calibri" panose="020F0502020204030204" pitchFamily="34" charset="0"/>
+              </a:rPr>
+              <a:t>AAGCTTTATTAAAATGTCTAAAGGTGAAGAATTATTCACTGGTGTTGTCCCAATTTTGGTTGAATTAGAT</a:t>
+            </a:r>
+          </a:p>
+          <a:p>
+            <a:pPr algn="just" eaLnBrk="1" hangingPunct="1"/>
+            <a:r>
+              <a:rPr lang="en-US" altLang="en-US" sz="700">
+                <a:solidFill>
+                  <a:srgbClr val="00B050"/>
+                </a:solidFill>
+                <a:latin typeface="Calibri" panose="020F0502020204030204" pitchFamily="34" charset="0"/>
+              </a:rPr>
+              <a:t>GGTGATGTTAATGGTCACAAATTTTCTGTCTCCGGTGAAGGTGAAGGTGATGCTACTTACGGTAAATTGA</a:t>
+            </a:r>
+          </a:p>
+          <a:p>
+            <a:pPr algn="just" eaLnBrk="1" hangingPunct="1"/>
+            <a:r>
+              <a:rPr lang="en-US" altLang="en-US" sz="700">
+                <a:solidFill>
+                  <a:srgbClr val="00B050"/>
+                </a:solidFill>
+                <a:latin typeface="Calibri" panose="020F0502020204030204" pitchFamily="34" charset="0"/>
+              </a:rPr>
+              <a:t>CCTTAAAATTTATTTGTACTACTGGTAAATTGCCAGTTCCATGGCCAACCTTAGTCACTACTTTCGGTTAT</a:t>
+            </a:r>
+          </a:p>
+          <a:p>
+            <a:pPr algn="just" eaLnBrk="1" hangingPunct="1"/>
+            <a:r>
+              <a:rPr lang="en-US" altLang="en-US" sz="700">
+                <a:solidFill>
+                  <a:srgbClr val="00B050"/>
+                </a:solidFill>
+                <a:latin typeface="Calibri" panose="020F0502020204030204" pitchFamily="34" charset="0"/>
+              </a:rPr>
+              <a:t>GGTGTTCAATGTTTTGCTAGATACCCAGATCATATGAAACAACATGACTTTTTCAAGTCTGCCATGCCA </a:t>
+            </a:r>
+          </a:p>
+          <a:p>
+            <a:pPr algn="just" eaLnBrk="1" hangingPunct="1"/>
+            <a:r>
+              <a:rPr lang="en-US" altLang="en-US" sz="700">
+                <a:solidFill>
+                  <a:srgbClr val="00B050"/>
+                </a:solidFill>
+                <a:latin typeface="Calibri" panose="020F0502020204030204" pitchFamily="34" charset="0"/>
+              </a:rPr>
+              <a:t>GAAGGTTATGTTCAAGAAAGAACTATTTTTTTCAAAGATGACGGTAACTACAAGACCAGAGCTGAAGTCA</a:t>
+            </a:r>
+          </a:p>
+          <a:p>
+            <a:pPr algn="just" eaLnBrk="1" hangingPunct="1"/>
+            <a:r>
+              <a:rPr lang="en-US" altLang="en-US" sz="700">
+                <a:solidFill>
+                  <a:srgbClr val="00B050"/>
+                </a:solidFill>
+                <a:latin typeface="Calibri" panose="020F0502020204030204" pitchFamily="34" charset="0"/>
+              </a:rPr>
+              <a:t> AGTTTGAAGGTGATACCTTAGTTAATAGAATCGAATTAAAAGGTATTGATTTTAAAGAAGATGGTAACAT</a:t>
+            </a:r>
+          </a:p>
+          <a:p>
+            <a:pPr algn="just" eaLnBrk="1" hangingPunct="1"/>
+            <a:r>
+              <a:rPr lang="en-US" altLang="en-US" sz="700">
+                <a:solidFill>
+                  <a:srgbClr val="00B050"/>
+                </a:solidFill>
+                <a:latin typeface="Calibri" panose="020F0502020204030204" pitchFamily="34" charset="0"/>
+              </a:rPr>
+              <a:t> TTTAGGTCACAAATTGGAATACAACTATAACTCTCACAATGTTTACATCATGGCTGACAAACAAAAGAAT</a:t>
+            </a:r>
+          </a:p>
+          <a:p>
+            <a:pPr algn="just" eaLnBrk="1" hangingPunct="1"/>
+            <a:r>
+              <a:rPr lang="en-US" altLang="en-US" sz="700">
+                <a:solidFill>
+                  <a:srgbClr val="00B050"/>
+                </a:solidFill>
+                <a:latin typeface="Calibri" panose="020F0502020204030204" pitchFamily="34" charset="0"/>
+              </a:rPr>
+              <a:t> GGTATCAAAGTTAACTTCAAAATTAGACACAACATTGAAGATGGTTCTGTTCAATTAGCTGACCATTATC</a:t>
+            </a:r>
+          </a:p>
+          <a:p>
+            <a:pPr algn="just" eaLnBrk="1" hangingPunct="1"/>
+            <a:r>
+              <a:rPr lang="en-US" altLang="en-US" sz="700">
+                <a:solidFill>
+                  <a:srgbClr val="00B050"/>
+                </a:solidFill>
+                <a:latin typeface="Calibri" panose="020F0502020204030204" pitchFamily="34" charset="0"/>
+              </a:rPr>
+              <a:t> AACAAAATACTCCAATTGGTGATGGTCCAGTCTTGTTACCAGACAACCATTACTTATCCACTCAATCTGC CTTATCCAAAGATCCAAACGAAAAGAGAGACCACATGGTCTTGTTAGAATTTGTTACTGCTGCTGGTATT</a:t>
+            </a:r>
+          </a:p>
+          <a:p>
+            <a:pPr algn="just" eaLnBrk="1" hangingPunct="1"/>
+            <a:r>
+              <a:rPr lang="en-US" altLang="en-US" sz="700">
+                <a:solidFill>
+                  <a:srgbClr val="00B050"/>
+                </a:solidFill>
+                <a:latin typeface="Calibri" panose="020F0502020204030204" pitchFamily="34" charset="0"/>
+              </a:rPr>
+              <a:t> ACCCATGGTATGGATGAATTGTACAAATAACTGCAGG</a:t>
+            </a:r>
+            <a:r>
+              <a:rPr lang="en-US" altLang="en-US" sz="700">
+                <a:latin typeface="Calibri" panose="020F0502020204030204" pitchFamily="34" charset="0"/>
+              </a:rPr>
+              <a:t>ACGTACGTACACGTAGCTAGCTCGATCGTACGA</a:t>
+            </a:r>
+          </a:p>
+          <a:p>
+            <a:pPr algn="just" eaLnBrk="1" hangingPunct="1"/>
+            <a:r>
+              <a:rPr lang="en-US" altLang="en-US" sz="700">
+                <a:latin typeface="Calibri" panose="020F0502020204030204" pitchFamily="34" charset="0"/>
+              </a:rPr>
+              <a:t>ACTACGATCGATCGATCGATCGACTGCATCGTACAGCACTGACGACTAGCTGCTGCTTGCTGCTGTTTAGC</a:t>
+            </a:r>
+          </a:p>
+          <a:p>
+            <a:pPr algn="just" eaLnBrk="1" hangingPunct="1"/>
+            <a:r>
+              <a:rPr lang="en-US" altLang="en-US" sz="700">
+                <a:latin typeface="Calibri" panose="020F0502020204030204" pitchFamily="34" charset="0"/>
+              </a:rPr>
+              <a:t>CGTACGCGTGCGTACGACGTACGTCGTCTTCGCTGTACGTACGTACGATCGAGCTAGCATAATGCATGCG</a:t>
+            </a:r>
+          </a:p>
+          <a:p>
+            <a:pPr algn="just" eaLnBrk="1" hangingPunct="1"/>
+            <a:r>
+              <a:rPr lang="en-US" altLang="en-US" sz="700">
+                <a:latin typeface="Calibri" panose="020F0502020204030204" pitchFamily="34" charset="0"/>
+              </a:rPr>
+              <a:t>ACTCGATCGATCGATGCTACGTCGCGCCGGGCGCTGCATGCTAGCAGCATCGATCAGCAATAGTCGTCGT</a:t>
+            </a:r>
+          </a:p>
+          <a:p>
+            <a:pPr algn="just" eaLnBrk="1" hangingPunct="1"/>
+            <a:r>
+              <a:rPr lang="en-US" altLang="en-US" sz="700">
+                <a:latin typeface="Calibri" panose="020F0502020204030204" pitchFamily="34" charset="0"/>
+              </a:rPr>
+              <a:t>ACTAAATTCGTGCTAGCTTTGACGACGACGATGCAAACGTCGTCGTACGTAGCTACGTAGCATGTGGGAT</a:t>
+            </a:r>
+          </a:p>
+          <a:p>
+            <a:pPr algn="just" eaLnBrk="1" hangingPunct="1"/>
+            <a:r>
+              <a:rPr lang="en-US" altLang="en-US" sz="700">
+                <a:latin typeface="Calibri" panose="020F0502020204030204" pitchFamily="34" charset="0"/>
+              </a:rPr>
+              <a:t>TGACTGACTGACTAGCAGGGGATCGTAGCTAGCTAGCTAGCAGTAGCTAGCTCGATGCATCGATCGTCAG</a:t>
+            </a:r>
+          </a:p>
+          <a:p>
+            <a:pPr algn="just" eaLnBrk="1" hangingPunct="1"/>
+            <a:r>
+              <a:rPr lang="en-US" altLang="en-US" sz="700">
+                <a:latin typeface="Calibri" panose="020F0502020204030204" pitchFamily="34" charset="0"/>
+              </a:rPr>
+              <a:t>ACACATCGATCGATCGATCGATCGATCGATCGATTCGATCGATCGATGCTAGCATCGATCGATCGATATGC</a:t>
+            </a:r>
+            <a:endParaRPr lang="en-US" altLang="en-US" sz="700">
+              <a:solidFill>
+                <a:srgbClr val="00B050"/>
+              </a:solidFill>
+              <a:latin typeface="Calibri" panose="020F0502020204030204" pitchFamily="34" charset="0"/>
+            </a:endParaRPr>
+          </a:p>
+        </p:txBody>
+      </p:sp>
+      <p:sp>
+        <p:nvSpPr>
+          <p:cNvPr id="8" name="Rectangle 7">
+            <a:extLst>
+              <a:ext uri="{FF2B5EF4-FFF2-40B4-BE49-F238E27FC236}">
+                <a16:creationId xmlns:a16="http://schemas.microsoft.com/office/drawing/2014/main" id="{29F15E0D-D17E-E04B-864A-3853F049311E}"/>
+              </a:ext>
+            </a:extLst>
+          </p:cNvPr>
+          <p:cNvSpPr>
+            <a:spLocks noChangeArrowheads="1"/>
+          </p:cNvSpPr>
+          <p:nvPr/>
+        </p:nvSpPr>
+        <p:spPr bwMode="auto">
+          <a:xfrm>
+            <a:off x="6128084" y="3698875"/>
+            <a:ext cx="5486400" cy="1558925"/>
+          </a:xfrm>
+          <a:prstGeom prst="rect">
+            <a:avLst/>
+          </a:prstGeom>
+          <a:noFill/>
+          <a:ln>
+            <a:noFill/>
+          </a:ln>
+          <a:extLst>
+            <a:ext uri="{909E8E84-426E-40DD-AFC4-6F175D3DCCD1}">
+              <a14:hiddenFill xmlns:a14="http://schemas.microsoft.com/office/drawing/2010/main">
+                <a:solidFill>
+                  <a:srgbClr val="FFFFFF"/>
+                </a:solidFill>
+              </a14:hiddenFill>
+            </a:ext>
+            <a:ext uri="{91240B29-F687-4F45-9708-019B960494DF}">
+              <a14:hiddenLine xmlns:a14="http://schemas.microsoft.com/office/drawing/2010/main" w="9525">
+                <a:solidFill>
+                  <a:srgbClr val="000000"/>
+                </a:solidFill>
+                <a:miter lim="800000"/>
+                <a:headEnd/>
+                <a:tailEnd/>
+              </a14:hiddenLine>
+            </a:ext>
+          </a:extLst>
+        </p:spPr>
+        <p:txBody>
+          <a:bodyPr>
+            <a:spAutoFit/>
+          </a:bodyPr>
+          <a:lstStyle>
+            <a:lvl1pPr eaLnBrk="0" hangingPunct="0">
+              <a:defRPr sz="3200">
+                <a:solidFill>
+                  <a:schemeClr val="tx1"/>
+                </a:solidFill>
+                <a:latin typeface="Arial" panose="020B0604020202020204" pitchFamily="34" charset="0"/>
+                <a:cs typeface="Arial" panose="020B0604020202020204" pitchFamily="34" charset="0"/>
+              </a:defRPr>
+            </a:lvl1pPr>
+            <a:lvl2pPr marL="742950" indent="-285750" eaLnBrk="0" hangingPunct="0">
+              <a:defRPr sz="3200">
+                <a:solidFill>
+                  <a:schemeClr val="tx1"/>
+                </a:solidFill>
+                <a:latin typeface="Arial" panose="020B0604020202020204" pitchFamily="34" charset="0"/>
+                <a:cs typeface="Arial" panose="020B0604020202020204" pitchFamily="34" charset="0"/>
+              </a:defRPr>
+            </a:lvl2pPr>
+            <a:lvl3pPr marL="1143000" indent="-228600" eaLnBrk="0" hangingPunct="0">
+              <a:defRPr sz="3200">
+                <a:solidFill>
+                  <a:schemeClr val="tx1"/>
+                </a:solidFill>
+                <a:latin typeface="Arial" panose="020B0604020202020204" pitchFamily="34" charset="0"/>
+                <a:cs typeface="Arial" panose="020B0604020202020204" pitchFamily="34" charset="0"/>
+              </a:defRPr>
+            </a:lvl3pPr>
+            <a:lvl4pPr marL="1600200" indent="-228600" eaLnBrk="0" hangingPunct="0">
+              <a:defRPr sz="3200">
+                <a:solidFill>
+                  <a:schemeClr val="tx1"/>
+                </a:solidFill>
+                <a:latin typeface="Arial" panose="020B0604020202020204" pitchFamily="34" charset="0"/>
+                <a:cs typeface="Arial" panose="020B0604020202020204" pitchFamily="34" charset="0"/>
+              </a:defRPr>
+            </a:lvl4pPr>
+            <a:lvl5pPr marL="2057400" indent="-228600" eaLnBrk="0" hangingPunct="0">
+              <a:defRPr sz="3200">
+                <a:solidFill>
+                  <a:schemeClr val="tx1"/>
+                </a:solidFill>
+                <a:latin typeface="Arial" panose="020B0604020202020204" pitchFamily="34" charset="0"/>
+                <a:cs typeface="Arial" panose="020B0604020202020204" pitchFamily="34" charset="0"/>
+              </a:defRPr>
+            </a:lvl5pPr>
+            <a:lvl6pPr marL="2514600" indent="-228600" eaLnBrk="0" fontAlgn="base" hangingPunct="0">
+              <a:spcBef>
+                <a:spcPct val="0"/>
+              </a:spcBef>
+              <a:spcAft>
+                <a:spcPct val="0"/>
+              </a:spcAft>
+              <a:defRPr sz="3200">
+                <a:solidFill>
+                  <a:schemeClr val="tx1"/>
+                </a:solidFill>
+                <a:latin typeface="Arial" panose="020B0604020202020204" pitchFamily="34" charset="0"/>
+                <a:cs typeface="Arial" panose="020B0604020202020204" pitchFamily="34" charset="0"/>
+              </a:defRPr>
+            </a:lvl6pPr>
+            <a:lvl7pPr marL="2971800" indent="-228600" eaLnBrk="0" fontAlgn="base" hangingPunct="0">
+              <a:spcBef>
+                <a:spcPct val="0"/>
+              </a:spcBef>
+              <a:spcAft>
+                <a:spcPct val="0"/>
+              </a:spcAft>
+              <a:defRPr sz="3200">
+                <a:solidFill>
+                  <a:schemeClr val="tx1"/>
+                </a:solidFill>
+                <a:latin typeface="Arial" panose="020B0604020202020204" pitchFamily="34" charset="0"/>
+                <a:cs typeface="Arial" panose="020B0604020202020204" pitchFamily="34" charset="0"/>
+              </a:defRPr>
+            </a:lvl7pPr>
+            <a:lvl8pPr marL="3429000" indent="-228600" eaLnBrk="0" fontAlgn="base" hangingPunct="0">
+              <a:spcBef>
+                <a:spcPct val="0"/>
+              </a:spcBef>
+              <a:spcAft>
+                <a:spcPct val="0"/>
+              </a:spcAft>
+              <a:defRPr sz="3200">
+                <a:solidFill>
+                  <a:schemeClr val="tx1"/>
+                </a:solidFill>
+                <a:latin typeface="Arial" panose="020B0604020202020204" pitchFamily="34" charset="0"/>
+                <a:cs typeface="Arial" panose="020B0604020202020204" pitchFamily="34" charset="0"/>
+              </a:defRPr>
+            </a:lvl8pPr>
+            <a:lvl9pPr marL="3886200" indent="-228600" eaLnBrk="0" fontAlgn="base" hangingPunct="0">
+              <a:spcBef>
+                <a:spcPct val="0"/>
+              </a:spcBef>
+              <a:spcAft>
+                <a:spcPct val="0"/>
+              </a:spcAft>
+              <a:defRPr sz="3200">
+                <a:solidFill>
+                  <a:schemeClr val="tx1"/>
+                </a:solidFill>
+                <a:latin typeface="Arial" panose="020B0604020202020204" pitchFamily="34" charset="0"/>
+                <a:cs typeface="Arial" panose="020B0604020202020204" pitchFamily="34" charset="0"/>
+              </a:defRPr>
+            </a:lvl9pPr>
+          </a:lstStyle>
+          <a:p>
+            <a:pPr algn="just" eaLnBrk="1" hangingPunct="1"/>
+            <a:r>
+              <a:rPr lang="en-US" altLang="en-US" sz="800">
+                <a:latin typeface="Calibri" panose="020F0502020204030204" pitchFamily="34" charset="0"/>
+              </a:rPr>
+              <a:t>CGATCGATCGG</a:t>
+            </a:r>
+          </a:p>
+          <a:p>
+            <a:pPr algn="just" eaLnBrk="1" hangingPunct="1"/>
+            <a:r>
+              <a:rPr lang="en-US" altLang="en-US" sz="800">
+                <a:solidFill>
+                  <a:srgbClr val="00B050"/>
+                </a:solidFill>
+                <a:latin typeface="Calibri" panose="020F0502020204030204" pitchFamily="34" charset="0"/>
+              </a:rPr>
+              <a:t>AAGCTTTATTAAAATGTCTAAAGGTGAAGAATTATTCACTGGTGTTGTCCCAATTTTGGTTGAATTAGAT</a:t>
+            </a:r>
+          </a:p>
+          <a:p>
+            <a:pPr algn="just" eaLnBrk="1" hangingPunct="1"/>
+            <a:r>
+              <a:rPr lang="en-US" altLang="en-US" sz="800">
+                <a:solidFill>
+                  <a:srgbClr val="00B050"/>
+                </a:solidFill>
+                <a:latin typeface="Calibri" panose="020F0502020204030204" pitchFamily="34" charset="0"/>
+              </a:rPr>
+              <a:t>GGTGATGTTAATGGTCACAAATTTTCTGTCTCCGGTGAAGGTGAAGGTGATGCTACTTACGGTAAATTGA</a:t>
+            </a:r>
+          </a:p>
+          <a:p>
+            <a:pPr algn="just" eaLnBrk="1" hangingPunct="1"/>
+            <a:r>
+              <a:rPr lang="en-US" altLang="en-US" sz="800">
+                <a:solidFill>
+                  <a:srgbClr val="00B050"/>
+                </a:solidFill>
+                <a:latin typeface="Calibri" panose="020F0502020204030204" pitchFamily="34" charset="0"/>
+              </a:rPr>
+              <a:t>CCTTAAAATTTATTTGTACTACTGGTAAATTGCCAGTTCCATGGCCAACCTTAGTCACTACTTTCGGTTAT</a:t>
+            </a:r>
+          </a:p>
+          <a:p>
+            <a:pPr algn="just" eaLnBrk="1" hangingPunct="1"/>
+            <a:r>
+              <a:rPr lang="en-US" altLang="en-US" sz="800">
+                <a:solidFill>
+                  <a:srgbClr val="00B050"/>
+                </a:solidFill>
+                <a:latin typeface="Calibri" panose="020F0502020204030204" pitchFamily="34" charset="0"/>
+              </a:rPr>
+              <a:t>GGTGTTCAATGTTTTGCTAGATACCCAGATCATATGAAACAACATGACTTTTTCAAGTCTGCCATGCCA </a:t>
+            </a:r>
+          </a:p>
+          <a:p>
+            <a:pPr algn="just" eaLnBrk="1" hangingPunct="1"/>
+            <a:r>
+              <a:rPr lang="en-US" altLang="en-US" sz="800">
+                <a:solidFill>
+                  <a:srgbClr val="00B050"/>
+                </a:solidFill>
+                <a:latin typeface="Calibri" panose="020F0502020204030204" pitchFamily="34" charset="0"/>
+              </a:rPr>
+              <a:t>GAAGGTTATGTTCAAGAAAGAACTATTTTTTTCAAAGATGACGGTAACTACAAGACCAGAGCTGAAGTCA</a:t>
+            </a:r>
+          </a:p>
+          <a:p>
+            <a:pPr algn="just" eaLnBrk="1" hangingPunct="1"/>
+            <a:r>
+              <a:rPr lang="en-US" altLang="en-US" sz="800">
+                <a:solidFill>
+                  <a:srgbClr val="00B050"/>
+                </a:solidFill>
+                <a:latin typeface="Calibri" panose="020F0502020204030204" pitchFamily="34" charset="0"/>
+              </a:rPr>
+              <a:t> AGTTTGAAGGTGATACCTTAGTTAATAGAATCGAATTAAAAGGTATTGATTTTAAAGAAGATGGTAACAT</a:t>
+            </a:r>
+          </a:p>
+          <a:p>
+            <a:pPr algn="just" eaLnBrk="1" hangingPunct="1"/>
+            <a:r>
+              <a:rPr lang="en-US" altLang="en-US" sz="800">
+                <a:solidFill>
+                  <a:srgbClr val="00B050"/>
+                </a:solidFill>
+                <a:latin typeface="Calibri" panose="020F0502020204030204" pitchFamily="34" charset="0"/>
+              </a:rPr>
+              <a:t> TTTAGGTCACAAATTGGAATACAACTATAACTCTCACAATGTTTACATCATGGCTGACAAACAAAAGAAT</a:t>
+            </a:r>
+          </a:p>
+          <a:p>
+            <a:pPr algn="just" eaLnBrk="1" hangingPunct="1"/>
+            <a:r>
+              <a:rPr lang="en-US" altLang="en-US" sz="800">
+                <a:solidFill>
+                  <a:srgbClr val="00B050"/>
+                </a:solidFill>
+                <a:latin typeface="Calibri" panose="020F0502020204030204" pitchFamily="34" charset="0"/>
+              </a:rPr>
+              <a:t> GGTATCAAAGTTAACTTCAAAATTAGACACAACATTGAAGATGGTTCTGTTCAATTAGCTGACCATTATC</a:t>
+            </a:r>
+          </a:p>
+          <a:p>
+            <a:pPr algn="just" eaLnBrk="1" hangingPunct="1"/>
+            <a:r>
+              <a:rPr lang="en-US" altLang="en-US" sz="800">
+                <a:solidFill>
+                  <a:srgbClr val="00B050"/>
+                </a:solidFill>
+                <a:latin typeface="Calibri" panose="020F0502020204030204" pitchFamily="34" charset="0"/>
+              </a:rPr>
+              <a:t> AACAAAATACTCCAATTGGTGATGGTCCAGTCTTGTTACCAGACAACCATTACTTATCCACTCAATCTGC CTTATCCAAAGATCCAAACGAAAAGAGAGACCACATGGTCTTGTTAGAATTTGTTACTGCTGCTGGTATT</a:t>
+            </a:r>
+          </a:p>
+          <a:p>
+            <a:pPr algn="just" eaLnBrk="1" hangingPunct="1"/>
+            <a:r>
+              <a:rPr lang="en-US" altLang="en-US" sz="800">
+                <a:solidFill>
+                  <a:srgbClr val="00B050"/>
+                </a:solidFill>
+                <a:latin typeface="Calibri" panose="020F0502020204030204" pitchFamily="34" charset="0"/>
+              </a:rPr>
+              <a:t> ACCCATGGTATGGATGAATTGTACAAATAACTGCAGG</a:t>
+            </a:r>
+            <a:r>
+              <a:rPr lang="en-US" altLang="en-US" sz="800">
+                <a:latin typeface="Calibri" panose="020F0502020204030204" pitchFamily="34" charset="0"/>
+              </a:rPr>
+              <a:t>ACGTACGTACACGTAGCTA</a:t>
+            </a:r>
+            <a:endParaRPr lang="en-US" altLang="en-US" sz="1800"/>
+          </a:p>
+        </p:txBody>
+      </p:sp>
+      <p:pic>
+        <p:nvPicPr>
+          <p:cNvPr id="9" name="Picture 2">
+            <a:extLst>
+              <a:ext uri="{FF2B5EF4-FFF2-40B4-BE49-F238E27FC236}">
+                <a16:creationId xmlns:a16="http://schemas.microsoft.com/office/drawing/2014/main" id="{0D281CDA-A46D-5247-93A2-FC8BA4A89D82}"/>
+              </a:ext>
+            </a:extLst>
+          </p:cNvPr>
+          <p:cNvPicPr>
+            <a:picLocks noChangeAspect="1" noChangeArrowheads="1"/>
+          </p:cNvPicPr>
+          <p:nvPr/>
+        </p:nvPicPr>
+        <p:blipFill>
+          <a:blip r:embed="rId3">
+            <a:extLst>
+              <a:ext uri="{28A0092B-C50C-407E-A947-70E740481C1C}">
+                <a14:useLocalDpi xmlns:a14="http://schemas.microsoft.com/office/drawing/2010/main" val="0"/>
+              </a:ext>
+            </a:extLst>
+          </a:blip>
+          <a:srcRect/>
+          <a:stretch>
+            <a:fillRect/>
+          </a:stretch>
+        </p:blipFill>
+        <p:spPr bwMode="auto">
+          <a:xfrm>
+            <a:off x="6697997" y="1143000"/>
+            <a:ext cx="2020887" cy="1524000"/>
+          </a:xfrm>
+          <a:prstGeom prst="rect">
+            <a:avLst/>
+          </a:prstGeom>
+          <a:noFill/>
+          <a:ln>
+            <a:noFill/>
+          </a:ln>
+          <a:extLst>
+            <a:ext uri="{909E8E84-426E-40DD-AFC4-6F175D3DCCD1}">
+              <a14:hiddenFill xmlns:a14="http://schemas.microsoft.com/office/drawing/2010/main">
+                <a:solidFill>
+                  <a:srgbClr val="FFFFFF"/>
+                </a:solidFill>
+              </a14:hiddenFill>
+            </a:ext>
+            <a:ext uri="{91240B29-F687-4F45-9708-019B960494DF}">
+              <a14:hiddenLine xmlns:a14="http://schemas.microsoft.com/office/drawing/2010/main" w="9525">
+                <a:solidFill>
+                  <a:srgbClr val="000000"/>
+                </a:solidFill>
+                <a:miter lim="800000"/>
+                <a:headEnd/>
+                <a:tailEnd/>
+              </a14:hiddenLine>
+            </a:ext>
+          </a:extLst>
+        </p:spPr>
+      </p:pic>
+      <p:pic>
+        <p:nvPicPr>
+          <p:cNvPr id="10" name="Picture 13">
+            <a:extLst>
+              <a:ext uri="{FF2B5EF4-FFF2-40B4-BE49-F238E27FC236}">
+                <a16:creationId xmlns:a16="http://schemas.microsoft.com/office/drawing/2014/main" id="{DC4722F3-7CE2-1A4B-91E9-56741B4A7967}"/>
+              </a:ext>
+            </a:extLst>
+          </p:cNvPr>
+          <p:cNvPicPr>
+            <a:picLocks noChangeAspect="1" noChangeArrowheads="1"/>
+          </p:cNvPicPr>
+          <p:nvPr/>
+        </p:nvPicPr>
+        <p:blipFill>
+          <a:blip r:embed="rId2">
+            <a:extLst>
+              <a:ext uri="{28A0092B-C50C-407E-A947-70E740481C1C}">
+                <a14:useLocalDpi xmlns:a14="http://schemas.microsoft.com/office/drawing/2010/main" val="0"/>
+              </a:ext>
+            </a:extLst>
+          </a:blip>
+          <a:srcRect/>
+          <a:stretch>
+            <a:fillRect/>
+          </a:stretch>
+        </p:blipFill>
+        <p:spPr bwMode="auto">
+          <a:xfrm>
+            <a:off x="2068847" y="3352800"/>
+            <a:ext cx="3068637" cy="2447925"/>
+          </a:xfrm>
+          <a:prstGeom prst="rect">
+            <a:avLst/>
+          </a:prstGeom>
+          <a:noFill/>
+          <a:ln>
+            <a:noFill/>
+          </a:ln>
+          <a:extLst>
+            <a:ext uri="{909E8E84-426E-40DD-AFC4-6F175D3DCCD1}">
+              <a14:hiddenFill xmlns:a14="http://schemas.microsoft.com/office/drawing/2010/main">
+                <a:solidFill>
+                  <a:srgbClr val="FFFFFF"/>
+                </a:solidFill>
+              </a14:hiddenFill>
+            </a:ext>
+            <a:ext uri="{91240B29-F687-4F45-9708-019B960494DF}">
+              <a14:hiddenLine xmlns:a14="http://schemas.microsoft.com/office/drawing/2010/main" w="9525">
+                <a:solidFill>
+                  <a:srgbClr val="000000"/>
+                </a:solidFill>
+                <a:miter lim="800000"/>
+                <a:headEnd/>
+                <a:tailEnd/>
+              </a14:hiddenLine>
+            </a:ext>
+          </a:extLst>
+        </p:spPr>
+      </p:pic>
     </p:spTree>
     <p:extLst>
       <p:ext uri="{BB962C8B-B14F-4D97-AF65-F5344CB8AC3E}">
-        <p14:creationId xmlns:p14="http://schemas.microsoft.com/office/powerpoint/2010/main" val="3736150499"/>
+        <p14:creationId xmlns:p14="http://schemas.microsoft.com/office/powerpoint/2010/main" val="3485763795"/>
       </p:ext>
     </p:extLst>
   </p:cSld>
   <p:clrMapOvr>
     <a:masterClrMapping/>
   </p:clrMapOvr>
+  <p:timing>
+    <p:tnLst>
+      <p:par>
+        <p:cTn id="1" dur="indefinite" restart="never" nodeType="tmRoot">
+          <p:childTnLst>
+            <p:seq concurrent="1" nextAc="seek">
+              <p:cTn id="2" dur="indefinite" nodeType="mainSeq">
+                <p:childTnLst>
+                  <p:par>
+                    <p:cTn id="3" fill="hold">
+                      <p:stCondLst>
+                        <p:cond delay="indefinite"/>
+                      </p:stCondLst>
+                      <p:childTnLst>
+                        <p:par>
+                          <p:cTn id="4" fill="hold">
+                            <p:stCondLst>
+                              <p:cond delay="0"/>
+                            </p:stCondLst>
+                            <p:childTnLst>
+                              <p:par>
+                                <p:cTn id="5" presetID="10" presetClass="exit" presetSubtype="0" fill="hold" grpId="0" nodeType="clickEffect">
+                                  <p:stCondLst>
+                                    <p:cond delay="0"/>
+                                  </p:stCondLst>
+                                  <p:childTnLst>
+                                    <p:animEffect transition="out" filter="fade">
+                                      <p:cBhvr>
+                                        <p:cTn id="6" dur="2000"/>
+                                        <p:tgtEl>
+                                          <p:spTgt spid="7"/>
+                                        </p:tgtEl>
+                                      </p:cBhvr>
+                                    </p:animEffect>
+                                    <p:set>
+                                      <p:cBhvr>
+                                        <p:cTn id="7" dur="1" fill="hold">
+                                          <p:stCondLst>
+                                            <p:cond delay="1999"/>
+                                          </p:stCondLst>
+                                        </p:cTn>
+                                        <p:tgtEl>
+                                          <p:spTgt spid="7"/>
+                                        </p:tgtEl>
+                                        <p:attrNameLst>
+                                          <p:attrName>style.visibility</p:attrName>
+                                        </p:attrNameLst>
+                                      </p:cBhvr>
+                                      <p:to>
+                                        <p:strVal val="hidden"/>
+                                      </p:to>
+                                    </p:set>
+                                  </p:childTnLst>
+                                </p:cTn>
+                              </p:par>
+                            </p:childTnLst>
+                          </p:cTn>
+                        </p:par>
+                        <p:par>
+                          <p:cTn id="8" fill="hold">
+                            <p:stCondLst>
+                              <p:cond delay="2000"/>
+                            </p:stCondLst>
+                            <p:childTnLst>
+                              <p:par>
+                                <p:cTn id="9" presetID="10" presetClass="entr" presetSubtype="0" fill="hold" grpId="0" nodeType="afterEffect">
+                                  <p:stCondLst>
+                                    <p:cond delay="0"/>
+                                  </p:stCondLst>
+                                  <p:childTnLst>
+                                    <p:set>
+                                      <p:cBhvr>
+                                        <p:cTn id="10" dur="1" fill="hold">
+                                          <p:stCondLst>
+                                            <p:cond delay="0"/>
+                                          </p:stCondLst>
+                                        </p:cTn>
+                                        <p:tgtEl>
+                                          <p:spTgt spid="8"/>
+                                        </p:tgtEl>
+                                        <p:attrNameLst>
+                                          <p:attrName>style.visibility</p:attrName>
+                                        </p:attrNameLst>
+                                      </p:cBhvr>
+                                      <p:to>
+                                        <p:strVal val="visible"/>
+                                      </p:to>
+                                    </p:set>
+                                    <p:animEffect transition="in" filter="fade">
+                                      <p:cBhvr>
+                                        <p:cTn id="11" dur="2000"/>
+                                        <p:tgtEl>
+                                          <p:spTgt spid="8"/>
+                                        </p:tgtEl>
+                                      </p:cBhvr>
+                                    </p:animEffect>
+                                  </p:childTnLst>
+                                </p:cTn>
+                              </p:par>
+                            </p:childTnLst>
+                          </p:cTn>
+                        </p:par>
+                      </p:childTnLst>
+                    </p:cTn>
+                  </p:par>
+                </p:childTnLst>
+              </p:cTn>
+              <p:prevCondLst>
+                <p:cond evt="onPrev" delay="0">
+                  <p:tgtEl>
+                    <p:sldTgt/>
+                  </p:tgtEl>
+                </p:cond>
+              </p:prevCondLst>
+              <p:nextCondLst>
+                <p:cond evt="onNext" delay="0">
+                  <p:tgtEl>
+                    <p:sldTgt/>
+                  </p:tgtEl>
+                </p:cond>
+              </p:nextCondLst>
+            </p:seq>
+          </p:childTnLst>
+        </p:cTn>
+      </p:par>
+    </p:tnLst>
+    <p:bldLst>
+      <p:bldP spid="7" grpId="0"/>
+      <p:bldP spid="8" grpId="0"/>
+    </p:bldLst>
+  </p:timing>
 </p:sld>
 </file>
 
@@ -17184,64 +18199,17 @@
             <a:pPr algn="ctr"/>
             <a:r>
               <a:rPr lang="en-US" sz="3600" dirty="0"/>
-              <a:t>Manipulation at the genetic level </a:t>
+              <a:t>Uses of GFP</a:t>
             </a:r>
           </a:p>
         </p:txBody>
       </p:sp>
-      <p:pic>
-        <p:nvPicPr>
-          <p:cNvPr id="5122" name="Picture 2" descr="Coloured TEM of DNA from E. coli bacterium - Stock Image - G110/0198 -  Science Photo Library">
-            <a:extLst>
-              <a:ext uri="{FF2B5EF4-FFF2-40B4-BE49-F238E27FC236}">
-                <a16:creationId xmlns:a16="http://schemas.microsoft.com/office/drawing/2014/main" id="{73C3F090-794B-7842-9787-FA0A43BE9901}"/>
-              </a:ext>
-            </a:extLst>
-          </p:cNvPr>
-          <p:cNvPicPr>
-            <a:picLocks noChangeAspect="1" noChangeArrowheads="1"/>
-          </p:cNvPicPr>
-          <p:nvPr/>
-        </p:nvPicPr>
-        <p:blipFill>
-          <a:blip r:embed="rId2">
-            <a:extLst>
-              <a:ext uri="{28A0092B-C50C-407E-A947-70E740481C1C}">
-                <a14:useLocalDpi xmlns:a14="http://schemas.microsoft.com/office/drawing/2010/main" val="0"/>
-              </a:ext>
-            </a:extLst>
-          </a:blip>
-          <a:srcRect/>
-          <a:stretch>
-            <a:fillRect/>
-          </a:stretch>
-        </p:blipFill>
-        <p:spPr bwMode="auto">
-          <a:xfrm>
-            <a:off x="545015" y="1106905"/>
-            <a:ext cx="3558395" cy="4644189"/>
-          </a:xfrm>
-          <a:prstGeom prst="rect">
-            <a:avLst/>
-          </a:prstGeom>
-          <a:noFill/>
-          <a:extLst>
-            <a:ext uri="{909E8E84-426E-40DD-AFC4-6F175D3DCCD1}">
-              <a14:hiddenFill xmlns:a14="http://schemas.microsoft.com/office/drawing/2010/main">
-                <a:solidFill>
-                  <a:srgbClr val="FFFFFF"/>
-                </a:solidFill>
-              </a14:hiddenFill>
-            </a:ext>
-          </a:extLst>
-        </p:spPr>
-      </p:pic>
       <p:sp>
         <p:nvSpPr>
           <p:cNvPr id="3" name="Rectangle 2">
             <a:extLst>
               <a:ext uri="{FF2B5EF4-FFF2-40B4-BE49-F238E27FC236}">
-                <a16:creationId xmlns:a16="http://schemas.microsoft.com/office/drawing/2014/main" id="{E4BE9620-5D6F-D148-9C80-77B509364B18}"/>
+                <a16:creationId xmlns:a16="http://schemas.microsoft.com/office/drawing/2014/main" id="{4F2D7050-0166-C64A-A17B-9803F0A42A11}"/>
               </a:ext>
             </a:extLst>
           </p:cNvPr>
@@ -17250,8 +18218,8 @@
         </p:nvSpPr>
         <p:spPr>
           <a:xfrm>
-            <a:off x="545015" y="5993414"/>
-            <a:ext cx="6096000" cy="461665"/>
+            <a:off x="7174832" y="6641432"/>
+            <a:ext cx="6096000" cy="261610"/>
           </a:xfrm>
           <a:prstGeom prst="rect">
             <a:avLst/>
@@ -17264,36 +18232,26 @@
           <a:lstStyle/>
           <a:p>
             <a:r>
-              <a:rPr lang="en-US" sz="1200" b="1" dirty="0"/>
-              <a:t>Image Credit</a:t>
-            </a:r>
-          </a:p>
-          <a:p>
-            <a:r>
-              <a:rPr lang="en-US" sz="1200" dirty="0">
-                <a:hlinkClick r:id="rId3">
-                  <a:extLst>
-                    <a:ext uri="{A12FA001-AC4F-418D-AE19-62706E023703}">
-                      <ahyp:hlinkClr xmlns:ahyp="http://schemas.microsoft.com/office/drawing/2018/hyperlinkcolor" val="tx"/>
-                    </a:ext>
-                  </a:extLst>
-                </a:hlinkClick>
-              </a:rPr>
-              <a:t>DR GOPAL MURTI / SCIENCE PHOTO LIBRARY</a:t>
-            </a:r>
-            <a:r>
-              <a:rPr lang="en-US" sz="1200" dirty="0"/>
-              <a:t> </a:t>
+              <a:rPr lang="en-US" sz="1050" dirty="0"/>
+              <a:t>https://</a:t>
+            </a:r>
+            <a:r>
+              <a:rPr lang="en-US" sz="1050" dirty="0" err="1"/>
+              <a:t>blog.atlasantibodies.com</a:t>
+            </a:r>
+            <a:r>
+              <a:rPr lang="en-US" sz="1050" dirty="0"/>
+              <a:t>/using-antibody-for-human-protein-in-model-organism</a:t>
             </a:r>
           </a:p>
         </p:txBody>
       </p:sp>
       <p:pic>
         <p:nvPicPr>
-          <p:cNvPr id="5124" name="Picture 4" descr="Chromosome">
-            <a:extLst>
-              <a:ext uri="{FF2B5EF4-FFF2-40B4-BE49-F238E27FC236}">
-                <a16:creationId xmlns:a16="http://schemas.microsoft.com/office/drawing/2014/main" id="{E649C252-4211-D149-A508-457E75479BDC}"/>
+          <p:cNvPr id="11" name="Picture 4" descr="E_coli_lge">
+            <a:extLst>
+              <a:ext uri="{FF2B5EF4-FFF2-40B4-BE49-F238E27FC236}">
+                <a16:creationId xmlns:a16="http://schemas.microsoft.com/office/drawing/2014/main" id="{EB93E58A-21AD-104B-AF80-AFA416D4FF67}"/>
               </a:ext>
             </a:extLst>
           </p:cNvPr>
@@ -17303,7 +18261,7 @@
           <p:nvPr/>
         </p:nvPicPr>
         <p:blipFill>
-          <a:blip r:embed="rId4">
+          <a:blip r:embed="rId2">
             <a:extLst>
               <a:ext uri="{28A0092B-C50C-407E-A947-70E740481C1C}">
                 <a14:useLocalDpi xmlns:a14="http://schemas.microsoft.com/office/drawing/2010/main" val="0"/>
@@ -17317,13 +18275,16 @@
         </p:blipFill>
         <p:spPr bwMode="auto">
           <a:xfrm>
-            <a:off x="4896436" y="1106905"/>
-            <a:ext cx="6778206" cy="5088967"/>
+            <a:off x="3388895" y="4969043"/>
+            <a:ext cx="2698750" cy="1790700"/>
           </a:xfrm>
           <a:prstGeom prst="rect">
             <a:avLst/>
           </a:prstGeom>
           <a:noFill/>
+          <a:ln>
+            <a:noFill/>
+          </a:ln>
           <a:extLst>
             <a:ext uri="{909E8E84-426E-40DD-AFC4-6F175D3DCCD1}">
               <a14:hiddenFill xmlns:a14="http://schemas.microsoft.com/office/drawing/2010/main">
@@ -17331,20 +18292,1060 @@
                   <a:srgbClr val="FFFFFF"/>
                 </a:solidFill>
               </a14:hiddenFill>
+            </a:ext>
+            <a:ext uri="{91240B29-F687-4F45-9708-019B960494DF}">
+              <a14:hiddenLine xmlns:a14="http://schemas.microsoft.com/office/drawing/2010/main" w="9525">
+                <a:solidFill>
+                  <a:srgbClr val="000000"/>
+                </a:solidFill>
+                <a:miter lim="800000"/>
+                <a:headEnd/>
+                <a:tailEnd/>
+              </a14:hiddenLine>
             </a:ext>
           </a:extLst>
         </p:spPr>
       </p:pic>
+      <p:pic>
+        <p:nvPicPr>
+          <p:cNvPr id="12" name="Picture 2">
+            <a:extLst>
+              <a:ext uri="{FF2B5EF4-FFF2-40B4-BE49-F238E27FC236}">
+                <a16:creationId xmlns:a16="http://schemas.microsoft.com/office/drawing/2014/main" id="{685E4128-9B87-D146-B83F-BA9586D3ED37}"/>
+              </a:ext>
+            </a:extLst>
+          </p:cNvPr>
+          <p:cNvPicPr>
+            <a:picLocks noChangeAspect="1" noChangeArrowheads="1"/>
+          </p:cNvPicPr>
+          <p:nvPr/>
+        </p:nvPicPr>
+        <p:blipFill>
+          <a:blip r:embed="rId3">
+            <a:duotone>
+              <a:prstClr val="black"/>
+              <a:schemeClr val="accent1">
+                <a:tint val="45000"/>
+                <a:satMod val="400000"/>
+              </a:schemeClr>
+            </a:duotone>
+            <a:extLst>
+              <a:ext uri="{28A0092B-C50C-407E-A947-70E740481C1C}">
+                <a14:useLocalDpi xmlns:a14="http://schemas.microsoft.com/office/drawing/2010/main" val="0"/>
+              </a:ext>
+            </a:extLst>
+          </a:blip>
+          <a:srcRect/>
+          <a:stretch>
+            <a:fillRect/>
+          </a:stretch>
+        </p:blipFill>
+        <p:spPr bwMode="auto">
+          <a:xfrm>
+            <a:off x="4303295" y="625643"/>
+            <a:ext cx="3262313" cy="1951038"/>
+          </a:xfrm>
+          <a:prstGeom prst="rect">
+            <a:avLst/>
+          </a:prstGeom>
+          <a:noFill/>
+          <a:ln>
+            <a:noFill/>
+          </a:ln>
+          <a:extLst>
+            <a:ext uri="{909E8E84-426E-40DD-AFC4-6F175D3DCCD1}">
+              <a14:hiddenFill xmlns:a14="http://schemas.microsoft.com/office/drawing/2010/main">
+                <a:solidFill>
+                  <a:srgbClr val="FFFFFF"/>
+                </a:solidFill>
+              </a14:hiddenFill>
+            </a:ext>
+            <a:ext uri="{91240B29-F687-4F45-9708-019B960494DF}">
+              <a14:hiddenLine xmlns:a14="http://schemas.microsoft.com/office/drawing/2010/main" w="9525">
+                <a:solidFill>
+                  <a:srgbClr val="000000"/>
+                </a:solidFill>
+                <a:miter lim="800000"/>
+                <a:headEnd/>
+                <a:tailEnd/>
+              </a14:hiddenLine>
+            </a:ext>
+          </a:extLst>
+        </p:spPr>
+      </p:pic>
+      <p:sp>
+        <p:nvSpPr>
+          <p:cNvPr id="13" name="Curved Right Arrow 12">
+            <a:extLst>
+              <a:ext uri="{FF2B5EF4-FFF2-40B4-BE49-F238E27FC236}">
+                <a16:creationId xmlns:a16="http://schemas.microsoft.com/office/drawing/2014/main" id="{536B0803-31BE-7941-A7C8-0C003B6E6B5C}"/>
+              </a:ext>
+            </a:extLst>
+          </p:cNvPr>
+          <p:cNvSpPr/>
+          <p:nvPr/>
+        </p:nvSpPr>
+        <p:spPr>
+          <a:xfrm>
+            <a:off x="3160295" y="1159043"/>
+            <a:ext cx="838200" cy="1676400"/>
+          </a:xfrm>
+          <a:prstGeom prst="curvedRightArrow">
+            <a:avLst/>
+          </a:prstGeom>
+          <a:scene3d>
+            <a:camera prst="orthographicFront">
+              <a:rot lat="1133373" lon="10967675" rev="9101121"/>
+            </a:camera>
+            <a:lightRig rig="threePt" dir="t"/>
+          </a:scene3d>
+        </p:spPr>
+        <p:style>
+          <a:lnRef idx="2">
+            <a:schemeClr val="accent1">
+              <a:shade val="50000"/>
+            </a:schemeClr>
+          </a:lnRef>
+          <a:fillRef idx="1">
+            <a:schemeClr val="accent1"/>
+          </a:fillRef>
+          <a:effectRef idx="0">
+            <a:schemeClr val="accent1"/>
+          </a:effectRef>
+          <a:fontRef idx="minor">
+            <a:schemeClr val="lt1"/>
+          </a:fontRef>
+        </p:style>
+        <p:txBody>
+          <a:bodyPr anchor="ctr"/>
+          <a:lstStyle/>
+          <a:p>
+            <a:pPr algn="ctr">
+              <a:defRPr/>
+            </a:pPr>
+            <a:endParaRPr lang="en-US" sz="1800">
+              <a:solidFill>
+                <a:schemeClr val="tx1"/>
+              </a:solidFill>
+            </a:endParaRPr>
+          </a:p>
+        </p:txBody>
+      </p:sp>
+      <p:sp>
+        <p:nvSpPr>
+          <p:cNvPr id="14" name="Rectangle 13">
+            <a:extLst>
+              <a:ext uri="{FF2B5EF4-FFF2-40B4-BE49-F238E27FC236}">
+                <a16:creationId xmlns:a16="http://schemas.microsoft.com/office/drawing/2014/main" id="{91B1E6FA-0261-F743-82D1-DF3D9FC6DD1F}"/>
+              </a:ext>
+            </a:extLst>
+          </p:cNvPr>
+          <p:cNvSpPr>
+            <a:spLocks noChangeArrowheads="1"/>
+          </p:cNvSpPr>
+          <p:nvPr/>
+        </p:nvSpPr>
+        <p:spPr bwMode="auto">
+          <a:xfrm>
+            <a:off x="2093495" y="2835443"/>
+            <a:ext cx="5181600" cy="1558925"/>
+          </a:xfrm>
+          <a:prstGeom prst="rect">
+            <a:avLst/>
+          </a:prstGeom>
+          <a:noFill/>
+          <a:ln>
+            <a:noFill/>
+          </a:ln>
+          <a:extLst>
+            <a:ext uri="{909E8E84-426E-40DD-AFC4-6F175D3DCCD1}">
+              <a14:hiddenFill xmlns:a14="http://schemas.microsoft.com/office/drawing/2010/main">
+                <a:solidFill>
+                  <a:srgbClr val="FFFFFF"/>
+                </a:solidFill>
+              </a14:hiddenFill>
+            </a:ext>
+            <a:ext uri="{91240B29-F687-4F45-9708-019B960494DF}">
+              <a14:hiddenLine xmlns:a14="http://schemas.microsoft.com/office/drawing/2010/main" w="9525">
+                <a:solidFill>
+                  <a:srgbClr val="000000"/>
+                </a:solidFill>
+                <a:miter lim="800000"/>
+                <a:headEnd/>
+                <a:tailEnd/>
+              </a14:hiddenLine>
+            </a:ext>
+          </a:extLst>
+        </p:spPr>
+        <p:txBody>
+          <a:bodyPr>
+            <a:spAutoFit/>
+          </a:bodyPr>
+          <a:lstStyle>
+            <a:lvl1pPr eaLnBrk="0" hangingPunct="0">
+              <a:defRPr sz="3200">
+                <a:solidFill>
+                  <a:schemeClr val="tx1"/>
+                </a:solidFill>
+                <a:latin typeface="Arial" panose="020B0604020202020204" pitchFamily="34" charset="0"/>
+                <a:cs typeface="Arial" panose="020B0604020202020204" pitchFamily="34" charset="0"/>
+              </a:defRPr>
+            </a:lvl1pPr>
+            <a:lvl2pPr marL="742950" indent="-285750" eaLnBrk="0" hangingPunct="0">
+              <a:defRPr sz="3200">
+                <a:solidFill>
+                  <a:schemeClr val="tx1"/>
+                </a:solidFill>
+                <a:latin typeface="Arial" panose="020B0604020202020204" pitchFamily="34" charset="0"/>
+                <a:cs typeface="Arial" panose="020B0604020202020204" pitchFamily="34" charset="0"/>
+              </a:defRPr>
+            </a:lvl2pPr>
+            <a:lvl3pPr marL="1143000" indent="-228600" eaLnBrk="0" hangingPunct="0">
+              <a:defRPr sz="3200">
+                <a:solidFill>
+                  <a:schemeClr val="tx1"/>
+                </a:solidFill>
+                <a:latin typeface="Arial" panose="020B0604020202020204" pitchFamily="34" charset="0"/>
+                <a:cs typeface="Arial" panose="020B0604020202020204" pitchFamily="34" charset="0"/>
+              </a:defRPr>
+            </a:lvl3pPr>
+            <a:lvl4pPr marL="1600200" indent="-228600" eaLnBrk="0" hangingPunct="0">
+              <a:defRPr sz="3200">
+                <a:solidFill>
+                  <a:schemeClr val="tx1"/>
+                </a:solidFill>
+                <a:latin typeface="Arial" panose="020B0604020202020204" pitchFamily="34" charset="0"/>
+                <a:cs typeface="Arial" panose="020B0604020202020204" pitchFamily="34" charset="0"/>
+              </a:defRPr>
+            </a:lvl4pPr>
+            <a:lvl5pPr marL="2057400" indent="-228600" eaLnBrk="0" hangingPunct="0">
+              <a:defRPr sz="3200">
+                <a:solidFill>
+                  <a:schemeClr val="tx1"/>
+                </a:solidFill>
+                <a:latin typeface="Arial" panose="020B0604020202020204" pitchFamily="34" charset="0"/>
+                <a:cs typeface="Arial" panose="020B0604020202020204" pitchFamily="34" charset="0"/>
+              </a:defRPr>
+            </a:lvl5pPr>
+            <a:lvl6pPr marL="2514600" indent="-228600" eaLnBrk="0" fontAlgn="base" hangingPunct="0">
+              <a:spcBef>
+                <a:spcPct val="0"/>
+              </a:spcBef>
+              <a:spcAft>
+                <a:spcPct val="0"/>
+              </a:spcAft>
+              <a:defRPr sz="3200">
+                <a:solidFill>
+                  <a:schemeClr val="tx1"/>
+                </a:solidFill>
+                <a:latin typeface="Arial" panose="020B0604020202020204" pitchFamily="34" charset="0"/>
+                <a:cs typeface="Arial" panose="020B0604020202020204" pitchFamily="34" charset="0"/>
+              </a:defRPr>
+            </a:lvl6pPr>
+            <a:lvl7pPr marL="2971800" indent="-228600" eaLnBrk="0" fontAlgn="base" hangingPunct="0">
+              <a:spcBef>
+                <a:spcPct val="0"/>
+              </a:spcBef>
+              <a:spcAft>
+                <a:spcPct val="0"/>
+              </a:spcAft>
+              <a:defRPr sz="3200">
+                <a:solidFill>
+                  <a:schemeClr val="tx1"/>
+                </a:solidFill>
+                <a:latin typeface="Arial" panose="020B0604020202020204" pitchFamily="34" charset="0"/>
+                <a:cs typeface="Arial" panose="020B0604020202020204" pitchFamily="34" charset="0"/>
+              </a:defRPr>
+            </a:lvl7pPr>
+            <a:lvl8pPr marL="3429000" indent="-228600" eaLnBrk="0" fontAlgn="base" hangingPunct="0">
+              <a:spcBef>
+                <a:spcPct val="0"/>
+              </a:spcBef>
+              <a:spcAft>
+                <a:spcPct val="0"/>
+              </a:spcAft>
+              <a:defRPr sz="3200">
+                <a:solidFill>
+                  <a:schemeClr val="tx1"/>
+                </a:solidFill>
+                <a:latin typeface="Arial" panose="020B0604020202020204" pitchFamily="34" charset="0"/>
+                <a:cs typeface="Arial" panose="020B0604020202020204" pitchFamily="34" charset="0"/>
+              </a:defRPr>
+            </a:lvl8pPr>
+            <a:lvl9pPr marL="3886200" indent="-228600" eaLnBrk="0" fontAlgn="base" hangingPunct="0">
+              <a:spcBef>
+                <a:spcPct val="0"/>
+              </a:spcBef>
+              <a:spcAft>
+                <a:spcPct val="0"/>
+              </a:spcAft>
+              <a:defRPr sz="3200">
+                <a:solidFill>
+                  <a:schemeClr val="tx1"/>
+                </a:solidFill>
+                <a:latin typeface="Arial" panose="020B0604020202020204" pitchFamily="34" charset="0"/>
+                <a:cs typeface="Arial" panose="020B0604020202020204" pitchFamily="34" charset="0"/>
+              </a:defRPr>
+            </a:lvl9pPr>
+          </a:lstStyle>
+          <a:p>
+            <a:pPr algn="just" eaLnBrk="1" hangingPunct="1"/>
+            <a:r>
+              <a:rPr lang="en-US" altLang="en-US" sz="800">
+                <a:latin typeface="Calibri" panose="020F0502020204030204" pitchFamily="34" charset="0"/>
+              </a:rPr>
+              <a:t>CGATCGATCGG</a:t>
+            </a:r>
+          </a:p>
+          <a:p>
+            <a:pPr algn="just" eaLnBrk="1" hangingPunct="1"/>
+            <a:r>
+              <a:rPr lang="en-US" altLang="en-US" sz="800">
+                <a:solidFill>
+                  <a:srgbClr val="00B050"/>
+                </a:solidFill>
+                <a:latin typeface="Calibri" panose="020F0502020204030204" pitchFamily="34" charset="0"/>
+              </a:rPr>
+              <a:t>AAGCTTTATTAAAATGTCTAAAGGTGAAGAATTATTCACTGGTGTTGTCCCAATTTTGGTTGAATTAGAT</a:t>
+            </a:r>
+          </a:p>
+          <a:p>
+            <a:pPr algn="just" eaLnBrk="1" hangingPunct="1"/>
+            <a:r>
+              <a:rPr lang="en-US" altLang="en-US" sz="800">
+                <a:solidFill>
+                  <a:srgbClr val="00B050"/>
+                </a:solidFill>
+                <a:latin typeface="Calibri" panose="020F0502020204030204" pitchFamily="34" charset="0"/>
+              </a:rPr>
+              <a:t>GGTGATGTTAATGGTCACAAATTTTCTGTCTCCGGTGAAGGTGAAGGTGATGCTACTTACGGTAAATTGA</a:t>
+            </a:r>
+          </a:p>
+          <a:p>
+            <a:pPr algn="just" eaLnBrk="1" hangingPunct="1"/>
+            <a:r>
+              <a:rPr lang="en-US" altLang="en-US" sz="800">
+                <a:solidFill>
+                  <a:srgbClr val="00B050"/>
+                </a:solidFill>
+                <a:latin typeface="Calibri" panose="020F0502020204030204" pitchFamily="34" charset="0"/>
+              </a:rPr>
+              <a:t>CCTTAAAATTTATTTGTACTACTGGTAAATTGCCAGTTCCATGGCCAACCTTAGTCACTACTTTCGGTTAT</a:t>
+            </a:r>
+          </a:p>
+          <a:p>
+            <a:pPr algn="just" eaLnBrk="1" hangingPunct="1"/>
+            <a:r>
+              <a:rPr lang="en-US" altLang="en-US" sz="800">
+                <a:solidFill>
+                  <a:srgbClr val="00B050"/>
+                </a:solidFill>
+                <a:latin typeface="Calibri" panose="020F0502020204030204" pitchFamily="34" charset="0"/>
+              </a:rPr>
+              <a:t>GGTGTTCAATGTTTTGCTAGATACCCAGATCATATGAAACAACATGACTTTTTCAAGTCTGCCATGCCA </a:t>
+            </a:r>
+          </a:p>
+          <a:p>
+            <a:pPr algn="just" eaLnBrk="1" hangingPunct="1"/>
+            <a:r>
+              <a:rPr lang="en-US" altLang="en-US" sz="800">
+                <a:solidFill>
+                  <a:srgbClr val="00B050"/>
+                </a:solidFill>
+                <a:latin typeface="Calibri" panose="020F0502020204030204" pitchFamily="34" charset="0"/>
+              </a:rPr>
+              <a:t>GAAGGTTATGTTCAAGAAAGAACTATTTTTTTCAAAGATGACGGTAACTACAAGACCAGAGCTGAAGTCA</a:t>
+            </a:r>
+          </a:p>
+          <a:p>
+            <a:pPr algn="just" eaLnBrk="1" hangingPunct="1"/>
+            <a:r>
+              <a:rPr lang="en-US" altLang="en-US" sz="800">
+                <a:solidFill>
+                  <a:srgbClr val="00B050"/>
+                </a:solidFill>
+                <a:latin typeface="Calibri" panose="020F0502020204030204" pitchFamily="34" charset="0"/>
+              </a:rPr>
+              <a:t> AGTTTGAAGGTGATACCTTAGTTAATAGAATCGAATTAAAAGGTATTGATTTTAAAGAAGATGGTAACAT</a:t>
+            </a:r>
+          </a:p>
+          <a:p>
+            <a:pPr algn="just" eaLnBrk="1" hangingPunct="1"/>
+            <a:r>
+              <a:rPr lang="en-US" altLang="en-US" sz="800">
+                <a:solidFill>
+                  <a:srgbClr val="00B050"/>
+                </a:solidFill>
+                <a:latin typeface="Calibri" panose="020F0502020204030204" pitchFamily="34" charset="0"/>
+              </a:rPr>
+              <a:t> TTTAGGTCACAAATTGGAATACAACTATAACTCTCACAATGTTTACATCATGGCTGACAAACAAAAGAAT</a:t>
+            </a:r>
+          </a:p>
+          <a:p>
+            <a:pPr algn="just" eaLnBrk="1" hangingPunct="1"/>
+            <a:r>
+              <a:rPr lang="en-US" altLang="en-US" sz="800">
+                <a:solidFill>
+                  <a:srgbClr val="00B050"/>
+                </a:solidFill>
+                <a:latin typeface="Calibri" panose="020F0502020204030204" pitchFamily="34" charset="0"/>
+              </a:rPr>
+              <a:t> GGTATCAAAGTTAACTTCAAAATTAGACACAACATTGAAGATGGTTCTGTTCAATTAGCTGACCATTATC</a:t>
+            </a:r>
+          </a:p>
+          <a:p>
+            <a:pPr algn="just" eaLnBrk="1" hangingPunct="1"/>
+            <a:r>
+              <a:rPr lang="en-US" altLang="en-US" sz="800">
+                <a:solidFill>
+                  <a:srgbClr val="00B050"/>
+                </a:solidFill>
+                <a:latin typeface="Calibri" panose="020F0502020204030204" pitchFamily="34" charset="0"/>
+              </a:rPr>
+              <a:t> AACAAAATACTCCAATTGGTGATGGTCCAGTCTTGTTACCAGACAACCATTACTTATCCACTCAATCTGC CTTATCCAAAGATCCAAACGAAAAGAGAGACCACATGGTCTTGTTAGAATTTGTTACTGCTGCTGGTATT</a:t>
+            </a:r>
+          </a:p>
+          <a:p>
+            <a:pPr algn="just" eaLnBrk="1" hangingPunct="1"/>
+            <a:r>
+              <a:rPr lang="en-US" altLang="en-US" sz="800">
+                <a:solidFill>
+                  <a:srgbClr val="00B050"/>
+                </a:solidFill>
+                <a:latin typeface="Calibri" panose="020F0502020204030204" pitchFamily="34" charset="0"/>
+              </a:rPr>
+              <a:t> ACCCATGGTATGGATGAATTGTACAAATAACTGCAGG</a:t>
+            </a:r>
+            <a:r>
+              <a:rPr lang="en-US" altLang="en-US" sz="800">
+                <a:latin typeface="Calibri" panose="020F0502020204030204" pitchFamily="34" charset="0"/>
+              </a:rPr>
+              <a:t>ACGTACGTACACGTAGCTA</a:t>
+            </a:r>
+            <a:endParaRPr lang="en-US" altLang="en-US" sz="1800"/>
+          </a:p>
+        </p:txBody>
+      </p:sp>
+      <p:sp>
+        <p:nvSpPr>
+          <p:cNvPr id="15" name="Curved Left Arrow 14">
+            <a:extLst>
+              <a:ext uri="{FF2B5EF4-FFF2-40B4-BE49-F238E27FC236}">
+                <a16:creationId xmlns:a16="http://schemas.microsoft.com/office/drawing/2014/main" id="{1841A768-29EF-3F44-8BE8-CC2A6ED86165}"/>
+              </a:ext>
+            </a:extLst>
+          </p:cNvPr>
+          <p:cNvSpPr/>
+          <p:nvPr/>
+        </p:nvSpPr>
+        <p:spPr>
+          <a:xfrm>
+            <a:off x="8265695" y="625643"/>
+            <a:ext cx="838200" cy="1920240"/>
+          </a:xfrm>
+          <a:prstGeom prst="curvedLeftArrow">
+            <a:avLst/>
+          </a:prstGeom>
+          <a:scene3d>
+            <a:camera prst="orthographicFront">
+              <a:rot lat="0" lon="0" rev="3000000"/>
+            </a:camera>
+            <a:lightRig rig="threePt" dir="t"/>
+          </a:scene3d>
+        </p:spPr>
+        <p:style>
+          <a:lnRef idx="2">
+            <a:schemeClr val="accent1">
+              <a:shade val="50000"/>
+            </a:schemeClr>
+          </a:lnRef>
+          <a:fillRef idx="1">
+            <a:schemeClr val="accent1"/>
+          </a:fillRef>
+          <a:effectRef idx="0">
+            <a:schemeClr val="accent1"/>
+          </a:effectRef>
+          <a:fontRef idx="minor">
+            <a:schemeClr val="lt1"/>
+          </a:fontRef>
+        </p:style>
+        <p:txBody>
+          <a:bodyPr anchor="ctr"/>
+          <a:lstStyle/>
+          <a:p>
+            <a:pPr algn="ctr">
+              <a:defRPr/>
+            </a:pPr>
+            <a:endParaRPr lang="en-US" sz="1800">
+              <a:solidFill>
+                <a:schemeClr val="tx1"/>
+              </a:solidFill>
+            </a:endParaRPr>
+          </a:p>
+        </p:txBody>
+      </p:sp>
+      <p:pic>
+        <p:nvPicPr>
+          <p:cNvPr id="16" name="Picture 12">
+            <a:extLst>
+              <a:ext uri="{FF2B5EF4-FFF2-40B4-BE49-F238E27FC236}">
+                <a16:creationId xmlns:a16="http://schemas.microsoft.com/office/drawing/2014/main" id="{3B349714-1474-7A4C-9F08-3F974665F2FF}"/>
+              </a:ext>
+            </a:extLst>
+          </p:cNvPr>
+          <p:cNvPicPr>
+            <a:picLocks noChangeAspect="1" noChangeArrowheads="1"/>
+          </p:cNvPicPr>
+          <p:nvPr/>
+        </p:nvPicPr>
+        <p:blipFill>
+          <a:blip r:embed="rId4">
+            <a:duotone>
+              <a:prstClr val="black"/>
+              <a:schemeClr val="accent1">
+                <a:tint val="45000"/>
+                <a:satMod val="400000"/>
+              </a:schemeClr>
+            </a:duotone>
+            <a:extLst>
+              <a:ext uri="{28A0092B-C50C-407E-A947-70E740481C1C}">
+                <a14:useLocalDpi xmlns:a14="http://schemas.microsoft.com/office/drawing/2010/main" val="0"/>
+              </a:ext>
+            </a:extLst>
+          </a:blip>
+          <a:srcRect/>
+          <a:stretch>
+            <a:fillRect/>
+          </a:stretch>
+        </p:blipFill>
+        <p:spPr bwMode="auto">
+          <a:xfrm>
+            <a:off x="7351295" y="2530643"/>
+            <a:ext cx="3392488" cy="2819400"/>
+          </a:xfrm>
+          <a:prstGeom prst="rect">
+            <a:avLst/>
+          </a:prstGeom>
+          <a:noFill/>
+          <a:ln>
+            <a:noFill/>
+          </a:ln>
+          <a:extLst>
+            <a:ext uri="{909E8E84-426E-40DD-AFC4-6F175D3DCCD1}">
+              <a14:hiddenFill xmlns:a14="http://schemas.microsoft.com/office/drawing/2010/main">
+                <a:solidFill>
+                  <a:srgbClr val="FFFFFF"/>
+                </a:solidFill>
+              </a14:hiddenFill>
+            </a:ext>
+            <a:ext uri="{91240B29-F687-4F45-9708-019B960494DF}">
+              <a14:hiddenLine xmlns:a14="http://schemas.microsoft.com/office/drawing/2010/main" w="9525">
+                <a:solidFill>
+                  <a:srgbClr val="000000"/>
+                </a:solidFill>
+                <a:miter lim="800000"/>
+                <a:headEnd/>
+                <a:tailEnd/>
+              </a14:hiddenLine>
+            </a:ext>
+          </a:extLst>
+        </p:spPr>
+      </p:pic>
+      <p:sp>
+        <p:nvSpPr>
+          <p:cNvPr id="17" name="Curved Left Arrow 16">
+            <a:extLst>
+              <a:ext uri="{FF2B5EF4-FFF2-40B4-BE49-F238E27FC236}">
+                <a16:creationId xmlns:a16="http://schemas.microsoft.com/office/drawing/2014/main" id="{6E24BBDD-F26E-0B41-9489-E9BEAE9682A6}"/>
+              </a:ext>
+            </a:extLst>
+          </p:cNvPr>
+          <p:cNvSpPr/>
+          <p:nvPr/>
+        </p:nvSpPr>
+        <p:spPr>
+          <a:xfrm>
+            <a:off x="7275095" y="5426243"/>
+            <a:ext cx="914400" cy="1600200"/>
+          </a:xfrm>
+          <a:prstGeom prst="curvedLeftArrow">
+            <a:avLst/>
+          </a:prstGeom>
+          <a:scene3d>
+            <a:camera prst="orthographicFront">
+              <a:rot lat="0" lon="0" rev="18300000"/>
+            </a:camera>
+            <a:lightRig rig="threePt" dir="t"/>
+          </a:scene3d>
+        </p:spPr>
+        <p:style>
+          <a:lnRef idx="2">
+            <a:schemeClr val="accent1">
+              <a:shade val="50000"/>
+            </a:schemeClr>
+          </a:lnRef>
+          <a:fillRef idx="1">
+            <a:schemeClr val="accent1"/>
+          </a:fillRef>
+          <a:effectRef idx="0">
+            <a:schemeClr val="accent1"/>
+          </a:effectRef>
+          <a:fontRef idx="minor">
+            <a:schemeClr val="lt1"/>
+          </a:fontRef>
+        </p:style>
+        <p:txBody>
+          <a:bodyPr anchor="ctr"/>
+          <a:lstStyle/>
+          <a:p>
+            <a:pPr algn="ctr">
+              <a:defRPr/>
+            </a:pPr>
+            <a:endParaRPr lang="en-US" sz="1800">
+              <a:solidFill>
+                <a:schemeClr val="tx1"/>
+              </a:solidFill>
+            </a:endParaRPr>
+          </a:p>
+        </p:txBody>
+      </p:sp>
+      <p:pic>
+        <p:nvPicPr>
+          <p:cNvPr id="18" name="Picture 5" descr="C:\Users\Jason Williams\AppData\Local\Microsoft\Windows\Temporary Internet Files\Content.IE5\FTFY7S0X\MCj04315860000[1].png">
+            <a:extLst>
+              <a:ext uri="{FF2B5EF4-FFF2-40B4-BE49-F238E27FC236}">
+                <a16:creationId xmlns:a16="http://schemas.microsoft.com/office/drawing/2014/main" id="{4C703B4E-F7B5-F041-A552-3C6324364043}"/>
+              </a:ext>
+            </a:extLst>
+          </p:cNvPr>
+          <p:cNvPicPr>
+            <a:picLocks noChangeAspect="1" noChangeArrowheads="1"/>
+          </p:cNvPicPr>
+          <p:nvPr/>
+        </p:nvPicPr>
+        <p:blipFill>
+          <a:blip r:embed="rId5">
+            <a:extLst>
+              <a:ext uri="{28A0092B-C50C-407E-A947-70E740481C1C}">
+                <a14:useLocalDpi xmlns:a14="http://schemas.microsoft.com/office/drawing/2010/main" val="0"/>
+              </a:ext>
+            </a:extLst>
+          </a:blip>
+          <a:srcRect/>
+          <a:stretch>
+            <a:fillRect/>
+          </a:stretch>
+        </p:blipFill>
+        <p:spPr bwMode="auto">
+          <a:xfrm>
+            <a:off x="2169695" y="5426243"/>
+            <a:ext cx="1143000" cy="1143000"/>
+          </a:xfrm>
+          <a:prstGeom prst="rect">
+            <a:avLst/>
+          </a:prstGeom>
+          <a:noFill/>
+          <a:ln>
+            <a:noFill/>
+          </a:ln>
+          <a:extLst>
+            <a:ext uri="{909E8E84-426E-40DD-AFC4-6F175D3DCCD1}">
+              <a14:hiddenFill xmlns:a14="http://schemas.microsoft.com/office/drawing/2010/main">
+                <a:solidFill>
+                  <a:srgbClr val="FFFFFF"/>
+                </a:solidFill>
+              </a14:hiddenFill>
+            </a:ext>
+            <a:ext uri="{91240B29-F687-4F45-9708-019B960494DF}">
+              <a14:hiddenLine xmlns:a14="http://schemas.microsoft.com/office/drawing/2010/main" w="9525">
+                <a:solidFill>
+                  <a:srgbClr val="000000"/>
+                </a:solidFill>
+                <a:miter lim="800000"/>
+                <a:headEnd/>
+                <a:tailEnd/>
+              </a14:hiddenLine>
+            </a:ext>
+          </a:extLst>
+        </p:spPr>
+      </p:pic>
+      <p:sp>
+        <p:nvSpPr>
+          <p:cNvPr id="19" name="TextBox 19">
+            <a:extLst>
+              <a:ext uri="{FF2B5EF4-FFF2-40B4-BE49-F238E27FC236}">
+                <a16:creationId xmlns:a16="http://schemas.microsoft.com/office/drawing/2014/main" id="{7110A73D-048A-2348-A047-94C5373D1C92}"/>
+              </a:ext>
+            </a:extLst>
+          </p:cNvPr>
+          <p:cNvSpPr txBox="1">
+            <a:spLocks noChangeArrowheads="1"/>
+          </p:cNvSpPr>
+          <p:nvPr/>
+        </p:nvSpPr>
+        <p:spPr bwMode="auto">
+          <a:xfrm>
+            <a:off x="8951495" y="6416843"/>
+            <a:ext cx="1762125" cy="369888"/>
+          </a:xfrm>
+          <a:prstGeom prst="rect">
+            <a:avLst/>
+          </a:prstGeom>
+          <a:noFill/>
+          <a:ln>
+            <a:noFill/>
+          </a:ln>
+          <a:extLst>
+            <a:ext uri="{909E8E84-426E-40DD-AFC4-6F175D3DCCD1}">
+              <a14:hiddenFill xmlns:a14="http://schemas.microsoft.com/office/drawing/2010/main">
+                <a:solidFill>
+                  <a:srgbClr val="FFFFFF"/>
+                </a:solidFill>
+              </a14:hiddenFill>
+            </a:ext>
+            <a:ext uri="{91240B29-F687-4F45-9708-019B960494DF}">
+              <a14:hiddenLine xmlns:a14="http://schemas.microsoft.com/office/drawing/2010/main" w="9525">
+                <a:solidFill>
+                  <a:srgbClr val="000000"/>
+                </a:solidFill>
+                <a:miter lim="800000"/>
+                <a:headEnd/>
+                <a:tailEnd/>
+              </a14:hiddenLine>
+            </a:ext>
+          </a:extLst>
+        </p:spPr>
+        <p:txBody>
+          <a:bodyPr wrap="none">
+            <a:spAutoFit/>
+          </a:bodyPr>
+          <a:lstStyle>
+            <a:lvl1pPr eaLnBrk="0" hangingPunct="0">
+              <a:defRPr sz="3200">
+                <a:solidFill>
+                  <a:schemeClr val="tx1"/>
+                </a:solidFill>
+                <a:latin typeface="Arial" panose="020B0604020202020204" pitchFamily="34" charset="0"/>
+                <a:cs typeface="Arial" panose="020B0604020202020204" pitchFamily="34" charset="0"/>
+              </a:defRPr>
+            </a:lvl1pPr>
+            <a:lvl2pPr marL="742950" indent="-285750" eaLnBrk="0" hangingPunct="0">
+              <a:defRPr sz="3200">
+                <a:solidFill>
+                  <a:schemeClr val="tx1"/>
+                </a:solidFill>
+                <a:latin typeface="Arial" panose="020B0604020202020204" pitchFamily="34" charset="0"/>
+                <a:cs typeface="Arial" panose="020B0604020202020204" pitchFamily="34" charset="0"/>
+              </a:defRPr>
+            </a:lvl2pPr>
+            <a:lvl3pPr marL="1143000" indent="-228600" eaLnBrk="0" hangingPunct="0">
+              <a:defRPr sz="3200">
+                <a:solidFill>
+                  <a:schemeClr val="tx1"/>
+                </a:solidFill>
+                <a:latin typeface="Arial" panose="020B0604020202020204" pitchFamily="34" charset="0"/>
+                <a:cs typeface="Arial" panose="020B0604020202020204" pitchFamily="34" charset="0"/>
+              </a:defRPr>
+            </a:lvl3pPr>
+            <a:lvl4pPr marL="1600200" indent="-228600" eaLnBrk="0" hangingPunct="0">
+              <a:defRPr sz="3200">
+                <a:solidFill>
+                  <a:schemeClr val="tx1"/>
+                </a:solidFill>
+                <a:latin typeface="Arial" panose="020B0604020202020204" pitchFamily="34" charset="0"/>
+                <a:cs typeface="Arial" panose="020B0604020202020204" pitchFamily="34" charset="0"/>
+              </a:defRPr>
+            </a:lvl4pPr>
+            <a:lvl5pPr marL="2057400" indent="-228600" eaLnBrk="0" hangingPunct="0">
+              <a:defRPr sz="3200">
+                <a:solidFill>
+                  <a:schemeClr val="tx1"/>
+                </a:solidFill>
+                <a:latin typeface="Arial" panose="020B0604020202020204" pitchFamily="34" charset="0"/>
+                <a:cs typeface="Arial" panose="020B0604020202020204" pitchFamily="34" charset="0"/>
+              </a:defRPr>
+            </a:lvl5pPr>
+            <a:lvl6pPr marL="2514600" indent="-228600" eaLnBrk="0" fontAlgn="base" hangingPunct="0">
+              <a:spcBef>
+                <a:spcPct val="0"/>
+              </a:spcBef>
+              <a:spcAft>
+                <a:spcPct val="0"/>
+              </a:spcAft>
+              <a:defRPr sz="3200">
+                <a:solidFill>
+                  <a:schemeClr val="tx1"/>
+                </a:solidFill>
+                <a:latin typeface="Arial" panose="020B0604020202020204" pitchFamily="34" charset="0"/>
+                <a:cs typeface="Arial" panose="020B0604020202020204" pitchFamily="34" charset="0"/>
+              </a:defRPr>
+            </a:lvl6pPr>
+            <a:lvl7pPr marL="2971800" indent="-228600" eaLnBrk="0" fontAlgn="base" hangingPunct="0">
+              <a:spcBef>
+                <a:spcPct val="0"/>
+              </a:spcBef>
+              <a:spcAft>
+                <a:spcPct val="0"/>
+              </a:spcAft>
+              <a:defRPr sz="3200">
+                <a:solidFill>
+                  <a:schemeClr val="tx1"/>
+                </a:solidFill>
+                <a:latin typeface="Arial" panose="020B0604020202020204" pitchFamily="34" charset="0"/>
+                <a:cs typeface="Arial" panose="020B0604020202020204" pitchFamily="34" charset="0"/>
+              </a:defRPr>
+            </a:lvl7pPr>
+            <a:lvl8pPr marL="3429000" indent="-228600" eaLnBrk="0" fontAlgn="base" hangingPunct="0">
+              <a:spcBef>
+                <a:spcPct val="0"/>
+              </a:spcBef>
+              <a:spcAft>
+                <a:spcPct val="0"/>
+              </a:spcAft>
+              <a:defRPr sz="3200">
+                <a:solidFill>
+                  <a:schemeClr val="tx1"/>
+                </a:solidFill>
+                <a:latin typeface="Arial" panose="020B0604020202020204" pitchFamily="34" charset="0"/>
+                <a:cs typeface="Arial" panose="020B0604020202020204" pitchFamily="34" charset="0"/>
+              </a:defRPr>
+            </a:lvl8pPr>
+            <a:lvl9pPr marL="3886200" indent="-228600" eaLnBrk="0" fontAlgn="base" hangingPunct="0">
+              <a:spcBef>
+                <a:spcPct val="0"/>
+              </a:spcBef>
+              <a:spcAft>
+                <a:spcPct val="0"/>
+              </a:spcAft>
+              <a:defRPr sz="3200">
+                <a:solidFill>
+                  <a:schemeClr val="tx1"/>
+                </a:solidFill>
+                <a:latin typeface="Arial" panose="020B0604020202020204" pitchFamily="34" charset="0"/>
+                <a:cs typeface="Arial" panose="020B0604020202020204" pitchFamily="34" charset="0"/>
+              </a:defRPr>
+            </a:lvl9pPr>
+          </a:lstStyle>
+          <a:p>
+            <a:pPr eaLnBrk="1" hangingPunct="1"/>
+            <a:r>
+              <a:rPr lang="en-US" altLang="en-US" sz="1800"/>
+              <a:t>2. DNA Cloning</a:t>
+            </a:r>
+          </a:p>
+        </p:txBody>
+      </p:sp>
     </p:spTree>
     <p:extLst>
       <p:ext uri="{BB962C8B-B14F-4D97-AF65-F5344CB8AC3E}">
-        <p14:creationId xmlns:p14="http://schemas.microsoft.com/office/powerpoint/2010/main" val="1822579364"/>
+        <p14:creationId xmlns:p14="http://schemas.microsoft.com/office/powerpoint/2010/main" val="3503080972"/>
       </p:ext>
     </p:extLst>
   </p:cSld>
   <p:clrMapOvr>
     <a:masterClrMapping/>
   </p:clrMapOvr>
+  <p:timing>
+    <p:tnLst>
+      <p:par>
+        <p:cTn id="1" dur="indefinite" restart="never" nodeType="tmRoot">
+          <p:childTnLst>
+            <p:seq concurrent="1" nextAc="seek">
+              <p:cTn id="2" dur="indefinite" nodeType="mainSeq">
+                <p:childTnLst>
+                  <p:par>
+                    <p:cTn id="3" fill="hold">
+                      <p:stCondLst>
+                        <p:cond delay="indefinite"/>
+                      </p:stCondLst>
+                      <p:childTnLst>
+                        <p:par>
+                          <p:cTn id="4" fill="hold">
+                            <p:stCondLst>
+                              <p:cond delay="0"/>
+                            </p:stCondLst>
+                            <p:childTnLst>
+                              <p:par>
+                                <p:cTn id="5" presetID="1" presetClass="entr" presetSubtype="0" fill="hold" nodeType="clickEffect">
+                                  <p:stCondLst>
+                                    <p:cond delay="0"/>
+                                  </p:stCondLst>
+                                  <p:childTnLst>
+                                    <p:set>
+                                      <p:cBhvr>
+                                        <p:cTn id="6" dur="1" fill="hold">
+                                          <p:stCondLst>
+                                            <p:cond delay="0"/>
+                                          </p:stCondLst>
+                                        </p:cTn>
+                                        <p:tgtEl>
+                                          <p:spTgt spid="15"/>
+                                        </p:tgtEl>
+                                        <p:attrNameLst>
+                                          <p:attrName>style.visibility</p:attrName>
+                                        </p:attrNameLst>
+                                      </p:cBhvr>
+                                      <p:to>
+                                        <p:strVal val="visible"/>
+                                      </p:to>
+                                    </p:set>
+                                  </p:childTnLst>
+                                </p:cTn>
+                              </p:par>
+                              <p:par>
+                                <p:cTn id="7" presetID="1" presetClass="entr" presetSubtype="0" fill="hold" nodeType="withEffect">
+                                  <p:stCondLst>
+                                    <p:cond delay="0"/>
+                                  </p:stCondLst>
+                                  <p:childTnLst>
+                                    <p:set>
+                                      <p:cBhvr>
+                                        <p:cTn id="8" dur="1" fill="hold">
+                                          <p:stCondLst>
+                                            <p:cond delay="0"/>
+                                          </p:stCondLst>
+                                        </p:cTn>
+                                        <p:tgtEl>
+                                          <p:spTgt spid="16"/>
+                                        </p:tgtEl>
+                                        <p:attrNameLst>
+                                          <p:attrName>style.visibility</p:attrName>
+                                        </p:attrNameLst>
+                                      </p:cBhvr>
+                                      <p:to>
+                                        <p:strVal val="visible"/>
+                                      </p:to>
+                                    </p:set>
+                                  </p:childTnLst>
+                                </p:cTn>
+                              </p:par>
+                            </p:childTnLst>
+                          </p:cTn>
+                        </p:par>
+                      </p:childTnLst>
+                    </p:cTn>
+                  </p:par>
+                  <p:par>
+                    <p:cTn id="9" fill="hold">
+                      <p:stCondLst>
+                        <p:cond delay="indefinite"/>
+                      </p:stCondLst>
+                      <p:childTnLst>
+                        <p:par>
+                          <p:cTn id="10" fill="hold">
+                            <p:stCondLst>
+                              <p:cond delay="0"/>
+                            </p:stCondLst>
+                            <p:childTnLst>
+                              <p:par>
+                                <p:cTn id="11" presetID="1" presetClass="entr" presetSubtype="0" fill="hold" nodeType="clickEffect">
+                                  <p:stCondLst>
+                                    <p:cond delay="0"/>
+                                  </p:stCondLst>
+                                  <p:childTnLst>
+                                    <p:set>
+                                      <p:cBhvr>
+                                        <p:cTn id="12" dur="1" fill="hold">
+                                          <p:stCondLst>
+                                            <p:cond delay="0"/>
+                                          </p:stCondLst>
+                                        </p:cTn>
+                                        <p:tgtEl>
+                                          <p:spTgt spid="17"/>
+                                        </p:tgtEl>
+                                        <p:attrNameLst>
+                                          <p:attrName>style.visibility</p:attrName>
+                                        </p:attrNameLst>
+                                      </p:cBhvr>
+                                      <p:to>
+                                        <p:strVal val="visible"/>
+                                      </p:to>
+                                    </p:set>
+                                  </p:childTnLst>
+                                </p:cTn>
+                              </p:par>
+                              <p:par>
+                                <p:cTn id="13" presetID="1" presetClass="entr" presetSubtype="0" fill="hold" nodeType="withEffect">
+                                  <p:stCondLst>
+                                    <p:cond delay="0"/>
+                                  </p:stCondLst>
+                                  <p:childTnLst>
+                                    <p:set>
+                                      <p:cBhvr>
+                                        <p:cTn id="14" dur="1" fill="hold">
+                                          <p:stCondLst>
+                                            <p:cond delay="0"/>
+                                          </p:stCondLst>
+                                        </p:cTn>
+                                        <p:tgtEl>
+                                          <p:spTgt spid="11"/>
+                                        </p:tgtEl>
+                                        <p:attrNameLst>
+                                          <p:attrName>style.visibility</p:attrName>
+                                        </p:attrNameLst>
+                                      </p:cBhvr>
+                                      <p:to>
+                                        <p:strVal val="visible"/>
+                                      </p:to>
+                                    </p:set>
+                                  </p:childTnLst>
+                                </p:cTn>
+                              </p:par>
+                              <p:par>
+                                <p:cTn id="15" presetID="1" presetClass="entr" presetSubtype="0" fill="hold" nodeType="withEffect">
+                                  <p:stCondLst>
+                                    <p:cond delay="0"/>
+                                  </p:stCondLst>
+                                  <p:childTnLst>
+                                    <p:set>
+                                      <p:cBhvr>
+                                        <p:cTn id="16" dur="1" fill="hold">
+                                          <p:stCondLst>
+                                            <p:cond delay="0"/>
+                                          </p:stCondLst>
+                                        </p:cTn>
+                                        <p:tgtEl>
+                                          <p:spTgt spid="18"/>
+                                        </p:tgtEl>
+                                        <p:attrNameLst>
+                                          <p:attrName>style.visibility</p:attrName>
+                                        </p:attrNameLst>
+                                      </p:cBhvr>
+                                      <p:to>
+                                        <p:strVal val="visible"/>
+                                      </p:to>
+                                    </p:set>
+                                  </p:childTnLst>
+                                </p:cTn>
+                              </p:par>
+                            </p:childTnLst>
+                          </p:cTn>
+                        </p:par>
+                      </p:childTnLst>
+                    </p:cTn>
+                  </p:par>
+                </p:childTnLst>
+              </p:cTn>
+              <p:prevCondLst>
+                <p:cond evt="onPrev" delay="0">
+                  <p:tgtEl>
+                    <p:sldTgt/>
+                  </p:tgtEl>
+                </p:cond>
+              </p:prevCondLst>
+              <p:nextCondLst>
+                <p:cond evt="onNext" delay="0">
+                  <p:tgtEl>
+                    <p:sldTgt/>
+                  </p:tgtEl>
+                </p:cond>
+              </p:nextCondLst>
+            </p:seq>
+          </p:childTnLst>
+        </p:cTn>
+      </p:par>
+    </p:tnLst>
+  </p:timing>
 </p:sld>
 </file>
 
@@ -17396,17 +19397,17 @@
             <a:pPr algn="ctr"/>
             <a:r>
               <a:rPr lang="en-US" sz="3600" dirty="0"/>
-              <a:t>Plasmids – short circular DNAs</a:t>
+              <a:t>Uses of GFP</a:t>
             </a:r>
           </a:p>
         </p:txBody>
       </p:sp>
       <p:pic>
         <p:nvPicPr>
-          <p:cNvPr id="7170" name="Picture 2" descr="Plasmid - Wikipedia">
-            <a:extLst>
-              <a:ext uri="{FF2B5EF4-FFF2-40B4-BE49-F238E27FC236}">
-                <a16:creationId xmlns:a16="http://schemas.microsoft.com/office/drawing/2014/main" id="{794780A4-C4B3-4542-B2AC-4514EED19A87}"/>
+          <p:cNvPr id="20" name="Picture 4" descr="E_coli_lge">
+            <a:extLst>
+              <a:ext uri="{FF2B5EF4-FFF2-40B4-BE49-F238E27FC236}">
+                <a16:creationId xmlns:a16="http://schemas.microsoft.com/office/drawing/2014/main" id="{3916950C-A50A-C142-9DE7-0FE39D12AA47}"/>
               </a:ext>
             </a:extLst>
           </p:cNvPr>
@@ -17430,13 +19431,16 @@
         </p:blipFill>
         <p:spPr bwMode="auto">
           <a:xfrm>
-            <a:off x="3058463" y="1842252"/>
-            <a:ext cx="6075073" cy="2850064"/>
+            <a:off x="2747210" y="1050758"/>
+            <a:ext cx="2698750" cy="1790700"/>
           </a:xfrm>
           <a:prstGeom prst="rect">
             <a:avLst/>
           </a:prstGeom>
           <a:noFill/>
+          <a:ln>
+            <a:noFill/>
+          </a:ln>
           <a:extLst>
             <a:ext uri="{909E8E84-426E-40DD-AFC4-6F175D3DCCD1}">
               <a14:hiddenFill xmlns:a14="http://schemas.microsoft.com/office/drawing/2010/main">
@@ -17444,84 +19448,732 @@
                   <a:srgbClr val="FFFFFF"/>
                 </a:solidFill>
               </a14:hiddenFill>
+            </a:ext>
+            <a:ext uri="{91240B29-F687-4F45-9708-019B960494DF}">
+              <a14:hiddenLine xmlns:a14="http://schemas.microsoft.com/office/drawing/2010/main" w="9525">
+                <a:solidFill>
+                  <a:srgbClr val="000000"/>
+                </a:solidFill>
+                <a:miter lim="800000"/>
+                <a:headEnd/>
+                <a:tailEnd/>
+              </a14:hiddenLine>
             </a:ext>
           </a:extLst>
         </p:spPr>
       </p:pic>
       <p:sp>
         <p:nvSpPr>
-          <p:cNvPr id="4" name="TextBox 3">
-            <a:extLst>
-              <a:ext uri="{FF2B5EF4-FFF2-40B4-BE49-F238E27FC236}">
-                <a16:creationId xmlns:a16="http://schemas.microsoft.com/office/drawing/2014/main" id="{125C51BC-6C80-AD40-BAA0-634319BF0A57}"/>
-              </a:ext>
-            </a:extLst>
-          </p:cNvPr>
-          <p:cNvSpPr txBox="1"/>
+          <p:cNvPr id="21" name="Right Arrow 20">
+            <a:extLst>
+              <a:ext uri="{FF2B5EF4-FFF2-40B4-BE49-F238E27FC236}">
+                <a16:creationId xmlns:a16="http://schemas.microsoft.com/office/drawing/2014/main" id="{EBCAA635-0D79-4640-9506-40D55BD8C7C1}"/>
+              </a:ext>
+            </a:extLst>
+          </p:cNvPr>
+          <p:cNvSpPr/>
           <p:nvPr/>
         </p:nvSpPr>
         <p:spPr>
           <a:xfrm>
-            <a:off x="120316" y="6280484"/>
-            <a:ext cx="4915128" cy="253916"/>
+            <a:off x="5795210" y="1812758"/>
+            <a:ext cx="1219200" cy="381000"/>
+          </a:xfrm>
+          <a:prstGeom prst="rightArrow">
+            <a:avLst/>
+          </a:prstGeom>
+        </p:spPr>
+        <p:style>
+          <a:lnRef idx="2">
+            <a:schemeClr val="accent1">
+              <a:shade val="50000"/>
+            </a:schemeClr>
+          </a:lnRef>
+          <a:fillRef idx="1">
+            <a:schemeClr val="accent1"/>
+          </a:fillRef>
+          <a:effectRef idx="0">
+            <a:schemeClr val="accent1"/>
+          </a:effectRef>
+          <a:fontRef idx="minor">
+            <a:schemeClr val="lt1"/>
+          </a:fontRef>
+        </p:style>
+        <p:txBody>
+          <a:bodyPr anchor="ctr"/>
+          <a:lstStyle/>
+          <a:p>
+            <a:pPr algn="ctr">
+              <a:defRPr/>
+            </a:pPr>
+            <a:endParaRPr lang="en-US" sz="1800"/>
+          </a:p>
+        </p:txBody>
+      </p:sp>
+      <p:pic>
+        <p:nvPicPr>
+          <p:cNvPr id="22" name="Picture 12">
+            <a:extLst>
+              <a:ext uri="{FF2B5EF4-FFF2-40B4-BE49-F238E27FC236}">
+                <a16:creationId xmlns:a16="http://schemas.microsoft.com/office/drawing/2014/main" id="{5304E4C8-31AA-EA41-AF1C-74D6775AC27D}"/>
+              </a:ext>
+            </a:extLst>
+          </p:cNvPr>
+          <p:cNvPicPr>
+            <a:picLocks noChangeAspect="1" noChangeArrowheads="1"/>
+          </p:cNvPicPr>
+          <p:nvPr/>
+        </p:nvPicPr>
+        <p:blipFill>
+          <a:blip r:embed="rId3">
+            <a:duotone>
+              <a:prstClr val="black"/>
+              <a:schemeClr val="accent1">
+                <a:tint val="45000"/>
+                <a:satMod val="400000"/>
+              </a:schemeClr>
+            </a:duotone>
+            <a:extLst>
+              <a:ext uri="{28A0092B-C50C-407E-A947-70E740481C1C}">
+                <a14:useLocalDpi xmlns:a14="http://schemas.microsoft.com/office/drawing/2010/main" val="0"/>
+              </a:ext>
+            </a:extLst>
+          </a:blip>
+          <a:srcRect/>
+          <a:stretch>
+            <a:fillRect/>
+          </a:stretch>
+        </p:blipFill>
+        <p:spPr bwMode="auto">
+          <a:xfrm>
+            <a:off x="6938210" y="898358"/>
+            <a:ext cx="2749550" cy="2286000"/>
           </a:xfrm>
           <a:prstGeom prst="rect">
             <a:avLst/>
           </a:prstGeom>
           <a:noFill/>
+          <a:ln>
+            <a:noFill/>
+          </a:ln>
+          <a:extLst>
+            <a:ext uri="{909E8E84-426E-40DD-AFC4-6F175D3DCCD1}">
+              <a14:hiddenFill xmlns:a14="http://schemas.microsoft.com/office/drawing/2010/main">
+                <a:solidFill>
+                  <a:srgbClr val="FFFFFF"/>
+                </a:solidFill>
+              </a14:hiddenFill>
+            </a:ext>
+            <a:ext uri="{91240B29-F687-4F45-9708-019B960494DF}">
+              <a14:hiddenLine xmlns:a14="http://schemas.microsoft.com/office/drawing/2010/main" w="9525">
+                <a:solidFill>
+                  <a:srgbClr val="000000"/>
+                </a:solidFill>
+                <a:miter lim="800000"/>
+                <a:headEnd/>
+                <a:tailEnd/>
+              </a14:hiddenLine>
+            </a:ext>
+          </a:extLst>
+        </p:spPr>
+      </p:pic>
+      <p:sp>
+        <p:nvSpPr>
+          <p:cNvPr id="23" name="Rectangle 22">
+            <a:extLst>
+              <a:ext uri="{FF2B5EF4-FFF2-40B4-BE49-F238E27FC236}">
+                <a16:creationId xmlns:a16="http://schemas.microsoft.com/office/drawing/2014/main" id="{C3E6779C-BEAE-E342-8C21-489A85AB78E8}"/>
+              </a:ext>
+            </a:extLst>
+          </p:cNvPr>
+          <p:cNvSpPr>
+            <a:spLocks noChangeArrowheads="1"/>
+          </p:cNvSpPr>
+          <p:nvPr/>
+        </p:nvSpPr>
+        <p:spPr bwMode="auto">
+          <a:xfrm>
+            <a:off x="2671010" y="3412958"/>
+            <a:ext cx="5181600" cy="1558925"/>
+          </a:xfrm>
+          <a:prstGeom prst="rect">
+            <a:avLst/>
+          </a:prstGeom>
+          <a:noFill/>
+          <a:ln>
+            <a:noFill/>
+          </a:ln>
+          <a:extLst>
+            <a:ext uri="{909E8E84-426E-40DD-AFC4-6F175D3DCCD1}">
+              <a14:hiddenFill xmlns:a14="http://schemas.microsoft.com/office/drawing/2010/main">
+                <a:solidFill>
+                  <a:srgbClr val="FFFFFF"/>
+                </a:solidFill>
+              </a14:hiddenFill>
+            </a:ext>
+            <a:ext uri="{91240B29-F687-4F45-9708-019B960494DF}">
+              <a14:hiddenLine xmlns:a14="http://schemas.microsoft.com/office/drawing/2010/main" w="9525">
+                <a:solidFill>
+                  <a:srgbClr val="000000"/>
+                </a:solidFill>
+                <a:miter lim="800000"/>
+                <a:headEnd/>
+                <a:tailEnd/>
+              </a14:hiddenLine>
+            </a:ext>
+          </a:extLst>
         </p:spPr>
         <p:txBody>
-          <a:bodyPr wrap="none" rtlCol="0">
+          <a:bodyPr>
             <a:spAutoFit/>
           </a:bodyPr>
+          <a:lstStyle>
+            <a:lvl1pPr eaLnBrk="0" hangingPunct="0">
+              <a:defRPr sz="3200">
+                <a:solidFill>
+                  <a:schemeClr val="tx1"/>
+                </a:solidFill>
+                <a:latin typeface="Arial" panose="020B0604020202020204" pitchFamily="34" charset="0"/>
+                <a:cs typeface="Arial" panose="020B0604020202020204" pitchFamily="34" charset="0"/>
+              </a:defRPr>
+            </a:lvl1pPr>
+            <a:lvl2pPr marL="742950" indent="-285750" eaLnBrk="0" hangingPunct="0">
+              <a:defRPr sz="3200">
+                <a:solidFill>
+                  <a:schemeClr val="tx1"/>
+                </a:solidFill>
+                <a:latin typeface="Arial" panose="020B0604020202020204" pitchFamily="34" charset="0"/>
+                <a:cs typeface="Arial" panose="020B0604020202020204" pitchFamily="34" charset="0"/>
+              </a:defRPr>
+            </a:lvl2pPr>
+            <a:lvl3pPr marL="1143000" indent="-228600" eaLnBrk="0" hangingPunct="0">
+              <a:defRPr sz="3200">
+                <a:solidFill>
+                  <a:schemeClr val="tx1"/>
+                </a:solidFill>
+                <a:latin typeface="Arial" panose="020B0604020202020204" pitchFamily="34" charset="0"/>
+                <a:cs typeface="Arial" panose="020B0604020202020204" pitchFamily="34" charset="0"/>
+              </a:defRPr>
+            </a:lvl3pPr>
+            <a:lvl4pPr marL="1600200" indent="-228600" eaLnBrk="0" hangingPunct="0">
+              <a:defRPr sz="3200">
+                <a:solidFill>
+                  <a:schemeClr val="tx1"/>
+                </a:solidFill>
+                <a:latin typeface="Arial" panose="020B0604020202020204" pitchFamily="34" charset="0"/>
+                <a:cs typeface="Arial" panose="020B0604020202020204" pitchFamily="34" charset="0"/>
+              </a:defRPr>
+            </a:lvl4pPr>
+            <a:lvl5pPr marL="2057400" indent="-228600" eaLnBrk="0" hangingPunct="0">
+              <a:defRPr sz="3200">
+                <a:solidFill>
+                  <a:schemeClr val="tx1"/>
+                </a:solidFill>
+                <a:latin typeface="Arial" panose="020B0604020202020204" pitchFamily="34" charset="0"/>
+                <a:cs typeface="Arial" panose="020B0604020202020204" pitchFamily="34" charset="0"/>
+              </a:defRPr>
+            </a:lvl5pPr>
+            <a:lvl6pPr marL="2514600" indent="-228600" eaLnBrk="0" fontAlgn="base" hangingPunct="0">
+              <a:spcBef>
+                <a:spcPct val="0"/>
+              </a:spcBef>
+              <a:spcAft>
+                <a:spcPct val="0"/>
+              </a:spcAft>
+              <a:defRPr sz="3200">
+                <a:solidFill>
+                  <a:schemeClr val="tx1"/>
+                </a:solidFill>
+                <a:latin typeface="Arial" panose="020B0604020202020204" pitchFamily="34" charset="0"/>
+                <a:cs typeface="Arial" panose="020B0604020202020204" pitchFamily="34" charset="0"/>
+              </a:defRPr>
+            </a:lvl6pPr>
+            <a:lvl7pPr marL="2971800" indent="-228600" eaLnBrk="0" fontAlgn="base" hangingPunct="0">
+              <a:spcBef>
+                <a:spcPct val="0"/>
+              </a:spcBef>
+              <a:spcAft>
+                <a:spcPct val="0"/>
+              </a:spcAft>
+              <a:defRPr sz="3200">
+                <a:solidFill>
+                  <a:schemeClr val="tx1"/>
+                </a:solidFill>
+                <a:latin typeface="Arial" panose="020B0604020202020204" pitchFamily="34" charset="0"/>
+                <a:cs typeface="Arial" panose="020B0604020202020204" pitchFamily="34" charset="0"/>
+              </a:defRPr>
+            </a:lvl7pPr>
+            <a:lvl8pPr marL="3429000" indent="-228600" eaLnBrk="0" fontAlgn="base" hangingPunct="0">
+              <a:spcBef>
+                <a:spcPct val="0"/>
+              </a:spcBef>
+              <a:spcAft>
+                <a:spcPct val="0"/>
+              </a:spcAft>
+              <a:defRPr sz="3200">
+                <a:solidFill>
+                  <a:schemeClr val="tx1"/>
+                </a:solidFill>
+                <a:latin typeface="Arial" panose="020B0604020202020204" pitchFamily="34" charset="0"/>
+                <a:cs typeface="Arial" panose="020B0604020202020204" pitchFamily="34" charset="0"/>
+              </a:defRPr>
+            </a:lvl8pPr>
+            <a:lvl9pPr marL="3886200" indent="-228600" eaLnBrk="0" fontAlgn="base" hangingPunct="0">
+              <a:spcBef>
+                <a:spcPct val="0"/>
+              </a:spcBef>
+              <a:spcAft>
+                <a:spcPct val="0"/>
+              </a:spcAft>
+              <a:defRPr sz="3200">
+                <a:solidFill>
+                  <a:schemeClr val="tx1"/>
+                </a:solidFill>
+                <a:latin typeface="Arial" panose="020B0604020202020204" pitchFamily="34" charset="0"/>
+                <a:cs typeface="Arial" panose="020B0604020202020204" pitchFamily="34" charset="0"/>
+              </a:defRPr>
+            </a:lvl9pPr>
+          </a:lstStyle>
+          <a:p>
+            <a:pPr algn="just" eaLnBrk="1" hangingPunct="1"/>
+            <a:r>
+              <a:rPr lang="en-US" altLang="en-US" sz="800">
+                <a:latin typeface="Calibri" panose="020F0502020204030204" pitchFamily="34" charset="0"/>
+              </a:rPr>
+              <a:t>CGATCGATCGG</a:t>
+            </a:r>
+          </a:p>
+          <a:p>
+            <a:pPr algn="just" eaLnBrk="1" hangingPunct="1"/>
+            <a:r>
+              <a:rPr lang="en-US" altLang="en-US" sz="800">
+                <a:solidFill>
+                  <a:srgbClr val="00B050"/>
+                </a:solidFill>
+                <a:latin typeface="Calibri" panose="020F0502020204030204" pitchFamily="34" charset="0"/>
+              </a:rPr>
+              <a:t>AAGCTTTATTAAAATGTCTAAAGGTGAAGAATTATTCACTGGTGTTGTCCCAATTTTGGTTGAATTAGAT</a:t>
+            </a:r>
+          </a:p>
+          <a:p>
+            <a:pPr algn="just" eaLnBrk="1" hangingPunct="1"/>
+            <a:r>
+              <a:rPr lang="en-US" altLang="en-US" sz="800">
+                <a:solidFill>
+                  <a:srgbClr val="00B050"/>
+                </a:solidFill>
+                <a:latin typeface="Calibri" panose="020F0502020204030204" pitchFamily="34" charset="0"/>
+              </a:rPr>
+              <a:t>GGTGATGTTAATGGTCACAAATTTTCTGTCTCCGGTGAAGGTGAAGGTGATGCTACTTACGGTAAATTGA</a:t>
+            </a:r>
+          </a:p>
+          <a:p>
+            <a:pPr algn="just" eaLnBrk="1" hangingPunct="1"/>
+            <a:r>
+              <a:rPr lang="en-US" altLang="en-US" sz="800">
+                <a:solidFill>
+                  <a:srgbClr val="00B050"/>
+                </a:solidFill>
+                <a:latin typeface="Calibri" panose="020F0502020204030204" pitchFamily="34" charset="0"/>
+              </a:rPr>
+              <a:t>CCTTAAAATTTATTTGTACTACTGGTAAATTGCCAGTTCCATGGCCAACCTTAGTCACTACTTTCGGTTAT</a:t>
+            </a:r>
+          </a:p>
+          <a:p>
+            <a:pPr algn="just" eaLnBrk="1" hangingPunct="1"/>
+            <a:r>
+              <a:rPr lang="en-US" altLang="en-US" sz="800">
+                <a:solidFill>
+                  <a:srgbClr val="00B050"/>
+                </a:solidFill>
+                <a:latin typeface="Calibri" panose="020F0502020204030204" pitchFamily="34" charset="0"/>
+              </a:rPr>
+              <a:t>GGTGTTCAATGTTTTGCTAGATACCCAGATCATATGAAACAACATGACTTTTTCAAGTCTGCCATGCCA </a:t>
+            </a:r>
+          </a:p>
+          <a:p>
+            <a:pPr algn="just" eaLnBrk="1" hangingPunct="1"/>
+            <a:r>
+              <a:rPr lang="en-US" altLang="en-US" sz="800">
+                <a:solidFill>
+                  <a:srgbClr val="00B050"/>
+                </a:solidFill>
+                <a:latin typeface="Calibri" panose="020F0502020204030204" pitchFamily="34" charset="0"/>
+              </a:rPr>
+              <a:t>GAAGGTTATGTTCAAGAAAGAACTATTTTTTTCAAAGATGACGGTAACTACAAGACCAGAGCTGAAGTCA</a:t>
+            </a:r>
+          </a:p>
+          <a:p>
+            <a:pPr algn="just" eaLnBrk="1" hangingPunct="1"/>
+            <a:r>
+              <a:rPr lang="en-US" altLang="en-US" sz="800">
+                <a:solidFill>
+                  <a:srgbClr val="00B050"/>
+                </a:solidFill>
+                <a:latin typeface="Calibri" panose="020F0502020204030204" pitchFamily="34" charset="0"/>
+              </a:rPr>
+              <a:t> AGTTTGAAGGTGATACCTTAGTTAATAGAATCGAATTAAAAGGTATTGATTTTAAAGAAGATGGTAACAT</a:t>
+            </a:r>
+          </a:p>
+          <a:p>
+            <a:pPr algn="just" eaLnBrk="1" hangingPunct="1"/>
+            <a:r>
+              <a:rPr lang="en-US" altLang="en-US" sz="800">
+                <a:solidFill>
+                  <a:srgbClr val="00B050"/>
+                </a:solidFill>
+                <a:latin typeface="Calibri" panose="020F0502020204030204" pitchFamily="34" charset="0"/>
+              </a:rPr>
+              <a:t> TTTAGGTCACAAATTGGAATACAACTATAACTCTCACAATGTTTACATCATGGCTGACAAACAAAAGAAT</a:t>
+            </a:r>
+          </a:p>
+          <a:p>
+            <a:pPr algn="just" eaLnBrk="1" hangingPunct="1"/>
+            <a:r>
+              <a:rPr lang="en-US" altLang="en-US" sz="800">
+                <a:solidFill>
+                  <a:srgbClr val="00B050"/>
+                </a:solidFill>
+                <a:latin typeface="Calibri" panose="020F0502020204030204" pitchFamily="34" charset="0"/>
+              </a:rPr>
+              <a:t> GGTATCAAAGTTAACTTCAAAATTAGACACAACATTGAAGATGGTTCTGTTCAATTAGCTGACCATTATC</a:t>
+            </a:r>
+          </a:p>
+          <a:p>
+            <a:pPr algn="just" eaLnBrk="1" hangingPunct="1"/>
+            <a:r>
+              <a:rPr lang="en-US" altLang="en-US" sz="800">
+                <a:solidFill>
+                  <a:srgbClr val="00B050"/>
+                </a:solidFill>
+                <a:latin typeface="Calibri" panose="020F0502020204030204" pitchFamily="34" charset="0"/>
+              </a:rPr>
+              <a:t> AACAAAATACTCCAATTGGTGATGGTCCAGTCTTGTTACCAGACAACCATTACTTATCCACTCAATCTGC CTTATCCAAAGATCCAAACGAAAAGAGAGACCACATGGTCTTGTTAGAATTTGTTACTGCTGCTGGTATT</a:t>
+            </a:r>
+          </a:p>
+          <a:p>
+            <a:pPr algn="just" eaLnBrk="1" hangingPunct="1"/>
+            <a:r>
+              <a:rPr lang="en-US" altLang="en-US" sz="800">
+                <a:solidFill>
+                  <a:srgbClr val="00B050"/>
+                </a:solidFill>
+                <a:latin typeface="Calibri" panose="020F0502020204030204" pitchFamily="34" charset="0"/>
+              </a:rPr>
+              <a:t> ACCCATGGTATGGATGAATTGTACAAATAACTGCAGG</a:t>
+            </a:r>
+            <a:r>
+              <a:rPr lang="en-US" altLang="en-US" sz="800">
+                <a:latin typeface="Calibri" panose="020F0502020204030204" pitchFamily="34" charset="0"/>
+              </a:rPr>
+              <a:t>ACGTACGTACACGTAGCTA</a:t>
+            </a:r>
+            <a:endParaRPr lang="en-US" altLang="en-US" sz="1800"/>
+          </a:p>
+        </p:txBody>
+      </p:sp>
+      <p:pic>
+        <p:nvPicPr>
+          <p:cNvPr id="24" name="Picture 3">
+            <a:extLst>
+              <a:ext uri="{FF2B5EF4-FFF2-40B4-BE49-F238E27FC236}">
+                <a16:creationId xmlns:a16="http://schemas.microsoft.com/office/drawing/2014/main" id="{2F7EB912-1971-F248-B585-A55AA4EE8F32}"/>
+              </a:ext>
+            </a:extLst>
+          </p:cNvPr>
+          <p:cNvPicPr>
+            <a:picLocks noChangeAspect="1" noChangeArrowheads="1"/>
+          </p:cNvPicPr>
+          <p:nvPr/>
+        </p:nvPicPr>
+        <p:blipFill>
+          <a:blip r:embed="rId4">
+            <a:duotone>
+              <a:prstClr val="black"/>
+              <a:schemeClr val="accent1">
+                <a:tint val="45000"/>
+                <a:satMod val="400000"/>
+              </a:schemeClr>
+            </a:duotone>
+            <a:extLst>
+              <a:ext uri="{28A0092B-C50C-407E-A947-70E740481C1C}">
+                <a14:useLocalDpi xmlns:a14="http://schemas.microsoft.com/office/drawing/2010/main" val="0"/>
+              </a:ext>
+            </a:extLst>
+          </a:blip>
+          <a:srcRect/>
+          <a:stretch>
+            <a:fillRect/>
+          </a:stretch>
+        </p:blipFill>
+        <p:spPr bwMode="auto">
+          <a:xfrm>
+            <a:off x="6785810" y="3162133"/>
+            <a:ext cx="3581400" cy="4441825"/>
+          </a:xfrm>
+          <a:prstGeom prst="rect">
+            <a:avLst/>
+          </a:prstGeom>
+          <a:noFill/>
+          <a:ln>
+            <a:noFill/>
+          </a:ln>
+          <a:extLst>
+            <a:ext uri="{909E8E84-426E-40DD-AFC4-6F175D3DCCD1}">
+              <a14:hiddenFill xmlns:a14="http://schemas.microsoft.com/office/drawing/2010/main">
+                <a:solidFill>
+                  <a:srgbClr val="FFFFFF"/>
+                </a:solidFill>
+              </a14:hiddenFill>
+            </a:ext>
+            <a:ext uri="{91240B29-F687-4F45-9708-019B960494DF}">
+              <a14:hiddenLine xmlns:a14="http://schemas.microsoft.com/office/drawing/2010/main" w="9525">
+                <a:solidFill>
+                  <a:srgbClr val="000000"/>
+                </a:solidFill>
+                <a:miter lim="800000"/>
+                <a:headEnd/>
+                <a:tailEnd/>
+              </a14:hiddenLine>
+            </a:ext>
+          </a:extLst>
+        </p:spPr>
+      </p:pic>
+      <p:sp>
+        <p:nvSpPr>
+          <p:cNvPr id="25" name="Curved Left Arrow 24">
+            <a:extLst>
+              <a:ext uri="{FF2B5EF4-FFF2-40B4-BE49-F238E27FC236}">
+                <a16:creationId xmlns:a16="http://schemas.microsoft.com/office/drawing/2014/main" id="{B6FF61A1-8E36-9243-B999-12021B455AF5}"/>
+              </a:ext>
+            </a:extLst>
+          </p:cNvPr>
+          <p:cNvSpPr/>
+          <p:nvPr/>
+        </p:nvSpPr>
+        <p:spPr>
+          <a:xfrm rot="4105361">
+            <a:off x="7408110" y="3247858"/>
+            <a:ext cx="1125538" cy="1938338"/>
+          </a:xfrm>
+          <a:prstGeom prst="curvedLeftArrow">
+            <a:avLst>
+              <a:gd name="adj1" fmla="val 11220"/>
+              <a:gd name="adj2" fmla="val 17685"/>
+              <a:gd name="adj3" fmla="val 25000"/>
+            </a:avLst>
+          </a:prstGeom>
+        </p:spPr>
+        <p:style>
+          <a:lnRef idx="2">
+            <a:schemeClr val="accent1">
+              <a:shade val="50000"/>
+            </a:schemeClr>
+          </a:lnRef>
+          <a:fillRef idx="1">
+            <a:schemeClr val="accent1"/>
+          </a:fillRef>
+          <a:effectRef idx="0">
+            <a:schemeClr val="accent1"/>
+          </a:effectRef>
+          <a:fontRef idx="minor">
+            <a:schemeClr val="lt1"/>
+          </a:fontRef>
+        </p:style>
+        <p:txBody>
+          <a:bodyPr anchor="ctr"/>
           <a:lstStyle/>
           <a:p>
-            <a:r>
-              <a:rPr lang="en-US" sz="1050" dirty="0"/>
-              <a:t>Image credit: https://</a:t>
-            </a:r>
-            <a:r>
-              <a:rPr lang="en-US" sz="1050" dirty="0" err="1"/>
-              <a:t>en.wikipedia.org</a:t>
-            </a:r>
-            <a:r>
-              <a:rPr lang="en-US" sz="1050" dirty="0"/>
-              <a:t>/wiki/Plasmid#/media/</a:t>
-            </a:r>
-            <a:r>
-              <a:rPr lang="en-US" sz="1050" dirty="0" err="1"/>
-              <a:t>File:Plasmid</a:t>
-            </a:r>
-            <a:r>
-              <a:rPr lang="en-US" sz="1050" dirty="0"/>
-              <a:t>_(</a:t>
-            </a:r>
-            <a:r>
-              <a:rPr lang="en-US" sz="1050" dirty="0" err="1"/>
-              <a:t>english</a:t>
-            </a:r>
-            <a:r>
-              <a:rPr lang="en-US" sz="1050" dirty="0"/>
-              <a:t>).</a:t>
-            </a:r>
-            <a:r>
-              <a:rPr lang="en-US" sz="1050" dirty="0" err="1"/>
-              <a:t>svg</a:t>
-            </a:r>
-            <a:endParaRPr lang="en-US" sz="1050" dirty="0"/>
+            <a:pPr algn="ctr">
+              <a:defRPr/>
+            </a:pPr>
+            <a:endParaRPr lang="en-US" sz="1800">
+              <a:solidFill>
+                <a:schemeClr val="tx1"/>
+              </a:solidFill>
+            </a:endParaRPr>
           </a:p>
         </p:txBody>
       </p:sp>
     </p:spTree>
     <p:extLst>
       <p:ext uri="{BB962C8B-B14F-4D97-AF65-F5344CB8AC3E}">
-        <p14:creationId xmlns:p14="http://schemas.microsoft.com/office/powerpoint/2010/main" val="2068311765"/>
+        <p14:creationId xmlns:p14="http://schemas.microsoft.com/office/powerpoint/2010/main" val="2072462988"/>
       </p:ext>
     </p:extLst>
   </p:cSld>
   <p:clrMapOvr>
     <a:masterClrMapping/>
   </p:clrMapOvr>
+  <p:timing>
+    <p:tnLst>
+      <p:par>
+        <p:cTn id="1" dur="indefinite" restart="never" nodeType="tmRoot">
+          <p:childTnLst>
+            <p:seq concurrent="1" nextAc="seek">
+              <p:cTn id="2" dur="indefinite" nodeType="mainSeq">
+                <p:childTnLst>
+                  <p:par>
+                    <p:cTn id="3" fill="hold">
+                      <p:stCondLst>
+                        <p:cond delay="indefinite"/>
+                      </p:stCondLst>
+                      <p:childTnLst>
+                        <p:par>
+                          <p:cTn id="4" fill="hold">
+                            <p:stCondLst>
+                              <p:cond delay="0"/>
+                            </p:stCondLst>
+                            <p:childTnLst>
+                              <p:par>
+                                <p:cTn id="5" presetID="6" presetClass="emph" presetSubtype="0" fill="hold" nodeType="clickEffect">
+                                  <p:stCondLst>
+                                    <p:cond delay="0"/>
+                                  </p:stCondLst>
+                                  <p:childTnLst>
+                                    <p:animScale>
+                                      <p:cBhvr>
+                                        <p:cTn id="6" dur="2000" fill="hold"/>
+                                        <p:tgtEl>
+                                          <p:spTgt spid="22"/>
+                                        </p:tgtEl>
+                                      </p:cBhvr>
+                                      <p:by x="110000" y="110000"/>
+                                    </p:animScale>
+                                  </p:childTnLst>
+                                </p:cTn>
+                              </p:par>
+                            </p:childTnLst>
+                          </p:cTn>
+                        </p:par>
+                      </p:childTnLst>
+                    </p:cTn>
+                  </p:par>
+                  <p:par>
+                    <p:cTn id="7" fill="hold">
+                      <p:stCondLst>
+                        <p:cond delay="indefinite"/>
+                      </p:stCondLst>
+                      <p:childTnLst>
+                        <p:par>
+                          <p:cTn id="8" fill="hold">
+                            <p:stCondLst>
+                              <p:cond delay="0"/>
+                            </p:stCondLst>
+                            <p:childTnLst>
+                              <p:par>
+                                <p:cTn id="9" presetID="1" presetClass="entr" presetSubtype="0" fill="hold" grpId="0" nodeType="clickEffect">
+                                  <p:stCondLst>
+                                    <p:cond delay="0"/>
+                                  </p:stCondLst>
+                                  <p:childTnLst>
+                                    <p:set>
+                                      <p:cBhvr>
+                                        <p:cTn id="10" dur="1" fill="hold">
+                                          <p:stCondLst>
+                                            <p:cond delay="0"/>
+                                          </p:stCondLst>
+                                        </p:cTn>
+                                        <p:tgtEl>
+                                          <p:spTgt spid="25"/>
+                                        </p:tgtEl>
+                                        <p:attrNameLst>
+                                          <p:attrName>style.visibility</p:attrName>
+                                        </p:attrNameLst>
+                                      </p:cBhvr>
+                                      <p:to>
+                                        <p:strVal val="visible"/>
+                                      </p:to>
+                                    </p:set>
+                                  </p:childTnLst>
+                                </p:cTn>
+                              </p:par>
+                              <p:par>
+                                <p:cTn id="11" presetID="1" presetClass="entr" presetSubtype="0" fill="hold" grpId="0" nodeType="withEffect">
+                                  <p:stCondLst>
+                                    <p:cond delay="0"/>
+                                  </p:stCondLst>
+                                  <p:childTnLst>
+                                    <p:set>
+                                      <p:cBhvr>
+                                        <p:cTn id="12" dur="1" fill="hold">
+                                          <p:stCondLst>
+                                            <p:cond delay="0"/>
+                                          </p:stCondLst>
+                                        </p:cTn>
+                                        <p:tgtEl>
+                                          <p:spTgt spid="23"/>
+                                        </p:tgtEl>
+                                        <p:attrNameLst>
+                                          <p:attrName>style.visibility</p:attrName>
+                                        </p:attrNameLst>
+                                      </p:cBhvr>
+                                      <p:to>
+                                        <p:strVal val="visible"/>
+                                      </p:to>
+                                    </p:set>
+                                  </p:childTnLst>
+                                </p:cTn>
+                              </p:par>
+                              <p:par>
+                                <p:cTn id="13" presetID="1" presetClass="entr" presetSubtype="0" fill="hold" nodeType="withEffect">
+                                  <p:stCondLst>
+                                    <p:cond delay="0"/>
+                                  </p:stCondLst>
+                                  <p:childTnLst>
+                                    <p:set>
+                                      <p:cBhvr>
+                                        <p:cTn id="14" dur="1" fill="hold">
+                                          <p:stCondLst>
+                                            <p:cond delay="0"/>
+                                          </p:stCondLst>
+                                        </p:cTn>
+                                        <p:tgtEl>
+                                          <p:spTgt spid="24"/>
+                                        </p:tgtEl>
+                                        <p:attrNameLst>
+                                          <p:attrName>style.visibility</p:attrName>
+                                        </p:attrNameLst>
+                                      </p:cBhvr>
+                                      <p:to>
+                                        <p:strVal val="visible"/>
+                                      </p:to>
+                                    </p:set>
+                                  </p:childTnLst>
+                                </p:cTn>
+                              </p:par>
+                            </p:childTnLst>
+                          </p:cTn>
+                        </p:par>
+                      </p:childTnLst>
+                    </p:cTn>
+                  </p:par>
+                </p:childTnLst>
+              </p:cTn>
+              <p:prevCondLst>
+                <p:cond evt="onPrev" delay="0">
+                  <p:tgtEl>
+                    <p:sldTgt/>
+                  </p:tgtEl>
+                </p:cond>
+              </p:prevCondLst>
+              <p:nextCondLst>
+                <p:cond evt="onNext" delay="0">
+                  <p:tgtEl>
+                    <p:sldTgt/>
+                  </p:tgtEl>
+                </p:cond>
+              </p:nextCondLst>
+            </p:seq>
+          </p:childTnLst>
+        </p:cTn>
+      </p:par>
+    </p:tnLst>
+    <p:bldLst>
+      <p:bldP spid="23" grpId="0"/>
+      <p:bldP spid="25" grpId="0" animBg="1"/>
+    </p:bldLst>
+  </p:timing>
 </p:sld>
 </file>
 
@@ -17573,81 +20225,17 @@
             <a:pPr algn="ctr"/>
             <a:r>
               <a:rPr lang="en-US" sz="3600" dirty="0"/>
-              <a:t>Plasmids – short circular DNAs</a:t>
-            </a:r>
-          </a:p>
-        </p:txBody>
-      </p:sp>
-      <p:sp>
-        <p:nvSpPr>
-          <p:cNvPr id="4" name="TextBox 3">
-            <a:extLst>
-              <a:ext uri="{FF2B5EF4-FFF2-40B4-BE49-F238E27FC236}">
-                <a16:creationId xmlns:a16="http://schemas.microsoft.com/office/drawing/2014/main" id="{125C51BC-6C80-AD40-BAA0-634319BF0A57}"/>
-              </a:ext>
-            </a:extLst>
-          </p:cNvPr>
-          <p:cNvSpPr txBox="1"/>
-          <p:nvPr/>
-        </p:nvSpPr>
-        <p:spPr>
-          <a:xfrm>
-            <a:off x="120316" y="6280484"/>
-            <a:ext cx="4915128" cy="253916"/>
-          </a:xfrm>
-          <a:prstGeom prst="rect">
-            <a:avLst/>
-          </a:prstGeom>
-          <a:noFill/>
-        </p:spPr>
-        <p:txBody>
-          <a:bodyPr wrap="none" rtlCol="0">
-            <a:spAutoFit/>
-          </a:bodyPr>
-          <a:lstStyle/>
-          <a:p>
-            <a:r>
-              <a:rPr lang="en-US" sz="1050" dirty="0"/>
-              <a:t>Image credit: https://</a:t>
-            </a:r>
-            <a:r>
-              <a:rPr lang="en-US" sz="1050" dirty="0" err="1"/>
-              <a:t>en.wikipedia.org</a:t>
-            </a:r>
-            <a:r>
-              <a:rPr lang="en-US" sz="1050" dirty="0"/>
-              <a:t>/wiki/Plasmid#/media/</a:t>
-            </a:r>
-            <a:r>
-              <a:rPr lang="en-US" sz="1050" dirty="0" err="1"/>
-              <a:t>File:Plasmid</a:t>
-            </a:r>
-            <a:r>
-              <a:rPr lang="en-US" sz="1050" dirty="0"/>
-              <a:t>_(</a:t>
-            </a:r>
-            <a:r>
-              <a:rPr lang="en-US" sz="1050" dirty="0" err="1"/>
-              <a:t>english</a:t>
-            </a:r>
-            <a:r>
-              <a:rPr lang="en-US" sz="1050" dirty="0"/>
-              <a:t>).</a:t>
-            </a:r>
-            <a:r>
-              <a:rPr lang="en-US" sz="1050" dirty="0" err="1"/>
-              <a:t>svg</a:t>
-            </a:r>
-            <a:endParaRPr lang="en-US" sz="1050" dirty="0"/>
+              <a:t>Uses of GFP</a:t>
+            </a:r>
           </a:p>
         </p:txBody>
       </p:sp>
       <p:pic>
         <p:nvPicPr>
-          <p:cNvPr id="7172" name="Picture 4" descr="Recombinant DNA">
-            <a:extLst>
-              <a:ext uri="{FF2B5EF4-FFF2-40B4-BE49-F238E27FC236}">
-                <a16:creationId xmlns:a16="http://schemas.microsoft.com/office/drawing/2014/main" id="{E9D1D19C-4D79-534F-885F-A352CFA6F731}"/>
+          <p:cNvPr id="9" name="Picture 2">
+            <a:extLst>
+              <a:ext uri="{FF2B5EF4-FFF2-40B4-BE49-F238E27FC236}">
+                <a16:creationId xmlns:a16="http://schemas.microsoft.com/office/drawing/2014/main" id="{92DD8485-CEBF-A145-8426-828453308E1C}"/>
               </a:ext>
             </a:extLst>
           </p:cNvPr>
@@ -17658,6 +20246,7 @@
         </p:nvPicPr>
         <p:blipFill>
           <a:blip r:embed="rId2">
+            <a:lum contrast="20000"/>
             <a:extLst>
               <a:ext uri="{28A0092B-C50C-407E-A947-70E740481C1C}">
                 <a14:useLocalDpi xmlns:a14="http://schemas.microsoft.com/office/drawing/2010/main" val="0"/>
@@ -17671,13 +20260,16 @@
         </p:blipFill>
         <p:spPr bwMode="auto">
           <a:xfrm>
-            <a:off x="3512887" y="1153443"/>
-            <a:ext cx="5166226" cy="4186425"/>
+            <a:off x="2113548" y="4235116"/>
+            <a:ext cx="2095500" cy="2200275"/>
           </a:xfrm>
           <a:prstGeom prst="rect">
             <a:avLst/>
           </a:prstGeom>
           <a:noFill/>
+          <a:ln>
+            <a:noFill/>
+          </a:ln>
           <a:extLst>
             <a:ext uri="{909E8E84-426E-40DD-AFC4-6F175D3DCCD1}">
               <a14:hiddenFill xmlns:a14="http://schemas.microsoft.com/office/drawing/2010/main">
@@ -17685,6 +20277,441 @@
                   <a:srgbClr val="FFFFFF"/>
                 </a:solidFill>
               </a14:hiddenFill>
+            </a:ext>
+            <a:ext uri="{91240B29-F687-4F45-9708-019B960494DF}">
+              <a14:hiddenLine xmlns:a14="http://schemas.microsoft.com/office/drawing/2010/main" w="9525">
+                <a:solidFill>
+                  <a:srgbClr val="000000"/>
+                </a:solidFill>
+                <a:miter lim="800000"/>
+                <a:headEnd/>
+                <a:tailEnd/>
+              </a14:hiddenLine>
+            </a:ext>
+          </a:extLst>
+        </p:spPr>
+      </p:pic>
+      <p:pic>
+        <p:nvPicPr>
+          <p:cNvPr id="10" name="Picture 6">
+            <a:extLst>
+              <a:ext uri="{FF2B5EF4-FFF2-40B4-BE49-F238E27FC236}">
+                <a16:creationId xmlns:a16="http://schemas.microsoft.com/office/drawing/2014/main" id="{084AB934-E328-494E-9699-7846AFDD1041}"/>
+              </a:ext>
+            </a:extLst>
+          </p:cNvPr>
+          <p:cNvPicPr>
+            <a:picLocks noChangeAspect="1" noChangeArrowheads="1"/>
+          </p:cNvPicPr>
+          <p:nvPr/>
+        </p:nvPicPr>
+        <p:blipFill>
+          <a:blip r:embed="rId3">
+            <a:extLst>
+              <a:ext uri="{28A0092B-C50C-407E-A947-70E740481C1C}">
+                <a14:useLocalDpi xmlns:a14="http://schemas.microsoft.com/office/drawing/2010/main" val="0"/>
+              </a:ext>
+            </a:extLst>
+          </a:blip>
+          <a:srcRect/>
+          <a:stretch>
+            <a:fillRect/>
+          </a:stretch>
+        </p:blipFill>
+        <p:spPr bwMode="auto">
+          <a:xfrm>
+            <a:off x="5161548" y="1034716"/>
+            <a:ext cx="1905000" cy="1905000"/>
+          </a:xfrm>
+          <a:prstGeom prst="rect">
+            <a:avLst/>
+          </a:prstGeom>
+          <a:noFill/>
+          <a:ln>
+            <a:noFill/>
+          </a:ln>
+          <a:extLst>
+            <a:ext uri="{909E8E84-426E-40DD-AFC4-6F175D3DCCD1}">
+              <a14:hiddenFill xmlns:a14="http://schemas.microsoft.com/office/drawing/2010/main">
+                <a:solidFill>
+                  <a:srgbClr val="FFFFFF"/>
+                </a:solidFill>
+              </a14:hiddenFill>
+            </a:ext>
+            <a:ext uri="{91240B29-F687-4F45-9708-019B960494DF}">
+              <a14:hiddenLine xmlns:a14="http://schemas.microsoft.com/office/drawing/2010/main" w="9525">
+                <a:solidFill>
+                  <a:srgbClr val="000000"/>
+                </a:solidFill>
+                <a:miter lim="800000"/>
+                <a:headEnd/>
+                <a:tailEnd/>
+              </a14:hiddenLine>
+            </a:ext>
+          </a:extLst>
+        </p:spPr>
+      </p:pic>
+      <p:sp>
+        <p:nvSpPr>
+          <p:cNvPr id="11" name="AutoShape 7">
+            <a:extLst>
+              <a:ext uri="{FF2B5EF4-FFF2-40B4-BE49-F238E27FC236}">
+                <a16:creationId xmlns:a16="http://schemas.microsoft.com/office/drawing/2014/main" id="{7C8582AD-CA37-F848-A817-7F9D927D8478}"/>
+              </a:ext>
+            </a:extLst>
+          </p:cNvPr>
+          <p:cNvSpPr>
+            <a:spLocks noChangeArrowheads="1"/>
+          </p:cNvSpPr>
+          <p:nvPr/>
+        </p:nvSpPr>
+        <p:spPr bwMode="auto">
+          <a:xfrm rot="19362365">
+            <a:off x="3180348" y="3168316"/>
+            <a:ext cx="1981200" cy="685800"/>
+          </a:xfrm>
+          <a:prstGeom prst="rightArrow">
+            <a:avLst>
+              <a:gd name="adj1" fmla="val 50000"/>
+              <a:gd name="adj2" fmla="val 72222"/>
+            </a:avLst>
+          </a:prstGeom>
+          <a:solidFill>
+            <a:schemeClr val="accent1"/>
+          </a:solidFill>
+          <a:ln w="9525">
+            <a:solidFill>
+              <a:schemeClr val="tx1"/>
+            </a:solidFill>
+            <a:miter lim="800000"/>
+            <a:headEnd/>
+            <a:tailEnd/>
+          </a:ln>
+        </p:spPr>
+        <p:txBody>
+          <a:bodyPr wrap="none" anchor="ctr"/>
+          <a:lstStyle>
+            <a:lvl1pPr eaLnBrk="0" hangingPunct="0">
+              <a:defRPr sz="3200">
+                <a:solidFill>
+                  <a:schemeClr val="tx1"/>
+                </a:solidFill>
+                <a:latin typeface="Arial" panose="020B0604020202020204" pitchFamily="34" charset="0"/>
+                <a:cs typeface="Arial" panose="020B0604020202020204" pitchFamily="34" charset="0"/>
+              </a:defRPr>
+            </a:lvl1pPr>
+            <a:lvl2pPr marL="742950" indent="-285750" eaLnBrk="0" hangingPunct="0">
+              <a:defRPr sz="3200">
+                <a:solidFill>
+                  <a:schemeClr val="tx1"/>
+                </a:solidFill>
+                <a:latin typeface="Arial" panose="020B0604020202020204" pitchFamily="34" charset="0"/>
+                <a:cs typeface="Arial" panose="020B0604020202020204" pitchFamily="34" charset="0"/>
+              </a:defRPr>
+            </a:lvl2pPr>
+            <a:lvl3pPr marL="1143000" indent="-228600" eaLnBrk="0" hangingPunct="0">
+              <a:defRPr sz="3200">
+                <a:solidFill>
+                  <a:schemeClr val="tx1"/>
+                </a:solidFill>
+                <a:latin typeface="Arial" panose="020B0604020202020204" pitchFamily="34" charset="0"/>
+                <a:cs typeface="Arial" panose="020B0604020202020204" pitchFamily="34" charset="0"/>
+              </a:defRPr>
+            </a:lvl3pPr>
+            <a:lvl4pPr marL="1600200" indent="-228600" eaLnBrk="0" hangingPunct="0">
+              <a:defRPr sz="3200">
+                <a:solidFill>
+                  <a:schemeClr val="tx1"/>
+                </a:solidFill>
+                <a:latin typeface="Arial" panose="020B0604020202020204" pitchFamily="34" charset="0"/>
+                <a:cs typeface="Arial" panose="020B0604020202020204" pitchFamily="34" charset="0"/>
+              </a:defRPr>
+            </a:lvl4pPr>
+            <a:lvl5pPr marL="2057400" indent="-228600" eaLnBrk="0" hangingPunct="0">
+              <a:defRPr sz="3200">
+                <a:solidFill>
+                  <a:schemeClr val="tx1"/>
+                </a:solidFill>
+                <a:latin typeface="Arial" panose="020B0604020202020204" pitchFamily="34" charset="0"/>
+                <a:cs typeface="Arial" panose="020B0604020202020204" pitchFamily="34" charset="0"/>
+              </a:defRPr>
+            </a:lvl5pPr>
+            <a:lvl6pPr marL="2514600" indent="-228600" eaLnBrk="0" fontAlgn="base" hangingPunct="0">
+              <a:spcBef>
+                <a:spcPct val="0"/>
+              </a:spcBef>
+              <a:spcAft>
+                <a:spcPct val="0"/>
+              </a:spcAft>
+              <a:defRPr sz="3200">
+                <a:solidFill>
+                  <a:schemeClr val="tx1"/>
+                </a:solidFill>
+                <a:latin typeface="Arial" panose="020B0604020202020204" pitchFamily="34" charset="0"/>
+                <a:cs typeface="Arial" panose="020B0604020202020204" pitchFamily="34" charset="0"/>
+              </a:defRPr>
+            </a:lvl6pPr>
+            <a:lvl7pPr marL="2971800" indent="-228600" eaLnBrk="0" fontAlgn="base" hangingPunct="0">
+              <a:spcBef>
+                <a:spcPct val="0"/>
+              </a:spcBef>
+              <a:spcAft>
+                <a:spcPct val="0"/>
+              </a:spcAft>
+              <a:defRPr sz="3200">
+                <a:solidFill>
+                  <a:schemeClr val="tx1"/>
+                </a:solidFill>
+                <a:latin typeface="Arial" panose="020B0604020202020204" pitchFamily="34" charset="0"/>
+                <a:cs typeface="Arial" panose="020B0604020202020204" pitchFamily="34" charset="0"/>
+              </a:defRPr>
+            </a:lvl7pPr>
+            <a:lvl8pPr marL="3429000" indent="-228600" eaLnBrk="0" fontAlgn="base" hangingPunct="0">
+              <a:spcBef>
+                <a:spcPct val="0"/>
+              </a:spcBef>
+              <a:spcAft>
+                <a:spcPct val="0"/>
+              </a:spcAft>
+              <a:defRPr sz="3200">
+                <a:solidFill>
+                  <a:schemeClr val="tx1"/>
+                </a:solidFill>
+                <a:latin typeface="Arial" panose="020B0604020202020204" pitchFamily="34" charset="0"/>
+                <a:cs typeface="Arial" panose="020B0604020202020204" pitchFamily="34" charset="0"/>
+              </a:defRPr>
+            </a:lvl8pPr>
+            <a:lvl9pPr marL="3886200" indent="-228600" eaLnBrk="0" fontAlgn="base" hangingPunct="0">
+              <a:spcBef>
+                <a:spcPct val="0"/>
+              </a:spcBef>
+              <a:spcAft>
+                <a:spcPct val="0"/>
+              </a:spcAft>
+              <a:defRPr sz="3200">
+                <a:solidFill>
+                  <a:schemeClr val="tx1"/>
+                </a:solidFill>
+                <a:latin typeface="Arial" panose="020B0604020202020204" pitchFamily="34" charset="0"/>
+                <a:cs typeface="Arial" panose="020B0604020202020204" pitchFamily="34" charset="0"/>
+              </a:defRPr>
+            </a:lvl9pPr>
+          </a:lstStyle>
+          <a:p>
+            <a:pPr eaLnBrk="1" hangingPunct="1"/>
+            <a:endParaRPr lang="en-US" altLang="en-US"/>
+          </a:p>
+        </p:txBody>
+      </p:sp>
+      <p:sp>
+        <p:nvSpPr>
+          <p:cNvPr id="12" name="AutoShape 9">
+            <a:extLst>
+              <a:ext uri="{FF2B5EF4-FFF2-40B4-BE49-F238E27FC236}">
+                <a16:creationId xmlns:a16="http://schemas.microsoft.com/office/drawing/2014/main" id="{F55FCBB8-EDD8-6742-95F9-C6D121D221C7}"/>
+              </a:ext>
+            </a:extLst>
+          </p:cNvPr>
+          <p:cNvSpPr>
+            <a:spLocks noChangeArrowheads="1"/>
+          </p:cNvSpPr>
+          <p:nvPr/>
+        </p:nvSpPr>
+        <p:spPr bwMode="auto">
+          <a:xfrm rot="2843492">
+            <a:off x="7104648" y="3130216"/>
+            <a:ext cx="1981200" cy="685800"/>
+          </a:xfrm>
+          <a:prstGeom prst="rightArrow">
+            <a:avLst>
+              <a:gd name="adj1" fmla="val 50000"/>
+              <a:gd name="adj2" fmla="val 72222"/>
+            </a:avLst>
+          </a:prstGeom>
+          <a:solidFill>
+            <a:schemeClr val="accent1"/>
+          </a:solidFill>
+          <a:ln w="9525">
+            <a:solidFill>
+              <a:schemeClr val="tx1"/>
+            </a:solidFill>
+            <a:miter lim="800000"/>
+            <a:headEnd/>
+            <a:tailEnd/>
+          </a:ln>
+        </p:spPr>
+        <p:txBody>
+          <a:bodyPr wrap="none" anchor="ctr"/>
+          <a:lstStyle>
+            <a:lvl1pPr eaLnBrk="0" hangingPunct="0">
+              <a:defRPr sz="3200">
+                <a:solidFill>
+                  <a:schemeClr val="tx1"/>
+                </a:solidFill>
+                <a:latin typeface="Arial" panose="020B0604020202020204" pitchFamily="34" charset="0"/>
+                <a:cs typeface="Arial" panose="020B0604020202020204" pitchFamily="34" charset="0"/>
+              </a:defRPr>
+            </a:lvl1pPr>
+            <a:lvl2pPr marL="742950" indent="-285750" eaLnBrk="0" hangingPunct="0">
+              <a:defRPr sz="3200">
+                <a:solidFill>
+                  <a:schemeClr val="tx1"/>
+                </a:solidFill>
+                <a:latin typeface="Arial" panose="020B0604020202020204" pitchFamily="34" charset="0"/>
+                <a:cs typeface="Arial" panose="020B0604020202020204" pitchFamily="34" charset="0"/>
+              </a:defRPr>
+            </a:lvl2pPr>
+            <a:lvl3pPr marL="1143000" indent="-228600" eaLnBrk="0" hangingPunct="0">
+              <a:defRPr sz="3200">
+                <a:solidFill>
+                  <a:schemeClr val="tx1"/>
+                </a:solidFill>
+                <a:latin typeface="Arial" panose="020B0604020202020204" pitchFamily="34" charset="0"/>
+                <a:cs typeface="Arial" panose="020B0604020202020204" pitchFamily="34" charset="0"/>
+              </a:defRPr>
+            </a:lvl3pPr>
+            <a:lvl4pPr marL="1600200" indent="-228600" eaLnBrk="0" hangingPunct="0">
+              <a:defRPr sz="3200">
+                <a:solidFill>
+                  <a:schemeClr val="tx1"/>
+                </a:solidFill>
+                <a:latin typeface="Arial" panose="020B0604020202020204" pitchFamily="34" charset="0"/>
+                <a:cs typeface="Arial" panose="020B0604020202020204" pitchFamily="34" charset="0"/>
+              </a:defRPr>
+            </a:lvl4pPr>
+            <a:lvl5pPr marL="2057400" indent="-228600" eaLnBrk="0" hangingPunct="0">
+              <a:defRPr sz="3200">
+                <a:solidFill>
+                  <a:schemeClr val="tx1"/>
+                </a:solidFill>
+                <a:latin typeface="Arial" panose="020B0604020202020204" pitchFamily="34" charset="0"/>
+                <a:cs typeface="Arial" panose="020B0604020202020204" pitchFamily="34" charset="0"/>
+              </a:defRPr>
+            </a:lvl5pPr>
+            <a:lvl6pPr marL="2514600" indent="-228600" eaLnBrk="0" fontAlgn="base" hangingPunct="0">
+              <a:spcBef>
+                <a:spcPct val="0"/>
+              </a:spcBef>
+              <a:spcAft>
+                <a:spcPct val="0"/>
+              </a:spcAft>
+              <a:defRPr sz="3200">
+                <a:solidFill>
+                  <a:schemeClr val="tx1"/>
+                </a:solidFill>
+                <a:latin typeface="Arial" panose="020B0604020202020204" pitchFamily="34" charset="0"/>
+                <a:cs typeface="Arial" panose="020B0604020202020204" pitchFamily="34" charset="0"/>
+              </a:defRPr>
+            </a:lvl6pPr>
+            <a:lvl7pPr marL="2971800" indent="-228600" eaLnBrk="0" fontAlgn="base" hangingPunct="0">
+              <a:spcBef>
+                <a:spcPct val="0"/>
+              </a:spcBef>
+              <a:spcAft>
+                <a:spcPct val="0"/>
+              </a:spcAft>
+              <a:defRPr sz="3200">
+                <a:solidFill>
+                  <a:schemeClr val="tx1"/>
+                </a:solidFill>
+                <a:latin typeface="Arial" panose="020B0604020202020204" pitchFamily="34" charset="0"/>
+                <a:cs typeface="Arial" panose="020B0604020202020204" pitchFamily="34" charset="0"/>
+              </a:defRPr>
+            </a:lvl7pPr>
+            <a:lvl8pPr marL="3429000" indent="-228600" eaLnBrk="0" fontAlgn="base" hangingPunct="0">
+              <a:spcBef>
+                <a:spcPct val="0"/>
+              </a:spcBef>
+              <a:spcAft>
+                <a:spcPct val="0"/>
+              </a:spcAft>
+              <a:defRPr sz="3200">
+                <a:solidFill>
+                  <a:schemeClr val="tx1"/>
+                </a:solidFill>
+                <a:latin typeface="Arial" panose="020B0604020202020204" pitchFamily="34" charset="0"/>
+                <a:cs typeface="Arial" panose="020B0604020202020204" pitchFamily="34" charset="0"/>
+              </a:defRPr>
+            </a:lvl8pPr>
+            <a:lvl9pPr marL="3886200" indent="-228600" eaLnBrk="0" fontAlgn="base" hangingPunct="0">
+              <a:spcBef>
+                <a:spcPct val="0"/>
+              </a:spcBef>
+              <a:spcAft>
+                <a:spcPct val="0"/>
+              </a:spcAft>
+              <a:defRPr sz="3200">
+                <a:solidFill>
+                  <a:schemeClr val="tx1"/>
+                </a:solidFill>
+                <a:latin typeface="Arial" panose="020B0604020202020204" pitchFamily="34" charset="0"/>
+                <a:cs typeface="Arial" panose="020B0604020202020204" pitchFamily="34" charset="0"/>
+              </a:defRPr>
+            </a:lvl9pPr>
+          </a:lstStyle>
+          <a:p>
+            <a:pPr eaLnBrk="1" hangingPunct="1"/>
+            <a:endParaRPr lang="en-US" altLang="en-US"/>
+          </a:p>
+        </p:txBody>
+      </p:sp>
+      <p:pic>
+        <p:nvPicPr>
+          <p:cNvPr id="13" name="Picture 10">
+            <a:extLst>
+              <a:ext uri="{FF2B5EF4-FFF2-40B4-BE49-F238E27FC236}">
+                <a16:creationId xmlns:a16="http://schemas.microsoft.com/office/drawing/2014/main" id="{B3A26195-97E9-1E43-A05C-E20CBE379BDA}"/>
+              </a:ext>
+            </a:extLst>
+          </p:cNvPr>
+          <p:cNvPicPr>
+            <a:picLocks noChangeAspect="1" noChangeArrowheads="1"/>
+          </p:cNvPicPr>
+          <p:nvPr/>
+        </p:nvPicPr>
+        <p:blipFill>
+          <a:blip r:embed="rId4">
+            <a:lum contrast="20000"/>
+            <a:extLst>
+              <a:ext uri="{28A0092B-C50C-407E-A947-70E740481C1C}">
+                <a14:useLocalDpi xmlns:a14="http://schemas.microsoft.com/office/drawing/2010/main" val="0"/>
+              </a:ext>
+            </a:extLst>
+          </a:blip>
+          <a:srcRect/>
+          <a:stretch>
+            <a:fillRect/>
+          </a:stretch>
+        </p:blipFill>
+        <p:spPr bwMode="auto">
+          <a:xfrm>
+            <a:off x="7142748" y="4311316"/>
+            <a:ext cx="3071813" cy="2043113"/>
+          </a:xfrm>
+          <a:prstGeom prst="rect">
+            <a:avLst/>
+          </a:prstGeom>
+          <a:noFill/>
+          <a:ln>
+            <a:noFill/>
+          </a:ln>
+          <a:extLst>
+            <a:ext uri="{909E8E84-426E-40DD-AFC4-6F175D3DCCD1}">
+              <a14:hiddenFill xmlns:a14="http://schemas.microsoft.com/office/drawing/2010/main">
+                <a:solidFill>
+                  <a:srgbClr val="FFFFFF"/>
+                </a:solidFill>
+              </a14:hiddenFill>
+            </a:ext>
+            <a:ext uri="{91240B29-F687-4F45-9708-019B960494DF}">
+              <a14:hiddenLine xmlns:a14="http://schemas.microsoft.com/office/drawing/2010/main" w="9525">
+                <a:solidFill>
+                  <a:srgbClr val="000000"/>
+                </a:solidFill>
+                <a:miter lim="800000"/>
+                <a:headEnd/>
+                <a:tailEnd/>
+              </a14:hiddenLine>
             </a:ext>
           </a:extLst>
         </p:spPr>
@@ -17692,7 +20719,7 @@
     </p:spTree>
     <p:extLst>
       <p:ext uri="{BB962C8B-B14F-4D97-AF65-F5344CB8AC3E}">
-        <p14:creationId xmlns:p14="http://schemas.microsoft.com/office/powerpoint/2010/main" val="3168534685"/>
+        <p14:creationId xmlns:p14="http://schemas.microsoft.com/office/powerpoint/2010/main" val="2901926842"/>
       </p:ext>
     </p:extLst>
   </p:cSld>
@@ -17750,17 +20777,17 @@
             <a:pPr algn="ctr"/>
             <a:r>
               <a:rPr lang="en-US" sz="3600" dirty="0"/>
-              <a:t>Plasmid Manipulation</a:t>
+              <a:t>Fusion Protein</a:t>
             </a:r>
           </a:p>
         </p:txBody>
       </p:sp>
       <p:pic>
         <p:nvPicPr>
-          <p:cNvPr id="9218" name="Picture 2" descr="Overview: DNA cloning (article) | Khan Academy">
-            <a:extLst>
-              <a:ext uri="{FF2B5EF4-FFF2-40B4-BE49-F238E27FC236}">
-                <a16:creationId xmlns:a16="http://schemas.microsoft.com/office/drawing/2014/main" id="{BC1BB50B-758A-E44C-8A7F-98F4CE626C0F}"/>
+          <p:cNvPr id="8" name="Picture 4">
+            <a:extLst>
+              <a:ext uri="{FF2B5EF4-FFF2-40B4-BE49-F238E27FC236}">
+                <a16:creationId xmlns:a16="http://schemas.microsoft.com/office/drawing/2014/main" id="{00F60FA9-7A70-664D-955F-81316C7B05D6}"/>
               </a:ext>
             </a:extLst>
           </p:cNvPr>
@@ -17784,13 +20811,16 @@
         </p:blipFill>
         <p:spPr bwMode="auto">
           <a:xfrm>
-            <a:off x="546768" y="1580482"/>
-            <a:ext cx="10617200" cy="3263900"/>
+            <a:off x="3513221" y="895236"/>
+            <a:ext cx="4953000" cy="2943225"/>
           </a:xfrm>
           <a:prstGeom prst="rect">
             <a:avLst/>
           </a:prstGeom>
           <a:noFill/>
+          <a:ln>
+            <a:noFill/>
+          </a:ln>
           <a:extLst>
             <a:ext uri="{909E8E84-426E-40DD-AFC4-6F175D3DCCD1}">
               <a14:hiddenFill xmlns:a14="http://schemas.microsoft.com/office/drawing/2010/main">
@@ -17798,71 +20828,1596 @@
                   <a:srgbClr val="FFFFFF"/>
                 </a:solidFill>
               </a14:hiddenFill>
+            </a:ext>
+            <a:ext uri="{91240B29-F687-4F45-9708-019B960494DF}">
+              <a14:hiddenLine xmlns:a14="http://schemas.microsoft.com/office/drawing/2010/main" w="9525">
+                <a:solidFill>
+                  <a:srgbClr val="000000"/>
+                </a:solidFill>
+                <a:miter lim="800000"/>
+                <a:headEnd/>
+                <a:tailEnd/>
+              </a14:hiddenLine>
             </a:ext>
           </a:extLst>
         </p:spPr>
       </p:pic>
       <p:sp>
         <p:nvSpPr>
-          <p:cNvPr id="3" name="TextBox 2">
-            <a:extLst>
-              <a:ext uri="{FF2B5EF4-FFF2-40B4-BE49-F238E27FC236}">
-                <a16:creationId xmlns:a16="http://schemas.microsoft.com/office/drawing/2014/main" id="{2DBB041D-66AD-824B-863F-43F68D799FDA}"/>
-              </a:ext>
-            </a:extLst>
-          </p:cNvPr>
-          <p:cNvSpPr txBox="1"/>
+          <p:cNvPr id="14" name="Rectangle 5">
+            <a:extLst>
+              <a:ext uri="{FF2B5EF4-FFF2-40B4-BE49-F238E27FC236}">
+                <a16:creationId xmlns:a16="http://schemas.microsoft.com/office/drawing/2014/main" id="{0BABE331-016D-E34E-B49C-4FDAF23A0398}"/>
+              </a:ext>
+            </a:extLst>
+          </p:cNvPr>
+          <p:cNvSpPr>
+            <a:spLocks noChangeArrowheads="1"/>
+          </p:cNvSpPr>
           <p:nvPr/>
         </p:nvSpPr>
-        <p:spPr>
+        <p:spPr bwMode="auto">
           <a:xfrm>
-            <a:off x="372979" y="6472451"/>
-            <a:ext cx="8073044" cy="261610"/>
+            <a:off x="3132221" y="6048261"/>
+            <a:ext cx="304800" cy="685800"/>
+          </a:xfrm>
+          <a:prstGeom prst="rect">
+            <a:avLst/>
+          </a:prstGeom>
+          <a:solidFill>
+            <a:srgbClr val="FF0000">
+              <a:alpha val="27058"/>
+            </a:srgbClr>
+          </a:solidFill>
+          <a:ln w="9525">
+            <a:solidFill>
+              <a:srgbClr val="FF0000"/>
+            </a:solidFill>
+            <a:miter lim="800000"/>
+            <a:headEnd/>
+            <a:tailEnd/>
+          </a:ln>
+        </p:spPr>
+        <p:txBody>
+          <a:bodyPr wrap="none" anchor="ctr"/>
+          <a:lstStyle>
+            <a:lvl1pPr eaLnBrk="0" hangingPunct="0">
+              <a:defRPr sz="3200">
+                <a:solidFill>
+                  <a:schemeClr val="tx1"/>
+                </a:solidFill>
+                <a:latin typeface="Arial" panose="020B0604020202020204" pitchFamily="34" charset="0"/>
+                <a:cs typeface="Arial" panose="020B0604020202020204" pitchFamily="34" charset="0"/>
+              </a:defRPr>
+            </a:lvl1pPr>
+            <a:lvl2pPr marL="742950" indent="-285750" eaLnBrk="0" hangingPunct="0">
+              <a:defRPr sz="3200">
+                <a:solidFill>
+                  <a:schemeClr val="tx1"/>
+                </a:solidFill>
+                <a:latin typeface="Arial" panose="020B0604020202020204" pitchFamily="34" charset="0"/>
+                <a:cs typeface="Arial" panose="020B0604020202020204" pitchFamily="34" charset="0"/>
+              </a:defRPr>
+            </a:lvl2pPr>
+            <a:lvl3pPr marL="1143000" indent="-228600" eaLnBrk="0" hangingPunct="0">
+              <a:defRPr sz="3200">
+                <a:solidFill>
+                  <a:schemeClr val="tx1"/>
+                </a:solidFill>
+                <a:latin typeface="Arial" panose="020B0604020202020204" pitchFamily="34" charset="0"/>
+                <a:cs typeface="Arial" panose="020B0604020202020204" pitchFamily="34" charset="0"/>
+              </a:defRPr>
+            </a:lvl3pPr>
+            <a:lvl4pPr marL="1600200" indent="-228600" eaLnBrk="0" hangingPunct="0">
+              <a:defRPr sz="3200">
+                <a:solidFill>
+                  <a:schemeClr val="tx1"/>
+                </a:solidFill>
+                <a:latin typeface="Arial" panose="020B0604020202020204" pitchFamily="34" charset="0"/>
+                <a:cs typeface="Arial" panose="020B0604020202020204" pitchFamily="34" charset="0"/>
+              </a:defRPr>
+            </a:lvl4pPr>
+            <a:lvl5pPr marL="2057400" indent="-228600" eaLnBrk="0" hangingPunct="0">
+              <a:defRPr sz="3200">
+                <a:solidFill>
+                  <a:schemeClr val="tx1"/>
+                </a:solidFill>
+                <a:latin typeface="Arial" panose="020B0604020202020204" pitchFamily="34" charset="0"/>
+                <a:cs typeface="Arial" panose="020B0604020202020204" pitchFamily="34" charset="0"/>
+              </a:defRPr>
+            </a:lvl5pPr>
+            <a:lvl6pPr marL="2514600" indent="-228600" eaLnBrk="0" fontAlgn="base" hangingPunct="0">
+              <a:spcBef>
+                <a:spcPct val="0"/>
+              </a:spcBef>
+              <a:spcAft>
+                <a:spcPct val="0"/>
+              </a:spcAft>
+              <a:defRPr sz="3200">
+                <a:solidFill>
+                  <a:schemeClr val="tx1"/>
+                </a:solidFill>
+                <a:latin typeface="Arial" panose="020B0604020202020204" pitchFamily="34" charset="0"/>
+                <a:cs typeface="Arial" panose="020B0604020202020204" pitchFamily="34" charset="0"/>
+              </a:defRPr>
+            </a:lvl6pPr>
+            <a:lvl7pPr marL="2971800" indent="-228600" eaLnBrk="0" fontAlgn="base" hangingPunct="0">
+              <a:spcBef>
+                <a:spcPct val="0"/>
+              </a:spcBef>
+              <a:spcAft>
+                <a:spcPct val="0"/>
+              </a:spcAft>
+              <a:defRPr sz="3200">
+                <a:solidFill>
+                  <a:schemeClr val="tx1"/>
+                </a:solidFill>
+                <a:latin typeface="Arial" panose="020B0604020202020204" pitchFamily="34" charset="0"/>
+                <a:cs typeface="Arial" panose="020B0604020202020204" pitchFamily="34" charset="0"/>
+              </a:defRPr>
+            </a:lvl7pPr>
+            <a:lvl8pPr marL="3429000" indent="-228600" eaLnBrk="0" fontAlgn="base" hangingPunct="0">
+              <a:spcBef>
+                <a:spcPct val="0"/>
+              </a:spcBef>
+              <a:spcAft>
+                <a:spcPct val="0"/>
+              </a:spcAft>
+              <a:defRPr sz="3200">
+                <a:solidFill>
+                  <a:schemeClr val="tx1"/>
+                </a:solidFill>
+                <a:latin typeface="Arial" panose="020B0604020202020204" pitchFamily="34" charset="0"/>
+                <a:cs typeface="Arial" panose="020B0604020202020204" pitchFamily="34" charset="0"/>
+              </a:defRPr>
+            </a:lvl8pPr>
+            <a:lvl9pPr marL="3886200" indent="-228600" eaLnBrk="0" fontAlgn="base" hangingPunct="0">
+              <a:spcBef>
+                <a:spcPct val="0"/>
+              </a:spcBef>
+              <a:spcAft>
+                <a:spcPct val="0"/>
+              </a:spcAft>
+              <a:defRPr sz="3200">
+                <a:solidFill>
+                  <a:schemeClr val="tx1"/>
+                </a:solidFill>
+                <a:latin typeface="Arial" panose="020B0604020202020204" pitchFamily="34" charset="0"/>
+                <a:cs typeface="Arial" panose="020B0604020202020204" pitchFamily="34" charset="0"/>
+              </a:defRPr>
+            </a:lvl9pPr>
+          </a:lstStyle>
+          <a:p>
+            <a:pPr eaLnBrk="1" hangingPunct="1"/>
+            <a:endParaRPr lang="en-US" altLang="en-US"/>
+          </a:p>
+        </p:txBody>
+      </p:sp>
+      <p:sp>
+        <p:nvSpPr>
+          <p:cNvPr id="15" name="Rectangle 6">
+            <a:extLst>
+              <a:ext uri="{FF2B5EF4-FFF2-40B4-BE49-F238E27FC236}">
+                <a16:creationId xmlns:a16="http://schemas.microsoft.com/office/drawing/2014/main" id="{74EFFB3A-7AC9-B546-BAD6-D32CFA3A8204}"/>
+              </a:ext>
+            </a:extLst>
+          </p:cNvPr>
+          <p:cNvSpPr>
+            <a:spLocks noChangeArrowheads="1"/>
+          </p:cNvSpPr>
+          <p:nvPr/>
+        </p:nvSpPr>
+        <p:spPr bwMode="auto">
+          <a:xfrm>
+            <a:off x="3818021" y="6048261"/>
+            <a:ext cx="1371600" cy="685800"/>
+          </a:xfrm>
+          <a:prstGeom prst="rect">
+            <a:avLst/>
+          </a:prstGeom>
+          <a:solidFill>
+            <a:srgbClr val="FF0000">
+              <a:alpha val="27058"/>
+            </a:srgbClr>
+          </a:solidFill>
+          <a:ln w="9525">
+            <a:solidFill>
+              <a:srgbClr val="FF0000"/>
+            </a:solidFill>
+            <a:miter lim="800000"/>
+            <a:headEnd/>
+            <a:tailEnd/>
+          </a:ln>
+        </p:spPr>
+        <p:txBody>
+          <a:bodyPr wrap="none" anchor="ctr"/>
+          <a:lstStyle>
+            <a:lvl1pPr eaLnBrk="0" hangingPunct="0">
+              <a:defRPr sz="3200">
+                <a:solidFill>
+                  <a:schemeClr val="tx1"/>
+                </a:solidFill>
+                <a:latin typeface="Arial" panose="020B0604020202020204" pitchFamily="34" charset="0"/>
+                <a:cs typeface="Arial" panose="020B0604020202020204" pitchFamily="34" charset="0"/>
+              </a:defRPr>
+            </a:lvl1pPr>
+            <a:lvl2pPr marL="742950" indent="-285750" eaLnBrk="0" hangingPunct="0">
+              <a:defRPr sz="3200">
+                <a:solidFill>
+                  <a:schemeClr val="tx1"/>
+                </a:solidFill>
+                <a:latin typeface="Arial" panose="020B0604020202020204" pitchFamily="34" charset="0"/>
+                <a:cs typeface="Arial" panose="020B0604020202020204" pitchFamily="34" charset="0"/>
+              </a:defRPr>
+            </a:lvl2pPr>
+            <a:lvl3pPr marL="1143000" indent="-228600" eaLnBrk="0" hangingPunct="0">
+              <a:defRPr sz="3200">
+                <a:solidFill>
+                  <a:schemeClr val="tx1"/>
+                </a:solidFill>
+                <a:latin typeface="Arial" panose="020B0604020202020204" pitchFamily="34" charset="0"/>
+                <a:cs typeface="Arial" panose="020B0604020202020204" pitchFamily="34" charset="0"/>
+              </a:defRPr>
+            </a:lvl3pPr>
+            <a:lvl4pPr marL="1600200" indent="-228600" eaLnBrk="0" hangingPunct="0">
+              <a:defRPr sz="3200">
+                <a:solidFill>
+                  <a:schemeClr val="tx1"/>
+                </a:solidFill>
+                <a:latin typeface="Arial" panose="020B0604020202020204" pitchFamily="34" charset="0"/>
+                <a:cs typeface="Arial" panose="020B0604020202020204" pitchFamily="34" charset="0"/>
+              </a:defRPr>
+            </a:lvl4pPr>
+            <a:lvl5pPr marL="2057400" indent="-228600" eaLnBrk="0" hangingPunct="0">
+              <a:defRPr sz="3200">
+                <a:solidFill>
+                  <a:schemeClr val="tx1"/>
+                </a:solidFill>
+                <a:latin typeface="Arial" panose="020B0604020202020204" pitchFamily="34" charset="0"/>
+                <a:cs typeface="Arial" panose="020B0604020202020204" pitchFamily="34" charset="0"/>
+              </a:defRPr>
+            </a:lvl5pPr>
+            <a:lvl6pPr marL="2514600" indent="-228600" eaLnBrk="0" fontAlgn="base" hangingPunct="0">
+              <a:spcBef>
+                <a:spcPct val="0"/>
+              </a:spcBef>
+              <a:spcAft>
+                <a:spcPct val="0"/>
+              </a:spcAft>
+              <a:defRPr sz="3200">
+                <a:solidFill>
+                  <a:schemeClr val="tx1"/>
+                </a:solidFill>
+                <a:latin typeface="Arial" panose="020B0604020202020204" pitchFamily="34" charset="0"/>
+                <a:cs typeface="Arial" panose="020B0604020202020204" pitchFamily="34" charset="0"/>
+              </a:defRPr>
+            </a:lvl6pPr>
+            <a:lvl7pPr marL="2971800" indent="-228600" eaLnBrk="0" fontAlgn="base" hangingPunct="0">
+              <a:spcBef>
+                <a:spcPct val="0"/>
+              </a:spcBef>
+              <a:spcAft>
+                <a:spcPct val="0"/>
+              </a:spcAft>
+              <a:defRPr sz="3200">
+                <a:solidFill>
+                  <a:schemeClr val="tx1"/>
+                </a:solidFill>
+                <a:latin typeface="Arial" panose="020B0604020202020204" pitchFamily="34" charset="0"/>
+                <a:cs typeface="Arial" panose="020B0604020202020204" pitchFamily="34" charset="0"/>
+              </a:defRPr>
+            </a:lvl7pPr>
+            <a:lvl8pPr marL="3429000" indent="-228600" eaLnBrk="0" fontAlgn="base" hangingPunct="0">
+              <a:spcBef>
+                <a:spcPct val="0"/>
+              </a:spcBef>
+              <a:spcAft>
+                <a:spcPct val="0"/>
+              </a:spcAft>
+              <a:defRPr sz="3200">
+                <a:solidFill>
+                  <a:schemeClr val="tx1"/>
+                </a:solidFill>
+                <a:latin typeface="Arial" panose="020B0604020202020204" pitchFamily="34" charset="0"/>
+                <a:cs typeface="Arial" panose="020B0604020202020204" pitchFamily="34" charset="0"/>
+              </a:defRPr>
+            </a:lvl8pPr>
+            <a:lvl9pPr marL="3886200" indent="-228600" eaLnBrk="0" fontAlgn="base" hangingPunct="0">
+              <a:spcBef>
+                <a:spcPct val="0"/>
+              </a:spcBef>
+              <a:spcAft>
+                <a:spcPct val="0"/>
+              </a:spcAft>
+              <a:defRPr sz="3200">
+                <a:solidFill>
+                  <a:schemeClr val="tx1"/>
+                </a:solidFill>
+                <a:latin typeface="Arial" panose="020B0604020202020204" pitchFamily="34" charset="0"/>
+                <a:cs typeface="Arial" panose="020B0604020202020204" pitchFamily="34" charset="0"/>
+              </a:defRPr>
+            </a:lvl9pPr>
+          </a:lstStyle>
+          <a:p>
+            <a:pPr eaLnBrk="1" hangingPunct="1"/>
+            <a:endParaRPr lang="en-US" altLang="en-US"/>
+          </a:p>
+        </p:txBody>
+      </p:sp>
+      <p:sp>
+        <p:nvSpPr>
+          <p:cNvPr id="16" name="Rectangle 7">
+            <a:extLst>
+              <a:ext uri="{FF2B5EF4-FFF2-40B4-BE49-F238E27FC236}">
+                <a16:creationId xmlns:a16="http://schemas.microsoft.com/office/drawing/2014/main" id="{42D2F82A-1CBD-BA4F-B3BC-D2EC9BE48834}"/>
+              </a:ext>
+            </a:extLst>
+          </p:cNvPr>
+          <p:cNvSpPr>
+            <a:spLocks noChangeArrowheads="1"/>
+          </p:cNvSpPr>
+          <p:nvPr/>
+        </p:nvSpPr>
+        <p:spPr bwMode="auto">
+          <a:xfrm>
+            <a:off x="5418221" y="6048261"/>
+            <a:ext cx="3276600" cy="685800"/>
+          </a:xfrm>
+          <a:prstGeom prst="rect">
+            <a:avLst/>
+          </a:prstGeom>
+          <a:solidFill>
+            <a:srgbClr val="FF0000">
+              <a:alpha val="27058"/>
+            </a:srgbClr>
+          </a:solidFill>
+          <a:ln w="9525">
+            <a:solidFill>
+              <a:srgbClr val="FF0000"/>
+            </a:solidFill>
+            <a:miter lim="800000"/>
+            <a:headEnd/>
+            <a:tailEnd/>
+          </a:ln>
+        </p:spPr>
+        <p:txBody>
+          <a:bodyPr wrap="none" anchor="ctr"/>
+          <a:lstStyle>
+            <a:lvl1pPr eaLnBrk="0" hangingPunct="0">
+              <a:defRPr sz="3200">
+                <a:solidFill>
+                  <a:schemeClr val="tx1"/>
+                </a:solidFill>
+                <a:latin typeface="Arial" panose="020B0604020202020204" pitchFamily="34" charset="0"/>
+                <a:cs typeface="Arial" panose="020B0604020202020204" pitchFamily="34" charset="0"/>
+              </a:defRPr>
+            </a:lvl1pPr>
+            <a:lvl2pPr marL="742950" indent="-285750" eaLnBrk="0" hangingPunct="0">
+              <a:defRPr sz="3200">
+                <a:solidFill>
+                  <a:schemeClr val="tx1"/>
+                </a:solidFill>
+                <a:latin typeface="Arial" panose="020B0604020202020204" pitchFamily="34" charset="0"/>
+                <a:cs typeface="Arial" panose="020B0604020202020204" pitchFamily="34" charset="0"/>
+              </a:defRPr>
+            </a:lvl2pPr>
+            <a:lvl3pPr marL="1143000" indent="-228600" eaLnBrk="0" hangingPunct="0">
+              <a:defRPr sz="3200">
+                <a:solidFill>
+                  <a:schemeClr val="tx1"/>
+                </a:solidFill>
+                <a:latin typeface="Arial" panose="020B0604020202020204" pitchFamily="34" charset="0"/>
+                <a:cs typeface="Arial" panose="020B0604020202020204" pitchFamily="34" charset="0"/>
+              </a:defRPr>
+            </a:lvl3pPr>
+            <a:lvl4pPr marL="1600200" indent="-228600" eaLnBrk="0" hangingPunct="0">
+              <a:defRPr sz="3200">
+                <a:solidFill>
+                  <a:schemeClr val="tx1"/>
+                </a:solidFill>
+                <a:latin typeface="Arial" panose="020B0604020202020204" pitchFamily="34" charset="0"/>
+                <a:cs typeface="Arial" panose="020B0604020202020204" pitchFamily="34" charset="0"/>
+              </a:defRPr>
+            </a:lvl4pPr>
+            <a:lvl5pPr marL="2057400" indent="-228600" eaLnBrk="0" hangingPunct="0">
+              <a:defRPr sz="3200">
+                <a:solidFill>
+                  <a:schemeClr val="tx1"/>
+                </a:solidFill>
+                <a:latin typeface="Arial" panose="020B0604020202020204" pitchFamily="34" charset="0"/>
+                <a:cs typeface="Arial" panose="020B0604020202020204" pitchFamily="34" charset="0"/>
+              </a:defRPr>
+            </a:lvl5pPr>
+            <a:lvl6pPr marL="2514600" indent="-228600" eaLnBrk="0" fontAlgn="base" hangingPunct="0">
+              <a:spcBef>
+                <a:spcPct val="0"/>
+              </a:spcBef>
+              <a:spcAft>
+                <a:spcPct val="0"/>
+              </a:spcAft>
+              <a:defRPr sz="3200">
+                <a:solidFill>
+                  <a:schemeClr val="tx1"/>
+                </a:solidFill>
+                <a:latin typeface="Arial" panose="020B0604020202020204" pitchFamily="34" charset="0"/>
+                <a:cs typeface="Arial" panose="020B0604020202020204" pitchFamily="34" charset="0"/>
+              </a:defRPr>
+            </a:lvl6pPr>
+            <a:lvl7pPr marL="2971800" indent="-228600" eaLnBrk="0" fontAlgn="base" hangingPunct="0">
+              <a:spcBef>
+                <a:spcPct val="0"/>
+              </a:spcBef>
+              <a:spcAft>
+                <a:spcPct val="0"/>
+              </a:spcAft>
+              <a:defRPr sz="3200">
+                <a:solidFill>
+                  <a:schemeClr val="tx1"/>
+                </a:solidFill>
+                <a:latin typeface="Arial" panose="020B0604020202020204" pitchFamily="34" charset="0"/>
+                <a:cs typeface="Arial" panose="020B0604020202020204" pitchFamily="34" charset="0"/>
+              </a:defRPr>
+            </a:lvl7pPr>
+            <a:lvl8pPr marL="3429000" indent="-228600" eaLnBrk="0" fontAlgn="base" hangingPunct="0">
+              <a:spcBef>
+                <a:spcPct val="0"/>
+              </a:spcBef>
+              <a:spcAft>
+                <a:spcPct val="0"/>
+              </a:spcAft>
+              <a:defRPr sz="3200">
+                <a:solidFill>
+                  <a:schemeClr val="tx1"/>
+                </a:solidFill>
+                <a:latin typeface="Arial" panose="020B0604020202020204" pitchFamily="34" charset="0"/>
+                <a:cs typeface="Arial" panose="020B0604020202020204" pitchFamily="34" charset="0"/>
+              </a:defRPr>
+            </a:lvl8pPr>
+            <a:lvl9pPr marL="3886200" indent="-228600" eaLnBrk="0" fontAlgn="base" hangingPunct="0">
+              <a:spcBef>
+                <a:spcPct val="0"/>
+              </a:spcBef>
+              <a:spcAft>
+                <a:spcPct val="0"/>
+              </a:spcAft>
+              <a:defRPr sz="3200">
+                <a:solidFill>
+                  <a:schemeClr val="tx1"/>
+                </a:solidFill>
+                <a:latin typeface="Arial" panose="020B0604020202020204" pitchFamily="34" charset="0"/>
+                <a:cs typeface="Arial" panose="020B0604020202020204" pitchFamily="34" charset="0"/>
+              </a:defRPr>
+            </a:lvl9pPr>
+          </a:lstStyle>
+          <a:p>
+            <a:pPr eaLnBrk="1" hangingPunct="1"/>
+            <a:endParaRPr lang="en-US" altLang="en-US"/>
+          </a:p>
+        </p:txBody>
+      </p:sp>
+      <p:sp>
+        <p:nvSpPr>
+          <p:cNvPr id="17" name="Line 8">
+            <a:extLst>
+              <a:ext uri="{FF2B5EF4-FFF2-40B4-BE49-F238E27FC236}">
+                <a16:creationId xmlns:a16="http://schemas.microsoft.com/office/drawing/2014/main" id="{D5230A38-E4D0-144A-B83A-D6A4D4B46DBA}"/>
+              </a:ext>
+            </a:extLst>
+          </p:cNvPr>
+          <p:cNvSpPr>
+            <a:spLocks noChangeShapeType="1"/>
+          </p:cNvSpPr>
+          <p:nvPr/>
+        </p:nvSpPr>
+        <p:spPr bwMode="auto">
+          <a:xfrm>
+            <a:off x="3437021" y="6429261"/>
+            <a:ext cx="381000" cy="0"/>
+          </a:xfrm>
+          <a:prstGeom prst="line">
+            <a:avLst/>
+          </a:prstGeom>
+          <a:noFill/>
+          <a:ln w="9525">
+            <a:solidFill>
+              <a:srgbClr val="FF0000"/>
+            </a:solidFill>
+            <a:round/>
+            <a:headEnd/>
+            <a:tailEnd/>
+          </a:ln>
+          <a:extLst>
+            <a:ext uri="{909E8E84-426E-40DD-AFC4-6F175D3DCCD1}">
+              <a14:hiddenFill xmlns:a14="http://schemas.microsoft.com/office/drawing/2010/main">
+                <a:noFill/>
+              </a14:hiddenFill>
+            </a:ext>
+          </a:extLst>
+        </p:spPr>
+        <p:txBody>
+          <a:bodyPr/>
+          <a:lstStyle/>
+          <a:p>
+            <a:endParaRPr lang="en-US"/>
+          </a:p>
+        </p:txBody>
+      </p:sp>
+      <p:sp>
+        <p:nvSpPr>
+          <p:cNvPr id="18" name="Line 9">
+            <a:extLst>
+              <a:ext uri="{FF2B5EF4-FFF2-40B4-BE49-F238E27FC236}">
+                <a16:creationId xmlns:a16="http://schemas.microsoft.com/office/drawing/2014/main" id="{B80558D4-DCDD-B740-A7F2-C49973C58BD9}"/>
+              </a:ext>
+            </a:extLst>
+          </p:cNvPr>
+          <p:cNvSpPr>
+            <a:spLocks noChangeShapeType="1"/>
+          </p:cNvSpPr>
+          <p:nvPr/>
+        </p:nvSpPr>
+        <p:spPr bwMode="auto">
+          <a:xfrm>
+            <a:off x="5189621" y="6429261"/>
+            <a:ext cx="228600" cy="0"/>
+          </a:xfrm>
+          <a:prstGeom prst="line">
+            <a:avLst/>
+          </a:prstGeom>
+          <a:noFill/>
+          <a:ln w="9525">
+            <a:solidFill>
+              <a:srgbClr val="FF0000"/>
+            </a:solidFill>
+            <a:round/>
+            <a:headEnd/>
+            <a:tailEnd/>
+          </a:ln>
+          <a:extLst>
+            <a:ext uri="{909E8E84-426E-40DD-AFC4-6F175D3DCCD1}">
+              <a14:hiddenFill xmlns:a14="http://schemas.microsoft.com/office/drawing/2010/main">
+                <a:noFill/>
+              </a14:hiddenFill>
+            </a:ext>
+          </a:extLst>
+        </p:spPr>
+        <p:txBody>
+          <a:bodyPr/>
+          <a:lstStyle/>
+          <a:p>
+            <a:endParaRPr lang="en-US"/>
+          </a:p>
+        </p:txBody>
+      </p:sp>
+      <p:sp>
+        <p:nvSpPr>
+          <p:cNvPr id="19" name="Text Box 10">
+            <a:extLst>
+              <a:ext uri="{FF2B5EF4-FFF2-40B4-BE49-F238E27FC236}">
+                <a16:creationId xmlns:a16="http://schemas.microsoft.com/office/drawing/2014/main" id="{0B006F0D-7347-E045-8149-5F9C57C99BD4}"/>
+              </a:ext>
+            </a:extLst>
+          </p:cNvPr>
+          <p:cNvSpPr txBox="1">
+            <a:spLocks noChangeArrowheads="1"/>
+          </p:cNvSpPr>
+          <p:nvPr/>
+        </p:nvSpPr>
+        <p:spPr bwMode="auto">
+          <a:xfrm>
+            <a:off x="4503820" y="3228861"/>
+            <a:ext cx="4760495" cy="1104900"/>
           </a:xfrm>
           <a:prstGeom prst="rect">
             <a:avLst/>
           </a:prstGeom>
           <a:noFill/>
+          <a:ln>
+            <a:noFill/>
+          </a:ln>
+          <a:extLst>
+            <a:ext uri="{909E8E84-426E-40DD-AFC4-6F175D3DCCD1}">
+              <a14:hiddenFill xmlns:a14="http://schemas.microsoft.com/office/drawing/2010/main">
+                <a:solidFill>
+                  <a:srgbClr val="FFFFFF"/>
+                </a:solidFill>
+              </a14:hiddenFill>
+            </a:ext>
+            <a:ext uri="{91240B29-F687-4F45-9708-019B960494DF}">
+              <a14:hiddenLine xmlns:a14="http://schemas.microsoft.com/office/drawing/2010/main" w="9525">
+                <a:solidFill>
+                  <a:srgbClr val="000000"/>
+                </a:solidFill>
+                <a:miter lim="800000"/>
+                <a:headEnd/>
+                <a:tailEnd/>
+              </a14:hiddenLine>
+            </a:ext>
+          </a:extLst>
         </p:spPr>
         <p:txBody>
-          <a:bodyPr wrap="none" rtlCol="0">
+          <a:bodyPr wrap="square">
             <a:spAutoFit/>
           </a:bodyPr>
-          <a:lstStyle/>
-          <a:p>
-            <a:r>
-              <a:rPr lang="en-US" sz="1100" dirty="0"/>
-              <a:t>Image Credit: https://</a:t>
-            </a:r>
-            <a:r>
-              <a:rPr lang="en-US" sz="1100" dirty="0" err="1"/>
-              <a:t>www.khanacademy.org</a:t>
-            </a:r>
-            <a:r>
-              <a:rPr lang="en-US" sz="1100" dirty="0"/>
-              <a:t>/science/ap-biology/gene-expression-and-regulation/biotechnology/a/overview-</a:t>
-            </a:r>
-            <a:r>
-              <a:rPr lang="en-US" sz="1100" dirty="0" err="1"/>
-              <a:t>dna</a:t>
-            </a:r>
-            <a:r>
-              <a:rPr lang="en-US" sz="1100" dirty="0"/>
-              <a:t>-cloning</a:t>
-            </a:r>
+          <a:lstStyle>
+            <a:lvl1pPr eaLnBrk="0" hangingPunct="0">
+              <a:defRPr sz="3200">
+                <a:solidFill>
+                  <a:schemeClr val="tx1"/>
+                </a:solidFill>
+                <a:latin typeface="Arial" panose="020B0604020202020204" pitchFamily="34" charset="0"/>
+                <a:cs typeface="Arial" panose="020B0604020202020204" pitchFamily="34" charset="0"/>
+              </a:defRPr>
+            </a:lvl1pPr>
+            <a:lvl2pPr marL="742950" indent="-285750" eaLnBrk="0" hangingPunct="0">
+              <a:defRPr sz="3200">
+                <a:solidFill>
+                  <a:schemeClr val="tx1"/>
+                </a:solidFill>
+                <a:latin typeface="Arial" panose="020B0604020202020204" pitchFamily="34" charset="0"/>
+                <a:cs typeface="Arial" panose="020B0604020202020204" pitchFamily="34" charset="0"/>
+              </a:defRPr>
+            </a:lvl2pPr>
+            <a:lvl3pPr marL="1143000" indent="-228600" eaLnBrk="0" hangingPunct="0">
+              <a:defRPr sz="3200">
+                <a:solidFill>
+                  <a:schemeClr val="tx1"/>
+                </a:solidFill>
+                <a:latin typeface="Arial" panose="020B0604020202020204" pitchFamily="34" charset="0"/>
+                <a:cs typeface="Arial" panose="020B0604020202020204" pitchFamily="34" charset="0"/>
+              </a:defRPr>
+            </a:lvl3pPr>
+            <a:lvl4pPr marL="1600200" indent="-228600" eaLnBrk="0" hangingPunct="0">
+              <a:defRPr sz="3200">
+                <a:solidFill>
+                  <a:schemeClr val="tx1"/>
+                </a:solidFill>
+                <a:latin typeface="Arial" panose="020B0604020202020204" pitchFamily="34" charset="0"/>
+                <a:cs typeface="Arial" panose="020B0604020202020204" pitchFamily="34" charset="0"/>
+              </a:defRPr>
+            </a:lvl4pPr>
+            <a:lvl5pPr marL="2057400" indent="-228600" eaLnBrk="0" hangingPunct="0">
+              <a:defRPr sz="3200">
+                <a:solidFill>
+                  <a:schemeClr val="tx1"/>
+                </a:solidFill>
+                <a:latin typeface="Arial" panose="020B0604020202020204" pitchFamily="34" charset="0"/>
+                <a:cs typeface="Arial" panose="020B0604020202020204" pitchFamily="34" charset="0"/>
+              </a:defRPr>
+            </a:lvl5pPr>
+            <a:lvl6pPr marL="2514600" indent="-228600" eaLnBrk="0" fontAlgn="base" hangingPunct="0">
+              <a:spcBef>
+                <a:spcPct val="0"/>
+              </a:spcBef>
+              <a:spcAft>
+                <a:spcPct val="0"/>
+              </a:spcAft>
+              <a:defRPr sz="3200">
+                <a:solidFill>
+                  <a:schemeClr val="tx1"/>
+                </a:solidFill>
+                <a:latin typeface="Arial" panose="020B0604020202020204" pitchFamily="34" charset="0"/>
+                <a:cs typeface="Arial" panose="020B0604020202020204" pitchFamily="34" charset="0"/>
+              </a:defRPr>
+            </a:lvl6pPr>
+            <a:lvl7pPr marL="2971800" indent="-228600" eaLnBrk="0" fontAlgn="base" hangingPunct="0">
+              <a:spcBef>
+                <a:spcPct val="0"/>
+              </a:spcBef>
+              <a:spcAft>
+                <a:spcPct val="0"/>
+              </a:spcAft>
+              <a:defRPr sz="3200">
+                <a:solidFill>
+                  <a:schemeClr val="tx1"/>
+                </a:solidFill>
+                <a:latin typeface="Arial" panose="020B0604020202020204" pitchFamily="34" charset="0"/>
+                <a:cs typeface="Arial" panose="020B0604020202020204" pitchFamily="34" charset="0"/>
+              </a:defRPr>
+            </a:lvl7pPr>
+            <a:lvl8pPr marL="3429000" indent="-228600" eaLnBrk="0" fontAlgn="base" hangingPunct="0">
+              <a:spcBef>
+                <a:spcPct val="0"/>
+              </a:spcBef>
+              <a:spcAft>
+                <a:spcPct val="0"/>
+              </a:spcAft>
+              <a:defRPr sz="3200">
+                <a:solidFill>
+                  <a:schemeClr val="tx1"/>
+                </a:solidFill>
+                <a:latin typeface="Arial" panose="020B0604020202020204" pitchFamily="34" charset="0"/>
+                <a:cs typeface="Arial" panose="020B0604020202020204" pitchFamily="34" charset="0"/>
+              </a:defRPr>
+            </a:lvl8pPr>
+            <a:lvl9pPr marL="3886200" indent="-228600" eaLnBrk="0" fontAlgn="base" hangingPunct="0">
+              <a:spcBef>
+                <a:spcPct val="0"/>
+              </a:spcBef>
+              <a:spcAft>
+                <a:spcPct val="0"/>
+              </a:spcAft>
+              <a:defRPr sz="3200">
+                <a:solidFill>
+                  <a:schemeClr val="tx1"/>
+                </a:solidFill>
+                <a:latin typeface="Arial" panose="020B0604020202020204" pitchFamily="34" charset="0"/>
+                <a:cs typeface="Arial" panose="020B0604020202020204" pitchFamily="34" charset="0"/>
+              </a:defRPr>
+            </a:lvl9pPr>
+          </a:lstStyle>
+          <a:p>
+            <a:pPr eaLnBrk="1" hangingPunct="1"/>
+            <a:r>
+              <a:rPr lang="en-US" altLang="en-US" sz="600" dirty="0">
+                <a:solidFill>
+                  <a:srgbClr val="FF0000"/>
+                </a:solidFill>
+                <a:latin typeface="Calibri" panose="020F0502020204030204" pitchFamily="34" charset="0"/>
+              </a:rPr>
+              <a:t>TCGAGCCCTACAACTCGGTGCTGTCCACCCACTCCCTGCTGGAGCACACCGATGTCGCCGTGATGCTCGA CAACGAGGCCATCTACGACATTTGCCGCCGCTCCCTGGACATTGAGCGCCCCACCTACACCAACCTGAAC CGCCTGATCGCCCAGGTCATCTCGTCGCTGACCGCCTCGCTTCGCTTTGACGGTGCCCTGAACGTGGATA TCACTGAGTTCCAGACCAACCTGGTGCCCTACCCCCGCATCCACTTCATGCTCAGCTCGTACGCGCCCAT CATCTCGGCCGAGAAGGCGTACCACGAGCAGCTGTCGGTGGCCGAGATCACCAACGCCGCCTTCGAGCCC GCCTCGATGATGGTCAAGTGCGACCCCCGCCACGGCAAGTACATGGCCTGCTGCCTGATGTACCGCGGTG ACGTCGTGCCCAAGGACGTTAACGCGTCCGTGGCCACCATCAAGACCAAGCGCACCATCCAGTTCGTCGA CTGGTGCCCCACCGGCTTCAAGTGCGGTATCAACTACCAGCCCCCCACCGTCGTGCCCGGCGGTGACCTG GCCAAGGTGCAGCGCGCCGTGTGCATGATCTCCAACAGCACTGCTATCGGCGAGATCTTCAGCCGCCTGG ACCACAAGTTCGACCTGATGTACGCCAAGCGTGCCTTCGTGCACTGGTACGTCGGTGAGGGTATGGAGGA GGGTGAGTTCTCCGAGGCCCGCGAGGACCTGGCTGCCCTGGAG </a:t>
+            </a:r>
+          </a:p>
+        </p:txBody>
+      </p:sp>
+      <p:sp>
+        <p:nvSpPr>
+          <p:cNvPr id="20" name="Text Box 11">
+            <a:extLst>
+              <a:ext uri="{FF2B5EF4-FFF2-40B4-BE49-F238E27FC236}">
+                <a16:creationId xmlns:a16="http://schemas.microsoft.com/office/drawing/2014/main" id="{0819F222-629E-B344-AAE8-1AAFC96377D4}"/>
+              </a:ext>
+            </a:extLst>
+          </p:cNvPr>
+          <p:cNvSpPr txBox="1">
+            <a:spLocks noChangeArrowheads="1"/>
+          </p:cNvSpPr>
+          <p:nvPr/>
+        </p:nvSpPr>
+        <p:spPr bwMode="auto">
+          <a:xfrm>
+            <a:off x="4094747" y="4184535"/>
+            <a:ext cx="4191000" cy="1196975"/>
+          </a:xfrm>
+          <a:prstGeom prst="rect">
+            <a:avLst/>
+          </a:prstGeom>
+          <a:noFill/>
+          <a:ln>
+            <a:noFill/>
+          </a:ln>
+          <a:extLst>
+            <a:ext uri="{909E8E84-426E-40DD-AFC4-6F175D3DCCD1}">
+              <a14:hiddenFill xmlns:a14="http://schemas.microsoft.com/office/drawing/2010/main">
+                <a:solidFill>
+                  <a:srgbClr val="FFFFFF"/>
+                </a:solidFill>
+              </a14:hiddenFill>
+            </a:ext>
+            <a:ext uri="{91240B29-F687-4F45-9708-019B960494DF}">
+              <a14:hiddenLine xmlns:a14="http://schemas.microsoft.com/office/drawing/2010/main" w="9525">
+                <a:solidFill>
+                  <a:srgbClr val="000000"/>
+                </a:solidFill>
+                <a:miter lim="800000"/>
+                <a:headEnd/>
+                <a:tailEnd/>
+              </a14:hiddenLine>
+            </a:ext>
+          </a:extLst>
+        </p:spPr>
+        <p:txBody>
+          <a:bodyPr wrap="square">
+            <a:spAutoFit/>
+          </a:bodyPr>
+          <a:lstStyle>
+            <a:lvl1pPr eaLnBrk="0" hangingPunct="0">
+              <a:defRPr sz="3200">
+                <a:solidFill>
+                  <a:schemeClr val="tx1"/>
+                </a:solidFill>
+                <a:latin typeface="Arial" panose="020B0604020202020204" pitchFamily="34" charset="0"/>
+                <a:cs typeface="Arial" panose="020B0604020202020204" pitchFamily="34" charset="0"/>
+              </a:defRPr>
+            </a:lvl1pPr>
+            <a:lvl2pPr marL="742950" indent="-285750" eaLnBrk="0" hangingPunct="0">
+              <a:defRPr sz="3200">
+                <a:solidFill>
+                  <a:schemeClr val="tx1"/>
+                </a:solidFill>
+                <a:latin typeface="Arial" panose="020B0604020202020204" pitchFamily="34" charset="0"/>
+                <a:cs typeface="Arial" panose="020B0604020202020204" pitchFamily="34" charset="0"/>
+              </a:defRPr>
+            </a:lvl2pPr>
+            <a:lvl3pPr marL="1143000" indent="-228600" eaLnBrk="0" hangingPunct="0">
+              <a:defRPr sz="3200">
+                <a:solidFill>
+                  <a:schemeClr val="tx1"/>
+                </a:solidFill>
+                <a:latin typeface="Arial" panose="020B0604020202020204" pitchFamily="34" charset="0"/>
+                <a:cs typeface="Arial" panose="020B0604020202020204" pitchFamily="34" charset="0"/>
+              </a:defRPr>
+            </a:lvl3pPr>
+            <a:lvl4pPr marL="1600200" indent="-228600" eaLnBrk="0" hangingPunct="0">
+              <a:defRPr sz="3200">
+                <a:solidFill>
+                  <a:schemeClr val="tx1"/>
+                </a:solidFill>
+                <a:latin typeface="Arial" panose="020B0604020202020204" pitchFamily="34" charset="0"/>
+                <a:cs typeface="Arial" panose="020B0604020202020204" pitchFamily="34" charset="0"/>
+              </a:defRPr>
+            </a:lvl4pPr>
+            <a:lvl5pPr marL="2057400" indent="-228600" eaLnBrk="0" hangingPunct="0">
+              <a:defRPr sz="3200">
+                <a:solidFill>
+                  <a:schemeClr val="tx1"/>
+                </a:solidFill>
+                <a:latin typeface="Arial" panose="020B0604020202020204" pitchFamily="34" charset="0"/>
+                <a:cs typeface="Arial" panose="020B0604020202020204" pitchFamily="34" charset="0"/>
+              </a:defRPr>
+            </a:lvl5pPr>
+            <a:lvl6pPr marL="2514600" indent="-228600" eaLnBrk="0" fontAlgn="base" hangingPunct="0">
+              <a:spcBef>
+                <a:spcPct val="0"/>
+              </a:spcBef>
+              <a:spcAft>
+                <a:spcPct val="0"/>
+              </a:spcAft>
+              <a:defRPr sz="3200">
+                <a:solidFill>
+                  <a:schemeClr val="tx1"/>
+                </a:solidFill>
+                <a:latin typeface="Arial" panose="020B0604020202020204" pitchFamily="34" charset="0"/>
+                <a:cs typeface="Arial" panose="020B0604020202020204" pitchFamily="34" charset="0"/>
+              </a:defRPr>
+            </a:lvl6pPr>
+            <a:lvl7pPr marL="2971800" indent="-228600" eaLnBrk="0" fontAlgn="base" hangingPunct="0">
+              <a:spcBef>
+                <a:spcPct val="0"/>
+              </a:spcBef>
+              <a:spcAft>
+                <a:spcPct val="0"/>
+              </a:spcAft>
+              <a:defRPr sz="3200">
+                <a:solidFill>
+                  <a:schemeClr val="tx1"/>
+                </a:solidFill>
+                <a:latin typeface="Arial" panose="020B0604020202020204" pitchFamily="34" charset="0"/>
+                <a:cs typeface="Arial" panose="020B0604020202020204" pitchFamily="34" charset="0"/>
+              </a:defRPr>
+            </a:lvl7pPr>
+            <a:lvl8pPr marL="3429000" indent="-228600" eaLnBrk="0" fontAlgn="base" hangingPunct="0">
+              <a:spcBef>
+                <a:spcPct val="0"/>
+              </a:spcBef>
+              <a:spcAft>
+                <a:spcPct val="0"/>
+              </a:spcAft>
+              <a:defRPr sz="3200">
+                <a:solidFill>
+                  <a:schemeClr val="tx1"/>
+                </a:solidFill>
+                <a:latin typeface="Arial" panose="020B0604020202020204" pitchFamily="34" charset="0"/>
+                <a:cs typeface="Arial" panose="020B0604020202020204" pitchFamily="34" charset="0"/>
+              </a:defRPr>
+            </a:lvl8pPr>
+            <a:lvl9pPr marL="3886200" indent="-228600" eaLnBrk="0" fontAlgn="base" hangingPunct="0">
+              <a:spcBef>
+                <a:spcPct val="0"/>
+              </a:spcBef>
+              <a:spcAft>
+                <a:spcPct val="0"/>
+              </a:spcAft>
+              <a:defRPr sz="3200">
+                <a:solidFill>
+                  <a:schemeClr val="tx1"/>
+                </a:solidFill>
+                <a:latin typeface="Arial" panose="020B0604020202020204" pitchFamily="34" charset="0"/>
+                <a:cs typeface="Arial" panose="020B0604020202020204" pitchFamily="34" charset="0"/>
+              </a:defRPr>
+            </a:lvl9pPr>
+          </a:lstStyle>
+          <a:p>
+            <a:pPr algn="just" eaLnBrk="1" hangingPunct="1"/>
+            <a:r>
+              <a:rPr lang="en-US" altLang="en-US" sz="600" dirty="0">
+                <a:solidFill>
+                  <a:srgbClr val="00B050"/>
+                </a:solidFill>
+              </a:rPr>
+              <a:t>                                                                                                                  AAGCTTTATTAAAATGTCTAAAGGT</a:t>
+            </a:r>
+          </a:p>
+          <a:p>
+            <a:pPr algn="just" eaLnBrk="1" hangingPunct="1"/>
+            <a:r>
+              <a:rPr lang="en-US" altLang="en-US" sz="600" dirty="0">
+                <a:solidFill>
+                  <a:srgbClr val="00B050"/>
+                </a:solidFill>
+              </a:rPr>
+              <a:t>GAAGAATTATTCACTGGTGTTGTCCCAATTTTGGTTGAATTAGATGGTGATGTTAATGGTCACAAATTTTCTG</a:t>
+            </a:r>
+          </a:p>
+          <a:p>
+            <a:pPr algn="just" eaLnBrk="1" hangingPunct="1"/>
+            <a:r>
+              <a:rPr lang="en-US" altLang="en-US" sz="600" dirty="0">
+                <a:solidFill>
+                  <a:srgbClr val="00B050"/>
+                </a:solidFill>
+              </a:rPr>
+              <a:t>TCTCCGGTGAAGGTGAAGGTGATGCTACTTACGGTAAATTGACCTTAAAATTTATTTGTACTACTGGTAAATT</a:t>
+            </a:r>
+          </a:p>
+          <a:p>
+            <a:pPr algn="just" eaLnBrk="1" hangingPunct="1"/>
+            <a:r>
+              <a:rPr lang="en-US" altLang="en-US" sz="600" dirty="0">
+                <a:solidFill>
+                  <a:srgbClr val="00B050"/>
+                </a:solidFill>
+              </a:rPr>
+              <a:t>GCCAGTTCCATGGCCAACCTTAGTCACTACTTTCGGTTATGGTGTTCAATGTTTTGCTAGATACCCAGATCAT</a:t>
+            </a:r>
+          </a:p>
+          <a:p>
+            <a:pPr algn="just" eaLnBrk="1" hangingPunct="1"/>
+            <a:r>
+              <a:rPr lang="en-US" altLang="en-US" sz="600" dirty="0">
+                <a:solidFill>
+                  <a:srgbClr val="00B050"/>
+                </a:solidFill>
+              </a:rPr>
+              <a:t>ATGAAACAACATGACTTTTTCAAGTCTGCCATGCCAGAAGGTTATGTTCAAGAAAGAACTATTTTTTTCAAA</a:t>
+            </a:r>
+          </a:p>
+          <a:p>
+            <a:pPr algn="just" eaLnBrk="1" hangingPunct="1"/>
+            <a:r>
+              <a:rPr lang="en-US" altLang="en-US" sz="600" dirty="0">
+                <a:solidFill>
+                  <a:srgbClr val="00B050"/>
+                </a:solidFill>
+              </a:rPr>
+              <a:t>GATGACGGTAACTACAAGACCAGAGCTGAAGTCA AGTTTGAAGGTGATACCTTAGTTAATAGAATCGAATTA</a:t>
+            </a:r>
+          </a:p>
+          <a:p>
+            <a:pPr algn="just" eaLnBrk="1" hangingPunct="1"/>
+            <a:r>
+              <a:rPr lang="en-US" altLang="en-US" sz="600" dirty="0">
+                <a:solidFill>
+                  <a:srgbClr val="00B050"/>
+                </a:solidFill>
+              </a:rPr>
+              <a:t>AAAGGTATTGATTTTAAAGAAGATGGTAACAT TTTAGGTCACAAATTGGAATACAACTATAACTCTCACAA</a:t>
+            </a:r>
+          </a:p>
+          <a:p>
+            <a:pPr algn="just" eaLnBrk="1" hangingPunct="1"/>
+            <a:r>
+              <a:rPr lang="en-US" altLang="en-US" sz="600" dirty="0">
+                <a:solidFill>
+                  <a:srgbClr val="00B050"/>
+                </a:solidFill>
+              </a:rPr>
+              <a:t>TGTTTACATCATGGCTGACAAACAAAAGAAT GGTATCAAAGTTAACTTCAAAATTAGACACAACATTGAAG</a:t>
+            </a:r>
+          </a:p>
+          <a:p>
+            <a:pPr algn="just" eaLnBrk="1" hangingPunct="1"/>
+            <a:r>
+              <a:rPr lang="en-US" altLang="en-US" sz="600" dirty="0">
+                <a:solidFill>
+                  <a:srgbClr val="00B050"/>
+                </a:solidFill>
+              </a:rPr>
+              <a:t>ATGGTTCTGTTCAATTAGCTGACCATTATC AACAAAATACTCCAATTGGTGATGGTCCAGTCTTGTTACCAGA</a:t>
+            </a:r>
+          </a:p>
+          <a:p>
+            <a:pPr algn="just" eaLnBrk="1" hangingPunct="1"/>
+            <a:r>
+              <a:rPr lang="en-US" altLang="en-US" sz="600" dirty="0">
+                <a:solidFill>
+                  <a:srgbClr val="00B050"/>
+                </a:solidFill>
+              </a:rPr>
+              <a:t>CAACCATTACTTATCCACTCAATCTGC CTTATCCAAAGATCCAAACGAAAAGAGAGACCACATGGTCTTGTTA</a:t>
+            </a:r>
+          </a:p>
+          <a:p>
+            <a:pPr algn="just" eaLnBrk="1" hangingPunct="1"/>
+            <a:r>
+              <a:rPr lang="en-US" altLang="en-US" sz="600" dirty="0">
+                <a:solidFill>
+                  <a:srgbClr val="00B050"/>
+                </a:solidFill>
+              </a:rPr>
+              <a:t>GAATTTGTTACTGCTGCTGGTATT ACCCATGGTATGGATGAATTGTACAAATAACTGCAGG</a:t>
+            </a:r>
+            <a:r>
+              <a:rPr lang="en-US" altLang="en-US" sz="600" dirty="0"/>
+              <a:t>ACGTACGTACACG</a:t>
+            </a:r>
+          </a:p>
+          <a:p>
+            <a:pPr algn="just" eaLnBrk="1" hangingPunct="1"/>
+            <a:r>
+              <a:rPr lang="en-US" altLang="en-US" sz="600" dirty="0"/>
+              <a:t>TAGCTA</a:t>
+            </a:r>
+          </a:p>
+        </p:txBody>
+      </p:sp>
+      <p:pic>
+        <p:nvPicPr>
+          <p:cNvPr id="21" name="Picture 13">
+            <a:extLst>
+              <a:ext uri="{FF2B5EF4-FFF2-40B4-BE49-F238E27FC236}">
+                <a16:creationId xmlns:a16="http://schemas.microsoft.com/office/drawing/2014/main" id="{AB091DFB-DF0B-5246-9EDC-3F14108C5BD1}"/>
+              </a:ext>
+            </a:extLst>
+          </p:cNvPr>
+          <p:cNvPicPr>
+            <a:picLocks noChangeAspect="1" noChangeArrowheads="1"/>
+          </p:cNvPicPr>
+          <p:nvPr/>
+        </p:nvPicPr>
+        <p:blipFill>
+          <a:blip r:embed="rId3">
+            <a:extLst>
+              <a:ext uri="{28A0092B-C50C-407E-A947-70E740481C1C}">
+                <a14:useLocalDpi xmlns:a14="http://schemas.microsoft.com/office/drawing/2010/main" val="0"/>
+              </a:ext>
+            </a:extLst>
+          </a:blip>
+          <a:srcRect/>
+          <a:stretch>
+            <a:fillRect/>
+          </a:stretch>
+        </p:blipFill>
+        <p:spPr bwMode="auto">
+          <a:xfrm>
+            <a:off x="8409071" y="1504836"/>
+            <a:ext cx="1047750" cy="1600200"/>
+          </a:xfrm>
+          <a:prstGeom prst="rect">
+            <a:avLst/>
+          </a:prstGeom>
+          <a:noFill/>
+          <a:ln>
+            <a:noFill/>
+          </a:ln>
+          <a:extLst>
+            <a:ext uri="{909E8E84-426E-40DD-AFC4-6F175D3DCCD1}">
+              <a14:hiddenFill xmlns:a14="http://schemas.microsoft.com/office/drawing/2010/main">
+                <a:solidFill>
+                  <a:srgbClr val="FFFFFF"/>
+                </a:solidFill>
+              </a14:hiddenFill>
+            </a:ext>
+            <a:ext uri="{91240B29-F687-4F45-9708-019B960494DF}">
+              <a14:hiddenLine xmlns:a14="http://schemas.microsoft.com/office/drawing/2010/main" w="9525">
+                <a:solidFill>
+                  <a:srgbClr val="000000"/>
+                </a:solidFill>
+                <a:miter lim="800000"/>
+                <a:headEnd/>
+                <a:tailEnd/>
+              </a14:hiddenLine>
+            </a:ext>
+          </a:extLst>
+        </p:spPr>
+      </p:pic>
+      <p:sp>
+        <p:nvSpPr>
+          <p:cNvPr id="22" name="Rectangle 14">
+            <a:extLst>
+              <a:ext uri="{FF2B5EF4-FFF2-40B4-BE49-F238E27FC236}">
+                <a16:creationId xmlns:a16="http://schemas.microsoft.com/office/drawing/2014/main" id="{D02D541A-ADE7-DA42-87E4-F344EAB97C9A}"/>
+              </a:ext>
+            </a:extLst>
+          </p:cNvPr>
+          <p:cNvSpPr>
+            <a:spLocks noChangeArrowheads="1"/>
+          </p:cNvSpPr>
+          <p:nvPr/>
+        </p:nvSpPr>
+        <p:spPr bwMode="auto">
+          <a:xfrm>
+            <a:off x="8694821" y="6048261"/>
+            <a:ext cx="762000" cy="685800"/>
+          </a:xfrm>
+          <a:prstGeom prst="rect">
+            <a:avLst/>
+          </a:prstGeom>
+          <a:solidFill>
+            <a:srgbClr val="4FFC46">
+              <a:alpha val="27058"/>
+            </a:srgbClr>
+          </a:solidFill>
+          <a:ln w="9525">
+            <a:solidFill>
+              <a:srgbClr val="00FF00"/>
+            </a:solidFill>
+            <a:miter lim="800000"/>
+            <a:headEnd/>
+            <a:tailEnd/>
+          </a:ln>
+        </p:spPr>
+        <p:txBody>
+          <a:bodyPr wrap="none" anchor="ctr"/>
+          <a:lstStyle>
+            <a:lvl1pPr eaLnBrk="0" hangingPunct="0">
+              <a:defRPr sz="3200">
+                <a:solidFill>
+                  <a:schemeClr val="tx1"/>
+                </a:solidFill>
+                <a:latin typeface="Arial" panose="020B0604020202020204" pitchFamily="34" charset="0"/>
+                <a:cs typeface="Arial" panose="020B0604020202020204" pitchFamily="34" charset="0"/>
+              </a:defRPr>
+            </a:lvl1pPr>
+            <a:lvl2pPr marL="742950" indent="-285750" eaLnBrk="0" hangingPunct="0">
+              <a:defRPr sz="3200">
+                <a:solidFill>
+                  <a:schemeClr val="tx1"/>
+                </a:solidFill>
+                <a:latin typeface="Arial" panose="020B0604020202020204" pitchFamily="34" charset="0"/>
+                <a:cs typeface="Arial" panose="020B0604020202020204" pitchFamily="34" charset="0"/>
+              </a:defRPr>
+            </a:lvl2pPr>
+            <a:lvl3pPr marL="1143000" indent="-228600" eaLnBrk="0" hangingPunct="0">
+              <a:defRPr sz="3200">
+                <a:solidFill>
+                  <a:schemeClr val="tx1"/>
+                </a:solidFill>
+                <a:latin typeface="Arial" panose="020B0604020202020204" pitchFamily="34" charset="0"/>
+                <a:cs typeface="Arial" panose="020B0604020202020204" pitchFamily="34" charset="0"/>
+              </a:defRPr>
+            </a:lvl3pPr>
+            <a:lvl4pPr marL="1600200" indent="-228600" eaLnBrk="0" hangingPunct="0">
+              <a:defRPr sz="3200">
+                <a:solidFill>
+                  <a:schemeClr val="tx1"/>
+                </a:solidFill>
+                <a:latin typeface="Arial" panose="020B0604020202020204" pitchFamily="34" charset="0"/>
+                <a:cs typeface="Arial" panose="020B0604020202020204" pitchFamily="34" charset="0"/>
+              </a:defRPr>
+            </a:lvl4pPr>
+            <a:lvl5pPr marL="2057400" indent="-228600" eaLnBrk="0" hangingPunct="0">
+              <a:defRPr sz="3200">
+                <a:solidFill>
+                  <a:schemeClr val="tx1"/>
+                </a:solidFill>
+                <a:latin typeface="Arial" panose="020B0604020202020204" pitchFamily="34" charset="0"/>
+                <a:cs typeface="Arial" panose="020B0604020202020204" pitchFamily="34" charset="0"/>
+              </a:defRPr>
+            </a:lvl5pPr>
+            <a:lvl6pPr marL="2514600" indent="-228600" eaLnBrk="0" fontAlgn="base" hangingPunct="0">
+              <a:spcBef>
+                <a:spcPct val="0"/>
+              </a:spcBef>
+              <a:spcAft>
+                <a:spcPct val="0"/>
+              </a:spcAft>
+              <a:defRPr sz="3200">
+                <a:solidFill>
+                  <a:schemeClr val="tx1"/>
+                </a:solidFill>
+                <a:latin typeface="Arial" panose="020B0604020202020204" pitchFamily="34" charset="0"/>
+                <a:cs typeface="Arial" panose="020B0604020202020204" pitchFamily="34" charset="0"/>
+              </a:defRPr>
+            </a:lvl6pPr>
+            <a:lvl7pPr marL="2971800" indent="-228600" eaLnBrk="0" fontAlgn="base" hangingPunct="0">
+              <a:spcBef>
+                <a:spcPct val="0"/>
+              </a:spcBef>
+              <a:spcAft>
+                <a:spcPct val="0"/>
+              </a:spcAft>
+              <a:defRPr sz="3200">
+                <a:solidFill>
+                  <a:schemeClr val="tx1"/>
+                </a:solidFill>
+                <a:latin typeface="Arial" panose="020B0604020202020204" pitchFamily="34" charset="0"/>
+                <a:cs typeface="Arial" panose="020B0604020202020204" pitchFamily="34" charset="0"/>
+              </a:defRPr>
+            </a:lvl7pPr>
+            <a:lvl8pPr marL="3429000" indent="-228600" eaLnBrk="0" fontAlgn="base" hangingPunct="0">
+              <a:spcBef>
+                <a:spcPct val="0"/>
+              </a:spcBef>
+              <a:spcAft>
+                <a:spcPct val="0"/>
+              </a:spcAft>
+              <a:defRPr sz="3200">
+                <a:solidFill>
+                  <a:schemeClr val="tx1"/>
+                </a:solidFill>
+                <a:latin typeface="Arial" panose="020B0604020202020204" pitchFamily="34" charset="0"/>
+                <a:cs typeface="Arial" panose="020B0604020202020204" pitchFamily="34" charset="0"/>
+              </a:defRPr>
+            </a:lvl8pPr>
+            <a:lvl9pPr marL="3886200" indent="-228600" eaLnBrk="0" fontAlgn="base" hangingPunct="0">
+              <a:spcBef>
+                <a:spcPct val="0"/>
+              </a:spcBef>
+              <a:spcAft>
+                <a:spcPct val="0"/>
+              </a:spcAft>
+              <a:defRPr sz="3200">
+                <a:solidFill>
+                  <a:schemeClr val="tx1"/>
+                </a:solidFill>
+                <a:latin typeface="Arial" panose="020B0604020202020204" pitchFamily="34" charset="0"/>
+                <a:cs typeface="Arial" panose="020B0604020202020204" pitchFamily="34" charset="0"/>
+              </a:defRPr>
+            </a:lvl9pPr>
+          </a:lstStyle>
+          <a:p>
+            <a:pPr eaLnBrk="1" hangingPunct="1"/>
+            <a:endParaRPr lang="en-US" altLang="en-US"/>
+          </a:p>
+        </p:txBody>
+      </p:sp>
+      <p:sp>
+        <p:nvSpPr>
+          <p:cNvPr id="23" name="Text Box 17">
+            <a:extLst>
+              <a:ext uri="{FF2B5EF4-FFF2-40B4-BE49-F238E27FC236}">
+                <a16:creationId xmlns:a16="http://schemas.microsoft.com/office/drawing/2014/main" id="{409D9676-AB36-C547-B990-F91FB357B3B9}"/>
+              </a:ext>
+            </a:extLst>
+          </p:cNvPr>
+          <p:cNvSpPr txBox="1">
+            <a:spLocks noChangeArrowheads="1"/>
+          </p:cNvSpPr>
+          <p:nvPr/>
+        </p:nvSpPr>
+        <p:spPr bwMode="auto">
+          <a:xfrm>
+            <a:off x="5859546" y="5398974"/>
+            <a:ext cx="1141413" cy="366712"/>
+          </a:xfrm>
+          <a:prstGeom prst="rect">
+            <a:avLst/>
+          </a:prstGeom>
+          <a:noFill/>
+          <a:ln>
+            <a:noFill/>
+          </a:ln>
+          <a:extLst>
+            <a:ext uri="{909E8E84-426E-40DD-AFC4-6F175D3DCCD1}">
+              <a14:hiddenFill xmlns:a14="http://schemas.microsoft.com/office/drawing/2010/main">
+                <a:solidFill>
+                  <a:srgbClr val="FFFFFF"/>
+                </a:solidFill>
+              </a14:hiddenFill>
+            </a:ext>
+            <a:ext uri="{91240B29-F687-4F45-9708-019B960494DF}">
+              <a14:hiddenLine xmlns:a14="http://schemas.microsoft.com/office/drawing/2010/main" w="9525">
+                <a:solidFill>
+                  <a:srgbClr val="000000"/>
+                </a:solidFill>
+                <a:miter lim="800000"/>
+                <a:headEnd/>
+                <a:tailEnd/>
+              </a14:hiddenLine>
+            </a:ext>
+          </a:extLst>
+        </p:spPr>
+        <p:txBody>
+          <a:bodyPr wrap="none">
+            <a:spAutoFit/>
+          </a:bodyPr>
+          <a:lstStyle>
+            <a:lvl1pPr eaLnBrk="0" hangingPunct="0">
+              <a:defRPr sz="3200">
+                <a:solidFill>
+                  <a:schemeClr val="tx1"/>
+                </a:solidFill>
+                <a:latin typeface="Arial" panose="020B0604020202020204" pitchFamily="34" charset="0"/>
+                <a:cs typeface="Arial" panose="020B0604020202020204" pitchFamily="34" charset="0"/>
+              </a:defRPr>
+            </a:lvl1pPr>
+            <a:lvl2pPr marL="742950" indent="-285750" eaLnBrk="0" hangingPunct="0">
+              <a:defRPr sz="3200">
+                <a:solidFill>
+                  <a:schemeClr val="tx1"/>
+                </a:solidFill>
+                <a:latin typeface="Arial" panose="020B0604020202020204" pitchFamily="34" charset="0"/>
+                <a:cs typeface="Arial" panose="020B0604020202020204" pitchFamily="34" charset="0"/>
+              </a:defRPr>
+            </a:lvl2pPr>
+            <a:lvl3pPr marL="1143000" indent="-228600" eaLnBrk="0" hangingPunct="0">
+              <a:defRPr sz="3200">
+                <a:solidFill>
+                  <a:schemeClr val="tx1"/>
+                </a:solidFill>
+                <a:latin typeface="Arial" panose="020B0604020202020204" pitchFamily="34" charset="0"/>
+                <a:cs typeface="Arial" panose="020B0604020202020204" pitchFamily="34" charset="0"/>
+              </a:defRPr>
+            </a:lvl3pPr>
+            <a:lvl4pPr marL="1600200" indent="-228600" eaLnBrk="0" hangingPunct="0">
+              <a:defRPr sz="3200">
+                <a:solidFill>
+                  <a:schemeClr val="tx1"/>
+                </a:solidFill>
+                <a:latin typeface="Arial" panose="020B0604020202020204" pitchFamily="34" charset="0"/>
+                <a:cs typeface="Arial" panose="020B0604020202020204" pitchFamily="34" charset="0"/>
+              </a:defRPr>
+            </a:lvl4pPr>
+            <a:lvl5pPr marL="2057400" indent="-228600" eaLnBrk="0" hangingPunct="0">
+              <a:defRPr sz="3200">
+                <a:solidFill>
+                  <a:schemeClr val="tx1"/>
+                </a:solidFill>
+                <a:latin typeface="Arial" panose="020B0604020202020204" pitchFamily="34" charset="0"/>
+                <a:cs typeface="Arial" panose="020B0604020202020204" pitchFamily="34" charset="0"/>
+              </a:defRPr>
+            </a:lvl5pPr>
+            <a:lvl6pPr marL="2514600" indent="-228600" eaLnBrk="0" fontAlgn="base" hangingPunct="0">
+              <a:spcBef>
+                <a:spcPct val="0"/>
+              </a:spcBef>
+              <a:spcAft>
+                <a:spcPct val="0"/>
+              </a:spcAft>
+              <a:defRPr sz="3200">
+                <a:solidFill>
+                  <a:schemeClr val="tx1"/>
+                </a:solidFill>
+                <a:latin typeface="Arial" panose="020B0604020202020204" pitchFamily="34" charset="0"/>
+                <a:cs typeface="Arial" panose="020B0604020202020204" pitchFamily="34" charset="0"/>
+              </a:defRPr>
+            </a:lvl6pPr>
+            <a:lvl7pPr marL="2971800" indent="-228600" eaLnBrk="0" fontAlgn="base" hangingPunct="0">
+              <a:spcBef>
+                <a:spcPct val="0"/>
+              </a:spcBef>
+              <a:spcAft>
+                <a:spcPct val="0"/>
+              </a:spcAft>
+              <a:defRPr sz="3200">
+                <a:solidFill>
+                  <a:schemeClr val="tx1"/>
+                </a:solidFill>
+                <a:latin typeface="Arial" panose="020B0604020202020204" pitchFamily="34" charset="0"/>
+                <a:cs typeface="Arial" panose="020B0604020202020204" pitchFamily="34" charset="0"/>
+              </a:defRPr>
+            </a:lvl7pPr>
+            <a:lvl8pPr marL="3429000" indent="-228600" eaLnBrk="0" fontAlgn="base" hangingPunct="0">
+              <a:spcBef>
+                <a:spcPct val="0"/>
+              </a:spcBef>
+              <a:spcAft>
+                <a:spcPct val="0"/>
+              </a:spcAft>
+              <a:defRPr sz="3200">
+                <a:solidFill>
+                  <a:schemeClr val="tx1"/>
+                </a:solidFill>
+                <a:latin typeface="Arial" panose="020B0604020202020204" pitchFamily="34" charset="0"/>
+                <a:cs typeface="Arial" panose="020B0604020202020204" pitchFamily="34" charset="0"/>
+              </a:defRPr>
+            </a:lvl8pPr>
+            <a:lvl9pPr marL="3886200" indent="-228600" eaLnBrk="0" fontAlgn="base" hangingPunct="0">
+              <a:spcBef>
+                <a:spcPct val="0"/>
+              </a:spcBef>
+              <a:spcAft>
+                <a:spcPct val="0"/>
+              </a:spcAft>
+              <a:defRPr sz="3200">
+                <a:solidFill>
+                  <a:schemeClr val="tx1"/>
+                </a:solidFill>
+                <a:latin typeface="Arial" panose="020B0604020202020204" pitchFamily="34" charset="0"/>
+                <a:cs typeface="Arial" panose="020B0604020202020204" pitchFamily="34" charset="0"/>
+              </a:defRPr>
+            </a:lvl9pPr>
+          </a:lstStyle>
+          <a:p>
+            <a:pPr eaLnBrk="1" hangingPunct="1"/>
+            <a:r>
+              <a:rPr lang="el-GR" altLang="en-US" sz="1800"/>
+              <a:t>α</a:t>
+            </a:r>
+            <a:r>
+              <a:rPr lang="en-US" altLang="en-US" sz="1800"/>
+              <a:t>-Tubulin</a:t>
+            </a:r>
+            <a:endParaRPr lang="el-GR" altLang="en-US" sz="1800"/>
           </a:p>
         </p:txBody>
       </p:sp>
     </p:spTree>
     <p:extLst>
       <p:ext uri="{BB962C8B-B14F-4D97-AF65-F5344CB8AC3E}">
-        <p14:creationId xmlns:p14="http://schemas.microsoft.com/office/powerpoint/2010/main" val="2869302843"/>
+        <p14:creationId xmlns:p14="http://schemas.microsoft.com/office/powerpoint/2010/main" val="3876677054"/>
       </p:ext>
     </p:extLst>
   </p:cSld>
   <p:clrMapOvr>
     <a:masterClrMapping/>
   </p:clrMapOvr>
+  <p:timing>
+    <p:tnLst>
+      <p:par>
+        <p:cTn id="1" dur="indefinite" restart="never" nodeType="tmRoot">
+          <p:childTnLst>
+            <p:seq concurrent="1" nextAc="seek">
+              <p:cTn id="2" dur="indefinite" nodeType="mainSeq">
+                <p:childTnLst>
+                  <p:par>
+                    <p:cTn id="3" fill="hold">
+                      <p:stCondLst>
+                        <p:cond delay="indefinite"/>
+                      </p:stCondLst>
+                      <p:childTnLst>
+                        <p:par>
+                          <p:cTn id="4" fill="hold">
+                            <p:stCondLst>
+                              <p:cond delay="0"/>
+                            </p:stCondLst>
+                            <p:childTnLst>
+                              <p:par>
+                                <p:cTn id="5" presetID="10" presetClass="entr" presetSubtype="0" fill="hold" grpId="0" nodeType="clickEffect">
+                                  <p:stCondLst>
+                                    <p:cond delay="0"/>
+                                  </p:stCondLst>
+                                  <p:childTnLst>
+                                    <p:set>
+                                      <p:cBhvr>
+                                        <p:cTn id="6" dur="1" fill="hold">
+                                          <p:stCondLst>
+                                            <p:cond delay="0"/>
+                                          </p:stCondLst>
+                                        </p:cTn>
+                                        <p:tgtEl>
+                                          <p:spTgt spid="20"/>
+                                        </p:tgtEl>
+                                        <p:attrNameLst>
+                                          <p:attrName>style.visibility</p:attrName>
+                                        </p:attrNameLst>
+                                      </p:cBhvr>
+                                      <p:to>
+                                        <p:strVal val="visible"/>
+                                      </p:to>
+                                    </p:set>
+                                    <p:animEffect transition="in" filter="fade">
+                                      <p:cBhvr>
+                                        <p:cTn id="7" dur="2000"/>
+                                        <p:tgtEl>
+                                          <p:spTgt spid="20"/>
+                                        </p:tgtEl>
+                                      </p:cBhvr>
+                                    </p:animEffect>
+                                  </p:childTnLst>
+                                </p:cTn>
+                              </p:par>
+                            </p:childTnLst>
+                          </p:cTn>
+                        </p:par>
+                      </p:childTnLst>
+                    </p:cTn>
+                  </p:par>
+                  <p:par>
+                    <p:cTn id="8" fill="hold">
+                      <p:stCondLst>
+                        <p:cond delay="indefinite"/>
+                      </p:stCondLst>
+                      <p:childTnLst>
+                        <p:par>
+                          <p:cTn id="9" fill="hold">
+                            <p:stCondLst>
+                              <p:cond delay="0"/>
+                            </p:stCondLst>
+                            <p:childTnLst>
+                              <p:par>
+                                <p:cTn id="10" presetID="10" presetClass="entr" presetSubtype="0" fill="hold" nodeType="clickEffect">
+                                  <p:stCondLst>
+                                    <p:cond delay="0"/>
+                                  </p:stCondLst>
+                                  <p:childTnLst>
+                                    <p:set>
+                                      <p:cBhvr>
+                                        <p:cTn id="11" dur="1" fill="hold">
+                                          <p:stCondLst>
+                                            <p:cond delay="0"/>
+                                          </p:stCondLst>
+                                        </p:cTn>
+                                        <p:tgtEl>
+                                          <p:spTgt spid="21"/>
+                                        </p:tgtEl>
+                                        <p:attrNameLst>
+                                          <p:attrName>style.visibility</p:attrName>
+                                        </p:attrNameLst>
+                                      </p:cBhvr>
+                                      <p:to>
+                                        <p:strVal val="visible"/>
+                                      </p:to>
+                                    </p:set>
+                                    <p:animEffect transition="in" filter="fade">
+                                      <p:cBhvr>
+                                        <p:cTn id="12" dur="2000"/>
+                                        <p:tgtEl>
+                                          <p:spTgt spid="21"/>
+                                        </p:tgtEl>
+                                      </p:cBhvr>
+                                    </p:animEffect>
+                                  </p:childTnLst>
+                                </p:cTn>
+                              </p:par>
+                              <p:par>
+                                <p:cTn id="13" presetID="10" presetClass="entr" presetSubtype="0" fill="hold" grpId="0" nodeType="withEffect">
+                                  <p:stCondLst>
+                                    <p:cond delay="0"/>
+                                  </p:stCondLst>
+                                  <p:childTnLst>
+                                    <p:set>
+                                      <p:cBhvr>
+                                        <p:cTn id="14" dur="1" fill="hold">
+                                          <p:stCondLst>
+                                            <p:cond delay="0"/>
+                                          </p:stCondLst>
+                                        </p:cTn>
+                                        <p:tgtEl>
+                                          <p:spTgt spid="22"/>
+                                        </p:tgtEl>
+                                        <p:attrNameLst>
+                                          <p:attrName>style.visibility</p:attrName>
+                                        </p:attrNameLst>
+                                      </p:cBhvr>
+                                      <p:to>
+                                        <p:strVal val="visible"/>
+                                      </p:to>
+                                    </p:set>
+                                    <p:animEffect transition="in" filter="fade">
+                                      <p:cBhvr>
+                                        <p:cTn id="15" dur="2000"/>
+                                        <p:tgtEl>
+                                          <p:spTgt spid="22"/>
+                                        </p:tgtEl>
+                                      </p:cBhvr>
+                                    </p:animEffect>
+                                  </p:childTnLst>
+                                </p:cTn>
+                              </p:par>
+                            </p:childTnLst>
+                          </p:cTn>
+                        </p:par>
+                      </p:childTnLst>
+                    </p:cTn>
+                  </p:par>
+                </p:childTnLst>
+              </p:cTn>
+              <p:prevCondLst>
+                <p:cond evt="onPrev" delay="0">
+                  <p:tgtEl>
+                    <p:sldTgt/>
+                  </p:tgtEl>
+                </p:cond>
+              </p:prevCondLst>
+              <p:nextCondLst>
+                <p:cond evt="onNext" delay="0">
+                  <p:tgtEl>
+                    <p:sldTgt/>
+                  </p:tgtEl>
+                </p:cond>
+              </p:nextCondLst>
+            </p:seq>
+          </p:childTnLst>
+        </p:cTn>
+      </p:par>
+    </p:tnLst>
+    <p:bldLst>
+      <p:bldP spid="20" grpId="0"/>
+      <p:bldP spid="22" grpId="0" animBg="1"/>
+    </p:bldLst>
+  </p:timing>
 </p:sld>
 </file>
 
@@ -17914,17 +22469,17 @@
             <a:pPr algn="ctr"/>
             <a:r>
               <a:rPr lang="en-US" sz="3600" dirty="0"/>
-              <a:t>Green Fluorescent Protein</a:t>
+              <a:t>Revealing cell dynamics</a:t>
             </a:r>
           </a:p>
         </p:txBody>
       </p:sp>
       <p:pic>
         <p:nvPicPr>
-          <p:cNvPr id="5" name="Picture 7" descr="GFP">
-            <a:extLst>
-              <a:ext uri="{FF2B5EF4-FFF2-40B4-BE49-F238E27FC236}">
-                <a16:creationId xmlns:a16="http://schemas.microsoft.com/office/drawing/2014/main" id="{FC1EF6A9-35D3-024D-96D9-38178201D4AE}"/>
+          <p:cNvPr id="24" name="Picture 4">
+            <a:extLst>
+              <a:ext uri="{FF2B5EF4-FFF2-40B4-BE49-F238E27FC236}">
+                <a16:creationId xmlns:a16="http://schemas.microsoft.com/office/drawing/2014/main" id="{88D29AB8-0F43-5D4F-A8F7-F0A6D558F6F5}"/>
               </a:ext>
             </a:extLst>
           </p:cNvPr>
@@ -17935,6 +22490,7 @@
         </p:nvPicPr>
         <p:blipFill>
           <a:blip r:embed="rId2">
+            <a:lum contrast="40000"/>
             <a:extLst>
               <a:ext uri="{28A0092B-C50C-407E-A947-70E740481C1C}">
                 <a14:useLocalDpi xmlns:a14="http://schemas.microsoft.com/office/drawing/2010/main" val="0"/>
@@ -17948,8 +22504,8 @@
         </p:blipFill>
         <p:spPr bwMode="auto">
           <a:xfrm>
-            <a:off x="7086602" y="1549817"/>
-            <a:ext cx="3789947" cy="3789947"/>
+            <a:off x="381000" y="770270"/>
+            <a:ext cx="1960898" cy="1960898"/>
           </a:xfrm>
           <a:prstGeom prst="rect">
             <a:avLst/>
@@ -17981,10 +22537,10 @@
       </p:pic>
       <p:pic>
         <p:nvPicPr>
-          <p:cNvPr id="6" name="Picture 13">
-            <a:extLst>
-              <a:ext uri="{FF2B5EF4-FFF2-40B4-BE49-F238E27FC236}">
-                <a16:creationId xmlns:a16="http://schemas.microsoft.com/office/drawing/2014/main" id="{6FD503A8-4C6E-7345-A6BC-06F916D43B81}"/>
+          <p:cNvPr id="25" name="Picture 6">
+            <a:extLst>
+              <a:ext uri="{FF2B5EF4-FFF2-40B4-BE49-F238E27FC236}">
+                <a16:creationId xmlns:a16="http://schemas.microsoft.com/office/drawing/2014/main" id="{B565ABC6-3DB5-8441-82F8-8A2F89BDF922}"/>
               </a:ext>
             </a:extLst>
           </p:cNvPr>
@@ -17995,6 +22551,7 @@
         </p:nvPicPr>
         <p:blipFill>
           <a:blip r:embed="rId3">
+            <a:lum contrast="10000"/>
             <a:extLst>
               <a:ext uri="{28A0092B-C50C-407E-A947-70E740481C1C}">
                 <a14:useLocalDpi xmlns:a14="http://schemas.microsoft.com/office/drawing/2010/main" val="0"/>
@@ -18008,8 +22565,8 @@
         </p:blipFill>
         <p:spPr bwMode="auto">
           <a:xfrm>
-            <a:off x="858253" y="1549817"/>
-            <a:ext cx="4572000" cy="3648075"/>
+            <a:off x="9205410" y="3914661"/>
+            <a:ext cx="2646859" cy="2635250"/>
           </a:xfrm>
           <a:prstGeom prst="rect">
             <a:avLst/>
@@ -18039,12 +22596,194 @@
           </a:extLst>
         </p:spPr>
       </p:pic>
+      <p:pic>
+        <p:nvPicPr>
+          <p:cNvPr id="26" name="Picture 9">
+            <a:extLst>
+              <a:ext uri="{FF2B5EF4-FFF2-40B4-BE49-F238E27FC236}">
+                <a16:creationId xmlns:a16="http://schemas.microsoft.com/office/drawing/2014/main" id="{67FBB531-97BE-4D4D-AA59-8E4CD5696FF0}"/>
+              </a:ext>
+            </a:extLst>
+          </p:cNvPr>
+          <p:cNvPicPr>
+            <a:picLocks noChangeAspect="1" noChangeArrowheads="1"/>
+          </p:cNvPicPr>
+          <p:nvPr/>
+        </p:nvPicPr>
+        <p:blipFill>
+          <a:blip r:embed="rId4">
+            <a:lum contrast="20000"/>
+            <a:extLst>
+              <a:ext uri="{28A0092B-C50C-407E-A947-70E740481C1C}">
+                <a14:useLocalDpi xmlns:a14="http://schemas.microsoft.com/office/drawing/2010/main" val="0"/>
+              </a:ext>
+            </a:extLst>
+          </a:blip>
+          <a:srcRect/>
+          <a:stretch>
+            <a:fillRect/>
+          </a:stretch>
+        </p:blipFill>
+        <p:spPr bwMode="auto">
+          <a:xfrm>
+            <a:off x="260684" y="3914661"/>
+            <a:ext cx="2819400" cy="2635250"/>
+          </a:xfrm>
+          <a:prstGeom prst="rect">
+            <a:avLst/>
+          </a:prstGeom>
+          <a:noFill/>
+          <a:ln>
+            <a:noFill/>
+          </a:ln>
+          <a:extLst>
+            <a:ext uri="{909E8E84-426E-40DD-AFC4-6F175D3DCCD1}">
+              <a14:hiddenFill xmlns:a14="http://schemas.microsoft.com/office/drawing/2010/main">
+                <a:solidFill>
+                  <a:srgbClr val="FFFFFF"/>
+                </a:solidFill>
+              </a14:hiddenFill>
+            </a:ext>
+            <a:ext uri="{91240B29-F687-4F45-9708-019B960494DF}">
+              <a14:hiddenLine xmlns:a14="http://schemas.microsoft.com/office/drawing/2010/main" w="9525">
+                <a:solidFill>
+                  <a:srgbClr val="000000"/>
+                </a:solidFill>
+                <a:miter lim="800000"/>
+                <a:headEnd/>
+                <a:tailEnd/>
+              </a14:hiddenLine>
+            </a:ext>
+          </a:extLst>
+        </p:spPr>
+      </p:pic>
+      <p:pic>
+        <p:nvPicPr>
+          <p:cNvPr id="27" name="Picture 10">
+            <a:extLst>
+              <a:ext uri="{FF2B5EF4-FFF2-40B4-BE49-F238E27FC236}">
+                <a16:creationId xmlns:a16="http://schemas.microsoft.com/office/drawing/2014/main" id="{94E1D292-F9E8-8140-9308-FFA448B336E9}"/>
+              </a:ext>
+            </a:extLst>
+          </p:cNvPr>
+          <p:cNvPicPr>
+            <a:picLocks noChangeAspect="1" noChangeArrowheads="1"/>
+          </p:cNvPicPr>
+          <p:nvPr/>
+        </p:nvPicPr>
+        <p:blipFill>
+          <a:blip r:embed="rId5">
+            <a:extLst>
+              <a:ext uri="{28A0092B-C50C-407E-A947-70E740481C1C}">
+                <a14:useLocalDpi xmlns:a14="http://schemas.microsoft.com/office/drawing/2010/main" val="0"/>
+              </a:ext>
+            </a:extLst>
+          </a:blip>
+          <a:srcRect/>
+          <a:stretch>
+            <a:fillRect/>
+          </a:stretch>
+        </p:blipFill>
+        <p:spPr bwMode="auto">
+          <a:xfrm>
+            <a:off x="6523045" y="3914661"/>
+            <a:ext cx="2562049" cy="2635250"/>
+          </a:xfrm>
+          <a:prstGeom prst="rect">
+            <a:avLst/>
+          </a:prstGeom>
+          <a:noFill/>
+          <a:ln>
+            <a:noFill/>
+          </a:ln>
+          <a:extLst>
+            <a:ext uri="{909E8E84-426E-40DD-AFC4-6F175D3DCCD1}">
+              <a14:hiddenFill xmlns:a14="http://schemas.microsoft.com/office/drawing/2010/main">
+                <a:solidFill>
+                  <a:srgbClr val="FFFFFF"/>
+                </a:solidFill>
+              </a14:hiddenFill>
+            </a:ext>
+            <a:ext uri="{91240B29-F687-4F45-9708-019B960494DF}">
+              <a14:hiddenLine xmlns:a14="http://schemas.microsoft.com/office/drawing/2010/main" w="9525">
+                <a:solidFill>
+                  <a:srgbClr val="000000"/>
+                </a:solidFill>
+                <a:miter lim="800000"/>
+                <a:headEnd/>
+                <a:tailEnd/>
+              </a14:hiddenLine>
+            </a:ext>
+          </a:extLst>
+        </p:spPr>
+      </p:pic>
+      <p:pic>
+        <p:nvPicPr>
+          <p:cNvPr id="28" name="Picture 11">
+            <a:extLst>
+              <a:ext uri="{FF2B5EF4-FFF2-40B4-BE49-F238E27FC236}">
+                <a16:creationId xmlns:a16="http://schemas.microsoft.com/office/drawing/2014/main" id="{6275DAE2-B3C3-7E44-99DC-172E61007370}"/>
+              </a:ext>
+            </a:extLst>
+          </p:cNvPr>
+          <p:cNvPicPr>
+            <a:picLocks noChangeAspect="1" noChangeArrowheads="1"/>
+          </p:cNvPicPr>
+          <p:nvPr/>
+        </p:nvPicPr>
+        <p:blipFill>
+          <a:blip r:embed="rId6">
+            <a:lum contrast="20000"/>
+            <a:extLst>
+              <a:ext uri="{28A0092B-C50C-407E-A947-70E740481C1C}">
+                <a14:useLocalDpi xmlns:a14="http://schemas.microsoft.com/office/drawing/2010/main" val="0"/>
+              </a:ext>
+            </a:extLst>
+          </a:blip>
+          <a:srcRect/>
+          <a:stretch>
+            <a:fillRect/>
+          </a:stretch>
+        </p:blipFill>
+        <p:spPr bwMode="auto">
+          <a:xfrm>
+            <a:off x="3200400" y="3914661"/>
+            <a:ext cx="3202329" cy="2635250"/>
+          </a:xfrm>
+          <a:prstGeom prst="rect">
+            <a:avLst/>
+          </a:prstGeom>
+          <a:noFill/>
+          <a:ln>
+            <a:noFill/>
+          </a:ln>
+          <a:extLst>
+            <a:ext uri="{909E8E84-426E-40DD-AFC4-6F175D3DCCD1}">
+              <a14:hiddenFill xmlns:a14="http://schemas.microsoft.com/office/drawing/2010/main">
+                <a:solidFill>
+                  <a:srgbClr val="FFFFFF"/>
+                </a:solidFill>
+              </a14:hiddenFill>
+            </a:ext>
+            <a:ext uri="{91240B29-F687-4F45-9708-019B960494DF}">
+              <a14:hiddenLine xmlns:a14="http://schemas.microsoft.com/office/drawing/2010/main" w="9525">
+                <a:solidFill>
+                  <a:srgbClr val="000000"/>
+                </a:solidFill>
+                <a:miter lim="800000"/>
+                <a:headEnd/>
+                <a:tailEnd/>
+              </a14:hiddenLine>
+            </a:ext>
+          </a:extLst>
+        </p:spPr>
+      </p:pic>
       <p:sp>
         <p:nvSpPr>
           <p:cNvPr id="3" name="TextBox 2">
             <a:extLst>
               <a:ext uri="{FF2B5EF4-FFF2-40B4-BE49-F238E27FC236}">
-                <a16:creationId xmlns:a16="http://schemas.microsoft.com/office/drawing/2014/main" id="{94612B21-ABA5-C343-817C-D1E53BC092FF}"/>
+                <a16:creationId xmlns:a16="http://schemas.microsoft.com/office/drawing/2014/main" id="{ED25F763-44D5-884C-846C-CB96C588F14D}"/>
               </a:ext>
             </a:extLst>
           </p:cNvPr>
@@ -18053,8 +22792,8 @@
         </p:nvSpPr>
         <p:spPr>
           <a:xfrm>
-            <a:off x="2568262" y="5339764"/>
-            <a:ext cx="1151982" cy="369332"/>
+            <a:off x="260684" y="400938"/>
+            <a:ext cx="3831049" cy="369332"/>
           </a:xfrm>
           <a:prstGeom prst="rect">
             <a:avLst/>
@@ -18069,17 +22808,17 @@
           <a:p>
             <a:r>
               <a:rPr lang="en-US" dirty="0"/>
-              <a:t>A. Victoria</a:t>
+              <a:t>Normal view of cells – light microscopy</a:t>
             </a:r>
           </a:p>
         </p:txBody>
       </p:sp>
       <p:sp>
         <p:nvSpPr>
-          <p:cNvPr id="7" name="TextBox 6">
-            <a:extLst>
-              <a:ext uri="{FF2B5EF4-FFF2-40B4-BE49-F238E27FC236}">
-                <a16:creationId xmlns:a16="http://schemas.microsoft.com/office/drawing/2014/main" id="{CFF7E491-D5CD-5F43-B1E1-84514A14E7A5}"/>
+          <p:cNvPr id="29" name="TextBox 28">
+            <a:extLst>
+              <a:ext uri="{FF2B5EF4-FFF2-40B4-BE49-F238E27FC236}">
+                <a16:creationId xmlns:a16="http://schemas.microsoft.com/office/drawing/2014/main" id="{72432D6F-E3E6-D84D-B852-DCD72EA22319}"/>
               </a:ext>
             </a:extLst>
           </p:cNvPr>
@@ -18088,8 +22827,8 @@
         </p:nvSpPr>
         <p:spPr>
           <a:xfrm>
-            <a:off x="7873547" y="5524430"/>
-            <a:ext cx="2216056" cy="369332"/>
+            <a:off x="2176208" y="3198167"/>
+            <a:ext cx="8264185" cy="461665"/>
           </a:xfrm>
           <a:prstGeom prst="rect">
             <a:avLst/>
@@ -18103,8 +22842,8 @@
           <a:lstStyle/>
           <a:p>
             <a:r>
-              <a:rPr lang="en-US" dirty="0"/>
-              <a:t>GFP Protein Structure</a:t>
+              <a:rPr lang="en-US" sz="2400" dirty="0"/>
+              <a:t>Cells tagged with fluorescent proteins – fluorescence microscopy</a:t>
             </a:r>
           </a:p>
         </p:txBody>
@@ -18112,7 +22851,7 @@
     </p:spTree>
     <p:extLst>
       <p:ext uri="{BB962C8B-B14F-4D97-AF65-F5344CB8AC3E}">
-        <p14:creationId xmlns:p14="http://schemas.microsoft.com/office/powerpoint/2010/main" val="2684259751"/>
+        <p14:creationId xmlns:p14="http://schemas.microsoft.com/office/powerpoint/2010/main" val="1584447134"/>
       </p:ext>
     </p:extLst>
   </p:cSld>
@@ -18277,6 +23016,1621 @@
     <p:extLst>
       <p:ext uri="{BB962C8B-B14F-4D97-AF65-F5344CB8AC3E}">
         <p14:creationId xmlns:p14="http://schemas.microsoft.com/office/powerpoint/2010/main" val="772088717"/>
+      </p:ext>
+    </p:extLst>
+  </p:cSld>
+  <p:clrMapOvr>
+    <a:masterClrMapping/>
+  </p:clrMapOvr>
+</p:sld>
+</file>
+
+<file path=ppt/slides/slide30.xml><?xml version="1.0" encoding="utf-8"?>
+<p:sld xmlns:a="http://schemas.openxmlformats.org/drawingml/2006/main" xmlns:r="http://schemas.openxmlformats.org/officeDocument/2006/relationships" xmlns:p="http://schemas.openxmlformats.org/presentationml/2006/main">
+  <p:cSld>
+    <p:spTree>
+      <p:nvGrpSpPr>
+        <p:cNvPr id="1" name=""/>
+        <p:cNvGrpSpPr/>
+        <p:nvPr/>
+      </p:nvGrpSpPr>
+      <p:grpSpPr>
+        <a:xfrm>
+          <a:off x="0" y="0"/>
+          <a:ext cx="0" cy="0"/>
+          <a:chOff x="0" y="0"/>
+          <a:chExt cx="0" cy="0"/>
+        </a:xfrm>
+      </p:grpSpPr>
+      <p:sp>
+        <p:nvSpPr>
+          <p:cNvPr id="2" name="TextBox 1">
+            <a:extLst>
+              <a:ext uri="{FF2B5EF4-FFF2-40B4-BE49-F238E27FC236}">
+                <a16:creationId xmlns:a16="http://schemas.microsoft.com/office/drawing/2014/main" id="{5775A600-02E9-6F45-A8B3-F2BB2C49C847}"/>
+              </a:ext>
+            </a:extLst>
+          </p:cNvPr>
+          <p:cNvSpPr txBox="1"/>
+          <p:nvPr/>
+        </p:nvSpPr>
+        <p:spPr>
+          <a:xfrm>
+            <a:off x="0" y="123939"/>
+            <a:ext cx="12192000" cy="646331"/>
+          </a:xfrm>
+          <a:prstGeom prst="rect">
+            <a:avLst/>
+          </a:prstGeom>
+          <a:noFill/>
+        </p:spPr>
+        <p:txBody>
+          <a:bodyPr wrap="square" rtlCol="0">
+            <a:spAutoFit/>
+          </a:bodyPr>
+          <a:lstStyle/>
+          <a:p>
+            <a:pPr algn="ctr"/>
+            <a:r>
+              <a:rPr lang="en-US" sz="3600" dirty="0"/>
+              <a:t>Revealing cell dynamics</a:t>
+            </a:r>
+          </a:p>
+        </p:txBody>
+      </p:sp>
+      <p:pic>
+        <p:nvPicPr>
+          <p:cNvPr id="10" name="Picture 4" descr="IMAGE - PLATE - Beach">
+            <a:extLst>
+              <a:ext uri="{FF2B5EF4-FFF2-40B4-BE49-F238E27FC236}">
+                <a16:creationId xmlns:a16="http://schemas.microsoft.com/office/drawing/2014/main" id="{D8CC7B0F-2F81-0948-9C48-39458AF142B7}"/>
+              </a:ext>
+            </a:extLst>
+          </p:cNvPr>
+          <p:cNvPicPr>
+            <a:picLocks noChangeAspect="1" noChangeArrowheads="1"/>
+          </p:cNvPicPr>
+          <p:nvPr/>
+        </p:nvPicPr>
+        <p:blipFill>
+          <a:blip r:embed="rId2">
+            <a:extLst>
+              <a:ext uri="{28A0092B-C50C-407E-A947-70E740481C1C}">
+                <a14:useLocalDpi xmlns:a14="http://schemas.microsoft.com/office/drawing/2010/main" val="0"/>
+              </a:ext>
+            </a:extLst>
+          </a:blip>
+          <a:srcRect/>
+          <a:stretch>
+            <a:fillRect/>
+          </a:stretch>
+        </p:blipFill>
+        <p:spPr bwMode="auto">
+          <a:xfrm>
+            <a:off x="485275" y="953460"/>
+            <a:ext cx="3733800" cy="3733800"/>
+          </a:xfrm>
+          <a:prstGeom prst="rect">
+            <a:avLst/>
+          </a:prstGeom>
+          <a:noFill/>
+          <a:ln>
+            <a:noFill/>
+          </a:ln>
+          <a:extLst>
+            <a:ext uri="{909E8E84-426E-40DD-AFC4-6F175D3DCCD1}">
+              <a14:hiddenFill xmlns:a14="http://schemas.microsoft.com/office/drawing/2010/main">
+                <a:solidFill>
+                  <a:srgbClr val="FFFFFF"/>
+                </a:solidFill>
+              </a14:hiddenFill>
+            </a:ext>
+            <a:ext uri="{91240B29-F687-4F45-9708-019B960494DF}">
+              <a14:hiddenLine xmlns:a14="http://schemas.microsoft.com/office/drawing/2010/main" w="9525">
+                <a:solidFill>
+                  <a:srgbClr val="000000"/>
+                </a:solidFill>
+                <a:miter lim="800000"/>
+                <a:headEnd/>
+                <a:tailEnd/>
+              </a14:hiddenLine>
+            </a:ext>
+          </a:extLst>
+        </p:spPr>
+      </p:pic>
+      <p:pic>
+        <p:nvPicPr>
+          <p:cNvPr id="11" name="Picture 9">
+            <a:extLst>
+              <a:ext uri="{FF2B5EF4-FFF2-40B4-BE49-F238E27FC236}">
+                <a16:creationId xmlns:a16="http://schemas.microsoft.com/office/drawing/2014/main" id="{AFF4B712-FEA0-F043-87CC-FB09FA1A92EF}"/>
+              </a:ext>
+            </a:extLst>
+          </p:cNvPr>
+          <p:cNvPicPr>
+            <a:picLocks noChangeAspect="1" noChangeArrowheads="1"/>
+          </p:cNvPicPr>
+          <p:nvPr/>
+        </p:nvPicPr>
+        <p:blipFill>
+          <a:blip r:embed="rId3">
+            <a:extLst>
+              <a:ext uri="{28A0092B-C50C-407E-A947-70E740481C1C}">
+                <a14:useLocalDpi xmlns:a14="http://schemas.microsoft.com/office/drawing/2010/main" val="0"/>
+              </a:ext>
+            </a:extLst>
+          </a:blip>
+          <a:srcRect/>
+          <a:stretch>
+            <a:fillRect/>
+          </a:stretch>
+        </p:blipFill>
+        <p:spPr bwMode="auto">
+          <a:xfrm>
+            <a:off x="8222415" y="6256337"/>
+            <a:ext cx="2060575" cy="304800"/>
+          </a:xfrm>
+          <a:prstGeom prst="rect">
+            <a:avLst/>
+          </a:prstGeom>
+          <a:noFill/>
+          <a:ln>
+            <a:noFill/>
+          </a:ln>
+          <a:extLst>
+            <a:ext uri="{909E8E84-426E-40DD-AFC4-6F175D3DCCD1}">
+              <a14:hiddenFill xmlns:a14="http://schemas.microsoft.com/office/drawing/2010/main">
+                <a:solidFill>
+                  <a:srgbClr val="FFFFFF"/>
+                </a:solidFill>
+              </a14:hiddenFill>
+            </a:ext>
+            <a:ext uri="{91240B29-F687-4F45-9708-019B960494DF}">
+              <a14:hiddenLine xmlns:a14="http://schemas.microsoft.com/office/drawing/2010/main" w="9525">
+                <a:solidFill>
+                  <a:srgbClr val="000000"/>
+                </a:solidFill>
+                <a:miter lim="800000"/>
+                <a:headEnd/>
+                <a:tailEnd/>
+              </a14:hiddenLine>
+            </a:ext>
+          </a:extLst>
+        </p:spPr>
+      </p:pic>
+      <p:pic>
+        <p:nvPicPr>
+          <p:cNvPr id="12" name="Picture 10">
+            <a:extLst>
+              <a:ext uri="{FF2B5EF4-FFF2-40B4-BE49-F238E27FC236}">
+                <a16:creationId xmlns:a16="http://schemas.microsoft.com/office/drawing/2014/main" id="{51ECAE4E-7079-8947-A22E-CDD501E51B8B}"/>
+              </a:ext>
+            </a:extLst>
+          </p:cNvPr>
+          <p:cNvPicPr>
+            <a:picLocks noChangeAspect="1" noChangeArrowheads="1"/>
+          </p:cNvPicPr>
+          <p:nvPr/>
+        </p:nvPicPr>
+        <p:blipFill>
+          <a:blip r:embed="rId4">
+            <a:extLst>
+              <a:ext uri="{28A0092B-C50C-407E-A947-70E740481C1C}">
+                <a14:useLocalDpi xmlns:a14="http://schemas.microsoft.com/office/drawing/2010/main" val="0"/>
+              </a:ext>
+            </a:extLst>
+          </a:blip>
+          <a:srcRect/>
+          <a:stretch>
+            <a:fillRect/>
+          </a:stretch>
+        </p:blipFill>
+        <p:spPr bwMode="auto">
+          <a:xfrm>
+            <a:off x="7920790" y="4808537"/>
+            <a:ext cx="836613" cy="1157288"/>
+          </a:xfrm>
+          <a:prstGeom prst="rect">
+            <a:avLst/>
+          </a:prstGeom>
+          <a:noFill/>
+          <a:ln>
+            <a:noFill/>
+          </a:ln>
+          <a:extLst>
+            <a:ext uri="{909E8E84-426E-40DD-AFC4-6F175D3DCCD1}">
+              <a14:hiddenFill xmlns:a14="http://schemas.microsoft.com/office/drawing/2010/main">
+                <a:solidFill>
+                  <a:srgbClr val="FFFFFF"/>
+                </a:solidFill>
+              </a14:hiddenFill>
+            </a:ext>
+            <a:ext uri="{91240B29-F687-4F45-9708-019B960494DF}">
+              <a14:hiddenLine xmlns:a14="http://schemas.microsoft.com/office/drawing/2010/main" w="9525">
+                <a:solidFill>
+                  <a:srgbClr val="000000"/>
+                </a:solidFill>
+                <a:miter lim="800000"/>
+                <a:headEnd/>
+                <a:tailEnd/>
+              </a14:hiddenLine>
+            </a:ext>
+          </a:extLst>
+        </p:spPr>
+      </p:pic>
+      <p:pic>
+        <p:nvPicPr>
+          <p:cNvPr id="13" name="Picture 11">
+            <a:extLst>
+              <a:ext uri="{FF2B5EF4-FFF2-40B4-BE49-F238E27FC236}">
+                <a16:creationId xmlns:a16="http://schemas.microsoft.com/office/drawing/2014/main" id="{C722C25A-7788-7546-9B90-7F0BC76A6D3C}"/>
+              </a:ext>
+            </a:extLst>
+          </p:cNvPr>
+          <p:cNvPicPr>
+            <a:picLocks noChangeAspect="1" noChangeArrowheads="1"/>
+          </p:cNvPicPr>
+          <p:nvPr/>
+        </p:nvPicPr>
+        <p:blipFill>
+          <a:blip r:embed="rId5">
+            <a:extLst>
+              <a:ext uri="{28A0092B-C50C-407E-A947-70E740481C1C}">
+                <a14:useLocalDpi xmlns:a14="http://schemas.microsoft.com/office/drawing/2010/main" val="0"/>
+              </a:ext>
+            </a:extLst>
+          </a:blip>
+          <a:srcRect/>
+          <a:stretch>
+            <a:fillRect/>
+          </a:stretch>
+        </p:blipFill>
+        <p:spPr bwMode="auto">
+          <a:xfrm>
+            <a:off x="8835190" y="4808537"/>
+            <a:ext cx="820738" cy="1143000"/>
+          </a:xfrm>
+          <a:prstGeom prst="rect">
+            <a:avLst/>
+          </a:prstGeom>
+          <a:noFill/>
+          <a:ln>
+            <a:noFill/>
+          </a:ln>
+          <a:extLst>
+            <a:ext uri="{909E8E84-426E-40DD-AFC4-6F175D3DCCD1}">
+              <a14:hiddenFill xmlns:a14="http://schemas.microsoft.com/office/drawing/2010/main">
+                <a:solidFill>
+                  <a:srgbClr val="FFFFFF"/>
+                </a:solidFill>
+              </a14:hiddenFill>
+            </a:ext>
+            <a:ext uri="{91240B29-F687-4F45-9708-019B960494DF}">
+              <a14:hiddenLine xmlns:a14="http://schemas.microsoft.com/office/drawing/2010/main" w="9525">
+                <a:solidFill>
+                  <a:srgbClr val="000000"/>
+                </a:solidFill>
+                <a:miter lim="800000"/>
+                <a:headEnd/>
+                <a:tailEnd/>
+              </a14:hiddenLine>
+            </a:ext>
+          </a:extLst>
+        </p:spPr>
+      </p:pic>
+      <p:pic>
+        <p:nvPicPr>
+          <p:cNvPr id="14" name="Picture 12">
+            <a:extLst>
+              <a:ext uri="{FF2B5EF4-FFF2-40B4-BE49-F238E27FC236}">
+                <a16:creationId xmlns:a16="http://schemas.microsoft.com/office/drawing/2014/main" id="{49DE7DE8-9D0A-8A40-A8BD-0D3D35082DB7}"/>
+              </a:ext>
+            </a:extLst>
+          </p:cNvPr>
+          <p:cNvPicPr>
+            <a:picLocks noChangeAspect="1" noChangeArrowheads="1"/>
+          </p:cNvPicPr>
+          <p:nvPr/>
+        </p:nvPicPr>
+        <p:blipFill>
+          <a:blip r:embed="rId6">
+            <a:extLst>
+              <a:ext uri="{28A0092B-C50C-407E-A947-70E740481C1C}">
+                <a14:useLocalDpi xmlns:a14="http://schemas.microsoft.com/office/drawing/2010/main" val="0"/>
+              </a:ext>
+            </a:extLst>
+          </a:blip>
+          <a:srcRect/>
+          <a:stretch>
+            <a:fillRect/>
+          </a:stretch>
+        </p:blipFill>
+        <p:spPr bwMode="auto">
+          <a:xfrm>
+            <a:off x="9698790" y="4808537"/>
+            <a:ext cx="812800" cy="1143000"/>
+          </a:xfrm>
+          <a:prstGeom prst="rect">
+            <a:avLst/>
+          </a:prstGeom>
+          <a:noFill/>
+          <a:ln>
+            <a:noFill/>
+          </a:ln>
+          <a:extLst>
+            <a:ext uri="{909E8E84-426E-40DD-AFC4-6F175D3DCCD1}">
+              <a14:hiddenFill xmlns:a14="http://schemas.microsoft.com/office/drawing/2010/main">
+                <a:solidFill>
+                  <a:srgbClr val="FFFFFF"/>
+                </a:solidFill>
+              </a14:hiddenFill>
+            </a:ext>
+            <a:ext uri="{91240B29-F687-4F45-9708-019B960494DF}">
+              <a14:hiddenLine xmlns:a14="http://schemas.microsoft.com/office/drawing/2010/main" w="9525">
+                <a:solidFill>
+                  <a:srgbClr val="000000"/>
+                </a:solidFill>
+                <a:miter lim="800000"/>
+                <a:headEnd/>
+                <a:tailEnd/>
+              </a14:hiddenLine>
+            </a:ext>
+          </a:extLst>
+        </p:spPr>
+      </p:pic>
+      <p:sp>
+        <p:nvSpPr>
+          <p:cNvPr id="15" name="TextBox 8">
+            <a:extLst>
+              <a:ext uri="{FF2B5EF4-FFF2-40B4-BE49-F238E27FC236}">
+                <a16:creationId xmlns:a16="http://schemas.microsoft.com/office/drawing/2014/main" id="{7B7DBB25-C716-8846-899D-6CB524AEC561}"/>
+              </a:ext>
+            </a:extLst>
+          </p:cNvPr>
+          <p:cNvSpPr txBox="1">
+            <a:spLocks noChangeArrowheads="1"/>
+          </p:cNvSpPr>
+          <p:nvPr/>
+        </p:nvSpPr>
+        <p:spPr bwMode="auto">
+          <a:xfrm>
+            <a:off x="7692190" y="5951537"/>
+            <a:ext cx="2706688" cy="260350"/>
+          </a:xfrm>
+          <a:prstGeom prst="rect">
+            <a:avLst/>
+          </a:prstGeom>
+          <a:noFill/>
+          <a:ln>
+            <a:noFill/>
+          </a:ln>
+          <a:extLst>
+            <a:ext uri="{909E8E84-426E-40DD-AFC4-6F175D3DCCD1}">
+              <a14:hiddenFill xmlns:a14="http://schemas.microsoft.com/office/drawing/2010/main">
+                <a:solidFill>
+                  <a:srgbClr val="FFFFFF"/>
+                </a:solidFill>
+              </a14:hiddenFill>
+            </a:ext>
+            <a:ext uri="{91240B29-F687-4F45-9708-019B960494DF}">
+              <a14:hiddenLine xmlns:a14="http://schemas.microsoft.com/office/drawing/2010/main" w="9525">
+                <a:solidFill>
+                  <a:srgbClr val="000000"/>
+                </a:solidFill>
+                <a:miter lim="800000"/>
+                <a:headEnd/>
+                <a:tailEnd/>
+              </a14:hiddenLine>
+            </a:ext>
+          </a:extLst>
+        </p:spPr>
+        <p:txBody>
+          <a:bodyPr wrap="none">
+            <a:spAutoFit/>
+          </a:bodyPr>
+          <a:lstStyle>
+            <a:lvl1pPr eaLnBrk="0" hangingPunct="0">
+              <a:defRPr sz="3200">
+                <a:solidFill>
+                  <a:schemeClr val="tx1"/>
+                </a:solidFill>
+                <a:latin typeface="Arial" panose="020B0604020202020204" pitchFamily="34" charset="0"/>
+                <a:cs typeface="Arial" panose="020B0604020202020204" pitchFamily="34" charset="0"/>
+              </a:defRPr>
+            </a:lvl1pPr>
+            <a:lvl2pPr marL="742950" indent="-285750" eaLnBrk="0" hangingPunct="0">
+              <a:defRPr sz="3200">
+                <a:solidFill>
+                  <a:schemeClr val="tx1"/>
+                </a:solidFill>
+                <a:latin typeface="Arial" panose="020B0604020202020204" pitchFamily="34" charset="0"/>
+                <a:cs typeface="Arial" panose="020B0604020202020204" pitchFamily="34" charset="0"/>
+              </a:defRPr>
+            </a:lvl2pPr>
+            <a:lvl3pPr marL="1143000" indent="-228600" eaLnBrk="0" hangingPunct="0">
+              <a:defRPr sz="3200">
+                <a:solidFill>
+                  <a:schemeClr val="tx1"/>
+                </a:solidFill>
+                <a:latin typeface="Arial" panose="020B0604020202020204" pitchFamily="34" charset="0"/>
+                <a:cs typeface="Arial" panose="020B0604020202020204" pitchFamily="34" charset="0"/>
+              </a:defRPr>
+            </a:lvl3pPr>
+            <a:lvl4pPr marL="1600200" indent="-228600" eaLnBrk="0" hangingPunct="0">
+              <a:defRPr sz="3200">
+                <a:solidFill>
+                  <a:schemeClr val="tx1"/>
+                </a:solidFill>
+                <a:latin typeface="Arial" panose="020B0604020202020204" pitchFamily="34" charset="0"/>
+                <a:cs typeface="Arial" panose="020B0604020202020204" pitchFamily="34" charset="0"/>
+              </a:defRPr>
+            </a:lvl4pPr>
+            <a:lvl5pPr marL="2057400" indent="-228600" eaLnBrk="0" hangingPunct="0">
+              <a:defRPr sz="3200">
+                <a:solidFill>
+                  <a:schemeClr val="tx1"/>
+                </a:solidFill>
+                <a:latin typeface="Arial" panose="020B0604020202020204" pitchFamily="34" charset="0"/>
+                <a:cs typeface="Arial" panose="020B0604020202020204" pitchFamily="34" charset="0"/>
+              </a:defRPr>
+            </a:lvl5pPr>
+            <a:lvl6pPr marL="2514600" indent="-228600" eaLnBrk="0" fontAlgn="base" hangingPunct="0">
+              <a:spcBef>
+                <a:spcPct val="0"/>
+              </a:spcBef>
+              <a:spcAft>
+                <a:spcPct val="0"/>
+              </a:spcAft>
+              <a:defRPr sz="3200">
+                <a:solidFill>
+                  <a:schemeClr val="tx1"/>
+                </a:solidFill>
+                <a:latin typeface="Arial" panose="020B0604020202020204" pitchFamily="34" charset="0"/>
+                <a:cs typeface="Arial" panose="020B0604020202020204" pitchFamily="34" charset="0"/>
+              </a:defRPr>
+            </a:lvl6pPr>
+            <a:lvl7pPr marL="2971800" indent="-228600" eaLnBrk="0" fontAlgn="base" hangingPunct="0">
+              <a:spcBef>
+                <a:spcPct val="0"/>
+              </a:spcBef>
+              <a:spcAft>
+                <a:spcPct val="0"/>
+              </a:spcAft>
+              <a:defRPr sz="3200">
+                <a:solidFill>
+                  <a:schemeClr val="tx1"/>
+                </a:solidFill>
+                <a:latin typeface="Arial" panose="020B0604020202020204" pitchFamily="34" charset="0"/>
+                <a:cs typeface="Arial" panose="020B0604020202020204" pitchFamily="34" charset="0"/>
+              </a:defRPr>
+            </a:lvl7pPr>
+            <a:lvl8pPr marL="3429000" indent="-228600" eaLnBrk="0" fontAlgn="base" hangingPunct="0">
+              <a:spcBef>
+                <a:spcPct val="0"/>
+              </a:spcBef>
+              <a:spcAft>
+                <a:spcPct val="0"/>
+              </a:spcAft>
+              <a:defRPr sz="3200">
+                <a:solidFill>
+                  <a:schemeClr val="tx1"/>
+                </a:solidFill>
+                <a:latin typeface="Arial" panose="020B0604020202020204" pitchFamily="34" charset="0"/>
+                <a:cs typeface="Arial" panose="020B0604020202020204" pitchFamily="34" charset="0"/>
+              </a:defRPr>
+            </a:lvl8pPr>
+            <a:lvl9pPr marL="3886200" indent="-228600" eaLnBrk="0" fontAlgn="base" hangingPunct="0">
+              <a:spcBef>
+                <a:spcPct val="0"/>
+              </a:spcBef>
+              <a:spcAft>
+                <a:spcPct val="0"/>
+              </a:spcAft>
+              <a:defRPr sz="3200">
+                <a:solidFill>
+                  <a:schemeClr val="tx1"/>
+                </a:solidFill>
+                <a:latin typeface="Arial" panose="020B0604020202020204" pitchFamily="34" charset="0"/>
+                <a:cs typeface="Arial" panose="020B0604020202020204" pitchFamily="34" charset="0"/>
+              </a:defRPr>
+            </a:lvl9pPr>
+          </a:lstStyle>
+          <a:p>
+            <a:pPr eaLnBrk="1" hangingPunct="1"/>
+            <a:r>
+              <a:rPr lang="en-US" altLang="en-US" sz="1100">
+                <a:latin typeface="Calibri" panose="020F0502020204030204" pitchFamily="34" charset="0"/>
+              </a:rPr>
+              <a:t>     Shimomura        Chalfie              Tsien</a:t>
+            </a:r>
+          </a:p>
+        </p:txBody>
+      </p:sp>
+      <p:pic>
+        <p:nvPicPr>
+          <p:cNvPr id="16" name="Picture 10">
+            <a:extLst>
+              <a:ext uri="{FF2B5EF4-FFF2-40B4-BE49-F238E27FC236}">
+                <a16:creationId xmlns:a16="http://schemas.microsoft.com/office/drawing/2014/main" id="{E4F31D58-4822-6543-8ACC-68C374D587AD}"/>
+              </a:ext>
+            </a:extLst>
+          </p:cNvPr>
+          <p:cNvPicPr>
+            <a:picLocks noChangeAspect="1" noChangeArrowheads="1"/>
+          </p:cNvPicPr>
+          <p:nvPr/>
+        </p:nvPicPr>
+        <p:blipFill>
+          <a:blip r:embed="rId7">
+            <a:extLst>
+              <a:ext uri="{28A0092B-C50C-407E-A947-70E740481C1C}">
+                <a14:useLocalDpi xmlns:a14="http://schemas.microsoft.com/office/drawing/2010/main" val="0"/>
+              </a:ext>
+            </a:extLst>
+          </a:blip>
+          <a:srcRect/>
+          <a:stretch>
+            <a:fillRect/>
+          </a:stretch>
+        </p:blipFill>
+        <p:spPr bwMode="auto">
+          <a:xfrm>
+            <a:off x="1977190" y="4870450"/>
+            <a:ext cx="5410200" cy="1987550"/>
+          </a:xfrm>
+          <a:prstGeom prst="rect">
+            <a:avLst/>
+          </a:prstGeom>
+          <a:noFill/>
+          <a:ln>
+            <a:noFill/>
+          </a:ln>
+          <a:extLst>
+            <a:ext uri="{909E8E84-426E-40DD-AFC4-6F175D3DCCD1}">
+              <a14:hiddenFill xmlns:a14="http://schemas.microsoft.com/office/drawing/2010/main">
+                <a:solidFill>
+                  <a:srgbClr val="FFFFFF"/>
+                </a:solidFill>
+              </a14:hiddenFill>
+            </a:ext>
+            <a:ext uri="{91240B29-F687-4F45-9708-019B960494DF}">
+              <a14:hiddenLine xmlns:a14="http://schemas.microsoft.com/office/drawing/2010/main" w="9525">
+                <a:solidFill>
+                  <a:srgbClr val="000000"/>
+                </a:solidFill>
+                <a:miter lim="800000"/>
+                <a:headEnd/>
+                <a:tailEnd/>
+              </a14:hiddenLine>
+            </a:ext>
+          </a:extLst>
+        </p:spPr>
+      </p:pic>
+      <p:pic>
+        <p:nvPicPr>
+          <p:cNvPr id="17" name="Picture 11">
+            <a:extLst>
+              <a:ext uri="{FF2B5EF4-FFF2-40B4-BE49-F238E27FC236}">
+                <a16:creationId xmlns:a16="http://schemas.microsoft.com/office/drawing/2014/main" id="{8010BBCE-93F7-4C4C-A712-99EDF030C4B3}"/>
+              </a:ext>
+            </a:extLst>
+          </p:cNvPr>
+          <p:cNvPicPr>
+            <a:picLocks noChangeAspect="1" noChangeArrowheads="1"/>
+          </p:cNvPicPr>
+          <p:nvPr/>
+        </p:nvPicPr>
+        <p:blipFill>
+          <a:blip r:embed="rId8">
+            <a:extLst>
+              <a:ext uri="{28A0092B-C50C-407E-A947-70E740481C1C}">
+                <a14:useLocalDpi xmlns:a14="http://schemas.microsoft.com/office/drawing/2010/main" val="0"/>
+              </a:ext>
+            </a:extLst>
+          </a:blip>
+          <a:srcRect/>
+          <a:stretch>
+            <a:fillRect/>
+          </a:stretch>
+        </p:blipFill>
+        <p:spPr bwMode="auto">
+          <a:xfrm>
+            <a:off x="6950034" y="1162968"/>
+            <a:ext cx="4191000" cy="2955925"/>
+          </a:xfrm>
+          <a:prstGeom prst="rect">
+            <a:avLst/>
+          </a:prstGeom>
+          <a:noFill/>
+          <a:ln>
+            <a:noFill/>
+          </a:ln>
+          <a:extLst>
+            <a:ext uri="{909E8E84-426E-40DD-AFC4-6F175D3DCCD1}">
+              <a14:hiddenFill xmlns:a14="http://schemas.microsoft.com/office/drawing/2010/main">
+                <a:solidFill>
+                  <a:srgbClr val="FFFFFF"/>
+                </a:solidFill>
+              </a14:hiddenFill>
+            </a:ext>
+            <a:ext uri="{91240B29-F687-4F45-9708-019B960494DF}">
+              <a14:hiddenLine xmlns:a14="http://schemas.microsoft.com/office/drawing/2010/main" w="9525">
+                <a:solidFill>
+                  <a:srgbClr val="000000"/>
+                </a:solidFill>
+                <a:miter lim="800000"/>
+                <a:headEnd/>
+                <a:tailEnd/>
+              </a14:hiddenLine>
+            </a:ext>
+          </a:extLst>
+        </p:spPr>
+      </p:pic>
+    </p:spTree>
+    <p:extLst>
+      <p:ext uri="{BB962C8B-B14F-4D97-AF65-F5344CB8AC3E}">
+        <p14:creationId xmlns:p14="http://schemas.microsoft.com/office/powerpoint/2010/main" val="1540545363"/>
+      </p:ext>
+    </p:extLst>
+  </p:cSld>
+  <p:clrMapOvr>
+    <a:masterClrMapping/>
+  </p:clrMapOvr>
+</p:sld>
+</file>
+
+<file path=ppt/slides/slide31.xml><?xml version="1.0" encoding="utf-8"?>
+<p:sld xmlns:a="http://schemas.openxmlformats.org/drawingml/2006/main" xmlns:r="http://schemas.openxmlformats.org/officeDocument/2006/relationships" xmlns:p="http://schemas.openxmlformats.org/presentationml/2006/main">
+  <p:cSld>
+    <p:spTree>
+      <p:nvGrpSpPr>
+        <p:cNvPr id="1" name=""/>
+        <p:cNvGrpSpPr/>
+        <p:nvPr/>
+      </p:nvGrpSpPr>
+      <p:grpSpPr>
+        <a:xfrm>
+          <a:off x="0" y="0"/>
+          <a:ext cx="0" cy="0"/>
+          <a:chOff x="0" y="0"/>
+          <a:chExt cx="0" cy="0"/>
+        </a:xfrm>
+      </p:grpSpPr>
+      <p:sp>
+        <p:nvSpPr>
+          <p:cNvPr id="2" name="TextBox 1">
+            <a:extLst>
+              <a:ext uri="{FF2B5EF4-FFF2-40B4-BE49-F238E27FC236}">
+                <a16:creationId xmlns:a16="http://schemas.microsoft.com/office/drawing/2014/main" id="{5775A600-02E9-6F45-A8B3-F2BB2C49C847}"/>
+              </a:ext>
+            </a:extLst>
+          </p:cNvPr>
+          <p:cNvSpPr txBox="1"/>
+          <p:nvPr/>
+        </p:nvSpPr>
+        <p:spPr>
+          <a:xfrm>
+            <a:off x="0" y="123939"/>
+            <a:ext cx="12192000" cy="646331"/>
+          </a:xfrm>
+          <a:prstGeom prst="rect">
+            <a:avLst/>
+          </a:prstGeom>
+          <a:noFill/>
+        </p:spPr>
+        <p:txBody>
+          <a:bodyPr wrap="square" rtlCol="0">
+            <a:spAutoFit/>
+          </a:bodyPr>
+          <a:lstStyle/>
+          <a:p>
+            <a:pPr algn="ctr"/>
+            <a:r>
+              <a:rPr lang="en-US" sz="3600" dirty="0"/>
+              <a:t>Revealing cell dynamics</a:t>
+            </a:r>
+          </a:p>
+        </p:txBody>
+      </p:sp>
+      <p:pic>
+        <p:nvPicPr>
+          <p:cNvPr id="18" name="Picture 4" descr="gfp bone 1">
+            <a:extLst>
+              <a:ext uri="{FF2B5EF4-FFF2-40B4-BE49-F238E27FC236}">
+                <a16:creationId xmlns:a16="http://schemas.microsoft.com/office/drawing/2014/main" id="{35AA15BC-87D1-1D40-A6E0-32E24B845206}"/>
+              </a:ext>
+            </a:extLst>
+          </p:cNvPr>
+          <p:cNvPicPr>
+            <a:picLocks noChangeAspect="1" noChangeArrowheads="1"/>
+          </p:cNvPicPr>
+          <p:nvPr/>
+        </p:nvPicPr>
+        <p:blipFill>
+          <a:blip r:embed="rId2">
+            <a:lum contrast="10000"/>
+            <a:extLst>
+              <a:ext uri="{28A0092B-C50C-407E-A947-70E740481C1C}">
+                <a14:useLocalDpi xmlns:a14="http://schemas.microsoft.com/office/drawing/2010/main" val="0"/>
+              </a:ext>
+            </a:extLst>
+          </a:blip>
+          <a:srcRect/>
+          <a:stretch>
+            <a:fillRect/>
+          </a:stretch>
+        </p:blipFill>
+        <p:spPr bwMode="auto">
+          <a:xfrm>
+            <a:off x="3124200" y="934923"/>
+            <a:ext cx="5943600" cy="4425950"/>
+          </a:xfrm>
+          <a:prstGeom prst="rect">
+            <a:avLst/>
+          </a:prstGeom>
+          <a:noFill/>
+          <a:ln>
+            <a:noFill/>
+          </a:ln>
+          <a:extLst>
+            <a:ext uri="{909E8E84-426E-40DD-AFC4-6F175D3DCCD1}">
+              <a14:hiddenFill xmlns:a14="http://schemas.microsoft.com/office/drawing/2010/main">
+                <a:solidFill>
+                  <a:srgbClr val="FFFFFF"/>
+                </a:solidFill>
+              </a14:hiddenFill>
+            </a:ext>
+            <a:ext uri="{91240B29-F687-4F45-9708-019B960494DF}">
+              <a14:hiddenLine xmlns:a14="http://schemas.microsoft.com/office/drawing/2010/main" w="9525">
+                <a:solidFill>
+                  <a:srgbClr val="000000"/>
+                </a:solidFill>
+                <a:miter lim="800000"/>
+                <a:headEnd/>
+                <a:tailEnd/>
+              </a14:hiddenLine>
+            </a:ext>
+          </a:extLst>
+        </p:spPr>
+      </p:pic>
+      <p:sp>
+        <p:nvSpPr>
+          <p:cNvPr id="19" name="Text Box 4">
+            <a:extLst>
+              <a:ext uri="{FF2B5EF4-FFF2-40B4-BE49-F238E27FC236}">
+                <a16:creationId xmlns:a16="http://schemas.microsoft.com/office/drawing/2014/main" id="{F622C77E-8104-D240-AA8C-5CF9F560051E}"/>
+              </a:ext>
+            </a:extLst>
+          </p:cNvPr>
+          <p:cNvSpPr txBox="1">
+            <a:spLocks noChangeArrowheads="1"/>
+          </p:cNvSpPr>
+          <p:nvPr/>
+        </p:nvSpPr>
+        <p:spPr bwMode="auto">
+          <a:xfrm>
+            <a:off x="5030788" y="6214948"/>
+            <a:ext cx="1903412" cy="519113"/>
+          </a:xfrm>
+          <a:prstGeom prst="rect">
+            <a:avLst/>
+          </a:prstGeom>
+          <a:noFill/>
+          <a:ln>
+            <a:noFill/>
+          </a:ln>
+          <a:extLst>
+            <a:ext uri="{909E8E84-426E-40DD-AFC4-6F175D3DCCD1}">
+              <a14:hiddenFill xmlns:a14="http://schemas.microsoft.com/office/drawing/2010/main">
+                <a:solidFill>
+                  <a:srgbClr val="FFFFFF"/>
+                </a:solidFill>
+              </a14:hiddenFill>
+            </a:ext>
+            <a:ext uri="{91240B29-F687-4F45-9708-019B960494DF}">
+              <a14:hiddenLine xmlns:a14="http://schemas.microsoft.com/office/drawing/2010/main" w="9525">
+                <a:solidFill>
+                  <a:srgbClr val="000000"/>
+                </a:solidFill>
+                <a:miter lim="800000"/>
+                <a:headEnd/>
+                <a:tailEnd/>
+              </a14:hiddenLine>
+            </a:ext>
+          </a:extLst>
+        </p:spPr>
+        <p:txBody>
+          <a:bodyPr wrap="none">
+            <a:spAutoFit/>
+          </a:bodyPr>
+          <a:lstStyle>
+            <a:lvl1pPr eaLnBrk="0" hangingPunct="0">
+              <a:defRPr sz="3200">
+                <a:solidFill>
+                  <a:schemeClr val="tx1"/>
+                </a:solidFill>
+                <a:latin typeface="Arial" panose="020B0604020202020204" pitchFamily="34" charset="0"/>
+                <a:cs typeface="Arial" panose="020B0604020202020204" pitchFamily="34" charset="0"/>
+              </a:defRPr>
+            </a:lvl1pPr>
+            <a:lvl2pPr marL="742950" indent="-285750" eaLnBrk="0" hangingPunct="0">
+              <a:defRPr sz="3200">
+                <a:solidFill>
+                  <a:schemeClr val="tx1"/>
+                </a:solidFill>
+                <a:latin typeface="Arial" panose="020B0604020202020204" pitchFamily="34" charset="0"/>
+                <a:cs typeface="Arial" panose="020B0604020202020204" pitchFamily="34" charset="0"/>
+              </a:defRPr>
+            </a:lvl2pPr>
+            <a:lvl3pPr marL="1143000" indent="-228600" eaLnBrk="0" hangingPunct="0">
+              <a:defRPr sz="3200">
+                <a:solidFill>
+                  <a:schemeClr val="tx1"/>
+                </a:solidFill>
+                <a:latin typeface="Arial" panose="020B0604020202020204" pitchFamily="34" charset="0"/>
+                <a:cs typeface="Arial" panose="020B0604020202020204" pitchFamily="34" charset="0"/>
+              </a:defRPr>
+            </a:lvl3pPr>
+            <a:lvl4pPr marL="1600200" indent="-228600" eaLnBrk="0" hangingPunct="0">
+              <a:defRPr sz="3200">
+                <a:solidFill>
+                  <a:schemeClr val="tx1"/>
+                </a:solidFill>
+                <a:latin typeface="Arial" panose="020B0604020202020204" pitchFamily="34" charset="0"/>
+                <a:cs typeface="Arial" panose="020B0604020202020204" pitchFamily="34" charset="0"/>
+              </a:defRPr>
+            </a:lvl4pPr>
+            <a:lvl5pPr marL="2057400" indent="-228600" eaLnBrk="0" hangingPunct="0">
+              <a:defRPr sz="3200">
+                <a:solidFill>
+                  <a:schemeClr val="tx1"/>
+                </a:solidFill>
+                <a:latin typeface="Arial" panose="020B0604020202020204" pitchFamily="34" charset="0"/>
+                <a:cs typeface="Arial" panose="020B0604020202020204" pitchFamily="34" charset="0"/>
+              </a:defRPr>
+            </a:lvl5pPr>
+            <a:lvl6pPr marL="2514600" indent="-228600" eaLnBrk="0" fontAlgn="base" hangingPunct="0">
+              <a:spcBef>
+                <a:spcPct val="0"/>
+              </a:spcBef>
+              <a:spcAft>
+                <a:spcPct val="0"/>
+              </a:spcAft>
+              <a:defRPr sz="3200">
+                <a:solidFill>
+                  <a:schemeClr val="tx1"/>
+                </a:solidFill>
+                <a:latin typeface="Arial" panose="020B0604020202020204" pitchFamily="34" charset="0"/>
+                <a:cs typeface="Arial" panose="020B0604020202020204" pitchFamily="34" charset="0"/>
+              </a:defRPr>
+            </a:lvl6pPr>
+            <a:lvl7pPr marL="2971800" indent="-228600" eaLnBrk="0" fontAlgn="base" hangingPunct="0">
+              <a:spcBef>
+                <a:spcPct val="0"/>
+              </a:spcBef>
+              <a:spcAft>
+                <a:spcPct val="0"/>
+              </a:spcAft>
+              <a:defRPr sz="3200">
+                <a:solidFill>
+                  <a:schemeClr val="tx1"/>
+                </a:solidFill>
+                <a:latin typeface="Arial" panose="020B0604020202020204" pitchFamily="34" charset="0"/>
+                <a:cs typeface="Arial" panose="020B0604020202020204" pitchFamily="34" charset="0"/>
+              </a:defRPr>
+            </a:lvl7pPr>
+            <a:lvl8pPr marL="3429000" indent="-228600" eaLnBrk="0" fontAlgn="base" hangingPunct="0">
+              <a:spcBef>
+                <a:spcPct val="0"/>
+              </a:spcBef>
+              <a:spcAft>
+                <a:spcPct val="0"/>
+              </a:spcAft>
+              <a:defRPr sz="3200">
+                <a:solidFill>
+                  <a:schemeClr val="tx1"/>
+                </a:solidFill>
+                <a:latin typeface="Arial" panose="020B0604020202020204" pitchFamily="34" charset="0"/>
+                <a:cs typeface="Arial" panose="020B0604020202020204" pitchFamily="34" charset="0"/>
+              </a:defRPr>
+            </a:lvl8pPr>
+            <a:lvl9pPr marL="3886200" indent="-228600" eaLnBrk="0" fontAlgn="base" hangingPunct="0">
+              <a:spcBef>
+                <a:spcPct val="0"/>
+              </a:spcBef>
+              <a:spcAft>
+                <a:spcPct val="0"/>
+              </a:spcAft>
+              <a:defRPr sz="3200">
+                <a:solidFill>
+                  <a:schemeClr val="tx1"/>
+                </a:solidFill>
+                <a:latin typeface="Arial" panose="020B0604020202020204" pitchFamily="34" charset="0"/>
+                <a:cs typeface="Arial" panose="020B0604020202020204" pitchFamily="34" charset="0"/>
+              </a:defRPr>
+            </a:lvl9pPr>
+          </a:lstStyle>
+          <a:p>
+            <a:pPr eaLnBrk="1" hangingPunct="1"/>
+            <a:r>
+              <a:rPr lang="en-US" altLang="en-US" sz="2800" b="1" i="1">
+                <a:latin typeface="Calibri" panose="020F0502020204030204" pitchFamily="34" charset="0"/>
+              </a:rPr>
+              <a:t>Col2-GFP</a:t>
+            </a:r>
+            <a:r>
+              <a:rPr lang="en-US" altLang="en-US" sz="2800">
+                <a:latin typeface="Calibri" panose="020F0502020204030204" pitchFamily="34" charset="0"/>
+              </a:rPr>
+              <a:t> </a:t>
+            </a:r>
+          </a:p>
+        </p:txBody>
+      </p:sp>
+    </p:spTree>
+    <p:extLst>
+      <p:ext uri="{BB962C8B-B14F-4D97-AF65-F5344CB8AC3E}">
+        <p14:creationId xmlns:p14="http://schemas.microsoft.com/office/powerpoint/2010/main" val="1461032398"/>
+      </p:ext>
+    </p:extLst>
+  </p:cSld>
+  <p:clrMapOvr>
+    <a:masterClrMapping/>
+  </p:clrMapOvr>
+</p:sld>
+</file>
+
+<file path=ppt/slides/slide32.xml><?xml version="1.0" encoding="utf-8"?>
+<p:sld xmlns:a="http://schemas.openxmlformats.org/drawingml/2006/main" xmlns:r="http://schemas.openxmlformats.org/officeDocument/2006/relationships" xmlns:p="http://schemas.openxmlformats.org/presentationml/2006/main">
+  <p:cSld>
+    <p:spTree>
+      <p:nvGrpSpPr>
+        <p:cNvPr id="1" name=""/>
+        <p:cNvGrpSpPr/>
+        <p:nvPr/>
+      </p:nvGrpSpPr>
+      <p:grpSpPr>
+        <a:xfrm>
+          <a:off x="0" y="0"/>
+          <a:ext cx="0" cy="0"/>
+          <a:chOff x="0" y="0"/>
+          <a:chExt cx="0" cy="0"/>
+        </a:xfrm>
+      </p:grpSpPr>
+      <p:sp>
+        <p:nvSpPr>
+          <p:cNvPr id="2" name="TextBox 1">
+            <a:extLst>
+              <a:ext uri="{FF2B5EF4-FFF2-40B4-BE49-F238E27FC236}">
+                <a16:creationId xmlns:a16="http://schemas.microsoft.com/office/drawing/2014/main" id="{5775A600-02E9-6F45-A8B3-F2BB2C49C847}"/>
+              </a:ext>
+            </a:extLst>
+          </p:cNvPr>
+          <p:cNvSpPr txBox="1"/>
+          <p:nvPr/>
+        </p:nvSpPr>
+        <p:spPr>
+          <a:xfrm>
+            <a:off x="0" y="123939"/>
+            <a:ext cx="12192000" cy="646331"/>
+          </a:xfrm>
+          <a:prstGeom prst="rect">
+            <a:avLst/>
+          </a:prstGeom>
+          <a:noFill/>
+        </p:spPr>
+        <p:txBody>
+          <a:bodyPr wrap="square" rtlCol="0">
+            <a:spAutoFit/>
+          </a:bodyPr>
+          <a:lstStyle/>
+          <a:p>
+            <a:pPr algn="ctr"/>
+            <a:r>
+              <a:rPr lang="en-US" sz="3600" dirty="0"/>
+              <a:t>Revealing cell dynamics</a:t>
+            </a:r>
+          </a:p>
+        </p:txBody>
+      </p:sp>
+      <p:sp>
+        <p:nvSpPr>
+          <p:cNvPr id="19" name="Text Box 4">
+            <a:extLst>
+              <a:ext uri="{FF2B5EF4-FFF2-40B4-BE49-F238E27FC236}">
+                <a16:creationId xmlns:a16="http://schemas.microsoft.com/office/drawing/2014/main" id="{F622C77E-8104-D240-AA8C-5CF9F560051E}"/>
+              </a:ext>
+            </a:extLst>
+          </p:cNvPr>
+          <p:cNvSpPr txBox="1">
+            <a:spLocks noChangeArrowheads="1"/>
+          </p:cNvSpPr>
+          <p:nvPr/>
+        </p:nvSpPr>
+        <p:spPr bwMode="auto">
+          <a:xfrm>
+            <a:off x="5030788" y="6214948"/>
+            <a:ext cx="1903412" cy="519113"/>
+          </a:xfrm>
+          <a:prstGeom prst="rect">
+            <a:avLst/>
+          </a:prstGeom>
+          <a:noFill/>
+          <a:ln>
+            <a:noFill/>
+          </a:ln>
+          <a:extLst>
+            <a:ext uri="{909E8E84-426E-40DD-AFC4-6F175D3DCCD1}">
+              <a14:hiddenFill xmlns:a14="http://schemas.microsoft.com/office/drawing/2010/main">
+                <a:solidFill>
+                  <a:srgbClr val="FFFFFF"/>
+                </a:solidFill>
+              </a14:hiddenFill>
+            </a:ext>
+            <a:ext uri="{91240B29-F687-4F45-9708-019B960494DF}">
+              <a14:hiddenLine xmlns:a14="http://schemas.microsoft.com/office/drawing/2010/main" w="9525">
+                <a:solidFill>
+                  <a:srgbClr val="000000"/>
+                </a:solidFill>
+                <a:miter lim="800000"/>
+                <a:headEnd/>
+                <a:tailEnd/>
+              </a14:hiddenLine>
+            </a:ext>
+          </a:extLst>
+        </p:spPr>
+        <p:txBody>
+          <a:bodyPr wrap="none">
+            <a:spAutoFit/>
+          </a:bodyPr>
+          <a:lstStyle>
+            <a:lvl1pPr eaLnBrk="0" hangingPunct="0">
+              <a:defRPr sz="3200">
+                <a:solidFill>
+                  <a:schemeClr val="tx1"/>
+                </a:solidFill>
+                <a:latin typeface="Arial" panose="020B0604020202020204" pitchFamily="34" charset="0"/>
+                <a:cs typeface="Arial" panose="020B0604020202020204" pitchFamily="34" charset="0"/>
+              </a:defRPr>
+            </a:lvl1pPr>
+            <a:lvl2pPr marL="742950" indent="-285750" eaLnBrk="0" hangingPunct="0">
+              <a:defRPr sz="3200">
+                <a:solidFill>
+                  <a:schemeClr val="tx1"/>
+                </a:solidFill>
+                <a:latin typeface="Arial" panose="020B0604020202020204" pitchFamily="34" charset="0"/>
+                <a:cs typeface="Arial" panose="020B0604020202020204" pitchFamily="34" charset="0"/>
+              </a:defRPr>
+            </a:lvl2pPr>
+            <a:lvl3pPr marL="1143000" indent="-228600" eaLnBrk="0" hangingPunct="0">
+              <a:defRPr sz="3200">
+                <a:solidFill>
+                  <a:schemeClr val="tx1"/>
+                </a:solidFill>
+                <a:latin typeface="Arial" panose="020B0604020202020204" pitchFamily="34" charset="0"/>
+                <a:cs typeface="Arial" panose="020B0604020202020204" pitchFamily="34" charset="0"/>
+              </a:defRPr>
+            </a:lvl3pPr>
+            <a:lvl4pPr marL="1600200" indent="-228600" eaLnBrk="0" hangingPunct="0">
+              <a:defRPr sz="3200">
+                <a:solidFill>
+                  <a:schemeClr val="tx1"/>
+                </a:solidFill>
+                <a:latin typeface="Arial" panose="020B0604020202020204" pitchFamily="34" charset="0"/>
+                <a:cs typeface="Arial" panose="020B0604020202020204" pitchFamily="34" charset="0"/>
+              </a:defRPr>
+            </a:lvl4pPr>
+            <a:lvl5pPr marL="2057400" indent="-228600" eaLnBrk="0" hangingPunct="0">
+              <a:defRPr sz="3200">
+                <a:solidFill>
+                  <a:schemeClr val="tx1"/>
+                </a:solidFill>
+                <a:latin typeface="Arial" panose="020B0604020202020204" pitchFamily="34" charset="0"/>
+                <a:cs typeface="Arial" panose="020B0604020202020204" pitchFamily="34" charset="0"/>
+              </a:defRPr>
+            </a:lvl5pPr>
+            <a:lvl6pPr marL="2514600" indent="-228600" eaLnBrk="0" fontAlgn="base" hangingPunct="0">
+              <a:spcBef>
+                <a:spcPct val="0"/>
+              </a:spcBef>
+              <a:spcAft>
+                <a:spcPct val="0"/>
+              </a:spcAft>
+              <a:defRPr sz="3200">
+                <a:solidFill>
+                  <a:schemeClr val="tx1"/>
+                </a:solidFill>
+                <a:latin typeface="Arial" panose="020B0604020202020204" pitchFamily="34" charset="0"/>
+                <a:cs typeface="Arial" panose="020B0604020202020204" pitchFamily="34" charset="0"/>
+              </a:defRPr>
+            </a:lvl6pPr>
+            <a:lvl7pPr marL="2971800" indent="-228600" eaLnBrk="0" fontAlgn="base" hangingPunct="0">
+              <a:spcBef>
+                <a:spcPct val="0"/>
+              </a:spcBef>
+              <a:spcAft>
+                <a:spcPct val="0"/>
+              </a:spcAft>
+              <a:defRPr sz="3200">
+                <a:solidFill>
+                  <a:schemeClr val="tx1"/>
+                </a:solidFill>
+                <a:latin typeface="Arial" panose="020B0604020202020204" pitchFamily="34" charset="0"/>
+                <a:cs typeface="Arial" panose="020B0604020202020204" pitchFamily="34" charset="0"/>
+              </a:defRPr>
+            </a:lvl7pPr>
+            <a:lvl8pPr marL="3429000" indent="-228600" eaLnBrk="0" fontAlgn="base" hangingPunct="0">
+              <a:spcBef>
+                <a:spcPct val="0"/>
+              </a:spcBef>
+              <a:spcAft>
+                <a:spcPct val="0"/>
+              </a:spcAft>
+              <a:defRPr sz="3200">
+                <a:solidFill>
+                  <a:schemeClr val="tx1"/>
+                </a:solidFill>
+                <a:latin typeface="Arial" panose="020B0604020202020204" pitchFamily="34" charset="0"/>
+                <a:cs typeface="Arial" panose="020B0604020202020204" pitchFamily="34" charset="0"/>
+              </a:defRPr>
+            </a:lvl8pPr>
+            <a:lvl9pPr marL="3886200" indent="-228600" eaLnBrk="0" fontAlgn="base" hangingPunct="0">
+              <a:spcBef>
+                <a:spcPct val="0"/>
+              </a:spcBef>
+              <a:spcAft>
+                <a:spcPct val="0"/>
+              </a:spcAft>
+              <a:defRPr sz="3200">
+                <a:solidFill>
+                  <a:schemeClr val="tx1"/>
+                </a:solidFill>
+                <a:latin typeface="Arial" panose="020B0604020202020204" pitchFamily="34" charset="0"/>
+                <a:cs typeface="Arial" panose="020B0604020202020204" pitchFamily="34" charset="0"/>
+              </a:defRPr>
+            </a:lvl9pPr>
+          </a:lstStyle>
+          <a:p>
+            <a:pPr eaLnBrk="1" hangingPunct="1"/>
+            <a:r>
+              <a:rPr lang="en-US" altLang="en-US" sz="2800" b="1" i="1">
+                <a:latin typeface="Calibri" panose="020F0502020204030204" pitchFamily="34" charset="0"/>
+              </a:rPr>
+              <a:t>Col2-GFP</a:t>
+            </a:r>
+            <a:r>
+              <a:rPr lang="en-US" altLang="en-US" sz="2800">
+                <a:latin typeface="Calibri" panose="020F0502020204030204" pitchFamily="34" charset="0"/>
+              </a:rPr>
+              <a:t> </a:t>
+            </a:r>
+          </a:p>
+        </p:txBody>
+      </p:sp>
+      <p:pic>
+        <p:nvPicPr>
+          <p:cNvPr id="5" name="Picture 4" descr="gfp mose rib">
+            <a:extLst>
+              <a:ext uri="{FF2B5EF4-FFF2-40B4-BE49-F238E27FC236}">
+                <a16:creationId xmlns:a16="http://schemas.microsoft.com/office/drawing/2014/main" id="{AEFE447B-FB53-8B4B-8858-C1171F2FCBE5}"/>
+              </a:ext>
+            </a:extLst>
+          </p:cNvPr>
+          <p:cNvPicPr>
+            <a:picLocks noChangeAspect="1" noChangeArrowheads="1"/>
+          </p:cNvPicPr>
+          <p:nvPr/>
+        </p:nvPicPr>
+        <p:blipFill>
+          <a:blip r:embed="rId2">
+            <a:extLst>
+              <a:ext uri="{28A0092B-C50C-407E-A947-70E740481C1C}">
+                <a14:useLocalDpi xmlns:a14="http://schemas.microsoft.com/office/drawing/2010/main" val="0"/>
+              </a:ext>
+            </a:extLst>
+          </a:blip>
+          <a:srcRect/>
+          <a:stretch>
+            <a:fillRect/>
+          </a:stretch>
+        </p:blipFill>
+        <p:spPr bwMode="auto">
+          <a:xfrm>
+            <a:off x="182061" y="1673111"/>
+            <a:ext cx="5174166" cy="3657600"/>
+          </a:xfrm>
+          <a:prstGeom prst="rect">
+            <a:avLst/>
+          </a:prstGeom>
+          <a:noFill/>
+          <a:ln>
+            <a:noFill/>
+          </a:ln>
+          <a:extLst>
+            <a:ext uri="{909E8E84-426E-40DD-AFC4-6F175D3DCCD1}">
+              <a14:hiddenFill xmlns:a14="http://schemas.microsoft.com/office/drawing/2010/main">
+                <a:solidFill>
+                  <a:srgbClr val="FFFFFF"/>
+                </a:solidFill>
+              </a14:hiddenFill>
+            </a:ext>
+            <a:ext uri="{91240B29-F687-4F45-9708-019B960494DF}">
+              <a14:hiddenLine xmlns:a14="http://schemas.microsoft.com/office/drawing/2010/main" w="9525">
+                <a:solidFill>
+                  <a:srgbClr val="000000"/>
+                </a:solidFill>
+                <a:miter lim="800000"/>
+                <a:headEnd/>
+                <a:tailEnd/>
+              </a14:hiddenLine>
+            </a:ext>
+          </a:extLst>
+        </p:spPr>
+      </p:pic>
+      <p:pic>
+        <p:nvPicPr>
+          <p:cNvPr id="6" name="Picture 5" descr="gfp mouse leg">
+            <a:extLst>
+              <a:ext uri="{FF2B5EF4-FFF2-40B4-BE49-F238E27FC236}">
+                <a16:creationId xmlns:a16="http://schemas.microsoft.com/office/drawing/2014/main" id="{C52BDAEB-E52B-804B-9175-E9890DAC4315}"/>
+              </a:ext>
+            </a:extLst>
+          </p:cNvPr>
+          <p:cNvPicPr>
+            <a:picLocks noChangeAspect="1" noChangeArrowheads="1"/>
+          </p:cNvPicPr>
+          <p:nvPr/>
+        </p:nvPicPr>
+        <p:blipFill>
+          <a:blip r:embed="rId3">
+            <a:extLst>
+              <a:ext uri="{28A0092B-C50C-407E-A947-70E740481C1C}">
+                <a14:useLocalDpi xmlns:a14="http://schemas.microsoft.com/office/drawing/2010/main" val="0"/>
+              </a:ext>
+            </a:extLst>
+          </a:blip>
+          <a:srcRect/>
+          <a:stretch>
+            <a:fillRect/>
+          </a:stretch>
+        </p:blipFill>
+        <p:spPr bwMode="auto">
+          <a:xfrm>
+            <a:off x="7590339" y="1673111"/>
+            <a:ext cx="4419600" cy="3657600"/>
+          </a:xfrm>
+          <a:prstGeom prst="rect">
+            <a:avLst/>
+          </a:prstGeom>
+          <a:noFill/>
+          <a:ln>
+            <a:noFill/>
+          </a:ln>
+          <a:extLst>
+            <a:ext uri="{909E8E84-426E-40DD-AFC4-6F175D3DCCD1}">
+              <a14:hiddenFill xmlns:a14="http://schemas.microsoft.com/office/drawing/2010/main">
+                <a:solidFill>
+                  <a:srgbClr val="FFFFFF"/>
+                </a:solidFill>
+              </a14:hiddenFill>
+            </a:ext>
+            <a:ext uri="{91240B29-F687-4F45-9708-019B960494DF}">
+              <a14:hiddenLine xmlns:a14="http://schemas.microsoft.com/office/drawing/2010/main" w="9525">
+                <a:solidFill>
+                  <a:srgbClr val="000000"/>
+                </a:solidFill>
+                <a:miter lim="800000"/>
+                <a:headEnd/>
+                <a:tailEnd/>
+              </a14:hiddenLine>
+            </a:ext>
+          </a:extLst>
+        </p:spPr>
+      </p:pic>
+      <p:sp>
+        <p:nvSpPr>
+          <p:cNvPr id="7" name="Text Box 5">
+            <a:extLst>
+              <a:ext uri="{FF2B5EF4-FFF2-40B4-BE49-F238E27FC236}">
+                <a16:creationId xmlns:a16="http://schemas.microsoft.com/office/drawing/2014/main" id="{A7A633A9-019A-E544-A311-3A711DA00B6C}"/>
+              </a:ext>
+            </a:extLst>
+          </p:cNvPr>
+          <p:cNvSpPr txBox="1">
+            <a:spLocks noChangeArrowheads="1"/>
+          </p:cNvSpPr>
+          <p:nvPr/>
+        </p:nvSpPr>
+        <p:spPr bwMode="auto">
+          <a:xfrm>
+            <a:off x="7590339" y="5573598"/>
+            <a:ext cx="2673350" cy="641350"/>
+          </a:xfrm>
+          <a:prstGeom prst="rect">
+            <a:avLst/>
+          </a:prstGeom>
+          <a:noFill/>
+          <a:ln>
+            <a:noFill/>
+          </a:ln>
+          <a:extLst>
+            <a:ext uri="{909E8E84-426E-40DD-AFC4-6F175D3DCCD1}">
+              <a14:hiddenFill xmlns:a14="http://schemas.microsoft.com/office/drawing/2010/main">
+                <a:solidFill>
+                  <a:srgbClr val="FFFFFF"/>
+                </a:solidFill>
+              </a14:hiddenFill>
+            </a:ext>
+            <a:ext uri="{91240B29-F687-4F45-9708-019B960494DF}">
+              <a14:hiddenLine xmlns:a14="http://schemas.microsoft.com/office/drawing/2010/main" w="9525">
+                <a:solidFill>
+                  <a:srgbClr val="000000"/>
+                </a:solidFill>
+                <a:miter lim="800000"/>
+                <a:headEnd/>
+                <a:tailEnd/>
+              </a14:hiddenLine>
+            </a:ext>
+          </a:extLst>
+        </p:spPr>
+        <p:txBody>
+          <a:bodyPr wrap="none">
+            <a:spAutoFit/>
+          </a:bodyPr>
+          <a:lstStyle>
+            <a:lvl1pPr eaLnBrk="0" hangingPunct="0">
+              <a:defRPr sz="3200">
+                <a:solidFill>
+                  <a:schemeClr val="tx1"/>
+                </a:solidFill>
+                <a:latin typeface="Arial" panose="020B0604020202020204" pitchFamily="34" charset="0"/>
+                <a:cs typeface="Arial" panose="020B0604020202020204" pitchFamily="34" charset="0"/>
+              </a:defRPr>
+            </a:lvl1pPr>
+            <a:lvl2pPr marL="742950" indent="-285750" eaLnBrk="0" hangingPunct="0">
+              <a:defRPr sz="3200">
+                <a:solidFill>
+                  <a:schemeClr val="tx1"/>
+                </a:solidFill>
+                <a:latin typeface="Arial" panose="020B0604020202020204" pitchFamily="34" charset="0"/>
+                <a:cs typeface="Arial" panose="020B0604020202020204" pitchFamily="34" charset="0"/>
+              </a:defRPr>
+            </a:lvl2pPr>
+            <a:lvl3pPr marL="1143000" indent="-228600" eaLnBrk="0" hangingPunct="0">
+              <a:defRPr sz="3200">
+                <a:solidFill>
+                  <a:schemeClr val="tx1"/>
+                </a:solidFill>
+                <a:latin typeface="Arial" panose="020B0604020202020204" pitchFamily="34" charset="0"/>
+                <a:cs typeface="Arial" panose="020B0604020202020204" pitchFamily="34" charset="0"/>
+              </a:defRPr>
+            </a:lvl3pPr>
+            <a:lvl4pPr marL="1600200" indent="-228600" eaLnBrk="0" hangingPunct="0">
+              <a:defRPr sz="3200">
+                <a:solidFill>
+                  <a:schemeClr val="tx1"/>
+                </a:solidFill>
+                <a:latin typeface="Arial" panose="020B0604020202020204" pitchFamily="34" charset="0"/>
+                <a:cs typeface="Arial" panose="020B0604020202020204" pitchFamily="34" charset="0"/>
+              </a:defRPr>
+            </a:lvl4pPr>
+            <a:lvl5pPr marL="2057400" indent="-228600" eaLnBrk="0" hangingPunct="0">
+              <a:defRPr sz="3200">
+                <a:solidFill>
+                  <a:schemeClr val="tx1"/>
+                </a:solidFill>
+                <a:latin typeface="Arial" panose="020B0604020202020204" pitchFamily="34" charset="0"/>
+                <a:cs typeface="Arial" panose="020B0604020202020204" pitchFamily="34" charset="0"/>
+              </a:defRPr>
+            </a:lvl5pPr>
+            <a:lvl6pPr marL="2514600" indent="-228600" eaLnBrk="0" fontAlgn="base" hangingPunct="0">
+              <a:spcBef>
+                <a:spcPct val="0"/>
+              </a:spcBef>
+              <a:spcAft>
+                <a:spcPct val="0"/>
+              </a:spcAft>
+              <a:defRPr sz="3200">
+                <a:solidFill>
+                  <a:schemeClr val="tx1"/>
+                </a:solidFill>
+                <a:latin typeface="Arial" panose="020B0604020202020204" pitchFamily="34" charset="0"/>
+                <a:cs typeface="Arial" panose="020B0604020202020204" pitchFamily="34" charset="0"/>
+              </a:defRPr>
+            </a:lvl6pPr>
+            <a:lvl7pPr marL="2971800" indent="-228600" eaLnBrk="0" fontAlgn="base" hangingPunct="0">
+              <a:spcBef>
+                <a:spcPct val="0"/>
+              </a:spcBef>
+              <a:spcAft>
+                <a:spcPct val="0"/>
+              </a:spcAft>
+              <a:defRPr sz="3200">
+                <a:solidFill>
+                  <a:schemeClr val="tx1"/>
+                </a:solidFill>
+                <a:latin typeface="Arial" panose="020B0604020202020204" pitchFamily="34" charset="0"/>
+                <a:cs typeface="Arial" panose="020B0604020202020204" pitchFamily="34" charset="0"/>
+              </a:defRPr>
+            </a:lvl7pPr>
+            <a:lvl8pPr marL="3429000" indent="-228600" eaLnBrk="0" fontAlgn="base" hangingPunct="0">
+              <a:spcBef>
+                <a:spcPct val="0"/>
+              </a:spcBef>
+              <a:spcAft>
+                <a:spcPct val="0"/>
+              </a:spcAft>
+              <a:defRPr sz="3200">
+                <a:solidFill>
+                  <a:schemeClr val="tx1"/>
+                </a:solidFill>
+                <a:latin typeface="Arial" panose="020B0604020202020204" pitchFamily="34" charset="0"/>
+                <a:cs typeface="Arial" panose="020B0604020202020204" pitchFamily="34" charset="0"/>
+              </a:defRPr>
+            </a:lvl8pPr>
+            <a:lvl9pPr marL="3886200" indent="-228600" eaLnBrk="0" fontAlgn="base" hangingPunct="0">
+              <a:spcBef>
+                <a:spcPct val="0"/>
+              </a:spcBef>
+              <a:spcAft>
+                <a:spcPct val="0"/>
+              </a:spcAft>
+              <a:defRPr sz="3200">
+                <a:solidFill>
+                  <a:schemeClr val="tx1"/>
+                </a:solidFill>
+                <a:latin typeface="Arial" panose="020B0604020202020204" pitchFamily="34" charset="0"/>
+                <a:cs typeface="Arial" panose="020B0604020202020204" pitchFamily="34" charset="0"/>
+              </a:defRPr>
+            </a:lvl9pPr>
+          </a:lstStyle>
+          <a:p>
+            <a:pPr eaLnBrk="1" hangingPunct="1"/>
+            <a:r>
+              <a:rPr lang="en-US" altLang="en-US" sz="1800" dirty="0"/>
+              <a:t>As cartilage is converted</a:t>
+            </a:r>
+          </a:p>
+          <a:p>
+            <a:pPr eaLnBrk="1" hangingPunct="1"/>
+            <a:r>
+              <a:rPr lang="en-US" altLang="en-US" sz="1800" dirty="0"/>
+              <a:t>to bone, cells go dim</a:t>
+            </a:r>
+          </a:p>
+        </p:txBody>
+      </p:sp>
+    </p:spTree>
+    <p:extLst>
+      <p:ext uri="{BB962C8B-B14F-4D97-AF65-F5344CB8AC3E}">
+        <p14:creationId xmlns:p14="http://schemas.microsoft.com/office/powerpoint/2010/main" val="556985165"/>
+      </p:ext>
+    </p:extLst>
+  </p:cSld>
+  <p:clrMapOvr>
+    <a:masterClrMapping/>
+  </p:clrMapOvr>
+</p:sld>
+</file>
+
+<file path=ppt/slides/slide33.xml><?xml version="1.0" encoding="utf-8"?>
+<p:sld xmlns:a="http://schemas.openxmlformats.org/drawingml/2006/main" xmlns:r="http://schemas.openxmlformats.org/officeDocument/2006/relationships" xmlns:p="http://schemas.openxmlformats.org/presentationml/2006/main">
+  <p:cSld>
+    <p:spTree>
+      <p:nvGrpSpPr>
+        <p:cNvPr id="1" name=""/>
+        <p:cNvGrpSpPr/>
+        <p:nvPr/>
+      </p:nvGrpSpPr>
+      <p:grpSpPr>
+        <a:xfrm>
+          <a:off x="0" y="0"/>
+          <a:ext cx="0" cy="0"/>
+          <a:chOff x="0" y="0"/>
+          <a:chExt cx="0" cy="0"/>
+        </a:xfrm>
+      </p:grpSpPr>
+      <p:sp>
+        <p:nvSpPr>
+          <p:cNvPr id="2" name="TextBox 1">
+            <a:extLst>
+              <a:ext uri="{FF2B5EF4-FFF2-40B4-BE49-F238E27FC236}">
+                <a16:creationId xmlns:a16="http://schemas.microsoft.com/office/drawing/2014/main" id="{5775A600-02E9-6F45-A8B3-F2BB2C49C847}"/>
+              </a:ext>
+            </a:extLst>
+          </p:cNvPr>
+          <p:cNvSpPr txBox="1"/>
+          <p:nvPr/>
+        </p:nvSpPr>
+        <p:spPr>
+          <a:xfrm>
+            <a:off x="0" y="123939"/>
+            <a:ext cx="12192000" cy="646331"/>
+          </a:xfrm>
+          <a:prstGeom prst="rect">
+            <a:avLst/>
+          </a:prstGeom>
+          <a:noFill/>
+        </p:spPr>
+        <p:txBody>
+          <a:bodyPr wrap="square" rtlCol="0">
+            <a:spAutoFit/>
+          </a:bodyPr>
+          <a:lstStyle/>
+          <a:p>
+            <a:pPr algn="ctr"/>
+            <a:r>
+              <a:rPr lang="en-US" sz="3600" dirty="0"/>
+              <a:t>Revealing cell dynamics</a:t>
+            </a:r>
+          </a:p>
+        </p:txBody>
+      </p:sp>
+      <p:pic>
+        <p:nvPicPr>
+          <p:cNvPr id="8" name="Picture 4" descr="gfp_mouse_tumor1">
+            <a:extLst>
+              <a:ext uri="{FF2B5EF4-FFF2-40B4-BE49-F238E27FC236}">
+                <a16:creationId xmlns:a16="http://schemas.microsoft.com/office/drawing/2014/main" id="{D350EA41-CF9B-2745-8AC7-853E43A34725}"/>
+              </a:ext>
+            </a:extLst>
+          </p:cNvPr>
+          <p:cNvPicPr>
+            <a:picLocks noChangeAspect="1" noChangeArrowheads="1"/>
+          </p:cNvPicPr>
+          <p:nvPr/>
+        </p:nvPicPr>
+        <p:blipFill>
+          <a:blip r:embed="rId2">
+            <a:lum contrast="30000"/>
+            <a:extLst>
+              <a:ext uri="{28A0092B-C50C-407E-A947-70E740481C1C}">
+                <a14:useLocalDpi xmlns:a14="http://schemas.microsoft.com/office/drawing/2010/main" val="0"/>
+              </a:ext>
+            </a:extLst>
+          </a:blip>
+          <a:srcRect l="2122" t="4317" r="2388" b="3596"/>
+          <a:stretch>
+            <a:fillRect/>
+          </a:stretch>
+        </p:blipFill>
+        <p:spPr bwMode="auto">
+          <a:xfrm>
+            <a:off x="2354178" y="1026694"/>
+            <a:ext cx="7656095" cy="5443782"/>
+          </a:xfrm>
+          <a:prstGeom prst="rect">
+            <a:avLst/>
+          </a:prstGeom>
+          <a:noFill/>
+          <a:ln>
+            <a:noFill/>
+          </a:ln>
+          <a:extLst>
+            <a:ext uri="{909E8E84-426E-40DD-AFC4-6F175D3DCCD1}">
+              <a14:hiddenFill xmlns:a14="http://schemas.microsoft.com/office/drawing/2010/main">
+                <a:solidFill>
+                  <a:srgbClr val="FFFFFF"/>
+                </a:solidFill>
+              </a14:hiddenFill>
+            </a:ext>
+            <a:ext uri="{91240B29-F687-4F45-9708-019B960494DF}">
+              <a14:hiddenLine xmlns:a14="http://schemas.microsoft.com/office/drawing/2010/main" w="9525">
+                <a:solidFill>
+                  <a:srgbClr val="000000"/>
+                </a:solidFill>
+                <a:miter lim="800000"/>
+                <a:headEnd/>
+                <a:tailEnd/>
+              </a14:hiddenLine>
+            </a:ext>
+          </a:extLst>
+        </p:spPr>
+      </p:pic>
+    </p:spTree>
+    <p:extLst>
+      <p:ext uri="{BB962C8B-B14F-4D97-AF65-F5344CB8AC3E}">
+        <p14:creationId xmlns:p14="http://schemas.microsoft.com/office/powerpoint/2010/main" val="2623431175"/>
       </p:ext>
     </p:extLst>
   </p:cSld>
@@ -21485,6 +27839,262 @@
           <a:p>
             <a:pPr algn="ctr"/>
             <a:r>
+              <a:rPr lang="en-US" sz="3600" dirty="0"/>
+              <a:t>Green Fluorescent Protein</a:t>
+            </a:r>
+          </a:p>
+        </p:txBody>
+      </p:sp>
+      <p:pic>
+        <p:nvPicPr>
+          <p:cNvPr id="5" name="Picture 7" descr="GFP">
+            <a:extLst>
+              <a:ext uri="{FF2B5EF4-FFF2-40B4-BE49-F238E27FC236}">
+                <a16:creationId xmlns:a16="http://schemas.microsoft.com/office/drawing/2014/main" id="{FC1EF6A9-35D3-024D-96D9-38178201D4AE}"/>
+              </a:ext>
+            </a:extLst>
+          </p:cNvPr>
+          <p:cNvPicPr>
+            <a:picLocks noChangeAspect="1" noChangeArrowheads="1"/>
+          </p:cNvPicPr>
+          <p:nvPr/>
+        </p:nvPicPr>
+        <p:blipFill>
+          <a:blip r:embed="rId2">
+            <a:extLst>
+              <a:ext uri="{28A0092B-C50C-407E-A947-70E740481C1C}">
+                <a14:useLocalDpi xmlns:a14="http://schemas.microsoft.com/office/drawing/2010/main" val="0"/>
+              </a:ext>
+            </a:extLst>
+          </a:blip>
+          <a:srcRect/>
+          <a:stretch>
+            <a:fillRect/>
+          </a:stretch>
+        </p:blipFill>
+        <p:spPr bwMode="auto">
+          <a:xfrm>
+            <a:off x="7086602" y="1549817"/>
+            <a:ext cx="3789947" cy="3789947"/>
+          </a:xfrm>
+          <a:prstGeom prst="rect">
+            <a:avLst/>
+          </a:prstGeom>
+          <a:noFill/>
+          <a:ln>
+            <a:noFill/>
+          </a:ln>
+          <a:extLst>
+            <a:ext uri="{909E8E84-426E-40DD-AFC4-6F175D3DCCD1}">
+              <a14:hiddenFill xmlns:a14="http://schemas.microsoft.com/office/drawing/2010/main">
+                <a:solidFill>
+                  <a:srgbClr val="FFFFFF"/>
+                </a:solidFill>
+              </a14:hiddenFill>
+            </a:ext>
+            <a:ext uri="{91240B29-F687-4F45-9708-019B960494DF}">
+              <a14:hiddenLine xmlns:a14="http://schemas.microsoft.com/office/drawing/2010/main" w="9525">
+                <a:solidFill>
+                  <a:srgbClr val="000000"/>
+                </a:solidFill>
+                <a:miter lim="800000"/>
+                <a:headEnd/>
+                <a:tailEnd/>
+              </a14:hiddenLine>
+            </a:ext>
+          </a:extLst>
+        </p:spPr>
+      </p:pic>
+      <p:pic>
+        <p:nvPicPr>
+          <p:cNvPr id="6" name="Picture 13">
+            <a:extLst>
+              <a:ext uri="{FF2B5EF4-FFF2-40B4-BE49-F238E27FC236}">
+                <a16:creationId xmlns:a16="http://schemas.microsoft.com/office/drawing/2014/main" id="{6FD503A8-4C6E-7345-A6BC-06F916D43B81}"/>
+              </a:ext>
+            </a:extLst>
+          </p:cNvPr>
+          <p:cNvPicPr>
+            <a:picLocks noChangeAspect="1" noChangeArrowheads="1"/>
+          </p:cNvPicPr>
+          <p:nvPr/>
+        </p:nvPicPr>
+        <p:blipFill>
+          <a:blip r:embed="rId3">
+            <a:extLst>
+              <a:ext uri="{28A0092B-C50C-407E-A947-70E740481C1C}">
+                <a14:useLocalDpi xmlns:a14="http://schemas.microsoft.com/office/drawing/2010/main" val="0"/>
+              </a:ext>
+            </a:extLst>
+          </a:blip>
+          <a:srcRect/>
+          <a:stretch>
+            <a:fillRect/>
+          </a:stretch>
+        </p:blipFill>
+        <p:spPr bwMode="auto">
+          <a:xfrm>
+            <a:off x="858253" y="1549817"/>
+            <a:ext cx="4572000" cy="3648075"/>
+          </a:xfrm>
+          <a:prstGeom prst="rect">
+            <a:avLst/>
+          </a:prstGeom>
+          <a:noFill/>
+          <a:ln>
+            <a:noFill/>
+          </a:ln>
+          <a:extLst>
+            <a:ext uri="{909E8E84-426E-40DD-AFC4-6F175D3DCCD1}">
+              <a14:hiddenFill xmlns:a14="http://schemas.microsoft.com/office/drawing/2010/main">
+                <a:solidFill>
+                  <a:srgbClr val="FFFFFF"/>
+                </a:solidFill>
+              </a14:hiddenFill>
+            </a:ext>
+            <a:ext uri="{91240B29-F687-4F45-9708-019B960494DF}">
+              <a14:hiddenLine xmlns:a14="http://schemas.microsoft.com/office/drawing/2010/main" w="9525">
+                <a:solidFill>
+                  <a:srgbClr val="000000"/>
+                </a:solidFill>
+                <a:miter lim="800000"/>
+                <a:headEnd/>
+                <a:tailEnd/>
+              </a14:hiddenLine>
+            </a:ext>
+          </a:extLst>
+        </p:spPr>
+      </p:pic>
+      <p:sp>
+        <p:nvSpPr>
+          <p:cNvPr id="3" name="TextBox 2">
+            <a:extLst>
+              <a:ext uri="{FF2B5EF4-FFF2-40B4-BE49-F238E27FC236}">
+                <a16:creationId xmlns:a16="http://schemas.microsoft.com/office/drawing/2014/main" id="{94612B21-ABA5-C343-817C-D1E53BC092FF}"/>
+              </a:ext>
+            </a:extLst>
+          </p:cNvPr>
+          <p:cNvSpPr txBox="1"/>
+          <p:nvPr/>
+        </p:nvSpPr>
+        <p:spPr>
+          <a:xfrm>
+            <a:off x="2568262" y="5339764"/>
+            <a:ext cx="1151982" cy="369332"/>
+          </a:xfrm>
+          <a:prstGeom prst="rect">
+            <a:avLst/>
+          </a:prstGeom>
+          <a:noFill/>
+        </p:spPr>
+        <p:txBody>
+          <a:bodyPr wrap="none" rtlCol="0">
+            <a:spAutoFit/>
+          </a:bodyPr>
+          <a:lstStyle/>
+          <a:p>
+            <a:r>
+              <a:rPr lang="en-US" dirty="0"/>
+              <a:t>A. Victoria</a:t>
+            </a:r>
+          </a:p>
+        </p:txBody>
+      </p:sp>
+      <p:sp>
+        <p:nvSpPr>
+          <p:cNvPr id="7" name="TextBox 6">
+            <a:extLst>
+              <a:ext uri="{FF2B5EF4-FFF2-40B4-BE49-F238E27FC236}">
+                <a16:creationId xmlns:a16="http://schemas.microsoft.com/office/drawing/2014/main" id="{CFF7E491-D5CD-5F43-B1E1-84514A14E7A5}"/>
+              </a:ext>
+            </a:extLst>
+          </p:cNvPr>
+          <p:cNvSpPr txBox="1"/>
+          <p:nvPr/>
+        </p:nvSpPr>
+        <p:spPr>
+          <a:xfrm>
+            <a:off x="7873547" y="5524430"/>
+            <a:ext cx="2216056" cy="369332"/>
+          </a:xfrm>
+          <a:prstGeom prst="rect">
+            <a:avLst/>
+          </a:prstGeom>
+          <a:noFill/>
+        </p:spPr>
+        <p:txBody>
+          <a:bodyPr wrap="none" rtlCol="0">
+            <a:spAutoFit/>
+          </a:bodyPr>
+          <a:lstStyle/>
+          <a:p>
+            <a:r>
+              <a:rPr lang="en-US" dirty="0"/>
+              <a:t>GFP Protein Structure</a:t>
+            </a:r>
+          </a:p>
+        </p:txBody>
+      </p:sp>
+    </p:spTree>
+    <p:extLst>
+      <p:ext uri="{BB962C8B-B14F-4D97-AF65-F5344CB8AC3E}">
+        <p14:creationId xmlns:p14="http://schemas.microsoft.com/office/powerpoint/2010/main" val="2684259751"/>
+      </p:ext>
+    </p:extLst>
+  </p:cSld>
+  <p:clrMapOvr>
+    <a:masterClrMapping/>
+  </p:clrMapOvr>
+</p:sld>
+</file>
+
+<file path=ppt/slides/slide9.xml><?xml version="1.0" encoding="utf-8"?>
+<p:sld xmlns:a="http://schemas.openxmlformats.org/drawingml/2006/main" xmlns:r="http://schemas.openxmlformats.org/officeDocument/2006/relationships" xmlns:p="http://schemas.openxmlformats.org/presentationml/2006/main">
+  <p:cSld>
+    <p:spTree>
+      <p:nvGrpSpPr>
+        <p:cNvPr id="1" name=""/>
+        <p:cNvGrpSpPr/>
+        <p:nvPr/>
+      </p:nvGrpSpPr>
+      <p:grpSpPr>
+        <a:xfrm>
+          <a:off x="0" y="0"/>
+          <a:ext cx="0" cy="0"/>
+          <a:chOff x="0" y="0"/>
+          <a:chExt cx="0" cy="0"/>
+        </a:xfrm>
+      </p:grpSpPr>
+      <p:sp>
+        <p:nvSpPr>
+          <p:cNvPr id="2" name="TextBox 1">
+            <a:extLst>
+              <a:ext uri="{FF2B5EF4-FFF2-40B4-BE49-F238E27FC236}">
+                <a16:creationId xmlns:a16="http://schemas.microsoft.com/office/drawing/2014/main" id="{5775A600-02E9-6F45-A8B3-F2BB2C49C847}"/>
+              </a:ext>
+            </a:extLst>
+          </p:cNvPr>
+          <p:cNvSpPr txBox="1"/>
+          <p:nvPr/>
+        </p:nvSpPr>
+        <p:spPr>
+          <a:xfrm>
+            <a:off x="0" y="123939"/>
+            <a:ext cx="12192000" cy="646331"/>
+          </a:xfrm>
+          <a:prstGeom prst="rect">
+            <a:avLst/>
+          </a:prstGeom>
+          <a:noFill/>
+        </p:spPr>
+        <p:txBody>
+          <a:bodyPr wrap="square" rtlCol="0">
+            <a:spAutoFit/>
+          </a:bodyPr>
+          <a:lstStyle/>
+          <a:p>
+            <a:pPr algn="ctr"/>
+            <a:r>
               <a:rPr lang="en-US" sz="3600" dirty="0" err="1"/>
               <a:t>pGFP</a:t>
             </a:r>
@@ -22721,102 +29331,6 @@
 </p:sld>
 </file>
 
-<file path=ppt/slides/slide9.xml><?xml version="1.0" encoding="utf-8"?>
-<p:sld xmlns:a="http://schemas.openxmlformats.org/drawingml/2006/main" xmlns:r="http://schemas.openxmlformats.org/officeDocument/2006/relationships" xmlns:p="http://schemas.openxmlformats.org/presentationml/2006/main">
-  <p:cSld>
-    <p:spTree>
-      <p:nvGrpSpPr>
-        <p:cNvPr id="1" name=""/>
-        <p:cNvGrpSpPr/>
-        <p:nvPr/>
-      </p:nvGrpSpPr>
-      <p:grpSpPr>
-        <a:xfrm>
-          <a:off x="0" y="0"/>
-          <a:ext cx="0" cy="0"/>
-          <a:chOff x="0" y="0"/>
-          <a:chExt cx="0" cy="0"/>
-        </a:xfrm>
-      </p:grpSpPr>
-      <p:sp>
-        <p:nvSpPr>
-          <p:cNvPr id="2" name="TextBox 1">
-            <a:extLst>
-              <a:ext uri="{FF2B5EF4-FFF2-40B4-BE49-F238E27FC236}">
-                <a16:creationId xmlns:a16="http://schemas.microsoft.com/office/drawing/2014/main" id="{5775A600-02E9-6F45-A8B3-F2BB2C49C847}"/>
-              </a:ext>
-            </a:extLst>
-          </p:cNvPr>
-          <p:cNvSpPr txBox="1"/>
-          <p:nvPr/>
-        </p:nvSpPr>
-        <p:spPr>
-          <a:xfrm>
-            <a:off x="0" y="123939"/>
-            <a:ext cx="12192000" cy="646331"/>
-          </a:xfrm>
-          <a:prstGeom prst="rect">
-            <a:avLst/>
-          </a:prstGeom>
-          <a:noFill/>
-        </p:spPr>
-        <p:txBody>
-          <a:bodyPr wrap="square" rtlCol="0">
-            <a:spAutoFit/>
-          </a:bodyPr>
-          <a:lstStyle/>
-          <a:p>
-            <a:pPr algn="ctr"/>
-            <a:r>
-              <a:rPr lang="en-US" sz="3600" dirty="0"/>
-              <a:t>During heat shock – (some) bacteria take up plasmid</a:t>
-            </a:r>
-          </a:p>
-        </p:txBody>
-      </p:sp>
-      <p:pic>
-        <p:nvPicPr>
-          <p:cNvPr id="3" name="Picture 2">
-            <a:extLst>
-              <a:ext uri="{FF2B5EF4-FFF2-40B4-BE49-F238E27FC236}">
-                <a16:creationId xmlns:a16="http://schemas.microsoft.com/office/drawing/2014/main" id="{6293A882-6D72-CF48-A62B-0A8FB9A58A9D}"/>
-              </a:ext>
-            </a:extLst>
-          </p:cNvPr>
-          <p:cNvPicPr>
-            <a:picLocks noChangeAspect="1"/>
-          </p:cNvPicPr>
-          <p:nvPr/>
-        </p:nvPicPr>
-        <p:blipFill>
-          <a:blip r:embed="rId2"/>
-          <a:stretch>
-            <a:fillRect/>
-          </a:stretch>
-        </p:blipFill>
-        <p:spPr>
-          <a:xfrm>
-            <a:off x="2391644" y="1765977"/>
-            <a:ext cx="7408712" cy="4261843"/>
-          </a:xfrm>
-          <a:prstGeom prst="rect">
-            <a:avLst/>
-          </a:prstGeom>
-        </p:spPr>
-      </p:pic>
-    </p:spTree>
-    <p:extLst>
-      <p:ext uri="{BB962C8B-B14F-4D97-AF65-F5344CB8AC3E}">
-        <p14:creationId xmlns:p14="http://schemas.microsoft.com/office/powerpoint/2010/main" val="298829115"/>
-      </p:ext>
-    </p:extLst>
-  </p:cSld>
-  <p:clrMapOvr>
-    <a:masterClrMapping/>
-  </p:clrMapOvr>
-</p:sld>
-</file>
-
 <file path=ppt/theme/theme1.xml><?xml version="1.0" encoding="utf-8"?>
 <a:theme xmlns:a="http://schemas.openxmlformats.org/drawingml/2006/main" name="Office Theme">
   <a:themeElements>
